--- a/Poster.pptx
+++ b/Poster.pptx
@@ -4,6 +4,9 @@
   <p:sldMasterIdLst>
     <p:sldMasterId id="2147483660" r:id="rId1"/>
   </p:sldMasterIdLst>
+  <p:notesMasterIdLst>
+    <p:notesMasterId r:id="rId3"/>
+  </p:notesMasterIdLst>
   <p:sldIdLst>
     <p:sldId id="256" r:id="rId2"/>
   </p:sldIdLst>
@@ -123,6 +126,440 @@
 </p:presentation>
 </file>
 
+<file path=ppt/notesMasters/notesMaster1.xml><?xml version="1.0" encoding="utf-8"?>
+<p:notesMaster xmlns:a="http://schemas.openxmlformats.org/drawingml/2006/main" xmlns:r="http://schemas.openxmlformats.org/officeDocument/2006/relationships" xmlns:p="http://schemas.openxmlformats.org/presentationml/2006/main">
+  <p:cSld>
+    <p:bg>
+      <p:bgRef idx="1001">
+        <a:schemeClr val="bg1"/>
+      </p:bgRef>
+    </p:bg>
+    <p:spTree>
+      <p:nvGrpSpPr>
+        <p:cNvPr id="1" name=""/>
+        <p:cNvGrpSpPr/>
+        <p:nvPr/>
+      </p:nvGrpSpPr>
+      <p:grpSpPr>
+        <a:xfrm>
+          <a:off x="0" y="0"/>
+          <a:ext cx="0" cy="0"/>
+          <a:chOff x="0" y="0"/>
+          <a:chExt cx="0" cy="0"/>
+        </a:xfrm>
+      </p:grpSpPr>
+      <p:sp>
+        <p:nvSpPr>
+          <p:cNvPr id="2" name="Header Placeholder 1"/>
+          <p:cNvSpPr>
+            <a:spLocks noGrp="1"/>
+          </p:cNvSpPr>
+          <p:nvPr>
+            <p:ph type="hdr" sz="quarter"/>
+          </p:nvPr>
+        </p:nvSpPr>
+        <p:spPr>
+          <a:xfrm>
+            <a:off x="0" y="0"/>
+            <a:ext cx="2971800" cy="458788"/>
+          </a:xfrm>
+          <a:prstGeom prst="rect">
+            <a:avLst/>
+          </a:prstGeom>
+        </p:spPr>
+        <p:txBody>
+          <a:bodyPr vert="horz" lIns="91440" tIns="45720" rIns="91440" bIns="45720" rtlCol="0"/>
+          <a:lstStyle>
+            <a:lvl1pPr algn="l">
+              <a:defRPr sz="1200"/>
+            </a:lvl1pPr>
+          </a:lstStyle>
+          <a:p>
+            <a:endParaRPr lang="en-GB"/>
+          </a:p>
+        </p:txBody>
+      </p:sp>
+      <p:sp>
+        <p:nvSpPr>
+          <p:cNvPr id="3" name="Date Placeholder 2"/>
+          <p:cNvSpPr>
+            <a:spLocks noGrp="1"/>
+          </p:cNvSpPr>
+          <p:nvPr>
+            <p:ph type="dt" idx="1"/>
+          </p:nvPr>
+        </p:nvSpPr>
+        <p:spPr>
+          <a:xfrm>
+            <a:off x="3884613" y="0"/>
+            <a:ext cx="2971800" cy="458788"/>
+          </a:xfrm>
+          <a:prstGeom prst="rect">
+            <a:avLst/>
+          </a:prstGeom>
+        </p:spPr>
+        <p:txBody>
+          <a:bodyPr vert="horz" lIns="91440" tIns="45720" rIns="91440" bIns="45720" rtlCol="0"/>
+          <a:lstStyle>
+            <a:lvl1pPr algn="r">
+              <a:defRPr sz="1200"/>
+            </a:lvl1pPr>
+          </a:lstStyle>
+          <a:p>
+            <a:fld id="{FA277F2B-B98C-40E6-B7F5-7E6E5F4E44D9}" type="datetimeFigureOut">
+              <a:rPr lang="en-GB" smtClean="0"/>
+              <a:t>05/09/2023</a:t>
+            </a:fld>
+            <a:endParaRPr lang="en-GB"/>
+          </a:p>
+        </p:txBody>
+      </p:sp>
+      <p:sp>
+        <p:nvSpPr>
+          <p:cNvPr id="4" name="Slide Image Placeholder 3"/>
+          <p:cNvSpPr>
+            <a:spLocks noGrp="1" noRot="1" noChangeAspect="1"/>
+          </p:cNvSpPr>
+          <p:nvPr>
+            <p:ph type="sldImg" idx="2"/>
+          </p:nvPr>
+        </p:nvSpPr>
+        <p:spPr>
+          <a:xfrm>
+            <a:off x="2338388" y="1143000"/>
+            <a:ext cx="2181225" cy="3086100"/>
+          </a:xfrm>
+          <a:prstGeom prst="rect">
+            <a:avLst/>
+          </a:prstGeom>
+          <a:noFill/>
+          <a:ln w="12700">
+            <a:solidFill>
+              <a:prstClr val="black"/>
+            </a:solidFill>
+          </a:ln>
+        </p:spPr>
+        <p:txBody>
+          <a:bodyPr vert="horz" lIns="91440" tIns="45720" rIns="91440" bIns="45720" rtlCol="0" anchor="ctr"/>
+          <a:lstStyle/>
+          <a:p>
+            <a:endParaRPr lang="en-GB"/>
+          </a:p>
+        </p:txBody>
+      </p:sp>
+      <p:sp>
+        <p:nvSpPr>
+          <p:cNvPr id="5" name="Notes Placeholder 4"/>
+          <p:cNvSpPr>
+            <a:spLocks noGrp="1"/>
+          </p:cNvSpPr>
+          <p:nvPr>
+            <p:ph type="body" sz="quarter" idx="3"/>
+          </p:nvPr>
+        </p:nvSpPr>
+        <p:spPr>
+          <a:xfrm>
+            <a:off x="685800" y="4400550"/>
+            <a:ext cx="5486400" cy="3600450"/>
+          </a:xfrm>
+          <a:prstGeom prst="rect">
+            <a:avLst/>
+          </a:prstGeom>
+        </p:spPr>
+        <p:txBody>
+          <a:bodyPr vert="horz" lIns="91440" tIns="45720" rIns="91440" bIns="45720" rtlCol="0"/>
+          <a:lstStyle/>
+          <a:p>
+            <a:pPr lvl="0"/>
+            <a:r>
+              <a:rPr lang="en-US"/>
+              <a:t>Click to edit Master text styles</a:t>
+            </a:r>
+          </a:p>
+          <a:p>
+            <a:pPr lvl="1"/>
+            <a:r>
+              <a:rPr lang="en-US"/>
+              <a:t>Second level</a:t>
+            </a:r>
+          </a:p>
+          <a:p>
+            <a:pPr lvl="2"/>
+            <a:r>
+              <a:rPr lang="en-US"/>
+              <a:t>Third level</a:t>
+            </a:r>
+          </a:p>
+          <a:p>
+            <a:pPr lvl="3"/>
+            <a:r>
+              <a:rPr lang="en-US"/>
+              <a:t>Fourth level</a:t>
+            </a:r>
+          </a:p>
+          <a:p>
+            <a:pPr lvl="4"/>
+            <a:r>
+              <a:rPr lang="en-US"/>
+              <a:t>Fifth level</a:t>
+            </a:r>
+            <a:endParaRPr lang="en-GB"/>
+          </a:p>
+        </p:txBody>
+      </p:sp>
+      <p:sp>
+        <p:nvSpPr>
+          <p:cNvPr id="6" name="Footer Placeholder 5"/>
+          <p:cNvSpPr>
+            <a:spLocks noGrp="1"/>
+          </p:cNvSpPr>
+          <p:nvPr>
+            <p:ph type="ftr" sz="quarter" idx="4"/>
+          </p:nvPr>
+        </p:nvSpPr>
+        <p:spPr>
+          <a:xfrm>
+            <a:off x="0" y="8685213"/>
+            <a:ext cx="2971800" cy="458787"/>
+          </a:xfrm>
+          <a:prstGeom prst="rect">
+            <a:avLst/>
+          </a:prstGeom>
+        </p:spPr>
+        <p:txBody>
+          <a:bodyPr vert="horz" lIns="91440" tIns="45720" rIns="91440" bIns="45720" rtlCol="0" anchor="b"/>
+          <a:lstStyle>
+            <a:lvl1pPr algn="l">
+              <a:defRPr sz="1200"/>
+            </a:lvl1pPr>
+          </a:lstStyle>
+          <a:p>
+            <a:endParaRPr lang="en-GB"/>
+          </a:p>
+        </p:txBody>
+      </p:sp>
+      <p:sp>
+        <p:nvSpPr>
+          <p:cNvPr id="7" name="Slide Number Placeholder 6"/>
+          <p:cNvSpPr>
+            <a:spLocks noGrp="1"/>
+          </p:cNvSpPr>
+          <p:nvPr>
+            <p:ph type="sldNum" sz="quarter" idx="5"/>
+          </p:nvPr>
+        </p:nvSpPr>
+        <p:spPr>
+          <a:xfrm>
+            <a:off x="3884613" y="8685213"/>
+            <a:ext cx="2971800" cy="458787"/>
+          </a:xfrm>
+          <a:prstGeom prst="rect">
+            <a:avLst/>
+          </a:prstGeom>
+        </p:spPr>
+        <p:txBody>
+          <a:bodyPr vert="horz" lIns="91440" tIns="45720" rIns="91440" bIns="45720" rtlCol="0" anchor="b"/>
+          <a:lstStyle>
+            <a:lvl1pPr algn="r">
+              <a:defRPr sz="1200"/>
+            </a:lvl1pPr>
+          </a:lstStyle>
+          <a:p>
+            <a:fld id="{CC6DA47C-E30F-4BF6-8166-7E39C8CDFA40}" type="slidenum">
+              <a:rPr lang="en-GB" smtClean="0"/>
+              <a:t>‹#›</a:t>
+            </a:fld>
+            <a:endParaRPr lang="en-GB"/>
+          </a:p>
+        </p:txBody>
+      </p:sp>
+    </p:spTree>
+    <p:extLst>
+      <p:ext uri="{BB962C8B-B14F-4D97-AF65-F5344CB8AC3E}">
+        <p14:creationId xmlns:p14="http://schemas.microsoft.com/office/powerpoint/2010/main" val="3083137339"/>
+      </p:ext>
+    </p:extLst>
+  </p:cSld>
+  <p:clrMap bg1="lt1" tx1="dk1" bg2="lt2" tx2="dk2" accent1="accent1" accent2="accent2" accent3="accent3" accent4="accent4" accent5="accent5" accent6="accent6" hlink="hlink" folHlink="folHlink"/>
+  <p:notesStyle>
+    <a:lvl1pPr marL="0" algn="l" defTabSz="914400" rtl="0" eaLnBrk="1" latinLnBrk="0" hangingPunct="1">
+      <a:defRPr sz="1200" kern="1200">
+        <a:solidFill>
+          <a:schemeClr val="tx1"/>
+        </a:solidFill>
+        <a:latin typeface="+mn-lt"/>
+        <a:ea typeface="+mn-ea"/>
+        <a:cs typeface="+mn-cs"/>
+      </a:defRPr>
+    </a:lvl1pPr>
+    <a:lvl2pPr marL="457200" algn="l" defTabSz="914400" rtl="0" eaLnBrk="1" latinLnBrk="0" hangingPunct="1">
+      <a:defRPr sz="1200" kern="1200">
+        <a:solidFill>
+          <a:schemeClr val="tx1"/>
+        </a:solidFill>
+        <a:latin typeface="+mn-lt"/>
+        <a:ea typeface="+mn-ea"/>
+        <a:cs typeface="+mn-cs"/>
+      </a:defRPr>
+    </a:lvl2pPr>
+    <a:lvl3pPr marL="914400" algn="l" defTabSz="914400" rtl="0" eaLnBrk="1" latinLnBrk="0" hangingPunct="1">
+      <a:defRPr sz="1200" kern="1200">
+        <a:solidFill>
+          <a:schemeClr val="tx1"/>
+        </a:solidFill>
+        <a:latin typeface="+mn-lt"/>
+        <a:ea typeface="+mn-ea"/>
+        <a:cs typeface="+mn-cs"/>
+      </a:defRPr>
+    </a:lvl3pPr>
+    <a:lvl4pPr marL="1371600" algn="l" defTabSz="914400" rtl="0" eaLnBrk="1" latinLnBrk="0" hangingPunct="1">
+      <a:defRPr sz="1200" kern="1200">
+        <a:solidFill>
+          <a:schemeClr val="tx1"/>
+        </a:solidFill>
+        <a:latin typeface="+mn-lt"/>
+        <a:ea typeface="+mn-ea"/>
+        <a:cs typeface="+mn-cs"/>
+      </a:defRPr>
+    </a:lvl4pPr>
+    <a:lvl5pPr marL="1828800" algn="l" defTabSz="914400" rtl="0" eaLnBrk="1" latinLnBrk="0" hangingPunct="1">
+      <a:defRPr sz="1200" kern="1200">
+        <a:solidFill>
+          <a:schemeClr val="tx1"/>
+        </a:solidFill>
+        <a:latin typeface="+mn-lt"/>
+        <a:ea typeface="+mn-ea"/>
+        <a:cs typeface="+mn-cs"/>
+      </a:defRPr>
+    </a:lvl5pPr>
+    <a:lvl6pPr marL="2286000" algn="l" defTabSz="914400" rtl="0" eaLnBrk="1" latinLnBrk="0" hangingPunct="1">
+      <a:defRPr sz="1200" kern="1200">
+        <a:solidFill>
+          <a:schemeClr val="tx1"/>
+        </a:solidFill>
+        <a:latin typeface="+mn-lt"/>
+        <a:ea typeface="+mn-ea"/>
+        <a:cs typeface="+mn-cs"/>
+      </a:defRPr>
+    </a:lvl6pPr>
+    <a:lvl7pPr marL="2743200" algn="l" defTabSz="914400" rtl="0" eaLnBrk="1" latinLnBrk="0" hangingPunct="1">
+      <a:defRPr sz="1200" kern="1200">
+        <a:solidFill>
+          <a:schemeClr val="tx1"/>
+        </a:solidFill>
+        <a:latin typeface="+mn-lt"/>
+        <a:ea typeface="+mn-ea"/>
+        <a:cs typeface="+mn-cs"/>
+      </a:defRPr>
+    </a:lvl7pPr>
+    <a:lvl8pPr marL="3200400" algn="l" defTabSz="914400" rtl="0" eaLnBrk="1" latinLnBrk="0" hangingPunct="1">
+      <a:defRPr sz="1200" kern="1200">
+        <a:solidFill>
+          <a:schemeClr val="tx1"/>
+        </a:solidFill>
+        <a:latin typeface="+mn-lt"/>
+        <a:ea typeface="+mn-ea"/>
+        <a:cs typeface="+mn-cs"/>
+      </a:defRPr>
+    </a:lvl8pPr>
+    <a:lvl9pPr marL="3657600" algn="l" defTabSz="914400" rtl="0" eaLnBrk="1" latinLnBrk="0" hangingPunct="1">
+      <a:defRPr sz="1200" kern="1200">
+        <a:solidFill>
+          <a:schemeClr val="tx1"/>
+        </a:solidFill>
+        <a:latin typeface="+mn-lt"/>
+        <a:ea typeface="+mn-ea"/>
+        <a:cs typeface="+mn-cs"/>
+      </a:defRPr>
+    </a:lvl9pPr>
+  </p:notesStyle>
+</p:notesMaster>
+</file>
+
+<file path=ppt/notesSlides/notesSlide1.xml><?xml version="1.0" encoding="utf-8"?>
+<p:notes xmlns:a="http://schemas.openxmlformats.org/drawingml/2006/main" xmlns:r="http://schemas.openxmlformats.org/officeDocument/2006/relationships" xmlns:p="http://schemas.openxmlformats.org/presentationml/2006/main">
+  <p:cSld>
+    <p:spTree>
+      <p:nvGrpSpPr>
+        <p:cNvPr id="1" name=""/>
+        <p:cNvGrpSpPr/>
+        <p:nvPr/>
+      </p:nvGrpSpPr>
+      <p:grpSpPr>
+        <a:xfrm>
+          <a:off x="0" y="0"/>
+          <a:ext cx="0" cy="0"/>
+          <a:chOff x="0" y="0"/>
+          <a:chExt cx="0" cy="0"/>
+        </a:xfrm>
+      </p:grpSpPr>
+      <p:sp>
+        <p:nvSpPr>
+          <p:cNvPr id="2" name="Slide Image Placeholder 1"/>
+          <p:cNvSpPr>
+            <a:spLocks noGrp="1" noRot="1" noChangeAspect="1"/>
+          </p:cNvSpPr>
+          <p:nvPr>
+            <p:ph type="sldImg"/>
+          </p:nvPr>
+        </p:nvSpPr>
+        <p:spPr/>
+      </p:sp>
+      <p:sp>
+        <p:nvSpPr>
+          <p:cNvPr id="3" name="Notes Placeholder 2"/>
+          <p:cNvSpPr>
+            <a:spLocks noGrp="1"/>
+          </p:cNvSpPr>
+          <p:nvPr>
+            <p:ph type="body" idx="1"/>
+          </p:nvPr>
+        </p:nvSpPr>
+        <p:spPr/>
+        <p:txBody>
+          <a:bodyPr/>
+          <a:lstStyle/>
+          <a:p>
+            <a:endParaRPr lang="en-GB" dirty="0"/>
+          </a:p>
+        </p:txBody>
+      </p:sp>
+      <p:sp>
+        <p:nvSpPr>
+          <p:cNvPr id="4" name="Slide Number Placeholder 3"/>
+          <p:cNvSpPr>
+            <a:spLocks noGrp="1"/>
+          </p:cNvSpPr>
+          <p:nvPr>
+            <p:ph type="sldNum" sz="quarter" idx="5"/>
+          </p:nvPr>
+        </p:nvSpPr>
+        <p:spPr/>
+        <p:txBody>
+          <a:bodyPr/>
+          <a:lstStyle/>
+          <a:p>
+            <a:fld id="{CC6DA47C-E30F-4BF6-8166-7E39C8CDFA40}" type="slidenum">
+              <a:rPr lang="en-GB" smtClean="0"/>
+              <a:t>1</a:t>
+            </a:fld>
+            <a:endParaRPr lang="en-GB"/>
+          </a:p>
+        </p:txBody>
+      </p:sp>
+    </p:spTree>
+    <p:extLst>
+      <p:ext uri="{BB962C8B-B14F-4D97-AF65-F5344CB8AC3E}">
+        <p14:creationId xmlns:p14="http://schemas.microsoft.com/office/powerpoint/2010/main" val="1892438332"/>
+      </p:ext>
+    </p:extLst>
+  </p:cSld>
+  <p:clrMapOvr>
+    <a:masterClrMapping/>
+  </p:clrMapOvr>
+</p:notes>
+</file>
+
 <file path=ppt/slideLayouts/slideLayout1.xml><?xml version="1.0" encoding="utf-8"?>
 <p:sldLayout xmlns:a="http://schemas.openxmlformats.org/drawingml/2006/main" xmlns:r="http://schemas.openxmlformats.org/officeDocument/2006/relationships" xmlns:p="http://schemas.openxmlformats.org/presentationml/2006/main" preserve="1" userDrawn="1">
   <p:cSld name="Layout 1">
@@ -197,7 +634,7 @@
             <a:fld id="{182230BD-888B-4299-A805-2BFBAB3CFA3E}" type="datetimeFigureOut">
               <a:rPr lang="en-GB" smtClean="0"/>
               <a:pPr/>
-              <a:t>03/08/2023</a:t>
+              <a:t>04/09/2023</a:t>
             </a:fld>
             <a:endParaRPr lang="en-GB"/>
           </a:p>
@@ -810,7 +1247,7 @@
             <a:fld id="{182230BD-888B-4299-A805-2BFBAB3CFA3E}" type="datetimeFigureOut">
               <a:rPr lang="en-GB" smtClean="0"/>
               <a:pPr/>
-              <a:t>03/08/2023</a:t>
+              <a:t>04/09/2023</a:t>
             </a:fld>
             <a:endParaRPr lang="en-GB"/>
           </a:p>
@@ -1715,7 +2152,7 @@
             <a:fld id="{182230BD-888B-4299-A805-2BFBAB3CFA3E}" type="datetimeFigureOut">
               <a:rPr lang="en-GB" smtClean="0"/>
               <a:pPr/>
-              <a:t>03/08/2023</a:t>
+              <a:t>04/09/2023</a:t>
             </a:fld>
             <a:endParaRPr lang="en-GB"/>
           </a:p>
@@ -2366,6 +2803,36 @@
           <a:chExt cx="0" cy="0"/>
         </a:xfrm>
       </p:grpSpPr>
+      <p:pic>
+        <p:nvPicPr>
+          <p:cNvPr id="29" name="Picture 28">
+            <a:extLst>
+              <a:ext uri="{FF2B5EF4-FFF2-40B4-BE49-F238E27FC236}">
+                <a16:creationId xmlns:a16="http://schemas.microsoft.com/office/drawing/2014/main" id="{69D6287D-5AA4-C92E-57B1-F5B35F3ED665}"/>
+              </a:ext>
+            </a:extLst>
+          </p:cNvPr>
+          <p:cNvPicPr>
+            <a:picLocks noChangeAspect="1"/>
+          </p:cNvPicPr>
+          <p:nvPr/>
+        </p:nvPicPr>
+        <p:blipFill>
+          <a:blip r:embed="rId3"/>
+          <a:stretch>
+            <a:fillRect/>
+          </a:stretch>
+        </p:blipFill>
+        <p:spPr>
+          <a:xfrm>
+            <a:off x="13173776" y="9368598"/>
+            <a:ext cx="7800673" cy="6202755"/>
+          </a:xfrm>
+          <a:prstGeom prst="rect">
+            <a:avLst/>
+          </a:prstGeom>
+        </p:spPr>
+      </p:pic>
       <p:sp>
         <p:nvSpPr>
           <p:cNvPr id="2" name="Title 1">
@@ -2419,8 +2886,8 @@
         </p:nvSpPr>
         <p:spPr>
           <a:xfrm>
-            <a:off x="1271354" y="6313819"/>
-            <a:ext cx="5938214" cy="21538360"/>
+            <a:off x="713275" y="9646724"/>
+            <a:ext cx="6540925" cy="8146360"/>
           </a:xfrm>
         </p:spPr>
         <p:txBody>
@@ -2430,199 +2897,104 @@
             <a:pPr lvl="1"/>
             <a:r>
               <a:rPr lang="en-GB" dirty="0"/>
-              <a:t>AirBorne.jl</a:t>
-            </a:r>
-          </a:p>
-          <a:p>
-            <a:pPr lvl="2"/>
-            <a:r>
-              <a:rPr lang="en-GB" dirty="0"/>
-              <a:t>A new Julia based event driven trading simulation engine.</a:t>
-            </a:r>
-          </a:p>
-          <a:p>
-            <a:r>
-              <a:rPr lang="en-GB" dirty="0">
-                <a:solidFill>
-                  <a:srgbClr val="FF0000"/>
-                </a:solidFill>
-              </a:rPr>
-              <a:t>As the popularity and toolbox of Julia grows the need of a friendly out-of-the-box solution to easily test algorithmic trading strategies emerges, </a:t>
-            </a:r>
-            <a:r>
-              <a:rPr lang="en-GB" b="1" dirty="0">
-                <a:solidFill>
-                  <a:srgbClr val="FF0000"/>
-                </a:solidFill>
-              </a:rPr>
-              <a:t>USE BULLETPOINTS!!!</a:t>
-            </a:r>
-            <a:endParaRPr lang="en-GB" dirty="0">
-              <a:solidFill>
-                <a:srgbClr val="FF0000"/>
-              </a:solidFill>
-            </a:endParaRPr>
-          </a:p>
-          <a:p>
-            <a:r>
-              <a:rPr lang="en-GB" dirty="0">
-                <a:solidFill>
-                  <a:srgbClr val="FF0000"/>
-                </a:solidFill>
-              </a:rPr>
-              <a:t>languages like Python or C++ count with packages like Zipline and Zorro respectively that already satisfies that need in those languages. However, the gap in Julia remains, this project aims to close the gap by introducing the AirBorne package</a:t>
-            </a:r>
-            <a:r>
-              <a:rPr lang="en-GB" dirty="0"/>
-              <a:t>.</a:t>
-            </a:r>
-          </a:p>
-          <a:p>
-            <a:pPr lvl="2"/>
-            <a:r>
-              <a:rPr lang="en-GB" sz="2684" b="1" dirty="0">
-                <a:solidFill>
-                  <a:schemeClr val="accent3"/>
-                </a:solidFill>
-              </a:rPr>
-              <a:t>Fast, modern and precise.</a:t>
-            </a:r>
-          </a:p>
-          <a:p>
-            <a:pPr lvl="2"/>
-            <a:r>
-              <a:rPr lang="en-GB" sz="1695" dirty="0"/>
-              <a:t>It is </a:t>
-            </a:r>
-          </a:p>
-          <a:p>
-            <a:pPr lvl="3"/>
-            <a:r>
-              <a:rPr lang="en-GB" dirty="0"/>
-              <a:t>Built-in Model Predictive Control</a:t>
-            </a:r>
-          </a:p>
-          <a:p>
-            <a:pPr lvl="4"/>
-            <a:endParaRPr lang="en-GB" sz="1695" dirty="0"/>
-          </a:p>
-          <a:p>
-            <a:pPr lvl="4"/>
-            <a:endParaRPr lang="en-GB" dirty="0"/>
-          </a:p>
-          <a:p>
-            <a:pPr lvl="4"/>
-            <a:r>
-              <a:rPr lang="en-GB" dirty="0"/>
-              <a:t>SOTA </a:t>
-            </a:r>
-            <a:r>
-              <a:rPr lang="en-GB" dirty="0" err="1"/>
-              <a:t>MeanVariance</a:t>
-            </a:r>
-            <a:r>
-              <a:rPr lang="en-GB" dirty="0"/>
-              <a:t> MPC Framework</a:t>
-            </a:r>
-          </a:p>
-          <a:p>
-            <a:pPr lvl="5"/>
-            <a:r>
-              <a:rPr lang="en-GB" dirty="0"/>
-              <a:t>“Level six is for pull out quotes, but level one can also be used for body size quotes”</a:t>
-            </a:r>
-          </a:p>
-          <a:p>
-            <a:pPr lvl="6"/>
-            <a:r>
-              <a:rPr lang="en-GB" dirty="0"/>
-              <a:t>Level seven is for quote sources</a:t>
-            </a:r>
-          </a:p>
-          <a:p>
-            <a:pPr marL="0" lvl="7" indent="0">
+              <a:t>Motivation</a:t>
+            </a:r>
+          </a:p>
+          <a:p>
+            <a:pPr marL="0" lvl="8" indent="0">
               <a:buNone/>
             </a:pPr>
             <a:r>
-              <a:rPr lang="en-GB" sz="2684" b="1" dirty="0">
-                <a:solidFill>
-                  <a:schemeClr val="accent3"/>
-                </a:solidFill>
-              </a:rPr>
-              <a:t>Multi-layer Financial Modelling</a:t>
-            </a:r>
-          </a:p>
-          <a:p>
-            <a:pPr marL="0" lvl="7" indent="0">
-              <a:buNone/>
-            </a:pPr>
-            <a:r>
               <a:rPr lang="en-GB" dirty="0"/>
-              <a:t>A</a:t>
-            </a:r>
-          </a:p>
-          <a:p>
-            <a:pPr marL="0" lvl="7" indent="0">
+              <a:t>Julia is a relatively new highly expressive high performant programming language that due to lack of adoption has its package ecosystem underdeveloped with respect to other more widely adopted languages such as C, Java and Python.</a:t>
+            </a:r>
+          </a:p>
+          <a:p>
+            <a:pPr marL="0" lvl="8" indent="0">
               <a:buNone/>
             </a:pPr>
             <a:endParaRPr lang="en-GB" dirty="0"/>
           </a:p>
           <a:p>
-            <a:pPr lvl="7"/>
+            <a:pPr marL="0" lvl="8" indent="0">
+              <a:buNone/>
+            </a:pPr>
+            <a:r>
+              <a:rPr lang="en-GB" b="1" u="sng" dirty="0"/>
+              <a:t>Contribution:</a:t>
+            </a:r>
             <a:r>
               <a:rPr lang="en-GB" dirty="0"/>
-              <a:t>AirBorne Features:</a:t>
-            </a:r>
-          </a:p>
-          <a:p>
-            <a:pPr lvl="8"/>
+              <a:t> In particular in the context of algorithmic trading there is a vacuum in the availability of well-maintained packages capable of generic algorithmic trading and backtesting, unlike in C or Python were tools such as Zorro and Zipline are widely used and maintained by its community.</a:t>
+            </a:r>
+          </a:p>
+          <a:p>
+            <a:pPr marL="0" lvl="8" indent="0">
+              <a:buNone/>
+            </a:pPr>
+            <a:endParaRPr lang="en-GB" dirty="0"/>
+          </a:p>
+          <a:p>
+            <a:pPr marL="0" lvl="8" indent="0">
+              <a:buNone/>
+            </a:pPr>
             <a:r>
               <a:rPr lang="en-GB" dirty="0"/>
-              <a:t>Transparent transaction modelling </a:t>
-            </a:r>
-          </a:p>
-          <a:p>
-            <a:pPr lvl="8"/>
+              <a:t>In order to address this gap this project developed an Imperial College backed software “AirBorne” with the main goal of it being the package of reference for algorithmic trading in Julia.</a:t>
+            </a:r>
+          </a:p>
+          <a:p>
+            <a:pPr marL="0" lvl="8" indent="0">
+              <a:buNone/>
+            </a:pPr>
+            <a:endParaRPr lang="en-GB" dirty="0"/>
+          </a:p>
+          <a:p>
+            <a:pPr marL="0" lvl="8" indent="0">
+              <a:buNone/>
+            </a:pPr>
+            <a:r>
+              <a:rPr lang="en-GB" b="1" u="sng" dirty="0"/>
+              <a:t>Predictive Control:</a:t>
+            </a:r>
             <a:r>
               <a:rPr lang="en-GB" dirty="0"/>
-              <a:t>Fast event driven simulation</a:t>
-            </a:r>
-          </a:p>
-          <a:p>
-            <a:pPr lvl="8"/>
+              <a:t> Moreover, the research in algorithmic trading strategies is an area of increasing interest in the control community, with active research in the area of model predictive control (MPC).</a:t>
+            </a:r>
+          </a:p>
+          <a:p>
+            <a:pPr marL="0" lvl="8" indent="0">
+              <a:buNone/>
+            </a:pPr>
+            <a:endParaRPr lang="en-GB" dirty="0"/>
+          </a:p>
+          <a:p>
+            <a:pPr marL="0" lvl="8" indent="0">
+              <a:buNone/>
+            </a:pPr>
             <a:r>
               <a:rPr lang="en-GB" dirty="0"/>
-              <a:t>Extreme design flexibility for strategies</a:t>
-            </a:r>
-          </a:p>
-          <a:p>
-            <a:pPr lvl="8"/>
+              <a:t>This project replicated a recently published state-of-the-art Mean Variance MPC strategy using Hidden Markov Models [1] as a modelling technique and compare its performance against similar models with different models and different well stablished strategies.</a:t>
+            </a:r>
+          </a:p>
+          <a:p>
+            <a:pPr marL="0" lvl="8" indent="0">
+              <a:buNone/>
+            </a:pPr>
+            <a:endParaRPr lang="en-GB" dirty="0"/>
+          </a:p>
+          <a:p>
+            <a:pPr marL="0" lvl="8" indent="0">
+              <a:buNone/>
+            </a:pPr>
+            <a:r>
+              <a:rPr lang="en-GB" b="1" u="sng" dirty="0"/>
+              <a:t>Conclusion:</a:t>
+            </a:r>
             <a:r>
               <a:rPr lang="en-GB" dirty="0"/>
-              <a:t>Built-in portfolio metrics &amp; asset valuation</a:t>
-            </a:r>
-          </a:p>
-          <a:p>
-            <a:pPr lvl="8"/>
-            <a:r>
-              <a:rPr lang="en-GB" dirty="0"/>
-              <a:t>Compatible with Julia packages ecosystem</a:t>
-            </a:r>
-          </a:p>
-          <a:p>
-            <a:pPr lvl="8"/>
-            <a:r>
-              <a:rPr lang="en-GB" dirty="0"/>
-              <a:t>Modular design with high scalability.</a:t>
-            </a:r>
-          </a:p>
-          <a:p>
-            <a:pPr lvl="8"/>
-            <a:endParaRPr lang="en-GB" dirty="0"/>
-          </a:p>
-          <a:p>
-            <a:pPr lvl="8"/>
-            <a:endParaRPr lang="en-GB" dirty="0"/>
+              <a:t> The project successfully put forward a fully functional though restricted algorithmic trading platform, accessible for anyone to use, adding immediate value to the Julian algorithmic trading community whilst providing a relevant use case for current state of the art predictive control in algorithmic trading.</a:t>
+            </a:r>
           </a:p>
           <a:p>
             <a:endParaRPr lang="en-GB" dirty="0"/>
@@ -2645,7 +3017,12 @@
             <p:ph sz="quarter" idx="14"/>
           </p:nvPr>
         </p:nvSpPr>
-        <p:spPr/>
+        <p:spPr>
+          <a:xfrm>
+            <a:off x="659544" y="18039524"/>
+            <a:ext cx="7359557" cy="2615468"/>
+          </a:xfrm>
+        </p:spPr>
         <p:txBody>
           <a:bodyPr/>
           <a:lstStyle/>
@@ -2653,21 +3030,19 @@
             <a:pPr lvl="1"/>
             <a:r>
               <a:rPr lang="en-GB" dirty="0"/>
-              <a:t>MPC performance</a:t>
+              <a:t>MV-MPC performance</a:t>
             </a:r>
           </a:p>
           <a:p>
             <a:r>
               <a:rPr lang="en-GB" dirty="0"/>
-              <a:t>20 to 30% text, rest images. Add diagrams instead  of </a:t>
-            </a:r>
-            <a:r>
-              <a:rPr lang="en-GB" dirty="0" err="1"/>
-              <a:t>exlaiing</a:t>
-            </a:r>
+              <a:t>The usage of predictive control through the trading strategy Mean Variance MPC (MV-MPC) [1] outperformed well established strategies in the trading industries such as Simple Moving Average and Markowitz.</a:t>
+            </a:r>
+          </a:p>
+          <a:p>
             <a:r>
               <a:rPr lang="en-GB" dirty="0"/>
-              <a:t> with text,  Put text on the notes (not visible  on the poster). People in 20-15 seconds should be capable of without much reading understand the contents of the poster.</a:t>
+              <a:t>Figure 3 provides a comparison of the accumulated return of the portfolio following different trading strategies. Equation 1 presents the optimal control problem formulation of the MV-MPC.</a:t>
             </a:r>
           </a:p>
           <a:p>
@@ -2694,7 +3069,12 @@
             <p:ph sz="quarter" idx="15"/>
           </p:nvPr>
         </p:nvSpPr>
-        <p:spPr/>
+        <p:spPr>
+          <a:xfrm>
+            <a:off x="442201" y="24809998"/>
+            <a:ext cx="7933707" cy="4009459"/>
+          </a:xfrm>
+        </p:spPr>
         <p:txBody>
           <a:bodyPr/>
           <a:lstStyle/>
@@ -2702,457 +3082,77 @@
             <a:pPr lvl="1"/>
             <a:r>
               <a:rPr lang="en-GB" dirty="0"/>
-              <a:t>Forecasting</a:t>
+              <a:t>Predictive Model</a:t>
             </a:r>
           </a:p>
           <a:p>
             <a:r>
               <a:rPr lang="en-GB" dirty="0"/>
-              <a:t>Lorem ipsum </a:t>
-            </a:r>
-            <a:r>
-              <a:rPr lang="en-GB" dirty="0" err="1"/>
-              <a:t>dolor</a:t>
-            </a:r>
+              <a:t>The MV-MPC models the returns of each asset in a portfolio as a series of random variables which is a time varying stochastic process, at each point in time an estimate of its expected value and covariance matrix is produced for the horizon of the OCP.</a:t>
+            </a:r>
+          </a:p>
+          <a:p>
             <a:r>
               <a:rPr lang="en-GB" dirty="0"/>
-              <a:t> sit </a:t>
-            </a:r>
-            <a:r>
-              <a:rPr lang="en-GB" dirty="0" err="1"/>
-              <a:t>amet</a:t>
-            </a:r>
+              <a:t>Four different models were studied, Behavioural model*, HMM, Linear regression and Last value of those HMM was found to be the best performant in a dataset of 22 companies during 2020 as shown in Figure 4. </a:t>
+            </a:r>
+          </a:p>
+          <a:p>
             <a:r>
               <a:rPr lang="en-GB" dirty="0"/>
-              <a:t>, </a:t>
-            </a:r>
-            <a:r>
-              <a:rPr lang="en-GB" dirty="0" err="1"/>
-              <a:t>consectetuer</a:t>
-            </a:r>
-            <a:r>
-              <a:rPr lang="en-GB" dirty="0"/>
-              <a:t> </a:t>
-            </a:r>
-            <a:r>
-              <a:rPr lang="en-GB" dirty="0" err="1"/>
-              <a:t>adipiscing</a:t>
-            </a:r>
-            <a:r>
-              <a:rPr lang="en-GB" dirty="0"/>
-              <a:t> </a:t>
-            </a:r>
-            <a:r>
-              <a:rPr lang="en-GB" dirty="0" err="1"/>
-              <a:t>elit</a:t>
-            </a:r>
-            <a:r>
-              <a:rPr lang="en-GB" dirty="0"/>
-              <a:t>. Maecenas </a:t>
-            </a:r>
-            <a:r>
-              <a:rPr lang="en-GB" dirty="0" err="1"/>
-              <a:t>porttitor</a:t>
-            </a:r>
-            <a:r>
-              <a:rPr lang="en-GB" dirty="0"/>
-              <a:t> </a:t>
-            </a:r>
-            <a:r>
-              <a:rPr lang="en-GB" dirty="0" err="1"/>
-              <a:t>congue</a:t>
-            </a:r>
-            <a:r>
-              <a:rPr lang="en-GB" dirty="0"/>
-              <a:t> </a:t>
-            </a:r>
-            <a:r>
-              <a:rPr lang="en-GB" dirty="0" err="1"/>
-              <a:t>massa</a:t>
-            </a:r>
-            <a:r>
-              <a:rPr lang="en-GB" dirty="0"/>
-              <a:t>. </a:t>
-            </a:r>
-            <a:r>
-              <a:rPr lang="en-GB" dirty="0" err="1"/>
-              <a:t>Fusce</a:t>
-            </a:r>
-            <a:r>
-              <a:rPr lang="en-GB" dirty="0"/>
-              <a:t> </a:t>
-            </a:r>
-            <a:r>
-              <a:rPr lang="en-GB" dirty="0" err="1"/>
-              <a:t>posuere</a:t>
-            </a:r>
-            <a:r>
-              <a:rPr lang="en-GB" dirty="0"/>
-              <a:t>, magna </a:t>
-            </a:r>
-            <a:r>
-              <a:rPr lang="en-GB" dirty="0" err="1"/>
-              <a:t>sed</a:t>
-            </a:r>
-            <a:r>
-              <a:rPr lang="en-GB" dirty="0"/>
-              <a:t> pulvinar </a:t>
-            </a:r>
-            <a:r>
-              <a:rPr lang="en-GB" dirty="0" err="1"/>
-              <a:t>ultricies</a:t>
-            </a:r>
-            <a:r>
-              <a:rPr lang="en-GB" dirty="0"/>
-              <a:t>, </a:t>
-            </a:r>
-            <a:r>
-              <a:rPr lang="en-GB" dirty="0" err="1"/>
-              <a:t>purus</a:t>
-            </a:r>
-            <a:r>
-              <a:rPr lang="en-GB" dirty="0"/>
-              <a:t> </a:t>
-            </a:r>
-            <a:r>
-              <a:rPr lang="en-GB" dirty="0" err="1"/>
-              <a:t>lectus</a:t>
-            </a:r>
-            <a:r>
-              <a:rPr lang="en-GB" dirty="0"/>
-              <a:t> </a:t>
-            </a:r>
-            <a:r>
-              <a:rPr lang="en-GB" dirty="0" err="1"/>
-              <a:t>malesuada</a:t>
-            </a:r>
-            <a:r>
-              <a:rPr lang="en-GB" dirty="0"/>
-              <a:t> libero, sit </a:t>
-            </a:r>
-            <a:r>
-              <a:rPr lang="en-GB" dirty="0" err="1"/>
-              <a:t>amet</a:t>
-            </a:r>
-            <a:r>
-              <a:rPr lang="en-GB" dirty="0"/>
-              <a:t> </a:t>
-            </a:r>
-            <a:r>
-              <a:rPr lang="en-GB" dirty="0" err="1"/>
-              <a:t>commodo</a:t>
-            </a:r>
-            <a:r>
-              <a:rPr lang="en-GB" dirty="0"/>
-              <a:t> magna </a:t>
-            </a:r>
-            <a:r>
-              <a:rPr lang="en-GB" dirty="0" err="1"/>
-              <a:t>eros</a:t>
-            </a:r>
-            <a:r>
-              <a:rPr lang="en-GB" dirty="0"/>
-              <a:t> </a:t>
-            </a:r>
-            <a:r>
-              <a:rPr lang="en-GB" dirty="0" err="1"/>
-              <a:t>quis</a:t>
-            </a:r>
-            <a:r>
-              <a:rPr lang="en-GB" dirty="0"/>
-              <a:t> </a:t>
-            </a:r>
-            <a:r>
-              <a:rPr lang="en-GB" dirty="0" err="1"/>
-              <a:t>urna</a:t>
-            </a:r>
-            <a:r>
-              <a:rPr lang="en-GB" dirty="0"/>
-              <a:t>.</a:t>
-            </a:r>
-          </a:p>
-          <a:p>
-            <a:r>
-              <a:rPr lang="en-GB" dirty="0"/>
-              <a:t>Nunc </a:t>
-            </a:r>
-            <a:r>
-              <a:rPr lang="en-GB" dirty="0" err="1"/>
-              <a:t>viverra</a:t>
-            </a:r>
-            <a:r>
-              <a:rPr lang="en-GB" dirty="0"/>
-              <a:t> </a:t>
-            </a:r>
-            <a:r>
-              <a:rPr lang="en-GB" dirty="0" err="1"/>
-              <a:t>imperdiet</a:t>
-            </a:r>
-            <a:r>
-              <a:rPr lang="en-GB" dirty="0"/>
-              <a:t> </a:t>
-            </a:r>
-            <a:r>
-              <a:rPr lang="en-GB" dirty="0" err="1"/>
-              <a:t>enim</a:t>
-            </a:r>
-            <a:r>
-              <a:rPr lang="en-GB" dirty="0"/>
-              <a:t>. </a:t>
-            </a:r>
-            <a:r>
-              <a:rPr lang="en-GB" dirty="0" err="1"/>
-              <a:t>Fusce</a:t>
-            </a:r>
-            <a:r>
-              <a:rPr lang="en-GB" dirty="0"/>
-              <a:t> est. </a:t>
-            </a:r>
-            <a:r>
-              <a:rPr lang="en-GB" dirty="0" err="1"/>
-              <a:t>Vivamus</a:t>
-            </a:r>
-            <a:r>
-              <a:rPr lang="en-GB" dirty="0"/>
-              <a:t> a </a:t>
-            </a:r>
-            <a:r>
-              <a:rPr lang="en-GB" dirty="0" err="1"/>
-              <a:t>tellus</a:t>
-            </a:r>
-            <a:r>
-              <a:rPr lang="en-GB" dirty="0"/>
-              <a:t>. </a:t>
-            </a:r>
-            <a:r>
-              <a:rPr lang="en-GB" dirty="0" err="1"/>
-              <a:t>Pellentesque</a:t>
-            </a:r>
-            <a:r>
-              <a:rPr lang="en-GB" dirty="0"/>
-              <a:t> habitant </a:t>
-            </a:r>
-            <a:r>
-              <a:rPr lang="en-GB" dirty="0" err="1"/>
-              <a:t>morbi</a:t>
-            </a:r>
-            <a:r>
-              <a:rPr lang="en-GB" dirty="0"/>
-              <a:t> </a:t>
-            </a:r>
-            <a:r>
-              <a:rPr lang="en-GB" dirty="0" err="1"/>
-              <a:t>tristique</a:t>
-            </a:r>
-            <a:r>
-              <a:rPr lang="en-GB" dirty="0"/>
-              <a:t> </a:t>
-            </a:r>
-            <a:r>
-              <a:rPr lang="en-GB" dirty="0" err="1"/>
-              <a:t>senectus</a:t>
-            </a:r>
-            <a:r>
-              <a:rPr lang="en-GB" dirty="0"/>
-              <a:t> et </a:t>
-            </a:r>
-            <a:r>
-              <a:rPr lang="en-GB" dirty="0" err="1"/>
-              <a:t>netus</a:t>
-            </a:r>
-            <a:r>
-              <a:rPr lang="en-GB" dirty="0"/>
-              <a:t> et </a:t>
-            </a:r>
-            <a:r>
-              <a:rPr lang="en-GB" dirty="0" err="1"/>
-              <a:t>malesuada</a:t>
-            </a:r>
-            <a:r>
-              <a:rPr lang="en-GB" dirty="0"/>
-              <a:t> fames ac </a:t>
-            </a:r>
-            <a:r>
-              <a:rPr lang="en-GB" dirty="0" err="1"/>
-              <a:t>turpis</a:t>
-            </a:r>
-            <a:r>
-              <a:rPr lang="en-GB" dirty="0"/>
-              <a:t> </a:t>
-            </a:r>
-            <a:r>
-              <a:rPr lang="en-GB" dirty="0" err="1"/>
-              <a:t>egestas</a:t>
-            </a:r>
-            <a:r>
-              <a:rPr lang="en-GB" dirty="0"/>
-              <a:t>. </a:t>
-            </a:r>
-            <a:r>
-              <a:rPr lang="en-GB" dirty="0" err="1"/>
-              <a:t>Proin</a:t>
-            </a:r>
-            <a:r>
-              <a:rPr lang="en-GB" dirty="0"/>
-              <a:t> pharetra </a:t>
-            </a:r>
-            <a:r>
-              <a:rPr lang="en-GB" dirty="0" err="1"/>
-              <a:t>nonummy</a:t>
-            </a:r>
-            <a:r>
-              <a:rPr lang="en-GB" dirty="0"/>
-              <a:t> </a:t>
-            </a:r>
-            <a:r>
-              <a:rPr lang="en-GB" dirty="0" err="1"/>
-              <a:t>pede</a:t>
-            </a:r>
-            <a:r>
-              <a:rPr lang="en-GB" dirty="0"/>
-              <a:t>. </a:t>
-            </a:r>
-            <a:r>
-              <a:rPr lang="en-GB" dirty="0" err="1"/>
-              <a:t>Mauris</a:t>
-            </a:r>
-            <a:r>
-              <a:rPr lang="en-GB" dirty="0"/>
-              <a:t> et </a:t>
-            </a:r>
-            <a:r>
-              <a:rPr lang="en-GB" dirty="0" err="1"/>
-              <a:t>orci</a:t>
-            </a:r>
-            <a:r>
-              <a:rPr lang="en-GB" dirty="0"/>
-              <a:t>. Lorem ipsum </a:t>
-            </a:r>
-            <a:r>
-              <a:rPr lang="en-GB" dirty="0" err="1"/>
-              <a:t>dolor</a:t>
-            </a:r>
-            <a:r>
-              <a:rPr lang="en-GB" dirty="0"/>
-              <a:t> sit </a:t>
-            </a:r>
-            <a:r>
-              <a:rPr lang="en-GB" dirty="0" err="1"/>
-              <a:t>amet</a:t>
-            </a:r>
-            <a:r>
-              <a:rPr lang="en-GB" dirty="0"/>
-              <a:t>, </a:t>
-            </a:r>
-            <a:r>
-              <a:rPr lang="en-GB" dirty="0" err="1"/>
-              <a:t>consectetuer</a:t>
-            </a:r>
-            <a:r>
-              <a:rPr lang="en-GB" dirty="0"/>
-              <a:t> </a:t>
-            </a:r>
-            <a:r>
-              <a:rPr lang="en-GB" dirty="0" err="1"/>
-              <a:t>adipiscing</a:t>
-            </a:r>
-            <a:r>
-              <a:rPr lang="en-GB" dirty="0"/>
-              <a:t> </a:t>
-            </a:r>
-            <a:r>
-              <a:rPr lang="en-GB" dirty="0" err="1"/>
-              <a:t>elit</a:t>
-            </a:r>
-            <a:r>
-              <a:rPr lang="en-GB" dirty="0"/>
-              <a:t>. Maecenas </a:t>
-            </a:r>
-            <a:r>
-              <a:rPr lang="en-GB" dirty="0" err="1"/>
-              <a:t>porttitor</a:t>
-            </a:r>
-            <a:r>
-              <a:rPr lang="en-GB" dirty="0"/>
-              <a:t> </a:t>
-            </a:r>
-            <a:r>
-              <a:rPr lang="en-GB" dirty="0" err="1"/>
-              <a:t>congue</a:t>
-            </a:r>
-            <a:r>
-              <a:rPr lang="en-GB" dirty="0"/>
-              <a:t> </a:t>
-            </a:r>
-            <a:r>
-              <a:rPr lang="en-GB" dirty="0" err="1"/>
-              <a:t>massa</a:t>
-            </a:r>
-            <a:r>
-              <a:rPr lang="en-GB" dirty="0"/>
-              <a:t>. </a:t>
+              <a:t>* The behavioural model tested, was an early version of the method and more sophisticated approaches are available (though not tested for this experiment).</a:t>
             </a:r>
           </a:p>
         </p:txBody>
       </p:sp>
       <p:sp>
         <p:nvSpPr>
-          <p:cNvPr id="6" name="Picture Placeholder 5">
+          <p:cNvPr id="35" name="TextBox 34">
             <a:extLst>
               <a:ext uri="{FF2B5EF4-FFF2-40B4-BE49-F238E27FC236}">
-                <a16:creationId xmlns:a16="http://schemas.microsoft.com/office/drawing/2014/main" id="{92F95D84-D518-4C8D-987F-927AF41408BC}"/>
+                <a16:creationId xmlns:a16="http://schemas.microsoft.com/office/drawing/2014/main" id="{3A520AD2-72AF-D529-CD83-DB7405AB8CFA}"/>
               </a:ext>
             </a:extLst>
           </p:cNvPr>
-          <p:cNvSpPr>
-            <a:spLocks noGrp="1"/>
-          </p:cNvSpPr>
-          <p:nvPr>
-            <p:ph type="pic" sz="quarter" idx="16"/>
-          </p:nvPr>
+          <p:cNvSpPr txBox="1"/>
+          <p:nvPr/>
         </p:nvSpPr>
         <p:spPr>
           <a:xfrm>
-            <a:off x="7716539" y="6313819"/>
-            <a:ext cx="12410149" cy="7944423"/>
+            <a:off x="6081451" y="13279737"/>
+            <a:ext cx="486756" cy="280365"/>
           </a:xfrm>
+          <a:prstGeom prst="rect">
+            <a:avLst/>
+          </a:prstGeom>
+          <a:noFill/>
         </p:spPr>
-      </p:sp>
-      <p:sp>
-        <p:nvSpPr>
-          <p:cNvPr id="7" name="Picture Placeholder 6">
-            <a:extLst>
-              <a:ext uri="{FF2B5EF4-FFF2-40B4-BE49-F238E27FC236}">
-                <a16:creationId xmlns:a16="http://schemas.microsoft.com/office/drawing/2014/main" id="{E804AA22-4826-4217-A9E3-868C29C0ED35}"/>
-              </a:ext>
-            </a:extLst>
-          </p:cNvPr>
-          <p:cNvSpPr>
-            <a:spLocks noGrp="1"/>
-          </p:cNvSpPr>
-          <p:nvPr>
-            <p:ph type="pic" sz="quarter" idx="17"/>
-          </p:nvPr>
-        </p:nvSpPr>
-        <p:spPr/>
-      </p:sp>
-      <p:sp>
-        <p:nvSpPr>
-          <p:cNvPr id="8" name="Picture Placeholder 7">
-            <a:extLst>
-              <a:ext uri="{FF2B5EF4-FFF2-40B4-BE49-F238E27FC236}">
-                <a16:creationId xmlns:a16="http://schemas.microsoft.com/office/drawing/2014/main" id="{6FC28E86-1663-41D9-9A80-93D50ED6C0F1}"/>
-              </a:ext>
-            </a:extLst>
-          </p:cNvPr>
-          <p:cNvSpPr>
-            <a:spLocks noGrp="1"/>
-          </p:cNvSpPr>
-          <p:nvPr>
-            <p:ph type="pic" sz="quarter" idx="18"/>
-          </p:nvPr>
-        </p:nvSpPr>
-        <p:spPr/>
+        <p:txBody>
+          <a:bodyPr wrap="none" lIns="0" tIns="0" rIns="0" bIns="0" rtlCol="0">
+            <a:spAutoFit/>
+          </a:bodyPr>
+          <a:lstStyle/>
+          <a:p>
+            <a:pPr algn="l">
+              <a:lnSpc>
+                <a:spcPct val="90000"/>
+              </a:lnSpc>
+            </a:pPr>
+            <a:r>
+              <a:rPr lang="en-GB" sz="1500" spc="0" baseline="0" dirty="0">
+                <a:ln/>
+                <a:solidFill>
+                  <a:srgbClr val="FFFFFF"/>
+                </a:solidFill>
+                <a:latin typeface="Helvetica"/>
+                <a:cs typeface="Helvetica"/>
+                <a:sym typeface="Helvetica"/>
+                <a:rtl val="0"/>
+              </a:rPr>
+              <a:t>Utils</a:t>
+            </a:r>
+          </a:p>
+        </p:txBody>
       </p:sp>
       <p:sp>
         <p:nvSpPr>
@@ -3170,85 +3170,23 @@
             <p:ph type="body" sz="quarter" idx="19"/>
           </p:nvPr>
         </p:nvSpPr>
-        <p:spPr/>
+        <p:spPr>
+          <a:xfrm>
+            <a:off x="7915089" y="15652703"/>
+            <a:ext cx="5121970" cy="597733"/>
+          </a:xfrm>
+        </p:spPr>
         <p:txBody>
           <a:bodyPr/>
           <a:lstStyle/>
           <a:p>
+            <a:pPr algn="ctr"/>
             <a:r>
               <a:rPr lang="en-GB" dirty="0"/>
-              <a:t>Image caption goes here and is in the correct style by default. Lorem ipsum dolor sit amet, consectetuer adipiscing elit. Maecenas porttitor congue massa. Fusce posuere, magna sed pulvinar ultricies, purus lectus malesuada libero, sit amet commodo magna eros quis </a:t>
-            </a:r>
-            <a:r>
-              <a:rPr lang="en-GB" dirty="0" err="1"/>
-              <a:t>urna</a:t>
-            </a:r>
-            <a:r>
-              <a:rPr lang="en-GB" dirty="0"/>
-              <a:t>.</a:t>
-            </a:r>
-          </a:p>
-          <a:p>
-            <a:r>
-              <a:rPr lang="en-GB" dirty="0"/>
-              <a:t>Nunc viverra imperdiet enim. Fusce est. Vivamus a </a:t>
-            </a:r>
-            <a:r>
-              <a:rPr lang="en-GB" dirty="0" err="1"/>
-              <a:t>tellus</a:t>
-            </a:r>
-            <a:r>
-              <a:rPr lang="en-GB" dirty="0"/>
-              <a:t>.</a:t>
+              <a:t>Figure 1: Composition and module dependencies within AirBorne.jl</a:t>
             </a:r>
           </a:p>
         </p:txBody>
-      </p:sp>
-      <p:sp>
-        <p:nvSpPr>
-          <p:cNvPr id="10" name="Picture Placeholder 9">
-            <a:extLst>
-              <a:ext uri="{FF2B5EF4-FFF2-40B4-BE49-F238E27FC236}">
-                <a16:creationId xmlns:a16="http://schemas.microsoft.com/office/drawing/2014/main" id="{8C3F8D70-0CB9-444D-A70F-91A057075D72}"/>
-              </a:ext>
-            </a:extLst>
-          </p:cNvPr>
-          <p:cNvSpPr>
-            <a:spLocks noGrp="1"/>
-          </p:cNvSpPr>
-          <p:nvPr>
-            <p:ph type="pic" sz="quarter" idx="20"/>
-          </p:nvPr>
-        </p:nvSpPr>
-        <p:spPr>
-          <a:xfrm>
-            <a:off x="581036" y="18684845"/>
-            <a:ext cx="6466684" cy="9161934"/>
-          </a:xfrm>
-        </p:spPr>
-      </p:sp>
-      <p:sp>
-        <p:nvSpPr>
-          <p:cNvPr id="11" name="Picture Placeholder 10">
-            <a:extLst>
-              <a:ext uri="{FF2B5EF4-FFF2-40B4-BE49-F238E27FC236}">
-                <a16:creationId xmlns:a16="http://schemas.microsoft.com/office/drawing/2014/main" id="{FD2FBDFF-AE11-4F80-9A05-41B4AF2596F3}"/>
-              </a:ext>
-            </a:extLst>
-          </p:cNvPr>
-          <p:cNvSpPr>
-            <a:spLocks noGrp="1"/>
-          </p:cNvSpPr>
-          <p:nvPr>
-            <p:ph type="pic" sz="quarter" idx="21"/>
-          </p:nvPr>
-        </p:nvSpPr>
-        <p:spPr>
-          <a:xfrm>
-            <a:off x="7861164" y="26777761"/>
-            <a:ext cx="6436018" cy="1578699"/>
-          </a:xfrm>
-        </p:spPr>
       </p:sp>
       <p:sp>
         <p:nvSpPr>
@@ -3303,7 +3241,7 @@
         </p:nvCxnSpPr>
         <p:spPr>
           <a:xfrm>
-            <a:off x="1253394" y="6994228"/>
+            <a:off x="649785" y="10357118"/>
             <a:ext cx="5956174" cy="0"/>
           </a:xfrm>
           <a:prstGeom prst="line">
@@ -3339,13 +3277,15 @@
               </a:ext>
             </a:extLst>
           </p:cNvPr>
-          <p:cNvCxnSpPr/>
+          <p:cNvCxnSpPr>
+            <a:cxnSpLocks/>
+          </p:cNvCxnSpPr>
           <p:nvPr/>
         </p:nvCxnSpPr>
         <p:spPr>
           <a:xfrm>
-            <a:off x="7722705" y="20909088"/>
-            <a:ext cx="5956174" cy="0"/>
+            <a:off x="629065" y="18680149"/>
+            <a:ext cx="7381816" cy="0"/>
           </a:xfrm>
           <a:prstGeom prst="line">
             <a:avLst/>
@@ -3380,13 +3320,15 @@
               </a:ext>
             </a:extLst>
           </p:cNvPr>
-          <p:cNvCxnSpPr/>
+          <p:cNvCxnSpPr>
+            <a:cxnSpLocks/>
+          </p:cNvCxnSpPr>
           <p:nvPr/>
         </p:nvCxnSpPr>
         <p:spPr>
           <a:xfrm>
-            <a:off x="14152556" y="20909088"/>
-            <a:ext cx="5956174" cy="0"/>
+            <a:off x="424241" y="25497513"/>
+            <a:ext cx="7416253" cy="0"/>
           </a:xfrm>
           <a:prstGeom prst="line">
             <a:avLst/>
@@ -3412,12 +3354,2180 @@
           </a:fontRef>
         </p:style>
       </p:cxnSp>
+      <p:grpSp>
+        <p:nvGrpSpPr>
+          <p:cNvPr id="81" name="Group 80">
+            <a:extLst>
+              <a:ext uri="{FF2B5EF4-FFF2-40B4-BE49-F238E27FC236}">
+                <a16:creationId xmlns:a16="http://schemas.microsoft.com/office/drawing/2014/main" id="{C4351F01-CE8F-40DD-F914-723F60479765}"/>
+              </a:ext>
+            </a:extLst>
+          </p:cNvPr>
+          <p:cNvGrpSpPr/>
+          <p:nvPr/>
+        </p:nvGrpSpPr>
+        <p:grpSpPr>
+          <a:xfrm>
+            <a:off x="7915088" y="8796630"/>
+            <a:ext cx="5152571" cy="6748021"/>
+            <a:chOff x="7658964" y="7124200"/>
+            <a:chExt cx="5152571" cy="6748021"/>
+          </a:xfrm>
+        </p:grpSpPr>
+        <p:sp>
+          <p:nvSpPr>
+            <p:cNvPr id="78" name="Freeform: Shape 77">
+              <a:extLst>
+                <a:ext uri="{FF2B5EF4-FFF2-40B4-BE49-F238E27FC236}">
+                  <a16:creationId xmlns:a16="http://schemas.microsoft.com/office/drawing/2014/main" id="{915859B2-CE2C-51E9-5AD8-5D76A9BDE092}"/>
+                </a:ext>
+              </a:extLst>
+            </p:cNvPr>
+            <p:cNvSpPr/>
+            <p:nvPr/>
+          </p:nvSpPr>
+          <p:spPr>
+            <a:xfrm>
+              <a:off x="7658964" y="13110695"/>
+              <a:ext cx="5152571" cy="761526"/>
+            </a:xfrm>
+            <a:custGeom>
+              <a:avLst/>
+              <a:gdLst>
+                <a:gd name="connsiteX0" fmla="*/ 0 w 7564071"/>
+                <a:gd name="connsiteY0" fmla="*/ 328566 h 328566"/>
+                <a:gd name="connsiteX1" fmla="*/ 287451 w 7564071"/>
+                <a:gd name="connsiteY1" fmla="*/ 0 h 328566"/>
+                <a:gd name="connsiteX2" fmla="*/ 7276620 w 7564071"/>
+                <a:gd name="connsiteY2" fmla="*/ 0 h 328566"/>
+                <a:gd name="connsiteX3" fmla="*/ 7564072 w 7564071"/>
+                <a:gd name="connsiteY3" fmla="*/ 328566 h 328566"/>
+              </a:gdLst>
+              <a:ahLst/>
+              <a:cxnLst>
+                <a:cxn ang="0">
+                  <a:pos x="connsiteX0" y="connsiteY0"/>
+                </a:cxn>
+                <a:cxn ang="0">
+                  <a:pos x="connsiteX1" y="connsiteY1"/>
+                </a:cxn>
+                <a:cxn ang="0">
+                  <a:pos x="connsiteX2" y="connsiteY2"/>
+                </a:cxn>
+                <a:cxn ang="0">
+                  <a:pos x="connsiteX3" y="connsiteY3"/>
+                </a:cxn>
+              </a:cxnLst>
+              <a:rect l="l" t="t" r="r" b="b"/>
+              <a:pathLst>
+                <a:path w="7564071" h="328566">
+                  <a:moveTo>
+                    <a:pt x="0" y="328566"/>
+                  </a:moveTo>
+                  <a:lnTo>
+                    <a:pt x="287451" y="0"/>
+                  </a:lnTo>
+                  <a:lnTo>
+                    <a:pt x="7276620" y="0"/>
+                  </a:lnTo>
+                  <a:lnTo>
+                    <a:pt x="7564072" y="328566"/>
+                  </a:lnTo>
+                  <a:close/>
+                </a:path>
+              </a:pathLst>
+            </a:custGeom>
+            <a:solidFill>
+              <a:srgbClr val="B1DDF0"/>
+            </a:solidFill>
+            <a:ln w="7358" cap="flat">
+              <a:noFill/>
+              <a:prstDash val="solid"/>
+              <a:miter/>
+            </a:ln>
+          </p:spPr>
+          <p:txBody>
+            <a:bodyPr rtlCol="0" anchor="ctr"/>
+            <a:lstStyle/>
+            <a:p>
+              <a:endParaRPr lang="en-GB" sz="1400"/>
+            </a:p>
+          </p:txBody>
+        </p:sp>
+        <p:sp>
+          <p:nvSpPr>
+            <p:cNvPr id="41" name="TextBox 40">
+              <a:extLst>
+                <a:ext uri="{FF2B5EF4-FFF2-40B4-BE49-F238E27FC236}">
+                  <a16:creationId xmlns:a16="http://schemas.microsoft.com/office/drawing/2014/main" id="{1903DB2B-EEFA-737D-57AF-A08DD1292C58}"/>
+                </a:ext>
+              </a:extLst>
+            </p:cNvPr>
+            <p:cNvSpPr txBox="1"/>
+            <p:nvPr/>
+          </p:nvSpPr>
+          <p:spPr>
+            <a:xfrm>
+              <a:off x="9253409" y="13267609"/>
+              <a:ext cx="1963679" cy="443198"/>
+            </a:xfrm>
+            <a:prstGeom prst="rect">
+              <a:avLst/>
+            </a:prstGeom>
+            <a:noFill/>
+          </p:spPr>
+          <p:txBody>
+            <a:bodyPr wrap="none" lIns="0" tIns="0" rIns="0" bIns="0" rtlCol="0">
+              <a:spAutoFit/>
+            </a:bodyPr>
+            <a:lstStyle/>
+            <a:p>
+              <a:pPr algn="ctr">
+                <a:lnSpc>
+                  <a:spcPct val="90000"/>
+                </a:lnSpc>
+              </a:pPr>
+              <a:r>
+                <a:rPr lang="en-GB" sz="1600" b="1" spc="0" baseline="0" dirty="0">
+                  <a:ln/>
+                  <a:solidFill>
+                    <a:srgbClr val="000000"/>
+                  </a:solidFill>
+                  <a:latin typeface="Helvetica"/>
+                  <a:cs typeface="Helvetica"/>
+                  <a:sym typeface="Helvetica"/>
+                  <a:rtl val="0"/>
+                </a:rPr>
+                <a:t>Utils: </a:t>
+              </a:r>
+            </a:p>
+            <a:p>
+              <a:pPr algn="ctr">
+                <a:lnSpc>
+                  <a:spcPct val="90000"/>
+                </a:lnSpc>
+              </a:pPr>
+              <a:r>
+                <a:rPr lang="en-GB" sz="1600" b="1" spc="0" baseline="0" dirty="0">
+                  <a:ln/>
+                  <a:solidFill>
+                    <a:srgbClr val="000000"/>
+                  </a:solidFill>
+                  <a:latin typeface="Helvetica"/>
+                  <a:cs typeface="Helvetica"/>
+                  <a:sym typeface="Helvetica"/>
+                  <a:rtl val="0"/>
+                </a:rPr>
+                <a:t>Boilerplate software</a:t>
+              </a:r>
+            </a:p>
+          </p:txBody>
+        </p:sp>
+        <p:sp>
+          <p:nvSpPr>
+            <p:cNvPr id="42" name="Freeform: Shape 41">
+              <a:extLst>
+                <a:ext uri="{FF2B5EF4-FFF2-40B4-BE49-F238E27FC236}">
+                  <a16:creationId xmlns:a16="http://schemas.microsoft.com/office/drawing/2014/main" id="{D5CE6297-4086-61AF-679C-8E33ECA8429A}"/>
+                </a:ext>
+              </a:extLst>
+            </p:cNvPr>
+            <p:cNvSpPr/>
+            <p:nvPr/>
+          </p:nvSpPr>
+          <p:spPr>
+            <a:xfrm>
+              <a:off x="7837208" y="12283647"/>
+              <a:ext cx="4765562" cy="761526"/>
+            </a:xfrm>
+            <a:custGeom>
+              <a:avLst/>
+              <a:gdLst>
+                <a:gd name="connsiteX0" fmla="*/ 0 w 7564071"/>
+                <a:gd name="connsiteY0" fmla="*/ 328566 h 328566"/>
+                <a:gd name="connsiteX1" fmla="*/ 287451 w 7564071"/>
+                <a:gd name="connsiteY1" fmla="*/ 0 h 328566"/>
+                <a:gd name="connsiteX2" fmla="*/ 7276620 w 7564071"/>
+                <a:gd name="connsiteY2" fmla="*/ 0 h 328566"/>
+                <a:gd name="connsiteX3" fmla="*/ 7564072 w 7564071"/>
+                <a:gd name="connsiteY3" fmla="*/ 328566 h 328566"/>
+              </a:gdLst>
+              <a:ahLst/>
+              <a:cxnLst>
+                <a:cxn ang="0">
+                  <a:pos x="connsiteX0" y="connsiteY0"/>
+                </a:cxn>
+                <a:cxn ang="0">
+                  <a:pos x="connsiteX1" y="connsiteY1"/>
+                </a:cxn>
+                <a:cxn ang="0">
+                  <a:pos x="connsiteX2" y="connsiteY2"/>
+                </a:cxn>
+                <a:cxn ang="0">
+                  <a:pos x="connsiteX3" y="connsiteY3"/>
+                </a:cxn>
+              </a:cxnLst>
+              <a:rect l="l" t="t" r="r" b="b"/>
+              <a:pathLst>
+                <a:path w="7564071" h="328566">
+                  <a:moveTo>
+                    <a:pt x="0" y="328566"/>
+                  </a:moveTo>
+                  <a:lnTo>
+                    <a:pt x="287451" y="0"/>
+                  </a:lnTo>
+                  <a:lnTo>
+                    <a:pt x="7276620" y="0"/>
+                  </a:lnTo>
+                  <a:lnTo>
+                    <a:pt x="7564072" y="328566"/>
+                  </a:lnTo>
+                  <a:close/>
+                </a:path>
+              </a:pathLst>
+            </a:custGeom>
+            <a:solidFill>
+              <a:srgbClr val="F9C380"/>
+            </a:solidFill>
+            <a:ln w="7358" cap="flat">
+              <a:noFill/>
+              <a:prstDash val="solid"/>
+              <a:miter/>
+            </a:ln>
+          </p:spPr>
+          <p:txBody>
+            <a:bodyPr rtlCol="0" anchor="ctr"/>
+            <a:lstStyle/>
+            <a:p>
+              <a:endParaRPr lang="en-GB" sz="1400"/>
+            </a:p>
+          </p:txBody>
+        </p:sp>
+        <p:sp>
+          <p:nvSpPr>
+            <p:cNvPr id="43" name="TextBox 42">
+              <a:extLst>
+                <a:ext uri="{FF2B5EF4-FFF2-40B4-BE49-F238E27FC236}">
+                  <a16:creationId xmlns:a16="http://schemas.microsoft.com/office/drawing/2014/main" id="{2AAC2CA5-42F9-6CCF-87F2-6B3920C1F11E}"/>
+                </a:ext>
+              </a:extLst>
+            </p:cNvPr>
+            <p:cNvSpPr txBox="1"/>
+            <p:nvPr/>
+          </p:nvSpPr>
+          <p:spPr>
+            <a:xfrm>
+              <a:off x="8573824" y="12430051"/>
+              <a:ext cx="3284425" cy="443198"/>
+            </a:xfrm>
+            <a:prstGeom prst="rect">
+              <a:avLst/>
+            </a:prstGeom>
+            <a:noFill/>
+          </p:spPr>
+          <p:txBody>
+            <a:bodyPr wrap="none" lIns="0" tIns="0" rIns="0" bIns="0" rtlCol="0">
+              <a:spAutoFit/>
+            </a:bodyPr>
+            <a:lstStyle/>
+            <a:p>
+              <a:pPr algn="ctr">
+                <a:lnSpc>
+                  <a:spcPct val="90000"/>
+                </a:lnSpc>
+              </a:pPr>
+              <a:r>
+                <a:rPr lang="en-GB" sz="1600" b="1" spc="0" baseline="0" dirty="0">
+                  <a:ln/>
+                  <a:solidFill>
+                    <a:srgbClr val="000000"/>
+                  </a:solidFill>
+                  <a:latin typeface="Helvetica"/>
+                  <a:cs typeface="Helvetica"/>
+                  <a:sym typeface="Helvetica"/>
+                  <a:rtl val="0"/>
+                </a:rPr>
+                <a:t>E</a:t>
+              </a:r>
+              <a:r>
+                <a:rPr lang="en-GB" sz="1600" b="1" u="sng" spc="0" baseline="0" dirty="0">
+                  <a:ln/>
+                  <a:solidFill>
+                    <a:srgbClr val="000000"/>
+                  </a:solidFill>
+                  <a:latin typeface="Helvetica"/>
+                  <a:cs typeface="Helvetica"/>
+                  <a:sym typeface="Helvetica"/>
+                  <a:rtl val="0"/>
+                </a:rPr>
+                <a:t>T</a:t>
+              </a:r>
+              <a:r>
+                <a:rPr lang="en-GB" sz="1600" b="1" spc="0" baseline="0" dirty="0">
+                  <a:ln/>
+                  <a:solidFill>
+                    <a:srgbClr val="000000"/>
+                  </a:solidFill>
+                  <a:latin typeface="Helvetica"/>
+                  <a:cs typeface="Helvetica"/>
+                  <a:sym typeface="Helvetica"/>
+                  <a:rtl val="0"/>
+                </a:rPr>
+                <a:t>L: </a:t>
+              </a:r>
+            </a:p>
+            <a:p>
+              <a:pPr algn="ctr">
+                <a:lnSpc>
+                  <a:spcPct val="90000"/>
+                </a:lnSpc>
+              </a:pPr>
+              <a:r>
+                <a:rPr lang="en-GB" sz="1600" b="1" spc="0" baseline="0" dirty="0">
+                  <a:ln/>
+                  <a:solidFill>
+                    <a:srgbClr val="000000"/>
+                  </a:solidFill>
+                  <a:latin typeface="Helvetica"/>
+                  <a:cs typeface="Helvetica"/>
+                  <a:sym typeface="Helvetica"/>
+                  <a:rtl val="0"/>
+                </a:rPr>
+                <a:t>Transformation &amp; Data Structures</a:t>
+              </a:r>
+            </a:p>
+          </p:txBody>
+        </p:sp>
+        <p:sp>
+          <p:nvSpPr>
+            <p:cNvPr id="44" name="Freeform: Shape 43">
+              <a:extLst>
+                <a:ext uri="{FF2B5EF4-FFF2-40B4-BE49-F238E27FC236}">
+                  <a16:creationId xmlns:a16="http://schemas.microsoft.com/office/drawing/2014/main" id="{B186742C-4D45-B7F0-E1E9-3C2BE43B24C0}"/>
+                </a:ext>
+              </a:extLst>
+            </p:cNvPr>
+            <p:cNvSpPr/>
+            <p:nvPr/>
+          </p:nvSpPr>
+          <p:spPr>
+            <a:xfrm>
+              <a:off x="8015469" y="11426930"/>
+              <a:ext cx="4394389" cy="761526"/>
+            </a:xfrm>
+            <a:custGeom>
+              <a:avLst/>
+              <a:gdLst>
+                <a:gd name="connsiteX0" fmla="*/ 0 w 6915253"/>
+                <a:gd name="connsiteY0" fmla="*/ 328566 h 328566"/>
+                <a:gd name="connsiteX1" fmla="*/ 287451 w 6915253"/>
+                <a:gd name="connsiteY1" fmla="*/ 0 h 328566"/>
+                <a:gd name="connsiteX2" fmla="*/ 6627802 w 6915253"/>
+                <a:gd name="connsiteY2" fmla="*/ 0 h 328566"/>
+                <a:gd name="connsiteX3" fmla="*/ 6915253 w 6915253"/>
+                <a:gd name="connsiteY3" fmla="*/ 328566 h 328566"/>
+              </a:gdLst>
+              <a:ahLst/>
+              <a:cxnLst>
+                <a:cxn ang="0">
+                  <a:pos x="connsiteX0" y="connsiteY0"/>
+                </a:cxn>
+                <a:cxn ang="0">
+                  <a:pos x="connsiteX1" y="connsiteY1"/>
+                </a:cxn>
+                <a:cxn ang="0">
+                  <a:pos x="connsiteX2" y="connsiteY2"/>
+                </a:cxn>
+                <a:cxn ang="0">
+                  <a:pos x="connsiteX3" y="connsiteY3"/>
+                </a:cxn>
+              </a:cxnLst>
+              <a:rect l="l" t="t" r="r" b="b"/>
+              <a:pathLst>
+                <a:path w="6915253" h="328566">
+                  <a:moveTo>
+                    <a:pt x="0" y="328566"/>
+                  </a:moveTo>
+                  <a:lnTo>
+                    <a:pt x="287451" y="0"/>
+                  </a:lnTo>
+                  <a:lnTo>
+                    <a:pt x="6627802" y="0"/>
+                  </a:lnTo>
+                  <a:lnTo>
+                    <a:pt x="6915253" y="328566"/>
+                  </a:lnTo>
+                  <a:close/>
+                </a:path>
+              </a:pathLst>
+            </a:custGeom>
+            <a:solidFill>
+              <a:srgbClr val="F9C380"/>
+            </a:solidFill>
+            <a:ln w="7358" cap="flat">
+              <a:noFill/>
+              <a:prstDash val="solid"/>
+              <a:miter/>
+            </a:ln>
+          </p:spPr>
+          <p:txBody>
+            <a:bodyPr rtlCol="0" anchor="ctr"/>
+            <a:lstStyle/>
+            <a:p>
+              <a:endParaRPr lang="en-GB" sz="1400"/>
+            </a:p>
+          </p:txBody>
+        </p:sp>
+        <p:sp>
+          <p:nvSpPr>
+            <p:cNvPr id="46" name="TextBox 45">
+              <a:extLst>
+                <a:ext uri="{FF2B5EF4-FFF2-40B4-BE49-F238E27FC236}">
+                  <a16:creationId xmlns:a16="http://schemas.microsoft.com/office/drawing/2014/main" id="{1172BA36-6ED5-0E17-1FAB-E80969861DEA}"/>
+                </a:ext>
+              </a:extLst>
+            </p:cNvPr>
+            <p:cNvSpPr txBox="1"/>
+            <p:nvPr/>
+          </p:nvSpPr>
+          <p:spPr>
+            <a:xfrm>
+              <a:off x="9909061" y="11576097"/>
+              <a:ext cx="613951" cy="443198"/>
+            </a:xfrm>
+            <a:prstGeom prst="rect">
+              <a:avLst/>
+            </a:prstGeom>
+            <a:noFill/>
+          </p:spPr>
+          <p:txBody>
+            <a:bodyPr wrap="none" lIns="0" tIns="0" rIns="0" bIns="0" rtlCol="0">
+              <a:spAutoFit/>
+            </a:bodyPr>
+            <a:lstStyle/>
+            <a:p>
+              <a:pPr algn="ctr">
+                <a:lnSpc>
+                  <a:spcPct val="90000"/>
+                </a:lnSpc>
+              </a:pPr>
+              <a:r>
+                <a:rPr lang="en-GB" sz="1600" b="1" i="1" spc="0" baseline="0" dirty="0">
+                  <a:ln/>
+                  <a:solidFill>
+                    <a:srgbClr val="000000"/>
+                  </a:solidFill>
+                  <a:latin typeface="Helvetica"/>
+                  <a:cs typeface="Helvetica"/>
+                  <a:sym typeface="Helvetica"/>
+                  <a:rtl val="0"/>
+                </a:rPr>
+                <a:t>ET</a:t>
+              </a:r>
+              <a:r>
+                <a:rPr lang="en-GB" sz="1600" b="1" i="1" u="sng" spc="0" baseline="0" dirty="0">
+                  <a:ln/>
+                  <a:solidFill>
+                    <a:srgbClr val="000000"/>
+                  </a:solidFill>
+                  <a:latin typeface="Helvetica"/>
+                  <a:cs typeface="Helvetica"/>
+                  <a:sym typeface="Helvetica"/>
+                  <a:rtl val="0"/>
+                </a:rPr>
+                <a:t>L</a:t>
+              </a:r>
+              <a:r>
+                <a:rPr lang="en-GB" sz="1600" b="1" i="1" spc="0" baseline="0" dirty="0">
+                  <a:ln/>
+                  <a:solidFill>
+                    <a:srgbClr val="000000"/>
+                  </a:solidFill>
+                  <a:latin typeface="Helvetica"/>
+                  <a:cs typeface="Helvetica"/>
+                  <a:sym typeface="Helvetica"/>
+                  <a:rtl val="0"/>
+                </a:rPr>
+                <a:t> :</a:t>
+              </a:r>
+            </a:p>
+            <a:p>
+              <a:pPr algn="ctr">
+                <a:lnSpc>
+                  <a:spcPct val="90000"/>
+                </a:lnSpc>
+              </a:pPr>
+              <a:r>
+                <a:rPr lang="en-GB" sz="1600" b="1" i="1" spc="0" baseline="0" dirty="0">
+                  <a:ln/>
+                  <a:solidFill>
+                    <a:srgbClr val="000000"/>
+                  </a:solidFill>
+                  <a:latin typeface="Helvetica"/>
+                  <a:cs typeface="Helvetica"/>
+                  <a:sym typeface="Helvetica"/>
+                  <a:rtl val="0"/>
+                </a:rPr>
+                <a:t>Cache</a:t>
+              </a:r>
+            </a:p>
+          </p:txBody>
+        </p:sp>
+        <p:sp>
+          <p:nvSpPr>
+            <p:cNvPr id="47" name="Freeform: Shape 46">
+              <a:extLst>
+                <a:ext uri="{FF2B5EF4-FFF2-40B4-BE49-F238E27FC236}">
+                  <a16:creationId xmlns:a16="http://schemas.microsoft.com/office/drawing/2014/main" id="{6E8DAC4B-121E-35D2-583C-9FFC94D202C0}"/>
+                </a:ext>
+              </a:extLst>
+            </p:cNvPr>
+            <p:cNvSpPr/>
+            <p:nvPr/>
+          </p:nvSpPr>
+          <p:spPr>
+            <a:xfrm>
+              <a:off x="8201784" y="10741558"/>
+              <a:ext cx="4010910" cy="571143"/>
+            </a:xfrm>
+            <a:custGeom>
+              <a:avLst/>
+              <a:gdLst>
+                <a:gd name="connsiteX0" fmla="*/ 0 w 6258221"/>
+                <a:gd name="connsiteY0" fmla="*/ 246425 h 246424"/>
+                <a:gd name="connsiteX1" fmla="*/ 209429 w 6258221"/>
+                <a:gd name="connsiteY1" fmla="*/ 0 h 246424"/>
+                <a:gd name="connsiteX2" fmla="*/ 6048793 w 6258221"/>
+                <a:gd name="connsiteY2" fmla="*/ 0 h 246424"/>
+                <a:gd name="connsiteX3" fmla="*/ 6258222 w 6258221"/>
+                <a:gd name="connsiteY3" fmla="*/ 246425 h 246424"/>
+              </a:gdLst>
+              <a:ahLst/>
+              <a:cxnLst>
+                <a:cxn ang="0">
+                  <a:pos x="connsiteX0" y="connsiteY0"/>
+                </a:cxn>
+                <a:cxn ang="0">
+                  <a:pos x="connsiteX1" y="connsiteY1"/>
+                </a:cxn>
+                <a:cxn ang="0">
+                  <a:pos x="connsiteX2" y="connsiteY2"/>
+                </a:cxn>
+                <a:cxn ang="0">
+                  <a:pos x="connsiteX3" y="connsiteY3"/>
+                </a:cxn>
+              </a:cxnLst>
+              <a:rect l="l" t="t" r="r" b="b"/>
+              <a:pathLst>
+                <a:path w="6258221" h="246424">
+                  <a:moveTo>
+                    <a:pt x="0" y="246425"/>
+                  </a:moveTo>
+                  <a:lnTo>
+                    <a:pt x="209429" y="0"/>
+                  </a:lnTo>
+                  <a:lnTo>
+                    <a:pt x="6048793" y="0"/>
+                  </a:lnTo>
+                  <a:lnTo>
+                    <a:pt x="6258222" y="246425"/>
+                  </a:lnTo>
+                  <a:close/>
+                </a:path>
+              </a:pathLst>
+            </a:custGeom>
+            <a:solidFill>
+              <a:srgbClr val="F9C380"/>
+            </a:solidFill>
+            <a:ln w="7358" cap="flat">
+              <a:noFill/>
+              <a:prstDash val="solid"/>
+              <a:miter/>
+            </a:ln>
+          </p:spPr>
+          <p:txBody>
+            <a:bodyPr rtlCol="0" anchor="ctr"/>
+            <a:lstStyle/>
+            <a:p>
+              <a:endParaRPr lang="en-GB" sz="1400"/>
+            </a:p>
+          </p:txBody>
+        </p:sp>
+        <p:sp>
+          <p:nvSpPr>
+            <p:cNvPr id="48" name="TextBox 47">
+              <a:extLst>
+                <a:ext uri="{FF2B5EF4-FFF2-40B4-BE49-F238E27FC236}">
+                  <a16:creationId xmlns:a16="http://schemas.microsoft.com/office/drawing/2014/main" id="{7FBEC030-208C-B4A8-5276-0749B2316638}"/>
+                </a:ext>
+              </a:extLst>
+            </p:cNvPr>
+            <p:cNvSpPr txBox="1"/>
+            <p:nvPr/>
+          </p:nvSpPr>
+          <p:spPr>
+            <a:xfrm>
+              <a:off x="8889615" y="10834546"/>
+              <a:ext cx="2652842" cy="443198"/>
+            </a:xfrm>
+            <a:prstGeom prst="rect">
+              <a:avLst/>
+            </a:prstGeom>
+            <a:noFill/>
+          </p:spPr>
+          <p:txBody>
+            <a:bodyPr wrap="none" lIns="0" tIns="0" rIns="0" bIns="0" rtlCol="0">
+              <a:spAutoFit/>
+            </a:bodyPr>
+            <a:lstStyle/>
+            <a:p>
+              <a:pPr algn="ctr">
+                <a:lnSpc>
+                  <a:spcPct val="90000"/>
+                </a:lnSpc>
+              </a:pPr>
+              <a:r>
+                <a:rPr lang="en-GB" sz="1600" b="1" i="1" u="sng" spc="0" baseline="0" dirty="0">
+                  <a:ln/>
+                  <a:solidFill>
+                    <a:srgbClr val="000000"/>
+                  </a:solidFill>
+                  <a:latin typeface="Helvetica"/>
+                  <a:cs typeface="Helvetica"/>
+                  <a:sym typeface="Helvetica"/>
+                  <a:rtl val="0"/>
+                </a:rPr>
+                <a:t>E</a:t>
+              </a:r>
+              <a:r>
+                <a:rPr lang="en-GB" sz="1600" b="1" i="1" spc="0" baseline="0" dirty="0">
+                  <a:ln/>
+                  <a:solidFill>
+                    <a:srgbClr val="000000"/>
+                  </a:solidFill>
+                  <a:latin typeface="Helvetica"/>
+                  <a:cs typeface="Helvetica"/>
+                  <a:sym typeface="Helvetica"/>
+                  <a:rtl val="0"/>
+                </a:rPr>
+                <a:t>TL:</a:t>
+              </a:r>
+            </a:p>
+            <a:p>
+              <a:pPr algn="ctr">
+                <a:lnSpc>
+                  <a:spcPct val="90000"/>
+                </a:lnSpc>
+              </a:pPr>
+              <a:r>
+                <a:rPr lang="en-GB" sz="1600" b="1" i="1" spc="0" baseline="0" dirty="0">
+                  <a:ln/>
+                  <a:solidFill>
+                    <a:srgbClr val="000000"/>
+                  </a:solidFill>
+                  <a:latin typeface="Helvetica"/>
+                  <a:cs typeface="Helvetica"/>
+                  <a:sym typeface="Helvetica"/>
+                  <a:rtl val="0"/>
+                </a:rPr>
+                <a:t> NASDAQ &amp; Yahoo Finance</a:t>
+              </a:r>
+            </a:p>
+          </p:txBody>
+        </p:sp>
+        <p:sp>
+          <p:nvSpPr>
+            <p:cNvPr id="52" name="Freeform: Shape 51">
+              <a:extLst>
+                <a:ext uri="{FF2B5EF4-FFF2-40B4-BE49-F238E27FC236}">
+                  <a16:creationId xmlns:a16="http://schemas.microsoft.com/office/drawing/2014/main" id="{6139F2D3-CCFC-67F9-E8CB-C23E6068FFCB}"/>
+                </a:ext>
+              </a:extLst>
+            </p:cNvPr>
+            <p:cNvSpPr/>
+            <p:nvPr/>
+          </p:nvSpPr>
+          <p:spPr>
+            <a:xfrm>
+              <a:off x="8354823" y="10037148"/>
+              <a:ext cx="3697468" cy="571143"/>
+            </a:xfrm>
+            <a:custGeom>
+              <a:avLst/>
+              <a:gdLst>
+                <a:gd name="connsiteX0" fmla="*/ 0 w 5699745"/>
+                <a:gd name="connsiteY0" fmla="*/ 246425 h 246424"/>
+                <a:gd name="connsiteX1" fmla="*/ 209429 w 5699745"/>
+                <a:gd name="connsiteY1" fmla="*/ 0 h 246424"/>
+                <a:gd name="connsiteX2" fmla="*/ 5490317 w 5699745"/>
+                <a:gd name="connsiteY2" fmla="*/ 0 h 246424"/>
+                <a:gd name="connsiteX3" fmla="*/ 5699746 w 5699745"/>
+                <a:gd name="connsiteY3" fmla="*/ 246425 h 246424"/>
+              </a:gdLst>
+              <a:ahLst/>
+              <a:cxnLst>
+                <a:cxn ang="0">
+                  <a:pos x="connsiteX0" y="connsiteY0"/>
+                </a:cxn>
+                <a:cxn ang="0">
+                  <a:pos x="connsiteX1" y="connsiteY1"/>
+                </a:cxn>
+                <a:cxn ang="0">
+                  <a:pos x="connsiteX2" y="connsiteY2"/>
+                </a:cxn>
+                <a:cxn ang="0">
+                  <a:pos x="connsiteX3" y="connsiteY3"/>
+                </a:cxn>
+              </a:cxnLst>
+              <a:rect l="l" t="t" r="r" b="b"/>
+              <a:pathLst>
+                <a:path w="5699745" h="246424">
+                  <a:moveTo>
+                    <a:pt x="0" y="246425"/>
+                  </a:moveTo>
+                  <a:lnTo>
+                    <a:pt x="209429" y="0"/>
+                  </a:lnTo>
+                  <a:lnTo>
+                    <a:pt x="5490317" y="0"/>
+                  </a:lnTo>
+                  <a:lnTo>
+                    <a:pt x="5699746" y="246425"/>
+                  </a:lnTo>
+                  <a:close/>
+                </a:path>
+              </a:pathLst>
+            </a:custGeom>
+            <a:solidFill>
+              <a:srgbClr val="60A917"/>
+            </a:solidFill>
+            <a:ln w="7358" cap="flat">
+              <a:noFill/>
+              <a:prstDash val="solid"/>
+              <a:miter/>
+            </a:ln>
+          </p:spPr>
+          <p:txBody>
+            <a:bodyPr rtlCol="0" anchor="ctr"/>
+            <a:lstStyle/>
+            <a:p>
+              <a:endParaRPr lang="en-GB" sz="1400"/>
+            </a:p>
+          </p:txBody>
+        </p:sp>
+        <p:sp>
+          <p:nvSpPr>
+            <p:cNvPr id="53" name="TextBox 52">
+              <a:extLst>
+                <a:ext uri="{FF2B5EF4-FFF2-40B4-BE49-F238E27FC236}">
+                  <a16:creationId xmlns:a16="http://schemas.microsoft.com/office/drawing/2014/main" id="{015B8FCF-3533-978F-6438-310E8DB5470E}"/>
+                </a:ext>
+              </a:extLst>
+            </p:cNvPr>
+            <p:cNvSpPr txBox="1"/>
+            <p:nvPr/>
+          </p:nvSpPr>
+          <p:spPr>
+            <a:xfrm>
+              <a:off x="9260702" y="10100883"/>
+              <a:ext cx="1952458" cy="443198"/>
+            </a:xfrm>
+            <a:prstGeom prst="rect">
+              <a:avLst/>
+            </a:prstGeom>
+            <a:noFill/>
+          </p:spPr>
+          <p:txBody>
+            <a:bodyPr wrap="none" lIns="0" tIns="0" rIns="0" bIns="0" rtlCol="0">
+              <a:spAutoFit/>
+            </a:bodyPr>
+            <a:lstStyle/>
+            <a:p>
+              <a:pPr algn="ctr">
+                <a:lnSpc>
+                  <a:spcPct val="90000"/>
+                </a:lnSpc>
+              </a:pPr>
+              <a:r>
+                <a:rPr lang="en-GB" sz="1600" b="1" dirty="0">
+                  <a:ln/>
+                  <a:solidFill>
+                    <a:srgbClr val="FFFFFF"/>
+                  </a:solidFill>
+                  <a:latin typeface="Helvetica"/>
+                  <a:cs typeface="Helvetica"/>
+                  <a:sym typeface="Helvetica"/>
+                  <a:rtl val="0"/>
+                </a:rPr>
+                <a:t>Algorithmic trading </a:t>
+              </a:r>
+            </a:p>
+            <a:p>
+              <a:pPr algn="ctr">
+                <a:lnSpc>
+                  <a:spcPct val="90000"/>
+                </a:lnSpc>
+              </a:pPr>
+              <a:r>
+                <a:rPr lang="en-GB" sz="1600" b="1" dirty="0">
+                  <a:ln/>
+                  <a:solidFill>
+                    <a:srgbClr val="FFFFFF"/>
+                  </a:solidFill>
+                  <a:latin typeface="Helvetica"/>
+                  <a:cs typeface="Helvetica"/>
+                  <a:sym typeface="Helvetica"/>
+                  <a:rtl val="0"/>
+                </a:rPr>
+                <a:t>data s</a:t>
+              </a:r>
+              <a:r>
+                <a:rPr lang="en-GB" sz="1600" b="1" spc="0" baseline="0" dirty="0">
+                  <a:ln/>
+                  <a:solidFill>
+                    <a:srgbClr val="FFFFFF"/>
+                  </a:solidFill>
+                  <a:latin typeface="Helvetica"/>
+                  <a:cs typeface="Helvetica"/>
+                  <a:sym typeface="Helvetica"/>
+                  <a:rtl val="0"/>
+                </a:rPr>
+                <a:t>tructures</a:t>
+              </a:r>
+            </a:p>
+          </p:txBody>
+        </p:sp>
+        <p:sp>
+          <p:nvSpPr>
+            <p:cNvPr id="54" name="Freeform: Shape 53">
+              <a:extLst>
+                <a:ext uri="{FF2B5EF4-FFF2-40B4-BE49-F238E27FC236}">
+                  <a16:creationId xmlns:a16="http://schemas.microsoft.com/office/drawing/2014/main" id="{FFA79A04-ADDE-FF15-E472-47160A828F08}"/>
+                </a:ext>
+              </a:extLst>
+            </p:cNvPr>
+            <p:cNvSpPr/>
+            <p:nvPr/>
+          </p:nvSpPr>
+          <p:spPr>
+            <a:xfrm rot="16200000">
+              <a:off x="9477770" y="6479468"/>
+              <a:ext cx="1419389" cy="2708854"/>
+            </a:xfrm>
+            <a:custGeom>
+              <a:avLst/>
+              <a:gdLst>
+                <a:gd name="connsiteX0" fmla="*/ 0 w 2299609"/>
+                <a:gd name="connsiteY0" fmla="*/ 0 h 4107075"/>
+                <a:gd name="connsiteX1" fmla="*/ 2299609 w 2299609"/>
+                <a:gd name="connsiteY1" fmla="*/ 2053538 h 4107075"/>
+                <a:gd name="connsiteX2" fmla="*/ 0 w 2299609"/>
+                <a:gd name="connsiteY2" fmla="*/ 4107075 h 4107075"/>
+              </a:gdLst>
+              <a:ahLst/>
+              <a:cxnLst>
+                <a:cxn ang="0">
+                  <a:pos x="connsiteX0" y="connsiteY0"/>
+                </a:cxn>
+                <a:cxn ang="0">
+                  <a:pos x="connsiteX1" y="connsiteY1"/>
+                </a:cxn>
+                <a:cxn ang="0">
+                  <a:pos x="connsiteX2" y="connsiteY2"/>
+                </a:cxn>
+              </a:cxnLst>
+              <a:rect l="l" t="t" r="r" b="b"/>
+              <a:pathLst>
+                <a:path w="2299609" h="4107075">
+                  <a:moveTo>
+                    <a:pt x="0" y="0"/>
+                  </a:moveTo>
+                  <a:lnTo>
+                    <a:pt x="2299609" y="2053538"/>
+                  </a:lnTo>
+                  <a:lnTo>
+                    <a:pt x="0" y="4107075"/>
+                  </a:lnTo>
+                  <a:close/>
+                </a:path>
+              </a:pathLst>
+            </a:custGeom>
+            <a:solidFill>
+              <a:srgbClr val="D0CEE2"/>
+            </a:solidFill>
+            <a:ln w="7358" cap="flat">
+              <a:noFill/>
+              <a:prstDash val="solid"/>
+              <a:miter/>
+            </a:ln>
+          </p:spPr>
+          <p:txBody>
+            <a:bodyPr rtlCol="0" anchor="ctr"/>
+            <a:lstStyle/>
+            <a:p>
+              <a:endParaRPr lang="en-GB" sz="1400"/>
+            </a:p>
+          </p:txBody>
+        </p:sp>
+        <p:sp>
+          <p:nvSpPr>
+            <p:cNvPr id="55" name="Freeform: Shape 54">
+              <a:extLst>
+                <a:ext uri="{FF2B5EF4-FFF2-40B4-BE49-F238E27FC236}">
+                  <a16:creationId xmlns:a16="http://schemas.microsoft.com/office/drawing/2014/main" id="{56E48E75-DCDC-AB1A-A64D-025AF621723B}"/>
+                </a:ext>
+              </a:extLst>
+            </p:cNvPr>
+            <p:cNvSpPr/>
+            <p:nvPr/>
+          </p:nvSpPr>
+          <p:spPr>
+            <a:xfrm>
+              <a:off x="9971813" y="8666407"/>
+              <a:ext cx="172884" cy="571143"/>
+            </a:xfrm>
+            <a:custGeom>
+              <a:avLst/>
+              <a:gdLst>
+                <a:gd name="connsiteX0" fmla="*/ 0 w 246386"/>
+                <a:gd name="connsiteY0" fmla="*/ 0 h 246424"/>
+                <a:gd name="connsiteX1" fmla="*/ 246387 w 246386"/>
+                <a:gd name="connsiteY1" fmla="*/ 0 h 246424"/>
+                <a:gd name="connsiteX2" fmla="*/ 246387 w 246386"/>
+                <a:gd name="connsiteY2" fmla="*/ 246425 h 246424"/>
+                <a:gd name="connsiteX3" fmla="*/ 0 w 246386"/>
+                <a:gd name="connsiteY3" fmla="*/ 246425 h 246424"/>
+              </a:gdLst>
+              <a:ahLst/>
+              <a:cxnLst>
+                <a:cxn ang="0">
+                  <a:pos x="connsiteX0" y="connsiteY0"/>
+                </a:cxn>
+                <a:cxn ang="0">
+                  <a:pos x="connsiteX1" y="connsiteY1"/>
+                </a:cxn>
+                <a:cxn ang="0">
+                  <a:pos x="connsiteX2" y="connsiteY2"/>
+                </a:cxn>
+                <a:cxn ang="0">
+                  <a:pos x="connsiteX3" y="connsiteY3"/>
+                </a:cxn>
+              </a:cxnLst>
+              <a:rect l="l" t="t" r="r" b="b"/>
+              <a:pathLst>
+                <a:path w="246386" h="246424">
+                  <a:moveTo>
+                    <a:pt x="0" y="0"/>
+                  </a:moveTo>
+                  <a:lnTo>
+                    <a:pt x="246387" y="0"/>
+                  </a:lnTo>
+                  <a:lnTo>
+                    <a:pt x="246387" y="246425"/>
+                  </a:lnTo>
+                  <a:lnTo>
+                    <a:pt x="0" y="246425"/>
+                  </a:lnTo>
+                  <a:close/>
+                </a:path>
+              </a:pathLst>
+            </a:custGeom>
+            <a:solidFill>
+              <a:srgbClr val="D5E8D4"/>
+            </a:solidFill>
+            <a:ln w="7358" cap="flat">
+              <a:noFill/>
+              <a:prstDash val="solid"/>
+              <a:miter/>
+            </a:ln>
+          </p:spPr>
+          <p:txBody>
+            <a:bodyPr rtlCol="0" anchor="ctr"/>
+            <a:lstStyle/>
+            <a:p>
+              <a:endParaRPr lang="en-GB" sz="1400"/>
+            </a:p>
+          </p:txBody>
+        </p:sp>
+        <p:sp>
+          <p:nvSpPr>
+            <p:cNvPr id="56" name="Freeform: Shape 55">
+              <a:extLst>
+                <a:ext uri="{FF2B5EF4-FFF2-40B4-BE49-F238E27FC236}">
+                  <a16:creationId xmlns:a16="http://schemas.microsoft.com/office/drawing/2014/main" id="{B56CFAAB-0D03-FB22-5FDF-B90A1759C3BF}"/>
+                </a:ext>
+              </a:extLst>
+            </p:cNvPr>
+            <p:cNvSpPr/>
+            <p:nvPr/>
+          </p:nvSpPr>
+          <p:spPr>
+            <a:xfrm>
+              <a:off x="8646865" y="8666401"/>
+              <a:ext cx="1497832" cy="571143"/>
+            </a:xfrm>
+            <a:custGeom>
+              <a:avLst/>
+              <a:gdLst>
+                <a:gd name="connsiteX0" fmla="*/ 0 w 2283183"/>
+                <a:gd name="connsiteY0" fmla="*/ 246425 h 246424"/>
+                <a:gd name="connsiteX1" fmla="*/ 209429 w 2283183"/>
+                <a:gd name="connsiteY1" fmla="*/ 0 h 246424"/>
+                <a:gd name="connsiteX2" fmla="*/ 2073755 w 2283183"/>
+                <a:gd name="connsiteY2" fmla="*/ 0 h 246424"/>
+                <a:gd name="connsiteX3" fmla="*/ 2283183 w 2283183"/>
+                <a:gd name="connsiteY3" fmla="*/ 246425 h 246424"/>
+              </a:gdLst>
+              <a:ahLst/>
+              <a:cxnLst>
+                <a:cxn ang="0">
+                  <a:pos x="connsiteX0" y="connsiteY0"/>
+                </a:cxn>
+                <a:cxn ang="0">
+                  <a:pos x="connsiteX1" y="connsiteY1"/>
+                </a:cxn>
+                <a:cxn ang="0">
+                  <a:pos x="connsiteX2" y="connsiteY2"/>
+                </a:cxn>
+                <a:cxn ang="0">
+                  <a:pos x="connsiteX3" y="connsiteY3"/>
+                </a:cxn>
+              </a:cxnLst>
+              <a:rect l="l" t="t" r="r" b="b"/>
+              <a:pathLst>
+                <a:path w="2283183" h="246424">
+                  <a:moveTo>
+                    <a:pt x="0" y="246425"/>
+                  </a:moveTo>
+                  <a:lnTo>
+                    <a:pt x="209429" y="0"/>
+                  </a:lnTo>
+                  <a:lnTo>
+                    <a:pt x="2073755" y="0"/>
+                  </a:lnTo>
+                  <a:lnTo>
+                    <a:pt x="2283183" y="246425"/>
+                  </a:lnTo>
+                  <a:close/>
+                </a:path>
+              </a:pathLst>
+            </a:custGeom>
+            <a:solidFill>
+              <a:srgbClr val="D5E8D4"/>
+            </a:solidFill>
+            <a:ln w="7358" cap="flat">
+              <a:noFill/>
+              <a:prstDash val="solid"/>
+              <a:miter/>
+            </a:ln>
+          </p:spPr>
+          <p:txBody>
+            <a:bodyPr rtlCol="0" anchor="ctr"/>
+            <a:lstStyle/>
+            <a:p>
+              <a:endParaRPr lang="en-GB" sz="1400"/>
+            </a:p>
+          </p:txBody>
+        </p:sp>
+        <p:sp>
+          <p:nvSpPr>
+            <p:cNvPr id="57" name="TextBox 56">
+              <a:extLst>
+                <a:ext uri="{FF2B5EF4-FFF2-40B4-BE49-F238E27FC236}">
+                  <a16:creationId xmlns:a16="http://schemas.microsoft.com/office/drawing/2014/main" id="{F5B7B99B-86AA-1261-39D3-05C23E79253E}"/>
+                </a:ext>
+              </a:extLst>
+            </p:cNvPr>
+            <p:cNvSpPr txBox="1"/>
+            <p:nvPr/>
+          </p:nvSpPr>
+          <p:spPr>
+            <a:xfrm>
+              <a:off x="8766675" y="8730373"/>
+              <a:ext cx="1450718" cy="443198"/>
+            </a:xfrm>
+            <a:prstGeom prst="rect">
+              <a:avLst/>
+            </a:prstGeom>
+            <a:noFill/>
+          </p:spPr>
+          <p:txBody>
+            <a:bodyPr wrap="none" lIns="0" tIns="0" rIns="0" bIns="0" rtlCol="0">
+              <a:spAutoFit/>
+            </a:bodyPr>
+            <a:lstStyle/>
+            <a:p>
+              <a:pPr algn="ctr">
+                <a:lnSpc>
+                  <a:spcPct val="90000"/>
+                </a:lnSpc>
+              </a:pPr>
+              <a:r>
+                <a:rPr lang="en-GB" sz="1600" b="1" spc="0" baseline="0" dirty="0">
+                  <a:ln/>
+                  <a:solidFill>
+                    <a:srgbClr val="000000"/>
+                  </a:solidFill>
+                  <a:latin typeface="Helvetica"/>
+                  <a:cs typeface="Helvetica"/>
+                  <a:sym typeface="Helvetica"/>
+                  <a:rtl val="0"/>
+                </a:rPr>
+                <a:t>Market model: </a:t>
+              </a:r>
+            </a:p>
+            <a:p>
+              <a:pPr algn="ctr">
+                <a:lnSpc>
+                  <a:spcPct val="90000"/>
+                </a:lnSpc>
+              </a:pPr>
+              <a:r>
+                <a:rPr lang="en-GB" sz="1600" b="1" spc="0" baseline="0" dirty="0">
+                  <a:ln/>
+                  <a:solidFill>
+                    <a:srgbClr val="000000"/>
+                  </a:solidFill>
+                  <a:latin typeface="Helvetica"/>
+                  <a:cs typeface="Helvetica"/>
+                  <a:sym typeface="Helvetica"/>
+                  <a:rtl val="0"/>
+                </a:rPr>
+                <a:t>Static Market</a:t>
+              </a:r>
+            </a:p>
+          </p:txBody>
+        </p:sp>
+        <p:sp>
+          <p:nvSpPr>
+            <p:cNvPr id="58" name="Freeform: Shape 57">
+              <a:extLst>
+                <a:ext uri="{FF2B5EF4-FFF2-40B4-BE49-F238E27FC236}">
+                  <a16:creationId xmlns:a16="http://schemas.microsoft.com/office/drawing/2014/main" id="{0129E890-7301-1516-8AB3-A14E41183108}"/>
+                </a:ext>
+              </a:extLst>
+            </p:cNvPr>
+            <p:cNvSpPr/>
+            <p:nvPr/>
+          </p:nvSpPr>
+          <p:spPr>
+            <a:xfrm>
+              <a:off x="10185572" y="8666306"/>
+              <a:ext cx="172884" cy="571143"/>
+            </a:xfrm>
+            <a:custGeom>
+              <a:avLst/>
+              <a:gdLst>
+                <a:gd name="connsiteX0" fmla="*/ 0 w 246386"/>
+                <a:gd name="connsiteY0" fmla="*/ 0 h 246424"/>
+                <a:gd name="connsiteX1" fmla="*/ 246387 w 246386"/>
+                <a:gd name="connsiteY1" fmla="*/ 0 h 246424"/>
+                <a:gd name="connsiteX2" fmla="*/ 246387 w 246386"/>
+                <a:gd name="connsiteY2" fmla="*/ 246425 h 246424"/>
+                <a:gd name="connsiteX3" fmla="*/ 0 w 246386"/>
+                <a:gd name="connsiteY3" fmla="*/ 246425 h 246424"/>
+              </a:gdLst>
+              <a:ahLst/>
+              <a:cxnLst>
+                <a:cxn ang="0">
+                  <a:pos x="connsiteX0" y="connsiteY0"/>
+                </a:cxn>
+                <a:cxn ang="0">
+                  <a:pos x="connsiteX1" y="connsiteY1"/>
+                </a:cxn>
+                <a:cxn ang="0">
+                  <a:pos x="connsiteX2" y="connsiteY2"/>
+                </a:cxn>
+                <a:cxn ang="0">
+                  <a:pos x="connsiteX3" y="connsiteY3"/>
+                </a:cxn>
+              </a:cxnLst>
+              <a:rect l="l" t="t" r="r" b="b"/>
+              <a:pathLst>
+                <a:path w="246386" h="246424">
+                  <a:moveTo>
+                    <a:pt x="0" y="0"/>
+                  </a:moveTo>
+                  <a:lnTo>
+                    <a:pt x="246387" y="0"/>
+                  </a:lnTo>
+                  <a:lnTo>
+                    <a:pt x="246387" y="246425"/>
+                  </a:lnTo>
+                  <a:lnTo>
+                    <a:pt x="0" y="246425"/>
+                  </a:lnTo>
+                  <a:close/>
+                </a:path>
+              </a:pathLst>
+            </a:custGeom>
+            <a:solidFill>
+              <a:srgbClr val="FAD9D5"/>
+            </a:solidFill>
+            <a:ln w="7358" cap="flat">
+              <a:noFill/>
+              <a:prstDash val="solid"/>
+              <a:miter/>
+            </a:ln>
+          </p:spPr>
+          <p:txBody>
+            <a:bodyPr rtlCol="0" anchor="ctr"/>
+            <a:lstStyle/>
+            <a:p>
+              <a:endParaRPr lang="en-GB" sz="1400"/>
+            </a:p>
+          </p:txBody>
+        </p:sp>
+        <p:sp>
+          <p:nvSpPr>
+            <p:cNvPr id="59" name="Freeform: Shape 58">
+              <a:extLst>
+                <a:ext uri="{FF2B5EF4-FFF2-40B4-BE49-F238E27FC236}">
+                  <a16:creationId xmlns:a16="http://schemas.microsoft.com/office/drawing/2014/main" id="{C0814737-8757-FE63-A0E4-6EBF0DA911D1}"/>
+                </a:ext>
+              </a:extLst>
+            </p:cNvPr>
+            <p:cNvSpPr/>
+            <p:nvPr/>
+          </p:nvSpPr>
+          <p:spPr>
+            <a:xfrm>
+              <a:off x="10199205" y="8666401"/>
+              <a:ext cx="1520363" cy="569530"/>
+            </a:xfrm>
+            <a:custGeom>
+              <a:avLst/>
+              <a:gdLst>
+                <a:gd name="connsiteX0" fmla="*/ 0 w 2283183"/>
+                <a:gd name="connsiteY0" fmla="*/ 246425 h 246424"/>
+                <a:gd name="connsiteX1" fmla="*/ 209429 w 2283183"/>
+                <a:gd name="connsiteY1" fmla="*/ 0 h 246424"/>
+                <a:gd name="connsiteX2" fmla="*/ 2073755 w 2283183"/>
+                <a:gd name="connsiteY2" fmla="*/ 0 h 246424"/>
+                <a:gd name="connsiteX3" fmla="*/ 2283183 w 2283183"/>
+                <a:gd name="connsiteY3" fmla="*/ 246425 h 246424"/>
+              </a:gdLst>
+              <a:ahLst/>
+              <a:cxnLst>
+                <a:cxn ang="0">
+                  <a:pos x="connsiteX0" y="connsiteY0"/>
+                </a:cxn>
+                <a:cxn ang="0">
+                  <a:pos x="connsiteX1" y="connsiteY1"/>
+                </a:cxn>
+                <a:cxn ang="0">
+                  <a:pos x="connsiteX2" y="connsiteY2"/>
+                </a:cxn>
+                <a:cxn ang="0">
+                  <a:pos x="connsiteX3" y="connsiteY3"/>
+                </a:cxn>
+              </a:cxnLst>
+              <a:rect l="l" t="t" r="r" b="b"/>
+              <a:pathLst>
+                <a:path w="2283183" h="246424">
+                  <a:moveTo>
+                    <a:pt x="0" y="246425"/>
+                  </a:moveTo>
+                  <a:lnTo>
+                    <a:pt x="209429" y="0"/>
+                  </a:lnTo>
+                  <a:lnTo>
+                    <a:pt x="2073755" y="0"/>
+                  </a:lnTo>
+                  <a:lnTo>
+                    <a:pt x="2283183" y="246425"/>
+                  </a:lnTo>
+                  <a:close/>
+                </a:path>
+              </a:pathLst>
+            </a:custGeom>
+            <a:solidFill>
+              <a:srgbClr val="FAD9D5"/>
+            </a:solidFill>
+            <a:ln w="7358" cap="flat">
+              <a:noFill/>
+              <a:prstDash val="solid"/>
+              <a:miter/>
+            </a:ln>
+          </p:spPr>
+          <p:txBody>
+            <a:bodyPr rtlCol="0" anchor="ctr"/>
+            <a:lstStyle/>
+            <a:p>
+              <a:endParaRPr lang="en-GB" sz="1400"/>
+            </a:p>
+          </p:txBody>
+        </p:sp>
+        <p:sp>
+          <p:nvSpPr>
+            <p:cNvPr id="60" name="TextBox 59">
+              <a:extLst>
+                <a:ext uri="{FF2B5EF4-FFF2-40B4-BE49-F238E27FC236}">
+                  <a16:creationId xmlns:a16="http://schemas.microsoft.com/office/drawing/2014/main" id="{8BCFD556-7988-47A3-E0DD-244E5EFD5348}"/>
+                </a:ext>
+              </a:extLst>
+            </p:cNvPr>
+            <p:cNvSpPr txBox="1"/>
+            <p:nvPr/>
+          </p:nvSpPr>
+          <p:spPr>
+            <a:xfrm>
+              <a:off x="10216037" y="8729567"/>
+              <a:ext cx="1398588" cy="443198"/>
+            </a:xfrm>
+            <a:prstGeom prst="rect">
+              <a:avLst/>
+            </a:prstGeom>
+            <a:noFill/>
+          </p:spPr>
+          <p:txBody>
+            <a:bodyPr wrap="none" lIns="0" tIns="0" rIns="0" bIns="0" rtlCol="0">
+              <a:spAutoFit/>
+            </a:bodyPr>
+            <a:lstStyle/>
+            <a:p>
+              <a:pPr algn="ctr">
+                <a:lnSpc>
+                  <a:spcPct val="90000"/>
+                </a:lnSpc>
+              </a:pPr>
+              <a:r>
+                <a:rPr lang="en-GB" sz="1600" b="1" spc="0" baseline="0" dirty="0">
+                  <a:ln/>
+                  <a:solidFill>
+                    <a:srgbClr val="000000"/>
+                  </a:solidFill>
+                  <a:latin typeface="Helvetica"/>
+                  <a:cs typeface="Helvetica"/>
+                  <a:sym typeface="Helvetica"/>
+                  <a:rtl val="0"/>
+                </a:rPr>
+                <a:t>Broker: </a:t>
+              </a:r>
+            </a:p>
+            <a:p>
+              <a:pPr algn="ctr">
+                <a:lnSpc>
+                  <a:spcPct val="90000"/>
+                </a:lnSpc>
+              </a:pPr>
+              <a:r>
+                <a:rPr lang="en-GB" sz="1600" b="1" spc="0" baseline="0" dirty="0">
+                  <a:ln/>
+                  <a:solidFill>
+                    <a:srgbClr val="000000"/>
+                  </a:solidFill>
+                  <a:latin typeface="Helvetica"/>
+                  <a:cs typeface="Helvetica"/>
+                  <a:sym typeface="Helvetica"/>
+                  <a:rtl val="0"/>
+                </a:rPr>
+                <a:t>Alpaca / eToro</a:t>
+              </a:r>
+            </a:p>
+          </p:txBody>
+        </p:sp>
+        <p:sp>
+          <p:nvSpPr>
+            <p:cNvPr id="61" name="Freeform: Shape 60">
+              <a:extLst>
+                <a:ext uri="{FF2B5EF4-FFF2-40B4-BE49-F238E27FC236}">
+                  <a16:creationId xmlns:a16="http://schemas.microsoft.com/office/drawing/2014/main" id="{DF293B43-318A-DF02-49FF-08663CC1B605}"/>
+                </a:ext>
+              </a:extLst>
+            </p:cNvPr>
+            <p:cNvSpPr/>
+            <p:nvPr/>
+          </p:nvSpPr>
+          <p:spPr>
+            <a:xfrm>
+              <a:off x="10185572" y="9331122"/>
+              <a:ext cx="172884" cy="571143"/>
+            </a:xfrm>
+            <a:custGeom>
+              <a:avLst/>
+              <a:gdLst>
+                <a:gd name="connsiteX0" fmla="*/ 0 w 246386"/>
+                <a:gd name="connsiteY0" fmla="*/ 0 h 246424"/>
+                <a:gd name="connsiteX1" fmla="*/ 246387 w 246386"/>
+                <a:gd name="connsiteY1" fmla="*/ 0 h 246424"/>
+                <a:gd name="connsiteX2" fmla="*/ 246387 w 246386"/>
+                <a:gd name="connsiteY2" fmla="*/ 246425 h 246424"/>
+                <a:gd name="connsiteX3" fmla="*/ 0 w 246386"/>
+                <a:gd name="connsiteY3" fmla="*/ 246425 h 246424"/>
+              </a:gdLst>
+              <a:ahLst/>
+              <a:cxnLst>
+                <a:cxn ang="0">
+                  <a:pos x="connsiteX0" y="connsiteY0"/>
+                </a:cxn>
+                <a:cxn ang="0">
+                  <a:pos x="connsiteX1" y="connsiteY1"/>
+                </a:cxn>
+                <a:cxn ang="0">
+                  <a:pos x="connsiteX2" y="connsiteY2"/>
+                </a:cxn>
+                <a:cxn ang="0">
+                  <a:pos x="connsiteX3" y="connsiteY3"/>
+                </a:cxn>
+              </a:cxnLst>
+              <a:rect l="l" t="t" r="r" b="b"/>
+              <a:pathLst>
+                <a:path w="246386" h="246424">
+                  <a:moveTo>
+                    <a:pt x="0" y="0"/>
+                  </a:moveTo>
+                  <a:lnTo>
+                    <a:pt x="246387" y="0"/>
+                  </a:lnTo>
+                  <a:lnTo>
+                    <a:pt x="246387" y="246425"/>
+                  </a:lnTo>
+                  <a:lnTo>
+                    <a:pt x="0" y="246425"/>
+                  </a:lnTo>
+                  <a:close/>
+                </a:path>
+              </a:pathLst>
+            </a:custGeom>
+            <a:solidFill>
+              <a:srgbClr val="F8A9A9"/>
+            </a:solidFill>
+            <a:ln w="7358" cap="flat">
+              <a:noFill/>
+              <a:prstDash val="solid"/>
+              <a:miter/>
+            </a:ln>
+          </p:spPr>
+          <p:txBody>
+            <a:bodyPr rtlCol="0" anchor="ctr"/>
+            <a:lstStyle/>
+            <a:p>
+              <a:endParaRPr lang="en-GB" sz="1400"/>
+            </a:p>
+          </p:txBody>
+        </p:sp>
+        <p:sp>
+          <p:nvSpPr>
+            <p:cNvPr id="62" name="Freeform: Shape 61">
+              <a:extLst>
+                <a:ext uri="{FF2B5EF4-FFF2-40B4-BE49-F238E27FC236}">
+                  <a16:creationId xmlns:a16="http://schemas.microsoft.com/office/drawing/2014/main" id="{0A1907AD-E825-1831-128E-E6AA12925C3B}"/>
+                </a:ext>
+              </a:extLst>
+            </p:cNvPr>
+            <p:cNvSpPr/>
+            <p:nvPr/>
+          </p:nvSpPr>
+          <p:spPr>
+            <a:xfrm>
+              <a:off x="10188757" y="9332735"/>
+              <a:ext cx="1703131" cy="571143"/>
+            </a:xfrm>
+            <a:custGeom>
+              <a:avLst/>
+              <a:gdLst>
+                <a:gd name="connsiteX0" fmla="*/ 0 w 2537782"/>
+                <a:gd name="connsiteY0" fmla="*/ 246425 h 246424"/>
+                <a:gd name="connsiteX1" fmla="*/ 209429 w 2537782"/>
+                <a:gd name="connsiteY1" fmla="*/ 0 h 246424"/>
+                <a:gd name="connsiteX2" fmla="*/ 2328354 w 2537782"/>
+                <a:gd name="connsiteY2" fmla="*/ 0 h 246424"/>
+                <a:gd name="connsiteX3" fmla="*/ 2537783 w 2537782"/>
+                <a:gd name="connsiteY3" fmla="*/ 246425 h 246424"/>
+              </a:gdLst>
+              <a:ahLst/>
+              <a:cxnLst>
+                <a:cxn ang="0">
+                  <a:pos x="connsiteX0" y="connsiteY0"/>
+                </a:cxn>
+                <a:cxn ang="0">
+                  <a:pos x="connsiteX1" y="connsiteY1"/>
+                </a:cxn>
+                <a:cxn ang="0">
+                  <a:pos x="connsiteX2" y="connsiteY2"/>
+                </a:cxn>
+                <a:cxn ang="0">
+                  <a:pos x="connsiteX3" y="connsiteY3"/>
+                </a:cxn>
+              </a:cxnLst>
+              <a:rect l="l" t="t" r="r" b="b"/>
+              <a:pathLst>
+                <a:path w="2537782" h="246424">
+                  <a:moveTo>
+                    <a:pt x="0" y="246425"/>
+                  </a:moveTo>
+                  <a:lnTo>
+                    <a:pt x="209429" y="0"/>
+                  </a:lnTo>
+                  <a:lnTo>
+                    <a:pt x="2328354" y="0"/>
+                  </a:lnTo>
+                  <a:lnTo>
+                    <a:pt x="2537783" y="246425"/>
+                  </a:lnTo>
+                  <a:close/>
+                </a:path>
+              </a:pathLst>
+            </a:custGeom>
+            <a:solidFill>
+              <a:srgbClr val="F8A9A9"/>
+            </a:solidFill>
+            <a:ln w="7358" cap="flat">
+              <a:noFill/>
+              <a:prstDash val="solid"/>
+              <a:miter/>
+            </a:ln>
+          </p:spPr>
+          <p:txBody>
+            <a:bodyPr rtlCol="0" anchor="ctr"/>
+            <a:lstStyle/>
+            <a:p>
+              <a:endParaRPr lang="en-GB" sz="1400" dirty="0"/>
+            </a:p>
+          </p:txBody>
+        </p:sp>
+        <p:sp>
+          <p:nvSpPr>
+            <p:cNvPr id="63" name="TextBox 62">
+              <a:extLst>
+                <a:ext uri="{FF2B5EF4-FFF2-40B4-BE49-F238E27FC236}">
+                  <a16:creationId xmlns:a16="http://schemas.microsoft.com/office/drawing/2014/main" id="{194F584E-0CD9-7268-D8E6-97401BF223D1}"/>
+                </a:ext>
+              </a:extLst>
+            </p:cNvPr>
+            <p:cNvSpPr txBox="1"/>
+            <p:nvPr/>
+          </p:nvSpPr>
+          <p:spPr>
+            <a:xfrm>
+              <a:off x="10160964" y="9396707"/>
+              <a:ext cx="1670714" cy="443198"/>
+            </a:xfrm>
+            <a:prstGeom prst="rect">
+              <a:avLst/>
+            </a:prstGeom>
+            <a:noFill/>
+          </p:spPr>
+          <p:txBody>
+            <a:bodyPr wrap="none" lIns="0" tIns="0" rIns="0" bIns="0" rtlCol="0">
+              <a:spAutoFit/>
+            </a:bodyPr>
+            <a:lstStyle/>
+            <a:p>
+              <a:pPr algn="ctr">
+                <a:lnSpc>
+                  <a:spcPct val="90000"/>
+                </a:lnSpc>
+              </a:pPr>
+              <a:r>
+                <a:rPr lang="en-GB" sz="1600" b="1" spc="0" baseline="0" dirty="0">
+                  <a:ln/>
+                  <a:solidFill>
+                    <a:srgbClr val="000000"/>
+                  </a:solidFill>
+                  <a:latin typeface="Helvetica"/>
+                  <a:cs typeface="Helvetica"/>
+                  <a:sym typeface="Helvetica"/>
+                  <a:rtl val="0"/>
+                </a:rPr>
+                <a:t>Client:</a:t>
+              </a:r>
+            </a:p>
+            <a:p>
+              <a:pPr algn="ctr">
+                <a:lnSpc>
+                  <a:spcPct val="90000"/>
+                </a:lnSpc>
+              </a:pPr>
+              <a:r>
+                <a:rPr lang="en-GB" sz="1600" b="1" spc="0" baseline="0" dirty="0">
+                  <a:ln/>
+                  <a:solidFill>
+                    <a:srgbClr val="000000"/>
+                  </a:solidFill>
+                  <a:latin typeface="Helvetica"/>
+                  <a:cs typeface="Helvetica"/>
+                  <a:sym typeface="Helvetica"/>
+                  <a:rtl val="0"/>
+                </a:rPr>
+                <a:t> Live Server / API</a:t>
+              </a:r>
+            </a:p>
+          </p:txBody>
+        </p:sp>
+        <p:sp>
+          <p:nvSpPr>
+            <p:cNvPr id="64" name="Freeform: Shape 63">
+              <a:extLst>
+                <a:ext uri="{FF2B5EF4-FFF2-40B4-BE49-F238E27FC236}">
+                  <a16:creationId xmlns:a16="http://schemas.microsoft.com/office/drawing/2014/main" id="{E30792A0-D248-F85A-6016-25725CD0A2B0}"/>
+                </a:ext>
+              </a:extLst>
+            </p:cNvPr>
+            <p:cNvSpPr/>
+            <p:nvPr/>
+          </p:nvSpPr>
+          <p:spPr>
+            <a:xfrm>
+              <a:off x="9971813" y="9332735"/>
+              <a:ext cx="172884" cy="571143"/>
+            </a:xfrm>
+            <a:custGeom>
+              <a:avLst/>
+              <a:gdLst>
+                <a:gd name="connsiteX0" fmla="*/ 0 w 246386"/>
+                <a:gd name="connsiteY0" fmla="*/ 0 h 246424"/>
+                <a:gd name="connsiteX1" fmla="*/ 246387 w 246386"/>
+                <a:gd name="connsiteY1" fmla="*/ 0 h 246424"/>
+                <a:gd name="connsiteX2" fmla="*/ 246387 w 246386"/>
+                <a:gd name="connsiteY2" fmla="*/ 246425 h 246424"/>
+                <a:gd name="connsiteX3" fmla="*/ 0 w 246386"/>
+                <a:gd name="connsiteY3" fmla="*/ 246425 h 246424"/>
+              </a:gdLst>
+              <a:ahLst/>
+              <a:cxnLst>
+                <a:cxn ang="0">
+                  <a:pos x="connsiteX0" y="connsiteY0"/>
+                </a:cxn>
+                <a:cxn ang="0">
+                  <a:pos x="connsiteX1" y="connsiteY1"/>
+                </a:cxn>
+                <a:cxn ang="0">
+                  <a:pos x="connsiteX2" y="connsiteY2"/>
+                </a:cxn>
+                <a:cxn ang="0">
+                  <a:pos x="connsiteX3" y="connsiteY3"/>
+                </a:cxn>
+              </a:cxnLst>
+              <a:rect l="l" t="t" r="r" b="b"/>
+              <a:pathLst>
+                <a:path w="246386" h="246424">
+                  <a:moveTo>
+                    <a:pt x="0" y="0"/>
+                  </a:moveTo>
+                  <a:lnTo>
+                    <a:pt x="246387" y="0"/>
+                  </a:lnTo>
+                  <a:lnTo>
+                    <a:pt x="246387" y="246425"/>
+                  </a:lnTo>
+                  <a:lnTo>
+                    <a:pt x="0" y="246425"/>
+                  </a:lnTo>
+                  <a:close/>
+                </a:path>
+              </a:pathLst>
+            </a:custGeom>
+            <a:solidFill>
+              <a:srgbClr val="71C71B"/>
+            </a:solidFill>
+            <a:ln w="7358" cap="flat">
+              <a:noFill/>
+              <a:prstDash val="solid"/>
+              <a:miter/>
+            </a:ln>
+          </p:spPr>
+          <p:txBody>
+            <a:bodyPr rtlCol="0" anchor="ctr"/>
+            <a:lstStyle/>
+            <a:p>
+              <a:endParaRPr lang="en-GB" sz="1400"/>
+            </a:p>
+          </p:txBody>
+        </p:sp>
+        <p:sp>
+          <p:nvSpPr>
+            <p:cNvPr id="65" name="Freeform: Shape 64">
+              <a:extLst>
+                <a:ext uri="{FF2B5EF4-FFF2-40B4-BE49-F238E27FC236}">
+                  <a16:creationId xmlns:a16="http://schemas.microsoft.com/office/drawing/2014/main" id="{22B5A066-D087-2327-DF02-CC4CFCD422A2}"/>
+                </a:ext>
+              </a:extLst>
+            </p:cNvPr>
+            <p:cNvSpPr/>
+            <p:nvPr/>
+          </p:nvSpPr>
+          <p:spPr>
+            <a:xfrm>
+              <a:off x="8505197" y="9332735"/>
+              <a:ext cx="1611707" cy="571143"/>
+            </a:xfrm>
+            <a:custGeom>
+              <a:avLst/>
+              <a:gdLst>
+                <a:gd name="connsiteX0" fmla="*/ 0 w 2537782"/>
+                <a:gd name="connsiteY0" fmla="*/ 246425 h 246424"/>
+                <a:gd name="connsiteX1" fmla="*/ 209429 w 2537782"/>
+                <a:gd name="connsiteY1" fmla="*/ 0 h 246424"/>
+                <a:gd name="connsiteX2" fmla="*/ 2328354 w 2537782"/>
+                <a:gd name="connsiteY2" fmla="*/ 0 h 246424"/>
+                <a:gd name="connsiteX3" fmla="*/ 2537783 w 2537782"/>
+                <a:gd name="connsiteY3" fmla="*/ 246425 h 246424"/>
+              </a:gdLst>
+              <a:ahLst/>
+              <a:cxnLst>
+                <a:cxn ang="0">
+                  <a:pos x="connsiteX0" y="connsiteY0"/>
+                </a:cxn>
+                <a:cxn ang="0">
+                  <a:pos x="connsiteX1" y="connsiteY1"/>
+                </a:cxn>
+                <a:cxn ang="0">
+                  <a:pos x="connsiteX2" y="connsiteY2"/>
+                </a:cxn>
+                <a:cxn ang="0">
+                  <a:pos x="connsiteX3" y="connsiteY3"/>
+                </a:cxn>
+              </a:cxnLst>
+              <a:rect l="l" t="t" r="r" b="b"/>
+              <a:pathLst>
+                <a:path w="2537782" h="246424">
+                  <a:moveTo>
+                    <a:pt x="0" y="246425"/>
+                  </a:moveTo>
+                  <a:lnTo>
+                    <a:pt x="209429" y="0"/>
+                  </a:lnTo>
+                  <a:lnTo>
+                    <a:pt x="2328354" y="0"/>
+                  </a:lnTo>
+                  <a:lnTo>
+                    <a:pt x="2537783" y="246425"/>
+                  </a:lnTo>
+                  <a:close/>
+                </a:path>
+              </a:pathLst>
+            </a:custGeom>
+            <a:solidFill>
+              <a:srgbClr val="71C71B"/>
+            </a:solidFill>
+            <a:ln w="7358" cap="flat">
+              <a:noFill/>
+              <a:prstDash val="solid"/>
+              <a:miter/>
+            </a:ln>
+          </p:spPr>
+          <p:txBody>
+            <a:bodyPr rtlCol="0" anchor="ctr"/>
+            <a:lstStyle/>
+            <a:p>
+              <a:endParaRPr lang="en-GB" sz="1400"/>
+            </a:p>
+          </p:txBody>
+        </p:sp>
+        <p:sp>
+          <p:nvSpPr>
+            <p:cNvPr id="66" name="TextBox 65">
+              <a:extLst>
+                <a:ext uri="{FF2B5EF4-FFF2-40B4-BE49-F238E27FC236}">
+                  <a16:creationId xmlns:a16="http://schemas.microsoft.com/office/drawing/2014/main" id="{05EB8462-10FF-77BF-974E-E7BDAD09AA72}"/>
+                </a:ext>
+              </a:extLst>
+            </p:cNvPr>
+            <p:cNvSpPr txBox="1"/>
+            <p:nvPr/>
+          </p:nvSpPr>
+          <p:spPr>
+            <a:xfrm>
+              <a:off x="8991022" y="9396707"/>
+              <a:ext cx="809517" cy="443198"/>
+            </a:xfrm>
+            <a:prstGeom prst="rect">
+              <a:avLst/>
+            </a:prstGeom>
+            <a:noFill/>
+          </p:spPr>
+          <p:txBody>
+            <a:bodyPr wrap="none" lIns="0" tIns="0" rIns="0" bIns="0" rtlCol="0">
+              <a:spAutoFit/>
+            </a:bodyPr>
+            <a:lstStyle/>
+            <a:p>
+              <a:pPr algn="ctr">
+                <a:lnSpc>
+                  <a:spcPct val="90000"/>
+                </a:lnSpc>
+              </a:pPr>
+              <a:r>
+                <a:rPr lang="en-GB" sz="1600" b="1" spc="0" baseline="0" dirty="0">
+                  <a:ln/>
+                  <a:solidFill>
+                    <a:srgbClr val="000000"/>
+                  </a:solidFill>
+                  <a:latin typeface="Helvetica"/>
+                  <a:cs typeface="Helvetica"/>
+                  <a:sym typeface="Helvetica"/>
+                  <a:rtl val="0"/>
+                </a:rPr>
+                <a:t>Engine: </a:t>
+              </a:r>
+            </a:p>
+            <a:p>
+              <a:pPr algn="ctr">
+                <a:lnSpc>
+                  <a:spcPct val="90000"/>
+                </a:lnSpc>
+              </a:pPr>
+              <a:r>
+                <a:rPr lang="en-GB" sz="1600" b="1" spc="0" baseline="0" dirty="0">
+                  <a:ln/>
+                  <a:solidFill>
+                    <a:srgbClr val="000000"/>
+                  </a:solidFill>
+                  <a:latin typeface="Helvetica"/>
+                  <a:cs typeface="Helvetica"/>
+                  <a:sym typeface="Helvetica"/>
+                  <a:rtl val="0"/>
+                </a:rPr>
+                <a:t>DEDS</a:t>
+              </a:r>
+            </a:p>
+          </p:txBody>
+        </p:sp>
+        <p:sp>
+          <p:nvSpPr>
+            <p:cNvPr id="73" name="TextBox 72">
+              <a:extLst>
+                <a:ext uri="{FF2B5EF4-FFF2-40B4-BE49-F238E27FC236}">
+                  <a16:creationId xmlns:a16="http://schemas.microsoft.com/office/drawing/2014/main" id="{24C6E9E1-F3E6-C686-FFD0-D7EF6BB04235}"/>
+                </a:ext>
+              </a:extLst>
+            </p:cNvPr>
+            <p:cNvSpPr txBox="1"/>
+            <p:nvPr/>
+          </p:nvSpPr>
+          <p:spPr>
+            <a:xfrm>
+              <a:off x="9138270" y="8062004"/>
+              <a:ext cx="2037552" cy="443198"/>
+            </a:xfrm>
+            <a:prstGeom prst="rect">
+              <a:avLst/>
+            </a:prstGeom>
+            <a:noFill/>
+          </p:spPr>
+          <p:txBody>
+            <a:bodyPr wrap="square" lIns="0" tIns="0" rIns="0" bIns="0" rtlCol="0">
+              <a:spAutoFit/>
+            </a:bodyPr>
+            <a:lstStyle/>
+            <a:p>
+              <a:pPr algn="ctr">
+                <a:lnSpc>
+                  <a:spcPct val="90000"/>
+                </a:lnSpc>
+              </a:pPr>
+              <a:r>
+                <a:rPr lang="en-GB" sz="1600" b="1" spc="0" baseline="0" dirty="0">
+                  <a:ln/>
+                  <a:solidFill>
+                    <a:srgbClr val="000000"/>
+                  </a:solidFill>
+                  <a:latin typeface="Helvetica"/>
+                  <a:cs typeface="Helvetica"/>
+                  <a:sym typeface="Helvetica"/>
+                  <a:rtl val="0"/>
+                </a:rPr>
+                <a:t>Markowitz, SMA, </a:t>
+              </a:r>
+            </a:p>
+            <a:p>
+              <a:pPr algn="ctr">
+                <a:lnSpc>
+                  <a:spcPct val="90000"/>
+                </a:lnSpc>
+              </a:pPr>
+              <a:r>
+                <a:rPr lang="en-GB" sz="1600" b="1" spc="0" baseline="0" dirty="0">
+                  <a:ln/>
+                  <a:solidFill>
+                    <a:srgbClr val="000000"/>
+                  </a:solidFill>
+                  <a:latin typeface="Helvetica"/>
+                  <a:cs typeface="Helvetica"/>
+                  <a:sym typeface="Helvetica"/>
+                  <a:rtl val="0"/>
+                </a:rPr>
+                <a:t>Mean Variance MPC</a:t>
+              </a:r>
+            </a:p>
+          </p:txBody>
+        </p:sp>
+        <p:sp>
+          <p:nvSpPr>
+            <p:cNvPr id="77" name="TextBox 76">
+              <a:extLst>
+                <a:ext uri="{FF2B5EF4-FFF2-40B4-BE49-F238E27FC236}">
+                  <a16:creationId xmlns:a16="http://schemas.microsoft.com/office/drawing/2014/main" id="{89794DE3-1EBA-BDEF-7365-3D21B46CB62D}"/>
+                </a:ext>
+              </a:extLst>
+            </p:cNvPr>
+            <p:cNvSpPr txBox="1"/>
+            <p:nvPr/>
+          </p:nvSpPr>
+          <p:spPr>
+            <a:xfrm>
+              <a:off x="9756157" y="7628709"/>
+              <a:ext cx="820738" cy="221599"/>
+            </a:xfrm>
+            <a:prstGeom prst="rect">
+              <a:avLst/>
+            </a:prstGeom>
+            <a:noFill/>
+          </p:spPr>
+          <p:txBody>
+            <a:bodyPr wrap="none" lIns="0" tIns="0" rIns="0" bIns="0" rtlCol="0">
+              <a:spAutoFit/>
+            </a:bodyPr>
+            <a:lstStyle/>
+            <a:p>
+              <a:pPr algn="l">
+                <a:lnSpc>
+                  <a:spcPct val="90000"/>
+                </a:lnSpc>
+              </a:pPr>
+              <a:r>
+                <a:rPr lang="en-GB" sz="1600" b="1" u="sng" spc="0" baseline="0" dirty="0">
+                  <a:ln/>
+                  <a:solidFill>
+                    <a:srgbClr val="000000"/>
+                  </a:solidFill>
+                  <a:latin typeface="Helvetica"/>
+                  <a:cs typeface="Helvetica"/>
+                  <a:sym typeface="Helvetica"/>
+                  <a:rtl val="0"/>
+                </a:rPr>
+                <a:t>Strategy</a:t>
+              </a:r>
+            </a:p>
+          </p:txBody>
+        </p:sp>
+      </p:grpSp>
       <p:sp>
         <p:nvSpPr>
-          <p:cNvPr id="13" name="TextBox 12">
+          <p:cNvPr id="82" name="Text Placeholder 8">
             <a:extLst>
               <a:ext uri="{FF2B5EF4-FFF2-40B4-BE49-F238E27FC236}">
-                <a16:creationId xmlns:a16="http://schemas.microsoft.com/office/drawing/2014/main" id="{EB22457C-0A05-BF3E-D90E-4EFBCC40AECA}"/>
+                <a16:creationId xmlns:a16="http://schemas.microsoft.com/office/drawing/2014/main" id="{EA9B4E87-3524-109F-89DF-5E4B551B0180}"/>
+              </a:ext>
+            </a:extLst>
+          </p:cNvPr>
+          <p:cNvSpPr txBox="1">
+            <a:spLocks/>
+          </p:cNvSpPr>
+          <p:nvPr/>
+        </p:nvSpPr>
+        <p:spPr>
+          <a:xfrm>
+            <a:off x="15234349" y="15659491"/>
+            <a:ext cx="4287365" cy="243037"/>
+          </a:xfrm>
+          <a:prstGeom prst="rect">
+            <a:avLst/>
+          </a:prstGeom>
+        </p:spPr>
+        <p:txBody>
+          <a:bodyPr vert="horz" lIns="0" tIns="0" rIns="0" bIns="0" rtlCol="0">
+            <a:noAutofit/>
+          </a:bodyPr>
+          <a:lstStyle>
+            <a:lvl1pPr marL="0" indent="0" algn="l" defTabSz="2138314" rtl="0" eaLnBrk="1" latinLnBrk="0" hangingPunct="1">
+              <a:lnSpc>
+                <a:spcPct val="90000"/>
+              </a:lnSpc>
+              <a:spcBef>
+                <a:spcPts val="0"/>
+              </a:spcBef>
+              <a:spcAft>
+                <a:spcPts val="0"/>
+              </a:spcAft>
+              <a:buFont typeface="Arial" panose="020B0604020202020204" pitchFamily="34" charset="0"/>
+              <a:buNone/>
+              <a:defRPr sz="1200" i="1" kern="1200">
+                <a:solidFill>
+                  <a:schemeClr val="tx1"/>
+                </a:solidFill>
+                <a:latin typeface="+mn-lt"/>
+                <a:ea typeface="+mn-ea"/>
+                <a:cs typeface="+mn-cs"/>
+              </a:defRPr>
+            </a:lvl1pPr>
+            <a:lvl2pPr marL="0" indent="0" algn="l" defTabSz="2138314" rtl="0" eaLnBrk="1" latinLnBrk="0" hangingPunct="1">
+              <a:lnSpc>
+                <a:spcPct val="83000"/>
+              </a:lnSpc>
+              <a:spcBef>
+                <a:spcPts val="0"/>
+              </a:spcBef>
+              <a:spcAft>
+                <a:spcPts val="2684"/>
+              </a:spcAft>
+              <a:buFont typeface="Arial" panose="020B0604020202020204" pitchFamily="34" charset="0"/>
+              <a:buNone/>
+              <a:defRPr sz="5000" kern="1200">
+                <a:solidFill>
+                  <a:schemeClr val="tx1"/>
+                </a:solidFill>
+                <a:latin typeface="+mn-lt"/>
+                <a:ea typeface="+mn-ea"/>
+                <a:cs typeface="+mn-cs"/>
+              </a:defRPr>
+            </a:lvl2pPr>
+            <a:lvl3pPr marL="0" indent="0" algn="l" defTabSz="2138314" rtl="0" eaLnBrk="1" latinLnBrk="0" hangingPunct="1">
+              <a:lnSpc>
+                <a:spcPct val="90000"/>
+              </a:lnSpc>
+              <a:spcBef>
+                <a:spcPts val="0"/>
+              </a:spcBef>
+              <a:spcAft>
+                <a:spcPts val="3320"/>
+              </a:spcAft>
+              <a:buFont typeface="Arial" panose="020B0604020202020204" pitchFamily="34" charset="0"/>
+              <a:buNone/>
+              <a:defRPr sz="3200" kern="1200">
+                <a:solidFill>
+                  <a:schemeClr val="tx1"/>
+                </a:solidFill>
+                <a:latin typeface="+mn-lt"/>
+                <a:ea typeface="+mn-ea"/>
+                <a:cs typeface="+mn-cs"/>
+              </a:defRPr>
+            </a:lvl3pPr>
+            <a:lvl4pPr marL="0" indent="0" algn="l" defTabSz="2138314" rtl="0" eaLnBrk="1" latinLnBrk="0" hangingPunct="1">
+              <a:lnSpc>
+                <a:spcPct val="90000"/>
+              </a:lnSpc>
+              <a:spcBef>
+                <a:spcPts val="0"/>
+              </a:spcBef>
+              <a:buFont typeface="Arial" panose="020B0604020202020204" pitchFamily="34" charset="0"/>
+              <a:buNone/>
+              <a:defRPr sz="2684" b="1" kern="1200">
+                <a:solidFill>
+                  <a:schemeClr val="accent3"/>
+                </a:solidFill>
+                <a:latin typeface="+mn-lt"/>
+                <a:ea typeface="+mn-ea"/>
+                <a:cs typeface="+mn-cs"/>
+              </a:defRPr>
+            </a:lvl4pPr>
+            <a:lvl5pPr marL="0" indent="0" algn="l" defTabSz="2138314" rtl="0" eaLnBrk="1" latinLnBrk="0" hangingPunct="1">
+              <a:lnSpc>
+                <a:spcPct val="90000"/>
+              </a:lnSpc>
+              <a:spcBef>
+                <a:spcPts val="0"/>
+              </a:spcBef>
+              <a:buFont typeface="Arial" panose="020B0604020202020204" pitchFamily="34" charset="0"/>
+              <a:buNone/>
+              <a:defRPr sz="2100" b="1" kern="1200">
+                <a:solidFill>
+                  <a:schemeClr val="tx1"/>
+                </a:solidFill>
+                <a:latin typeface="+mn-lt"/>
+                <a:ea typeface="+mn-ea"/>
+                <a:cs typeface="+mn-cs"/>
+              </a:defRPr>
+            </a:lvl5pPr>
+            <a:lvl6pPr marL="0" indent="0" algn="l" defTabSz="2138314" rtl="0" eaLnBrk="1" latinLnBrk="0" hangingPunct="1">
+              <a:lnSpc>
+                <a:spcPct val="90000"/>
+              </a:lnSpc>
+              <a:spcBef>
+                <a:spcPts val="0"/>
+              </a:spcBef>
+              <a:buFont typeface="Arial" panose="020B0604020202020204" pitchFamily="34" charset="0"/>
+              <a:buNone/>
+              <a:defRPr sz="2100" kern="1200">
+                <a:solidFill>
+                  <a:schemeClr val="tx1"/>
+                </a:solidFill>
+                <a:latin typeface="+mn-lt"/>
+                <a:ea typeface="+mn-ea"/>
+                <a:cs typeface="+mn-cs"/>
+              </a:defRPr>
+            </a:lvl6pPr>
+            <a:lvl7pPr marL="0" indent="0" algn="l" defTabSz="2138314" rtl="0" eaLnBrk="1" latinLnBrk="0" hangingPunct="1">
+              <a:lnSpc>
+                <a:spcPct val="90000"/>
+              </a:lnSpc>
+              <a:spcBef>
+                <a:spcPts val="0"/>
+              </a:spcBef>
+              <a:spcAft>
+                <a:spcPts val="3673"/>
+              </a:spcAft>
+              <a:buFont typeface="Arial" panose="020B0604020202020204" pitchFamily="34" charset="0"/>
+              <a:buNone/>
+              <a:defRPr sz="1130" kern="1200" cap="all" baseline="0">
+                <a:solidFill>
+                  <a:schemeClr val="tx1"/>
+                </a:solidFill>
+                <a:latin typeface="+mn-lt"/>
+                <a:ea typeface="+mn-ea"/>
+                <a:cs typeface="+mn-cs"/>
+              </a:defRPr>
+            </a:lvl7pPr>
+            <a:lvl8pPr marL="177988" indent="-177988" algn="l" defTabSz="2138314" rtl="0" eaLnBrk="1" latinLnBrk="0" hangingPunct="1">
+              <a:lnSpc>
+                <a:spcPct val="90000"/>
+              </a:lnSpc>
+              <a:spcBef>
+                <a:spcPts val="0"/>
+              </a:spcBef>
+              <a:buClr>
+                <a:schemeClr val="accent3"/>
+              </a:buClr>
+              <a:buFont typeface="Arial" panose="020B0604020202020204" pitchFamily="34" charset="0"/>
+              <a:buChar char="•"/>
+              <a:defRPr sz="1695" kern="1200">
+                <a:solidFill>
+                  <a:schemeClr val="tx1"/>
+                </a:solidFill>
+                <a:latin typeface="+mn-lt"/>
+                <a:ea typeface="+mn-ea"/>
+                <a:cs typeface="+mn-cs"/>
+              </a:defRPr>
+            </a:lvl8pPr>
+            <a:lvl9pPr marL="355975" indent="-355975" algn="l" defTabSz="2138314" rtl="0" eaLnBrk="1" latinLnBrk="0" hangingPunct="1">
+              <a:lnSpc>
+                <a:spcPct val="90000"/>
+              </a:lnSpc>
+              <a:spcBef>
+                <a:spcPts val="0"/>
+              </a:spcBef>
+              <a:buClr>
+                <a:schemeClr val="accent3"/>
+              </a:buClr>
+              <a:buFont typeface="Arial" panose="020B0604020202020204" pitchFamily="34" charset="0"/>
+              <a:buChar char="•"/>
+              <a:defRPr sz="1695" kern="1200">
+                <a:solidFill>
+                  <a:schemeClr val="tx1"/>
+                </a:solidFill>
+                <a:latin typeface="+mn-lt"/>
+                <a:ea typeface="+mn-ea"/>
+                <a:cs typeface="+mn-cs"/>
+              </a:defRPr>
+            </a:lvl9pPr>
+          </a:lstStyle>
+          <a:p>
+            <a:pPr algn="ctr"/>
+            <a:r>
+              <a:rPr lang="en-GB" dirty="0"/>
+              <a:t>Figure 2: Architecture and flow of data withing in AirBorne.jl</a:t>
+            </a:r>
+          </a:p>
+        </p:txBody>
+      </p:sp>
+      <p:sp>
+        <p:nvSpPr>
+          <p:cNvPr id="129" name="TextBox 128">
+            <a:extLst>
+              <a:ext uri="{FF2B5EF4-FFF2-40B4-BE49-F238E27FC236}">
+                <a16:creationId xmlns:a16="http://schemas.microsoft.com/office/drawing/2014/main" id="{D71C71C7-D572-B3B7-5714-A802DB353727}"/>
               </a:ext>
             </a:extLst>
           </p:cNvPr>
@@ -3426,8 +5536,1692 @@
         </p:nvSpPr>
         <p:spPr>
           <a:xfrm>
-            <a:off x="9636368" y="7315200"/>
-            <a:ext cx="8886093" cy="2092692"/>
+            <a:off x="-15337" y="29083781"/>
+            <a:ext cx="20950500" cy="276999"/>
+          </a:xfrm>
+          <a:prstGeom prst="rect">
+            <a:avLst/>
+          </a:prstGeom>
+          <a:noFill/>
+        </p:spPr>
+        <p:txBody>
+          <a:bodyPr wrap="square">
+            <a:spAutoFit/>
+          </a:bodyPr>
+          <a:lstStyle/>
+          <a:p>
+            <a:pPr algn="l"/>
+            <a:r>
+              <a:rPr lang="en-US" sz="1200" i="1" dirty="0"/>
+              <a:t>[1] X. Li, A. S. </a:t>
+            </a:r>
+            <a:r>
+              <a:rPr lang="en-US" sz="1200" i="1" dirty="0" err="1"/>
+              <a:t>Uysal</a:t>
+            </a:r>
+            <a:r>
+              <a:rPr lang="en-US" sz="1200" i="1" dirty="0"/>
+              <a:t>, and J. M. Mulvey, “Multi-period portfolio optimization using model predictive control with mean-variance and risk parity frameworks,” European Journal of Operational Research, vol. 299, no. 3, pp. 1158–1176, 2022, </a:t>
+            </a:r>
+            <a:r>
+              <a:rPr lang="en-US" sz="1200" i="1" dirty="0" err="1"/>
+              <a:t>issn</a:t>
+            </a:r>
+            <a:r>
+              <a:rPr lang="en-US" sz="1200" i="1" dirty="0"/>
+              <a:t>: 0377-2217. </a:t>
+            </a:r>
+            <a:r>
+              <a:rPr lang="en-US" sz="1200" i="1" dirty="0" err="1"/>
+              <a:t>doi</a:t>
+            </a:r>
+            <a:r>
+              <a:rPr lang="en-US" sz="1200" i="1" dirty="0"/>
+              <a:t>: </a:t>
+            </a:r>
+            <a:r>
+              <a:rPr lang="fr-FR" sz="1200" i="1" dirty="0"/>
+              <a:t>https://doi.org/10.1016/j.ejor.2021.10.002</a:t>
+            </a:r>
+            <a:endParaRPr lang="en-GB" sz="1200" i="1" dirty="0"/>
+          </a:p>
+        </p:txBody>
+      </p:sp>
+      <p:sp>
+        <p:nvSpPr>
+          <p:cNvPr id="131" name="TextBox 130">
+            <a:extLst>
+              <a:ext uri="{FF2B5EF4-FFF2-40B4-BE49-F238E27FC236}">
+                <a16:creationId xmlns:a16="http://schemas.microsoft.com/office/drawing/2014/main" id="{96326F64-0D0C-E4FF-79E5-A04423D0718E}"/>
+              </a:ext>
+            </a:extLst>
+          </p:cNvPr>
+          <p:cNvSpPr txBox="1"/>
+          <p:nvPr/>
+        </p:nvSpPr>
+        <p:spPr>
+          <a:xfrm>
+            <a:off x="-45823" y="29316691"/>
+            <a:ext cx="17705727" cy="276999"/>
+          </a:xfrm>
+          <a:prstGeom prst="rect">
+            <a:avLst/>
+          </a:prstGeom>
+          <a:noFill/>
+        </p:spPr>
+        <p:txBody>
+          <a:bodyPr wrap="square">
+            <a:spAutoFit/>
+          </a:bodyPr>
+          <a:lstStyle/>
+          <a:p>
+            <a:pPr algn="l"/>
+            <a:r>
+              <a:rPr lang="en-GB" sz="1200" i="1" dirty="0"/>
+              <a:t>[2] B. Castro, E. Kerrigan and L. Nita and, AirBorne: A Julia Algorithmic Trading Framework, </a:t>
+            </a:r>
+            <a:r>
+              <a:rPr lang="en-US" sz="1200" i="1" dirty="0"/>
+              <a:t>version 0.0.1, Sep. 2023. [Online]. Available: </a:t>
+            </a:r>
+            <a:r>
+              <a:rPr lang="en-US" sz="1200" i="1" dirty="0">
+                <a:hlinkClick r:id="rId4"/>
+              </a:rPr>
+              <a:t>https://github.com/JuDO-dev/</a:t>
+            </a:r>
+            <a:r>
+              <a:rPr lang="en-GB" sz="1200" i="1" dirty="0">
+                <a:hlinkClick r:id="rId4"/>
+              </a:rPr>
+              <a:t>AirBorne.jl</a:t>
+            </a:r>
+            <a:r>
+              <a:rPr lang="en-GB" sz="1200" i="1" dirty="0"/>
+              <a:t> </a:t>
+            </a:r>
+          </a:p>
+        </p:txBody>
+      </p:sp>
+      <p:grpSp>
+        <p:nvGrpSpPr>
+          <p:cNvPr id="136" name="Group 135">
+            <a:extLst>
+              <a:ext uri="{FF2B5EF4-FFF2-40B4-BE49-F238E27FC236}">
+                <a16:creationId xmlns:a16="http://schemas.microsoft.com/office/drawing/2014/main" id="{E49C3B8E-88CB-54A8-F196-93EDF3A4607A}"/>
+              </a:ext>
+            </a:extLst>
+          </p:cNvPr>
+          <p:cNvGrpSpPr/>
+          <p:nvPr/>
+        </p:nvGrpSpPr>
+        <p:grpSpPr>
+          <a:xfrm>
+            <a:off x="411257" y="6245017"/>
+            <a:ext cx="6262837" cy="1637940"/>
+            <a:chOff x="5868683" y="26894648"/>
+            <a:chExt cx="6262837" cy="1637940"/>
+          </a:xfrm>
+        </p:grpSpPr>
+        <p:pic>
+          <p:nvPicPr>
+            <p:cNvPr id="119" name="Picture 118">
+              <a:extLst>
+                <a:ext uri="{FF2B5EF4-FFF2-40B4-BE49-F238E27FC236}">
+                  <a16:creationId xmlns:a16="http://schemas.microsoft.com/office/drawing/2014/main" id="{2E59C589-5B0A-0122-2D9D-49169ADE9D4D}"/>
+                </a:ext>
+              </a:extLst>
+            </p:cNvPr>
+            <p:cNvPicPr>
+              <a:picLocks noChangeAspect="1"/>
+            </p:cNvPicPr>
+            <p:nvPr/>
+          </p:nvPicPr>
+          <p:blipFill>
+            <a:blip r:embed="rId5"/>
+            <a:stretch>
+              <a:fillRect/>
+            </a:stretch>
+          </p:blipFill>
+          <p:spPr>
+            <a:xfrm>
+              <a:off x="5996229" y="26894648"/>
+              <a:ext cx="1222319" cy="1216982"/>
+            </a:xfrm>
+            <a:prstGeom prst="rect">
+              <a:avLst/>
+            </a:prstGeom>
+          </p:spPr>
+        </p:pic>
+        <p:sp>
+          <p:nvSpPr>
+            <p:cNvPr id="133" name="TextBox 132">
+              <a:extLst>
+                <a:ext uri="{FF2B5EF4-FFF2-40B4-BE49-F238E27FC236}">
+                  <a16:creationId xmlns:a16="http://schemas.microsoft.com/office/drawing/2014/main" id="{A0FD4CB9-3507-978B-B351-57E1B5F525AD}"/>
+                </a:ext>
+              </a:extLst>
+            </p:cNvPr>
+            <p:cNvSpPr txBox="1"/>
+            <p:nvPr/>
+          </p:nvSpPr>
+          <p:spPr>
+            <a:xfrm>
+              <a:off x="6907722" y="26940060"/>
+              <a:ext cx="5223798" cy="1169551"/>
+            </a:xfrm>
+            <a:prstGeom prst="rect">
+              <a:avLst/>
+            </a:prstGeom>
+            <a:noFill/>
+          </p:spPr>
+          <p:txBody>
+            <a:bodyPr wrap="square">
+              <a:spAutoFit/>
+            </a:bodyPr>
+            <a:lstStyle/>
+            <a:p>
+              <a:pPr lvl="1"/>
+              <a:r>
+                <a:rPr lang="en-GB" sz="7000" b="1" dirty="0"/>
+                <a:t>AirBorne.jl</a:t>
+              </a:r>
+            </a:p>
+          </p:txBody>
+        </p:sp>
+        <p:sp>
+          <p:nvSpPr>
+            <p:cNvPr id="135" name="TextBox 134">
+              <a:extLst>
+                <a:ext uri="{FF2B5EF4-FFF2-40B4-BE49-F238E27FC236}">
+                  <a16:creationId xmlns:a16="http://schemas.microsoft.com/office/drawing/2014/main" id="{04647949-DA7F-8CC4-F889-F424337B1D40}"/>
+                </a:ext>
+              </a:extLst>
+            </p:cNvPr>
+            <p:cNvSpPr txBox="1"/>
+            <p:nvPr/>
+          </p:nvSpPr>
+          <p:spPr>
+            <a:xfrm>
+              <a:off x="5868683" y="28224811"/>
+              <a:ext cx="3795853" cy="307777"/>
+            </a:xfrm>
+            <a:prstGeom prst="rect">
+              <a:avLst/>
+            </a:prstGeom>
+            <a:noFill/>
+          </p:spPr>
+          <p:txBody>
+            <a:bodyPr wrap="square">
+              <a:spAutoFit/>
+            </a:bodyPr>
+            <a:lstStyle/>
+            <a:p>
+              <a:r>
+                <a:rPr lang="en-US" sz="1400" i="1" dirty="0">
+                  <a:hlinkClick r:id="rId4"/>
+                </a:rPr>
+                <a:t>https://github.com/JuDO-dev/</a:t>
+              </a:r>
+              <a:r>
+                <a:rPr lang="en-GB" sz="1400" i="1" dirty="0">
+                  <a:hlinkClick r:id="rId4"/>
+                </a:rPr>
+                <a:t>AirBorne.jl</a:t>
+              </a:r>
+              <a:r>
+                <a:rPr lang="en-GB" sz="1400" i="1" dirty="0"/>
+                <a:t> [2]</a:t>
+              </a:r>
+              <a:endParaRPr lang="en-GB" dirty="0"/>
+            </a:p>
+          </p:txBody>
+        </p:sp>
+      </p:grpSp>
+      <p:sp>
+        <p:nvSpPr>
+          <p:cNvPr id="139" name="Content Placeholder 3">
+            <a:extLst>
+              <a:ext uri="{FF2B5EF4-FFF2-40B4-BE49-F238E27FC236}">
+                <a16:creationId xmlns:a16="http://schemas.microsoft.com/office/drawing/2014/main" id="{B7C43FEC-FA3E-4436-FEEB-5774056DBD1C}"/>
+              </a:ext>
+            </a:extLst>
+          </p:cNvPr>
+          <p:cNvSpPr txBox="1">
+            <a:spLocks/>
+          </p:cNvSpPr>
+          <p:nvPr/>
+        </p:nvSpPr>
+        <p:spPr>
+          <a:xfrm>
+            <a:off x="8093332" y="5951378"/>
+            <a:ext cx="12734161" cy="2615468"/>
+          </a:xfrm>
+          <a:prstGeom prst="rect">
+            <a:avLst/>
+          </a:prstGeom>
+        </p:spPr>
+        <p:txBody>
+          <a:bodyPr vert="horz" lIns="0" tIns="0" rIns="0" bIns="0" rtlCol="0">
+            <a:noAutofit/>
+          </a:bodyPr>
+          <a:lstStyle>
+            <a:lvl1pPr marL="0" indent="0" algn="l" defTabSz="2138314" rtl="0" eaLnBrk="1" latinLnBrk="0" hangingPunct="1">
+              <a:lnSpc>
+                <a:spcPct val="90000"/>
+              </a:lnSpc>
+              <a:spcBef>
+                <a:spcPts val="0"/>
+              </a:spcBef>
+              <a:spcAft>
+                <a:spcPts val="3003"/>
+              </a:spcAft>
+              <a:buFont typeface="Arial" panose="020B0604020202020204" pitchFamily="34" charset="0"/>
+              <a:buNone/>
+              <a:defRPr sz="1695" kern="1200">
+                <a:solidFill>
+                  <a:schemeClr val="tx1"/>
+                </a:solidFill>
+                <a:latin typeface="+mn-lt"/>
+                <a:ea typeface="+mn-ea"/>
+                <a:cs typeface="+mn-cs"/>
+              </a:defRPr>
+            </a:lvl1pPr>
+            <a:lvl2pPr marL="0" indent="0" algn="l" defTabSz="2138314" rtl="0" eaLnBrk="1" latinLnBrk="0" hangingPunct="1">
+              <a:lnSpc>
+                <a:spcPct val="83000"/>
+              </a:lnSpc>
+              <a:spcBef>
+                <a:spcPts val="0"/>
+              </a:spcBef>
+              <a:spcAft>
+                <a:spcPts val="2684"/>
+              </a:spcAft>
+              <a:buFont typeface="Arial" panose="020B0604020202020204" pitchFamily="34" charset="0"/>
+              <a:buNone/>
+              <a:defRPr sz="5000" kern="1200">
+                <a:solidFill>
+                  <a:schemeClr val="tx1"/>
+                </a:solidFill>
+                <a:latin typeface="+mn-lt"/>
+                <a:ea typeface="+mn-ea"/>
+                <a:cs typeface="+mn-cs"/>
+              </a:defRPr>
+            </a:lvl2pPr>
+            <a:lvl3pPr marL="0" indent="0" algn="l" defTabSz="2138314" rtl="0" eaLnBrk="1" latinLnBrk="0" hangingPunct="1">
+              <a:lnSpc>
+                <a:spcPct val="90000"/>
+              </a:lnSpc>
+              <a:spcBef>
+                <a:spcPts val="0"/>
+              </a:spcBef>
+              <a:spcAft>
+                <a:spcPts val="3320"/>
+              </a:spcAft>
+              <a:buFont typeface="Arial" panose="020B0604020202020204" pitchFamily="34" charset="0"/>
+              <a:buNone/>
+              <a:defRPr sz="3200" kern="1200">
+                <a:solidFill>
+                  <a:schemeClr val="tx1"/>
+                </a:solidFill>
+                <a:latin typeface="+mn-lt"/>
+                <a:ea typeface="+mn-ea"/>
+                <a:cs typeface="+mn-cs"/>
+              </a:defRPr>
+            </a:lvl3pPr>
+            <a:lvl4pPr marL="0" indent="0" algn="l" defTabSz="2138314" rtl="0" eaLnBrk="1" latinLnBrk="0" hangingPunct="1">
+              <a:lnSpc>
+                <a:spcPct val="90000"/>
+              </a:lnSpc>
+              <a:spcBef>
+                <a:spcPts val="0"/>
+              </a:spcBef>
+              <a:buFont typeface="Arial" panose="020B0604020202020204" pitchFamily="34" charset="0"/>
+              <a:buNone/>
+              <a:defRPr sz="2684" b="1" kern="1200">
+                <a:solidFill>
+                  <a:schemeClr val="accent3"/>
+                </a:solidFill>
+                <a:latin typeface="+mn-lt"/>
+                <a:ea typeface="+mn-ea"/>
+                <a:cs typeface="+mn-cs"/>
+              </a:defRPr>
+            </a:lvl4pPr>
+            <a:lvl5pPr marL="0" indent="0" algn="l" defTabSz="2138314" rtl="0" eaLnBrk="1" latinLnBrk="0" hangingPunct="1">
+              <a:lnSpc>
+                <a:spcPct val="90000"/>
+              </a:lnSpc>
+              <a:spcBef>
+                <a:spcPts val="0"/>
+              </a:spcBef>
+              <a:buFont typeface="Arial" panose="020B0604020202020204" pitchFamily="34" charset="0"/>
+              <a:buNone/>
+              <a:defRPr sz="2100" b="1" kern="1200">
+                <a:solidFill>
+                  <a:schemeClr val="tx1"/>
+                </a:solidFill>
+                <a:latin typeface="+mn-lt"/>
+                <a:ea typeface="+mn-ea"/>
+                <a:cs typeface="+mn-cs"/>
+              </a:defRPr>
+            </a:lvl5pPr>
+            <a:lvl6pPr marL="0" indent="0" algn="l" defTabSz="2138314" rtl="0" eaLnBrk="1" latinLnBrk="0" hangingPunct="1">
+              <a:lnSpc>
+                <a:spcPct val="90000"/>
+              </a:lnSpc>
+              <a:spcBef>
+                <a:spcPts val="0"/>
+              </a:spcBef>
+              <a:buFont typeface="Arial" panose="020B0604020202020204" pitchFamily="34" charset="0"/>
+              <a:buNone/>
+              <a:defRPr sz="2100" kern="1200">
+                <a:solidFill>
+                  <a:schemeClr val="tx1"/>
+                </a:solidFill>
+                <a:latin typeface="+mn-lt"/>
+                <a:ea typeface="+mn-ea"/>
+                <a:cs typeface="+mn-cs"/>
+              </a:defRPr>
+            </a:lvl6pPr>
+            <a:lvl7pPr marL="0" indent="0" algn="l" defTabSz="2138314" rtl="0" eaLnBrk="1" latinLnBrk="0" hangingPunct="1">
+              <a:lnSpc>
+                <a:spcPct val="90000"/>
+              </a:lnSpc>
+              <a:spcBef>
+                <a:spcPts val="0"/>
+              </a:spcBef>
+              <a:spcAft>
+                <a:spcPts val="3673"/>
+              </a:spcAft>
+              <a:buFont typeface="Arial" panose="020B0604020202020204" pitchFamily="34" charset="0"/>
+              <a:buNone/>
+              <a:defRPr sz="1130" kern="1200" cap="all" baseline="0">
+                <a:solidFill>
+                  <a:schemeClr val="tx1"/>
+                </a:solidFill>
+                <a:latin typeface="+mn-lt"/>
+                <a:ea typeface="+mn-ea"/>
+                <a:cs typeface="+mn-cs"/>
+              </a:defRPr>
+            </a:lvl7pPr>
+            <a:lvl8pPr marL="177988" indent="-177988" algn="l" defTabSz="2138314" rtl="0" eaLnBrk="1" latinLnBrk="0" hangingPunct="1">
+              <a:lnSpc>
+                <a:spcPct val="90000"/>
+              </a:lnSpc>
+              <a:spcBef>
+                <a:spcPts val="0"/>
+              </a:spcBef>
+              <a:buClr>
+                <a:schemeClr val="accent3"/>
+              </a:buClr>
+              <a:buFont typeface="Arial" panose="020B0604020202020204" pitchFamily="34" charset="0"/>
+              <a:buChar char="•"/>
+              <a:defRPr sz="1695" kern="1200">
+                <a:solidFill>
+                  <a:schemeClr val="tx1"/>
+                </a:solidFill>
+                <a:latin typeface="+mn-lt"/>
+                <a:ea typeface="+mn-ea"/>
+                <a:cs typeface="+mn-cs"/>
+              </a:defRPr>
+            </a:lvl8pPr>
+            <a:lvl9pPr marL="355975" indent="-355975" algn="l" defTabSz="2138314" rtl="0" eaLnBrk="1" latinLnBrk="0" hangingPunct="1">
+              <a:lnSpc>
+                <a:spcPct val="90000"/>
+              </a:lnSpc>
+              <a:spcBef>
+                <a:spcPts val="0"/>
+              </a:spcBef>
+              <a:buClr>
+                <a:schemeClr val="accent3"/>
+              </a:buClr>
+              <a:buFont typeface="Arial" panose="020B0604020202020204" pitchFamily="34" charset="0"/>
+              <a:buChar char="•"/>
+              <a:defRPr sz="1695" kern="1200">
+                <a:solidFill>
+                  <a:schemeClr val="tx1"/>
+                </a:solidFill>
+                <a:latin typeface="+mn-lt"/>
+                <a:ea typeface="+mn-ea"/>
+                <a:cs typeface="+mn-cs"/>
+              </a:defRPr>
+            </a:lvl9pPr>
+          </a:lstStyle>
+          <a:p>
+            <a:pPr lvl="1"/>
+            <a:r>
+              <a:rPr lang="en-GB" dirty="0"/>
+              <a:t>Architecture</a:t>
+            </a:r>
+          </a:p>
+          <a:p>
+            <a:r>
+              <a:rPr lang="en-GB" dirty="0"/>
+              <a:t>AirBorne is meant to be a Julia package for advanced algorithmic trading, its modular design allows for customizations on hypothesis of market models, robust handling of data and transparent benchmarking and analysis of trading strategies.</a:t>
+            </a:r>
+          </a:p>
+          <a:p>
+            <a:r>
+              <a:rPr lang="en-GB" dirty="0"/>
+              <a:t>In its first iteration AirBorne the data layer and back testing framework, but its design allows the placement of a Live Trading feature to seamlessly transfer strategies from idealized simulations to the real thing. Figures 1 and 2 display the internal distribution of features in the package and the flow of data when using it.</a:t>
+            </a:r>
+          </a:p>
+          <a:p>
+            <a:endParaRPr lang="en-GB" dirty="0"/>
+          </a:p>
+        </p:txBody>
+      </p:sp>
+      <p:cxnSp>
+        <p:nvCxnSpPr>
+          <p:cNvPr id="140" name="Straight Connector 139">
+            <a:extLst>
+              <a:ext uri="{FF2B5EF4-FFF2-40B4-BE49-F238E27FC236}">
+                <a16:creationId xmlns:a16="http://schemas.microsoft.com/office/drawing/2014/main" id="{A03AB592-6867-BAF6-AE59-D35A5A5F3CFB}"/>
+              </a:ext>
+            </a:extLst>
+          </p:cNvPr>
+          <p:cNvCxnSpPr>
+            <a:cxnSpLocks/>
+          </p:cNvCxnSpPr>
+          <p:nvPr/>
+        </p:nvCxnSpPr>
+        <p:spPr>
+          <a:xfrm>
+            <a:off x="8093333" y="6592003"/>
+            <a:ext cx="12500841" cy="0"/>
+          </a:xfrm>
+          <a:prstGeom prst="line">
+            <a:avLst/>
+          </a:prstGeom>
+          <a:ln w="50800">
+            <a:solidFill>
+              <a:schemeClr val="accent3"/>
+            </a:solidFill>
+          </a:ln>
+        </p:spPr>
+        <p:style>
+          <a:lnRef idx="1">
+            <a:schemeClr val="accent1"/>
+          </a:lnRef>
+          <a:fillRef idx="0">
+            <a:schemeClr val="accent1"/>
+          </a:fillRef>
+          <a:effectRef idx="0">
+            <a:schemeClr val="accent1"/>
+          </a:effectRef>
+          <a:fontRef idx="minor">
+            <a:schemeClr val="tx1"/>
+          </a:fontRef>
+        </p:style>
+      </p:cxnSp>
+      <p:grpSp>
+        <p:nvGrpSpPr>
+          <p:cNvPr id="21" name="Group 20">
+            <a:extLst>
+              <a:ext uri="{FF2B5EF4-FFF2-40B4-BE49-F238E27FC236}">
+                <a16:creationId xmlns:a16="http://schemas.microsoft.com/office/drawing/2014/main" id="{92C793B2-B11A-9039-E188-867AA669E9A0}"/>
+              </a:ext>
+            </a:extLst>
+          </p:cNvPr>
+          <p:cNvGrpSpPr/>
+          <p:nvPr/>
+        </p:nvGrpSpPr>
+        <p:grpSpPr>
+          <a:xfrm>
+            <a:off x="9475252" y="24256391"/>
+            <a:ext cx="11278249" cy="4542069"/>
+            <a:chOff x="9555775" y="18336704"/>
+            <a:chExt cx="11278249" cy="4542069"/>
+          </a:xfrm>
+        </p:grpSpPr>
+        <p:grpSp>
+          <p:nvGrpSpPr>
+            <p:cNvPr id="13" name="Group 12">
+              <a:extLst>
+                <a:ext uri="{FF2B5EF4-FFF2-40B4-BE49-F238E27FC236}">
+                  <a16:creationId xmlns:a16="http://schemas.microsoft.com/office/drawing/2014/main" id="{56972F0A-D7EC-4EEA-D198-2D30C6E77A88}"/>
+                </a:ext>
+              </a:extLst>
+            </p:cNvPr>
+            <p:cNvGrpSpPr/>
+            <p:nvPr/>
+          </p:nvGrpSpPr>
+          <p:grpSpPr>
+            <a:xfrm>
+              <a:off x="9555775" y="18336704"/>
+              <a:ext cx="11278249" cy="4542069"/>
+              <a:chOff x="9555775" y="18028184"/>
+              <a:chExt cx="11278249" cy="4542069"/>
+            </a:xfrm>
+          </p:grpSpPr>
+          <p:sp>
+            <p:nvSpPr>
+              <p:cNvPr id="125" name="Text Placeholder 8">
+                <a:extLst>
+                  <a:ext uri="{FF2B5EF4-FFF2-40B4-BE49-F238E27FC236}">
+                    <a16:creationId xmlns:a16="http://schemas.microsoft.com/office/drawing/2014/main" id="{428E7C72-FD1A-8007-3F33-11EAA72D62C3}"/>
+                  </a:ext>
+                </a:extLst>
+              </p:cNvPr>
+              <p:cNvSpPr txBox="1">
+                <a:spLocks/>
+              </p:cNvSpPr>
+              <p:nvPr/>
+            </p:nvSpPr>
+            <p:spPr>
+              <a:xfrm>
+                <a:off x="9624014" y="21972520"/>
+                <a:ext cx="11091865" cy="597733"/>
+              </a:xfrm>
+              <a:prstGeom prst="rect">
+                <a:avLst/>
+              </a:prstGeom>
+            </p:spPr>
+            <p:txBody>
+              <a:bodyPr vert="horz" lIns="0" tIns="0" rIns="0" bIns="0" rtlCol="0">
+                <a:noAutofit/>
+              </a:bodyPr>
+              <a:lstStyle>
+                <a:lvl1pPr marL="0" indent="0" algn="l" defTabSz="2138314" rtl="0" eaLnBrk="1" latinLnBrk="0" hangingPunct="1">
+                  <a:lnSpc>
+                    <a:spcPct val="90000"/>
+                  </a:lnSpc>
+                  <a:spcBef>
+                    <a:spcPts val="0"/>
+                  </a:spcBef>
+                  <a:spcAft>
+                    <a:spcPts val="0"/>
+                  </a:spcAft>
+                  <a:buFont typeface="Arial" panose="020B0604020202020204" pitchFamily="34" charset="0"/>
+                  <a:buNone/>
+                  <a:defRPr sz="1200" i="1" kern="1200">
+                    <a:solidFill>
+                      <a:schemeClr val="tx1"/>
+                    </a:solidFill>
+                    <a:latin typeface="+mn-lt"/>
+                    <a:ea typeface="+mn-ea"/>
+                    <a:cs typeface="+mn-cs"/>
+                  </a:defRPr>
+                </a:lvl1pPr>
+                <a:lvl2pPr marL="0" indent="0" algn="l" defTabSz="2138314" rtl="0" eaLnBrk="1" latinLnBrk="0" hangingPunct="1">
+                  <a:lnSpc>
+                    <a:spcPct val="83000"/>
+                  </a:lnSpc>
+                  <a:spcBef>
+                    <a:spcPts val="0"/>
+                  </a:spcBef>
+                  <a:spcAft>
+                    <a:spcPts val="2684"/>
+                  </a:spcAft>
+                  <a:buFont typeface="Arial" panose="020B0604020202020204" pitchFamily="34" charset="0"/>
+                  <a:buNone/>
+                  <a:defRPr sz="5000" kern="1200">
+                    <a:solidFill>
+                      <a:schemeClr val="tx1"/>
+                    </a:solidFill>
+                    <a:latin typeface="+mn-lt"/>
+                    <a:ea typeface="+mn-ea"/>
+                    <a:cs typeface="+mn-cs"/>
+                  </a:defRPr>
+                </a:lvl2pPr>
+                <a:lvl3pPr marL="0" indent="0" algn="l" defTabSz="2138314" rtl="0" eaLnBrk="1" latinLnBrk="0" hangingPunct="1">
+                  <a:lnSpc>
+                    <a:spcPct val="90000"/>
+                  </a:lnSpc>
+                  <a:spcBef>
+                    <a:spcPts val="0"/>
+                  </a:spcBef>
+                  <a:spcAft>
+                    <a:spcPts val="3320"/>
+                  </a:spcAft>
+                  <a:buFont typeface="Arial" panose="020B0604020202020204" pitchFamily="34" charset="0"/>
+                  <a:buNone/>
+                  <a:defRPr sz="3200" kern="1200">
+                    <a:solidFill>
+                      <a:schemeClr val="tx1"/>
+                    </a:solidFill>
+                    <a:latin typeface="+mn-lt"/>
+                    <a:ea typeface="+mn-ea"/>
+                    <a:cs typeface="+mn-cs"/>
+                  </a:defRPr>
+                </a:lvl3pPr>
+                <a:lvl4pPr marL="0" indent="0" algn="l" defTabSz="2138314" rtl="0" eaLnBrk="1" latinLnBrk="0" hangingPunct="1">
+                  <a:lnSpc>
+                    <a:spcPct val="90000"/>
+                  </a:lnSpc>
+                  <a:spcBef>
+                    <a:spcPts val="0"/>
+                  </a:spcBef>
+                  <a:buFont typeface="Arial" panose="020B0604020202020204" pitchFamily="34" charset="0"/>
+                  <a:buNone/>
+                  <a:defRPr sz="2684" b="1" kern="1200">
+                    <a:solidFill>
+                      <a:schemeClr val="accent3"/>
+                    </a:solidFill>
+                    <a:latin typeface="+mn-lt"/>
+                    <a:ea typeface="+mn-ea"/>
+                    <a:cs typeface="+mn-cs"/>
+                  </a:defRPr>
+                </a:lvl4pPr>
+                <a:lvl5pPr marL="0" indent="0" algn="l" defTabSz="2138314" rtl="0" eaLnBrk="1" latinLnBrk="0" hangingPunct="1">
+                  <a:lnSpc>
+                    <a:spcPct val="90000"/>
+                  </a:lnSpc>
+                  <a:spcBef>
+                    <a:spcPts val="0"/>
+                  </a:spcBef>
+                  <a:buFont typeface="Arial" panose="020B0604020202020204" pitchFamily="34" charset="0"/>
+                  <a:buNone/>
+                  <a:defRPr sz="2100" b="1" kern="1200">
+                    <a:solidFill>
+                      <a:schemeClr val="tx1"/>
+                    </a:solidFill>
+                    <a:latin typeface="+mn-lt"/>
+                    <a:ea typeface="+mn-ea"/>
+                    <a:cs typeface="+mn-cs"/>
+                  </a:defRPr>
+                </a:lvl5pPr>
+                <a:lvl6pPr marL="0" indent="0" algn="l" defTabSz="2138314" rtl="0" eaLnBrk="1" latinLnBrk="0" hangingPunct="1">
+                  <a:lnSpc>
+                    <a:spcPct val="90000"/>
+                  </a:lnSpc>
+                  <a:spcBef>
+                    <a:spcPts val="0"/>
+                  </a:spcBef>
+                  <a:buFont typeface="Arial" panose="020B0604020202020204" pitchFamily="34" charset="0"/>
+                  <a:buNone/>
+                  <a:defRPr sz="2100" kern="1200">
+                    <a:solidFill>
+                      <a:schemeClr val="tx1"/>
+                    </a:solidFill>
+                    <a:latin typeface="+mn-lt"/>
+                    <a:ea typeface="+mn-ea"/>
+                    <a:cs typeface="+mn-cs"/>
+                  </a:defRPr>
+                </a:lvl6pPr>
+                <a:lvl7pPr marL="0" indent="0" algn="l" defTabSz="2138314" rtl="0" eaLnBrk="1" latinLnBrk="0" hangingPunct="1">
+                  <a:lnSpc>
+                    <a:spcPct val="90000"/>
+                  </a:lnSpc>
+                  <a:spcBef>
+                    <a:spcPts val="0"/>
+                  </a:spcBef>
+                  <a:spcAft>
+                    <a:spcPts val="3673"/>
+                  </a:spcAft>
+                  <a:buFont typeface="Arial" panose="020B0604020202020204" pitchFamily="34" charset="0"/>
+                  <a:buNone/>
+                  <a:defRPr sz="1130" kern="1200" cap="all" baseline="0">
+                    <a:solidFill>
+                      <a:schemeClr val="tx1"/>
+                    </a:solidFill>
+                    <a:latin typeface="+mn-lt"/>
+                    <a:ea typeface="+mn-ea"/>
+                    <a:cs typeface="+mn-cs"/>
+                  </a:defRPr>
+                </a:lvl7pPr>
+                <a:lvl8pPr marL="177988" indent="-177988" algn="l" defTabSz="2138314" rtl="0" eaLnBrk="1" latinLnBrk="0" hangingPunct="1">
+                  <a:lnSpc>
+                    <a:spcPct val="90000"/>
+                  </a:lnSpc>
+                  <a:spcBef>
+                    <a:spcPts val="0"/>
+                  </a:spcBef>
+                  <a:buClr>
+                    <a:schemeClr val="accent3"/>
+                  </a:buClr>
+                  <a:buFont typeface="Arial" panose="020B0604020202020204" pitchFamily="34" charset="0"/>
+                  <a:buChar char="•"/>
+                  <a:defRPr sz="1695" kern="1200">
+                    <a:solidFill>
+                      <a:schemeClr val="tx1"/>
+                    </a:solidFill>
+                    <a:latin typeface="+mn-lt"/>
+                    <a:ea typeface="+mn-ea"/>
+                    <a:cs typeface="+mn-cs"/>
+                  </a:defRPr>
+                </a:lvl8pPr>
+                <a:lvl9pPr marL="355975" indent="-355975" algn="l" defTabSz="2138314" rtl="0" eaLnBrk="1" latinLnBrk="0" hangingPunct="1">
+                  <a:lnSpc>
+                    <a:spcPct val="90000"/>
+                  </a:lnSpc>
+                  <a:spcBef>
+                    <a:spcPts val="0"/>
+                  </a:spcBef>
+                  <a:buClr>
+                    <a:schemeClr val="accent3"/>
+                  </a:buClr>
+                  <a:buFont typeface="Arial" panose="020B0604020202020204" pitchFamily="34" charset="0"/>
+                  <a:buChar char="•"/>
+                  <a:defRPr sz="1695" kern="1200">
+                    <a:solidFill>
+                      <a:schemeClr val="tx1"/>
+                    </a:solidFill>
+                    <a:latin typeface="+mn-lt"/>
+                    <a:ea typeface="+mn-ea"/>
+                    <a:cs typeface="+mn-cs"/>
+                  </a:defRPr>
+                </a:lvl9pPr>
+              </a:lstStyle>
+              <a:p>
+                <a:r>
+                  <a:rPr lang="en-GB" dirty="0"/>
+                  <a:t>Figure 4: Comparison of Mean Relative Absolute Error (</a:t>
+                </a:r>
+                <a:r>
+                  <a:rPr lang="en-GB" dirty="0" err="1"/>
+                  <a:t>MRAEf</a:t>
+                </a:r>
+                <a:r>
+                  <a:rPr lang="en-GB" dirty="0"/>
+                  <a:t>) of different forecasting methods predicting the returns of 22 US stocks through 2020 per forecast distance.</a:t>
+                </a:r>
+              </a:p>
+            </p:txBody>
+          </p:sp>
+          <p:pic>
+            <p:nvPicPr>
+              <p:cNvPr id="11" name="Picture 10">
+                <a:extLst>
+                  <a:ext uri="{FF2B5EF4-FFF2-40B4-BE49-F238E27FC236}">
+                    <a16:creationId xmlns:a16="http://schemas.microsoft.com/office/drawing/2014/main" id="{A3E044D5-A9A3-0EC8-A2A1-547DE7DFACE3}"/>
+                  </a:ext>
+                </a:extLst>
+              </p:cNvPr>
+              <p:cNvPicPr>
+                <a:picLocks noChangeAspect="1"/>
+              </p:cNvPicPr>
+              <p:nvPr/>
+            </p:nvPicPr>
+            <p:blipFill>
+              <a:blip r:embed="rId6"/>
+              <a:stretch>
+                <a:fillRect/>
+              </a:stretch>
+            </p:blipFill>
+            <p:spPr>
+              <a:xfrm>
+                <a:off x="9555775" y="18028184"/>
+                <a:ext cx="5486612" cy="3777045"/>
+              </a:xfrm>
+              <a:prstGeom prst="rect">
+                <a:avLst/>
+              </a:prstGeom>
+            </p:spPr>
+          </p:pic>
+          <p:pic>
+            <p:nvPicPr>
+              <p:cNvPr id="123" name="Picture 122">
+                <a:extLst>
+                  <a:ext uri="{FF2B5EF4-FFF2-40B4-BE49-F238E27FC236}">
+                    <a16:creationId xmlns:a16="http://schemas.microsoft.com/office/drawing/2014/main" id="{F35699CC-FAFB-C22D-9D59-0CA9EC895F21}"/>
+                  </a:ext>
+                </a:extLst>
+              </p:cNvPr>
+              <p:cNvPicPr>
+                <a:picLocks noChangeAspect="1"/>
+              </p:cNvPicPr>
+              <p:nvPr/>
+            </p:nvPicPr>
+            <p:blipFill>
+              <a:blip r:embed="rId7">
+                <a:clrChange>
+                  <a:clrFrom>
+                    <a:srgbClr val="FFFFFF"/>
+                  </a:clrFrom>
+                  <a:clrTo>
+                    <a:srgbClr val="FFFFFF">
+                      <a:alpha val="0"/>
+                    </a:srgbClr>
+                  </a:clrTo>
+                </a:clrChange>
+              </a:blip>
+              <a:stretch>
+                <a:fillRect/>
+              </a:stretch>
+            </p:blipFill>
+            <p:spPr>
+              <a:xfrm>
+                <a:off x="15149100" y="18150965"/>
+                <a:ext cx="5684924" cy="3531485"/>
+              </a:xfrm>
+              <a:prstGeom prst="rect">
+                <a:avLst/>
+              </a:prstGeom>
+            </p:spPr>
+          </p:pic>
+        </p:grpSp>
+        <p:sp>
+          <p:nvSpPr>
+            <p:cNvPr id="17" name="Left Brace 16">
+              <a:extLst>
+                <a:ext uri="{FF2B5EF4-FFF2-40B4-BE49-F238E27FC236}">
+                  <a16:creationId xmlns:a16="http://schemas.microsoft.com/office/drawing/2014/main" id="{DC4EAB39-2389-C5FE-D726-A2182F2A7086}"/>
+                </a:ext>
+              </a:extLst>
+            </p:cNvPr>
+            <p:cNvSpPr/>
+            <p:nvPr/>
+          </p:nvSpPr>
+          <p:spPr>
+            <a:xfrm>
+              <a:off x="14926199" y="18392745"/>
+              <a:ext cx="339090" cy="3127055"/>
+            </a:xfrm>
+            <a:prstGeom prst="leftBrace">
+              <a:avLst>
+                <a:gd name="adj1" fmla="val 27080"/>
+                <a:gd name="adj2" fmla="val 94777"/>
+              </a:avLst>
+            </a:prstGeom>
+            <a:ln w="12700">
+              <a:solidFill>
+                <a:schemeClr val="accent3"/>
+              </a:solidFill>
+            </a:ln>
+          </p:spPr>
+          <p:style>
+            <a:lnRef idx="1">
+              <a:schemeClr val="accent1"/>
+            </a:lnRef>
+            <a:fillRef idx="0">
+              <a:schemeClr val="accent1"/>
+            </a:fillRef>
+            <a:effectRef idx="0">
+              <a:schemeClr val="accent1"/>
+            </a:effectRef>
+            <a:fontRef idx="minor">
+              <a:schemeClr val="tx1"/>
+            </a:fontRef>
+          </p:style>
+          <p:txBody>
+            <a:bodyPr rtlCol="0" anchor="ctr"/>
+            <a:lstStyle/>
+            <a:p>
+              <a:pPr algn="ctr"/>
+              <a:endParaRPr lang="en-GB"/>
+            </a:p>
+          </p:txBody>
+        </p:sp>
+        <p:cxnSp>
+          <p:nvCxnSpPr>
+            <p:cNvPr id="19" name="Connector: Curved 18">
+              <a:extLst>
+                <a:ext uri="{FF2B5EF4-FFF2-40B4-BE49-F238E27FC236}">
+                  <a16:creationId xmlns:a16="http://schemas.microsoft.com/office/drawing/2014/main" id="{FDA7B239-7EA3-CA1E-C9A3-4525D2C3CF1C}"/>
+                </a:ext>
+              </a:extLst>
+            </p:cNvPr>
+            <p:cNvCxnSpPr>
+              <a:cxnSpLocks/>
+              <a:endCxn id="17" idx="1"/>
+            </p:cNvCxnSpPr>
+            <p:nvPr/>
+          </p:nvCxnSpPr>
+          <p:spPr>
+            <a:xfrm flipV="1">
+              <a:off x="14747240" y="21356474"/>
+              <a:ext cx="178959" cy="91286"/>
+            </a:xfrm>
+            <a:prstGeom prst="curvedConnector3">
+              <a:avLst/>
+            </a:prstGeom>
+            <a:ln w="19050">
+              <a:solidFill>
+                <a:schemeClr val="accent3"/>
+              </a:solidFill>
+              <a:tailEnd type="triangle"/>
+            </a:ln>
+          </p:spPr>
+          <p:style>
+            <a:lnRef idx="1">
+              <a:schemeClr val="accent1"/>
+            </a:lnRef>
+            <a:fillRef idx="0">
+              <a:schemeClr val="accent1"/>
+            </a:fillRef>
+            <a:effectRef idx="0">
+              <a:schemeClr val="accent1"/>
+            </a:effectRef>
+            <a:fontRef idx="minor">
+              <a:schemeClr val="tx1"/>
+            </a:fontRef>
+          </p:style>
+        </p:cxnSp>
+      </p:grpSp>
+      <p:sp>
+        <p:nvSpPr>
+          <p:cNvPr id="39" name="TextBox 38">
+            <a:extLst>
+              <a:ext uri="{FF2B5EF4-FFF2-40B4-BE49-F238E27FC236}">
+                <a16:creationId xmlns:a16="http://schemas.microsoft.com/office/drawing/2014/main" id="{38CF21E3-D6C7-A5DB-7E5B-8E808FFC614B}"/>
+              </a:ext>
+            </a:extLst>
+          </p:cNvPr>
+          <p:cNvSpPr txBox="1"/>
+          <p:nvPr/>
+        </p:nvSpPr>
+        <p:spPr>
+          <a:xfrm>
+            <a:off x="570254" y="8103986"/>
+            <a:ext cx="5830546" cy="978729"/>
+          </a:xfrm>
+          <a:prstGeom prst="rect">
+            <a:avLst/>
+          </a:prstGeom>
+          <a:noFill/>
+        </p:spPr>
+        <p:txBody>
+          <a:bodyPr wrap="square">
+            <a:spAutoFit/>
+          </a:bodyPr>
+          <a:lstStyle/>
+          <a:p>
+            <a:pPr marL="0" marR="0" lvl="2" indent="0" algn="l" defTabSz="2138314" rtl="0" eaLnBrk="1" fontAlgn="auto" latinLnBrk="0" hangingPunct="1">
+              <a:lnSpc>
+                <a:spcPct val="90000"/>
+              </a:lnSpc>
+              <a:spcBef>
+                <a:spcPts val="0"/>
+              </a:spcBef>
+              <a:buClrTx/>
+              <a:buSzTx/>
+              <a:buFont typeface="Arial" panose="020B0604020202020204" pitchFamily="34" charset="0"/>
+              <a:buNone/>
+              <a:tabLst/>
+              <a:defRPr/>
+            </a:pPr>
+            <a:r>
+              <a:rPr kumimoji="0" lang="en-US" sz="3200" b="0" i="0" u="none" strike="noStrike" kern="1200" cap="none" spc="0" normalizeH="0" baseline="0" noProof="0" dirty="0">
+                <a:ln>
+                  <a:noFill/>
+                </a:ln>
+                <a:solidFill>
+                  <a:prstClr val="black"/>
+                </a:solidFill>
+                <a:effectLst/>
+                <a:uLnTx/>
+                <a:uFillTx/>
+                <a:latin typeface="Arial"/>
+                <a:ea typeface="+mn-ea"/>
+                <a:cs typeface="+mn-cs"/>
+              </a:rPr>
+              <a:t>“A complete algorithmic trading </a:t>
+            </a:r>
+          </a:p>
+          <a:p>
+            <a:pPr marL="0" marR="0" lvl="2" indent="0" algn="l" defTabSz="2138314" rtl="0" eaLnBrk="1" fontAlgn="auto" latinLnBrk="0" hangingPunct="1">
+              <a:lnSpc>
+                <a:spcPct val="90000"/>
+              </a:lnSpc>
+              <a:spcBef>
+                <a:spcPts val="0"/>
+              </a:spcBef>
+              <a:buClrTx/>
+              <a:buSzTx/>
+              <a:buFont typeface="Arial" panose="020B0604020202020204" pitchFamily="34" charset="0"/>
+              <a:buNone/>
+              <a:tabLst/>
+              <a:defRPr/>
+            </a:pPr>
+            <a:r>
+              <a:rPr kumimoji="0" lang="en-US" sz="3200" b="0" i="0" u="none" strike="noStrike" kern="1200" cap="none" spc="0" normalizeH="0" baseline="0" noProof="0" dirty="0">
+                <a:ln>
+                  <a:noFill/>
+                </a:ln>
+                <a:solidFill>
+                  <a:prstClr val="black"/>
+                </a:solidFill>
+                <a:effectLst/>
+                <a:uLnTx/>
+                <a:uFillTx/>
+                <a:latin typeface="Arial"/>
+                <a:ea typeface="+mn-ea"/>
+                <a:cs typeface="+mn-cs"/>
+              </a:rPr>
+              <a:t>framework in Julia</a:t>
+            </a:r>
+            <a:r>
+              <a:rPr kumimoji="0" lang="en-GB" sz="3200" b="0" i="0" u="none" strike="noStrike" kern="1200" cap="none" spc="0" normalizeH="0" baseline="0" noProof="0" dirty="0">
+                <a:ln>
+                  <a:noFill/>
+                </a:ln>
+                <a:solidFill>
+                  <a:prstClr val="black"/>
+                </a:solidFill>
+                <a:effectLst/>
+                <a:uLnTx/>
+                <a:uFillTx/>
+                <a:latin typeface="Arial"/>
+                <a:ea typeface="+mn-ea"/>
+                <a:cs typeface="+mn-cs"/>
+              </a:rPr>
+              <a:t>.”</a:t>
+            </a:r>
+          </a:p>
+        </p:txBody>
+      </p:sp>
+      <p:grpSp>
+        <p:nvGrpSpPr>
+          <p:cNvPr id="68" name="Group 67">
+            <a:extLst>
+              <a:ext uri="{FF2B5EF4-FFF2-40B4-BE49-F238E27FC236}">
+                <a16:creationId xmlns:a16="http://schemas.microsoft.com/office/drawing/2014/main" id="{3BD11261-1C39-BEBC-1EF8-E17D03B75342}"/>
+              </a:ext>
+            </a:extLst>
+          </p:cNvPr>
+          <p:cNvGrpSpPr/>
+          <p:nvPr/>
+        </p:nvGrpSpPr>
+        <p:grpSpPr>
+          <a:xfrm>
+            <a:off x="8382078" y="16789902"/>
+            <a:ext cx="12253278" cy="6447075"/>
+            <a:chOff x="8382078" y="16088862"/>
+            <a:chExt cx="12253278" cy="6447075"/>
+          </a:xfrm>
+        </p:grpSpPr>
+        <p:pic>
+          <p:nvPicPr>
+            <p:cNvPr id="121" name="Picture 120">
+              <a:extLst>
+                <a:ext uri="{FF2B5EF4-FFF2-40B4-BE49-F238E27FC236}">
+                  <a16:creationId xmlns:a16="http://schemas.microsoft.com/office/drawing/2014/main" id="{8B366E01-E0D8-A42D-9AB2-59AAE0A9D3AC}"/>
+                </a:ext>
+              </a:extLst>
+            </p:cNvPr>
+            <p:cNvPicPr>
+              <a:picLocks noChangeAspect="1"/>
+            </p:cNvPicPr>
+            <p:nvPr/>
+          </p:nvPicPr>
+          <p:blipFill>
+            <a:blip r:embed="rId8">
+              <a:clrChange>
+                <a:clrFrom>
+                  <a:srgbClr val="FFFFFF"/>
+                </a:clrFrom>
+                <a:clrTo>
+                  <a:srgbClr val="FFFFFF">
+                    <a:alpha val="0"/>
+                  </a:srgbClr>
+                </a:clrTo>
+              </a:clrChange>
+            </a:blip>
+            <a:stretch>
+              <a:fillRect/>
+            </a:stretch>
+          </p:blipFill>
+          <p:spPr>
+            <a:xfrm>
+              <a:off x="8382078" y="17794958"/>
+              <a:ext cx="5494427" cy="4098302"/>
+            </a:xfrm>
+            <a:prstGeom prst="rect">
+              <a:avLst/>
+            </a:prstGeom>
+          </p:spPr>
+        </p:pic>
+        <p:sp>
+          <p:nvSpPr>
+            <p:cNvPr id="124" name="Text Placeholder 8">
+              <a:extLst>
+                <a:ext uri="{FF2B5EF4-FFF2-40B4-BE49-F238E27FC236}">
+                  <a16:creationId xmlns:a16="http://schemas.microsoft.com/office/drawing/2014/main" id="{1D8E5475-A8D0-D336-0332-5A7FA9F3118B}"/>
+                </a:ext>
+              </a:extLst>
+            </p:cNvPr>
+            <p:cNvSpPr txBox="1">
+              <a:spLocks/>
+            </p:cNvSpPr>
+            <p:nvPr/>
+          </p:nvSpPr>
+          <p:spPr>
+            <a:xfrm>
+              <a:off x="8902854" y="21893534"/>
+              <a:ext cx="11732502" cy="642403"/>
+            </a:xfrm>
+            <a:prstGeom prst="rect">
+              <a:avLst/>
+            </a:prstGeom>
+          </p:spPr>
+          <p:txBody>
+            <a:bodyPr vert="horz" lIns="0" tIns="0" rIns="0" bIns="0" rtlCol="0">
+              <a:noAutofit/>
+            </a:bodyPr>
+            <a:lstStyle>
+              <a:lvl1pPr marL="0" indent="0" algn="l" defTabSz="2138314" rtl="0" eaLnBrk="1" latinLnBrk="0" hangingPunct="1">
+                <a:lnSpc>
+                  <a:spcPct val="90000"/>
+                </a:lnSpc>
+                <a:spcBef>
+                  <a:spcPts val="0"/>
+                </a:spcBef>
+                <a:spcAft>
+                  <a:spcPts val="0"/>
+                </a:spcAft>
+                <a:buFont typeface="Arial" panose="020B0604020202020204" pitchFamily="34" charset="0"/>
+                <a:buNone/>
+                <a:defRPr sz="1200" i="1" kern="1200">
+                  <a:solidFill>
+                    <a:schemeClr val="tx1"/>
+                  </a:solidFill>
+                  <a:latin typeface="+mn-lt"/>
+                  <a:ea typeface="+mn-ea"/>
+                  <a:cs typeface="+mn-cs"/>
+                </a:defRPr>
+              </a:lvl1pPr>
+              <a:lvl2pPr marL="0" indent="0" algn="l" defTabSz="2138314" rtl="0" eaLnBrk="1" latinLnBrk="0" hangingPunct="1">
+                <a:lnSpc>
+                  <a:spcPct val="83000"/>
+                </a:lnSpc>
+                <a:spcBef>
+                  <a:spcPts val="0"/>
+                </a:spcBef>
+                <a:spcAft>
+                  <a:spcPts val="2684"/>
+                </a:spcAft>
+                <a:buFont typeface="Arial" panose="020B0604020202020204" pitchFamily="34" charset="0"/>
+                <a:buNone/>
+                <a:defRPr sz="5000" kern="1200">
+                  <a:solidFill>
+                    <a:schemeClr val="tx1"/>
+                  </a:solidFill>
+                  <a:latin typeface="+mn-lt"/>
+                  <a:ea typeface="+mn-ea"/>
+                  <a:cs typeface="+mn-cs"/>
+                </a:defRPr>
+              </a:lvl2pPr>
+              <a:lvl3pPr marL="0" indent="0" algn="l" defTabSz="2138314" rtl="0" eaLnBrk="1" latinLnBrk="0" hangingPunct="1">
+                <a:lnSpc>
+                  <a:spcPct val="90000"/>
+                </a:lnSpc>
+                <a:spcBef>
+                  <a:spcPts val="0"/>
+                </a:spcBef>
+                <a:spcAft>
+                  <a:spcPts val="3320"/>
+                </a:spcAft>
+                <a:buFont typeface="Arial" panose="020B0604020202020204" pitchFamily="34" charset="0"/>
+                <a:buNone/>
+                <a:defRPr sz="3200" kern="1200">
+                  <a:solidFill>
+                    <a:schemeClr val="tx1"/>
+                  </a:solidFill>
+                  <a:latin typeface="+mn-lt"/>
+                  <a:ea typeface="+mn-ea"/>
+                  <a:cs typeface="+mn-cs"/>
+                </a:defRPr>
+              </a:lvl3pPr>
+              <a:lvl4pPr marL="0" indent="0" algn="l" defTabSz="2138314" rtl="0" eaLnBrk="1" latinLnBrk="0" hangingPunct="1">
+                <a:lnSpc>
+                  <a:spcPct val="90000"/>
+                </a:lnSpc>
+                <a:spcBef>
+                  <a:spcPts val="0"/>
+                </a:spcBef>
+                <a:buFont typeface="Arial" panose="020B0604020202020204" pitchFamily="34" charset="0"/>
+                <a:buNone/>
+                <a:defRPr sz="2684" b="1" kern="1200">
+                  <a:solidFill>
+                    <a:schemeClr val="accent3"/>
+                  </a:solidFill>
+                  <a:latin typeface="+mn-lt"/>
+                  <a:ea typeface="+mn-ea"/>
+                  <a:cs typeface="+mn-cs"/>
+                </a:defRPr>
+              </a:lvl4pPr>
+              <a:lvl5pPr marL="0" indent="0" algn="l" defTabSz="2138314" rtl="0" eaLnBrk="1" latinLnBrk="0" hangingPunct="1">
+                <a:lnSpc>
+                  <a:spcPct val="90000"/>
+                </a:lnSpc>
+                <a:spcBef>
+                  <a:spcPts val="0"/>
+                </a:spcBef>
+                <a:buFont typeface="Arial" panose="020B0604020202020204" pitchFamily="34" charset="0"/>
+                <a:buNone/>
+                <a:defRPr sz="2100" b="1" kern="1200">
+                  <a:solidFill>
+                    <a:schemeClr val="tx1"/>
+                  </a:solidFill>
+                  <a:latin typeface="+mn-lt"/>
+                  <a:ea typeface="+mn-ea"/>
+                  <a:cs typeface="+mn-cs"/>
+                </a:defRPr>
+              </a:lvl5pPr>
+              <a:lvl6pPr marL="0" indent="0" algn="l" defTabSz="2138314" rtl="0" eaLnBrk="1" latinLnBrk="0" hangingPunct="1">
+                <a:lnSpc>
+                  <a:spcPct val="90000"/>
+                </a:lnSpc>
+                <a:spcBef>
+                  <a:spcPts val="0"/>
+                </a:spcBef>
+                <a:buFont typeface="Arial" panose="020B0604020202020204" pitchFamily="34" charset="0"/>
+                <a:buNone/>
+                <a:defRPr sz="2100" kern="1200">
+                  <a:solidFill>
+                    <a:schemeClr val="tx1"/>
+                  </a:solidFill>
+                  <a:latin typeface="+mn-lt"/>
+                  <a:ea typeface="+mn-ea"/>
+                  <a:cs typeface="+mn-cs"/>
+                </a:defRPr>
+              </a:lvl6pPr>
+              <a:lvl7pPr marL="0" indent="0" algn="l" defTabSz="2138314" rtl="0" eaLnBrk="1" latinLnBrk="0" hangingPunct="1">
+                <a:lnSpc>
+                  <a:spcPct val="90000"/>
+                </a:lnSpc>
+                <a:spcBef>
+                  <a:spcPts val="0"/>
+                </a:spcBef>
+                <a:spcAft>
+                  <a:spcPts val="3673"/>
+                </a:spcAft>
+                <a:buFont typeface="Arial" panose="020B0604020202020204" pitchFamily="34" charset="0"/>
+                <a:buNone/>
+                <a:defRPr sz="1130" kern="1200" cap="all" baseline="0">
+                  <a:solidFill>
+                    <a:schemeClr val="tx1"/>
+                  </a:solidFill>
+                  <a:latin typeface="+mn-lt"/>
+                  <a:ea typeface="+mn-ea"/>
+                  <a:cs typeface="+mn-cs"/>
+                </a:defRPr>
+              </a:lvl7pPr>
+              <a:lvl8pPr marL="177988" indent="-177988" algn="l" defTabSz="2138314" rtl="0" eaLnBrk="1" latinLnBrk="0" hangingPunct="1">
+                <a:lnSpc>
+                  <a:spcPct val="90000"/>
+                </a:lnSpc>
+                <a:spcBef>
+                  <a:spcPts val="0"/>
+                </a:spcBef>
+                <a:buClr>
+                  <a:schemeClr val="accent3"/>
+                </a:buClr>
+                <a:buFont typeface="Arial" panose="020B0604020202020204" pitchFamily="34" charset="0"/>
+                <a:buChar char="•"/>
+                <a:defRPr sz="1695" kern="1200">
+                  <a:solidFill>
+                    <a:schemeClr val="tx1"/>
+                  </a:solidFill>
+                  <a:latin typeface="+mn-lt"/>
+                  <a:ea typeface="+mn-ea"/>
+                  <a:cs typeface="+mn-cs"/>
+                </a:defRPr>
+              </a:lvl8pPr>
+              <a:lvl9pPr marL="355975" indent="-355975" algn="l" defTabSz="2138314" rtl="0" eaLnBrk="1" latinLnBrk="0" hangingPunct="1">
+                <a:lnSpc>
+                  <a:spcPct val="90000"/>
+                </a:lnSpc>
+                <a:spcBef>
+                  <a:spcPts val="0"/>
+                </a:spcBef>
+                <a:buClr>
+                  <a:schemeClr val="accent3"/>
+                </a:buClr>
+                <a:buFont typeface="Arial" panose="020B0604020202020204" pitchFamily="34" charset="0"/>
+                <a:buChar char="•"/>
+                <a:defRPr sz="1695" kern="1200">
+                  <a:solidFill>
+                    <a:schemeClr val="tx1"/>
+                  </a:solidFill>
+                  <a:latin typeface="+mn-lt"/>
+                  <a:ea typeface="+mn-ea"/>
+                  <a:cs typeface="+mn-cs"/>
+                </a:defRPr>
+              </a:lvl9pPr>
+            </a:lstStyle>
+            <a:p>
+              <a:r>
+                <a:rPr lang="en-GB" dirty="0"/>
+                <a:t>Figure 3: Comparison on accumulated returns (acc. return) on backtesting experiment on 22 liquid US stocks during 2021. (Left) focuses on best MV-MPC implementation and benchmarks it against top two assets in terms of year-end returns and mainstream investing strategies. (Right) Shows potential of MV-MPC if fed with perfect information.</a:t>
+              </a:r>
+            </a:p>
+          </p:txBody>
+        </p:sp>
+        <p:pic>
+          <p:nvPicPr>
+            <p:cNvPr id="45" name="Picture 44">
+              <a:extLst>
+                <a:ext uri="{FF2B5EF4-FFF2-40B4-BE49-F238E27FC236}">
+                  <a16:creationId xmlns:a16="http://schemas.microsoft.com/office/drawing/2014/main" id="{AD8626C8-CDB3-1315-E7F4-7C5656433BDD}"/>
+                </a:ext>
+              </a:extLst>
+            </p:cNvPr>
+            <p:cNvPicPr>
+              <a:picLocks noChangeAspect="1"/>
+            </p:cNvPicPr>
+            <p:nvPr/>
+          </p:nvPicPr>
+          <p:blipFill>
+            <a:blip r:embed="rId9">
+              <a:clrChange>
+                <a:clrFrom>
+                  <a:srgbClr val="FFFFFF"/>
+                </a:clrFrom>
+                <a:clrTo>
+                  <a:srgbClr val="FFFFFF">
+                    <a:alpha val="0"/>
+                  </a:srgbClr>
+                </a:clrTo>
+              </a:clrChange>
+            </a:blip>
+            <a:stretch>
+              <a:fillRect/>
+            </a:stretch>
+          </p:blipFill>
+          <p:spPr>
+            <a:xfrm>
+              <a:off x="13723508" y="16088862"/>
+              <a:ext cx="6796273" cy="5719037"/>
+            </a:xfrm>
+            <a:prstGeom prst="rect">
+              <a:avLst/>
+            </a:prstGeom>
+          </p:spPr>
+        </p:pic>
+      </p:grpSp>
+      <p:grpSp>
+        <p:nvGrpSpPr>
+          <p:cNvPr id="34" name="Group 33">
+            <a:extLst>
+              <a:ext uri="{FF2B5EF4-FFF2-40B4-BE49-F238E27FC236}">
+                <a16:creationId xmlns:a16="http://schemas.microsoft.com/office/drawing/2014/main" id="{29B25EBF-B3CC-699B-AC72-8F0D82AA1CE8}"/>
+              </a:ext>
+            </a:extLst>
+          </p:cNvPr>
+          <p:cNvGrpSpPr/>
+          <p:nvPr/>
+        </p:nvGrpSpPr>
+        <p:grpSpPr>
+          <a:xfrm>
+            <a:off x="409941" y="21704361"/>
+            <a:ext cx="7458403" cy="2111323"/>
+            <a:chOff x="620807" y="19901782"/>
+            <a:chExt cx="7458403" cy="2111323"/>
+          </a:xfrm>
+        </p:grpSpPr>
+        <p:sp>
+          <p:nvSpPr>
+            <p:cNvPr id="33" name="Rectangle 32">
+              <a:extLst>
+                <a:ext uri="{FF2B5EF4-FFF2-40B4-BE49-F238E27FC236}">
+                  <a16:creationId xmlns:a16="http://schemas.microsoft.com/office/drawing/2014/main" id="{2475048E-BF44-09BC-01B5-2930C12A0103}"/>
+                </a:ext>
+              </a:extLst>
+            </p:cNvPr>
+            <p:cNvSpPr/>
+            <p:nvPr/>
+          </p:nvSpPr>
+          <p:spPr>
+            <a:xfrm>
+              <a:off x="620807" y="19901782"/>
+              <a:ext cx="7458403" cy="2111323"/>
+            </a:xfrm>
+            <a:prstGeom prst="rect">
+              <a:avLst/>
+            </a:prstGeom>
+            <a:noFill/>
+            <a:ln>
+              <a:noFill/>
+            </a:ln>
+          </p:spPr>
+          <p:style>
+            <a:lnRef idx="2">
+              <a:schemeClr val="accent1">
+                <a:shade val="50000"/>
+              </a:schemeClr>
+            </a:lnRef>
+            <a:fillRef idx="1">
+              <a:schemeClr val="accent1"/>
+            </a:fillRef>
+            <a:effectRef idx="0">
+              <a:schemeClr val="accent1"/>
+            </a:effectRef>
+            <a:fontRef idx="minor">
+              <a:schemeClr val="lt1"/>
+            </a:fontRef>
+          </p:style>
+          <p:txBody>
+            <a:bodyPr rot="0" spcFirstLastPara="0" vertOverflow="overflow" horzOverflow="overflow" vert="horz" wrap="square" lIns="91440" tIns="45720" rIns="91440" bIns="45720" numCol="1" spcCol="0" rtlCol="0" fromWordArt="0" anchor="ctr" anchorCtr="0" forceAA="0" compatLnSpc="1">
+              <a:prstTxWarp prst="textNoShape">
+                <a:avLst/>
+              </a:prstTxWarp>
+              <a:noAutofit/>
+            </a:bodyPr>
+            <a:lstStyle/>
+            <a:p>
+              <a:pPr algn="ctr"/>
+              <a:endParaRPr lang="en-GB" dirty="0"/>
+            </a:p>
+          </p:txBody>
+        </p:sp>
+        <p:pic>
+          <p:nvPicPr>
+            <p:cNvPr id="24" name="Picture 23">
+              <a:extLst>
+                <a:ext uri="{FF2B5EF4-FFF2-40B4-BE49-F238E27FC236}">
+                  <a16:creationId xmlns:a16="http://schemas.microsoft.com/office/drawing/2014/main" id="{A5B5A3B3-A848-15EA-BD16-E03F737A302C}"/>
+                </a:ext>
+              </a:extLst>
+            </p:cNvPr>
+            <p:cNvPicPr>
+              <a:picLocks noChangeAspect="1"/>
+            </p:cNvPicPr>
+            <p:nvPr/>
+          </p:nvPicPr>
+          <p:blipFill>
+            <a:blip r:embed="rId10">
+              <a:clrChange>
+                <a:clrFrom>
+                  <a:srgbClr val="FFFFFF"/>
+                </a:clrFrom>
+                <a:clrTo>
+                  <a:srgbClr val="FFFFFF">
+                    <a:alpha val="0"/>
+                  </a:srgbClr>
+                </a:clrTo>
+              </a:clrChange>
+            </a:blip>
+            <a:stretch>
+              <a:fillRect/>
+            </a:stretch>
+          </p:blipFill>
+          <p:spPr>
+            <a:xfrm>
+              <a:off x="649785" y="20003099"/>
+              <a:ext cx="7381816" cy="861493"/>
+            </a:xfrm>
+            <a:prstGeom prst="rect">
+              <a:avLst/>
+            </a:prstGeom>
+          </p:spPr>
+        </p:pic>
+        <p:pic>
+          <p:nvPicPr>
+            <p:cNvPr id="26" name="Picture 25">
+              <a:extLst>
+                <a:ext uri="{FF2B5EF4-FFF2-40B4-BE49-F238E27FC236}">
+                  <a16:creationId xmlns:a16="http://schemas.microsoft.com/office/drawing/2014/main" id="{97A214E6-646F-3E83-D1C7-E099A5066A09}"/>
+                </a:ext>
+              </a:extLst>
+            </p:cNvPr>
+            <p:cNvPicPr>
+              <a:picLocks noChangeAspect="1"/>
+            </p:cNvPicPr>
+            <p:nvPr/>
+          </p:nvPicPr>
+          <p:blipFill>
+            <a:blip r:embed="rId11">
+              <a:clrChange>
+                <a:clrFrom>
+                  <a:srgbClr val="FFFFFF"/>
+                </a:clrFrom>
+                <a:clrTo>
+                  <a:srgbClr val="FFFFFF">
+                    <a:alpha val="0"/>
+                  </a:srgbClr>
+                </a:clrTo>
+              </a:clrChange>
+            </a:blip>
+            <a:stretch>
+              <a:fillRect/>
+            </a:stretch>
+          </p:blipFill>
+          <p:spPr>
+            <a:xfrm>
+              <a:off x="1322735" y="20843948"/>
+              <a:ext cx="3916204" cy="569549"/>
+            </a:xfrm>
+            <a:prstGeom prst="rect">
+              <a:avLst/>
+            </a:prstGeom>
+          </p:spPr>
+        </p:pic>
+        <p:pic>
+          <p:nvPicPr>
+            <p:cNvPr id="28" name="Picture 27">
+              <a:extLst>
+                <a:ext uri="{FF2B5EF4-FFF2-40B4-BE49-F238E27FC236}">
+                  <a16:creationId xmlns:a16="http://schemas.microsoft.com/office/drawing/2014/main" id="{4088B72F-7EEB-6771-A39F-AA73D6A2649E}"/>
+                </a:ext>
+              </a:extLst>
+            </p:cNvPr>
+            <p:cNvPicPr>
+              <a:picLocks noChangeAspect="1"/>
+            </p:cNvPicPr>
+            <p:nvPr/>
+          </p:nvPicPr>
+          <p:blipFill>
+            <a:blip r:embed="rId12">
+              <a:clrChange>
+                <a:clrFrom>
+                  <a:srgbClr val="FFFFFF"/>
+                </a:clrFrom>
+                <a:clrTo>
+                  <a:srgbClr val="FFFFFF">
+                    <a:alpha val="0"/>
+                  </a:srgbClr>
+                </a:clrTo>
+              </a:clrChange>
+            </a:blip>
+            <a:stretch>
+              <a:fillRect/>
+            </a:stretch>
+          </p:blipFill>
+          <p:spPr>
+            <a:xfrm>
+              <a:off x="1514028" y="21452840"/>
+              <a:ext cx="3588720" cy="491365"/>
+            </a:xfrm>
+            <a:prstGeom prst="rect">
+              <a:avLst/>
+            </a:prstGeom>
+          </p:spPr>
+        </p:pic>
+        <p:sp>
+          <p:nvSpPr>
+            <p:cNvPr id="31" name="TextBox 30">
+              <a:extLst>
+                <a:ext uri="{FF2B5EF4-FFF2-40B4-BE49-F238E27FC236}">
+                  <a16:creationId xmlns:a16="http://schemas.microsoft.com/office/drawing/2014/main" id="{E166E783-E372-4B6D-2C61-D7114711BC3D}"/>
+                </a:ext>
+              </a:extLst>
+            </p:cNvPr>
+            <p:cNvSpPr txBox="1"/>
+            <p:nvPr/>
+          </p:nvSpPr>
+          <p:spPr>
+            <a:xfrm>
+              <a:off x="1034935" y="21075053"/>
+              <a:ext cx="362173" cy="307776"/>
+            </a:xfrm>
+            <a:prstGeom prst="rect">
+              <a:avLst/>
+            </a:prstGeom>
+            <a:noFill/>
+          </p:spPr>
+          <p:txBody>
+            <a:bodyPr wrap="square" lIns="0" tIns="0" rIns="0" bIns="0" rtlCol="0">
+              <a:noAutofit/>
+            </a:bodyPr>
+            <a:lstStyle/>
+            <a:p>
+              <a:pPr algn="l">
+                <a:lnSpc>
+                  <a:spcPct val="90000"/>
+                </a:lnSpc>
+              </a:pPr>
+              <a:r>
+                <a:rPr lang="en-US" dirty="0" err="1"/>
+                <a:t>s.t.</a:t>
+              </a:r>
+              <a:r>
+                <a:rPr lang="en-US" dirty="0"/>
+                <a:t>,</a:t>
+              </a:r>
+              <a:endParaRPr lang="en-GB" dirty="0"/>
+            </a:p>
+          </p:txBody>
+        </p:sp>
+        <p:sp>
+          <p:nvSpPr>
+            <p:cNvPr id="32" name="TextBox 31">
+              <a:extLst>
+                <a:ext uri="{FF2B5EF4-FFF2-40B4-BE49-F238E27FC236}">
+                  <a16:creationId xmlns:a16="http://schemas.microsoft.com/office/drawing/2014/main" id="{3596F0E7-04A0-06B2-E1C8-32532047092A}"/>
+                </a:ext>
+              </a:extLst>
+            </p:cNvPr>
+            <p:cNvSpPr txBox="1"/>
+            <p:nvPr/>
+          </p:nvSpPr>
+          <p:spPr>
+            <a:xfrm>
+              <a:off x="683063" y="19901782"/>
+              <a:ext cx="517087" cy="307776"/>
+            </a:xfrm>
+            <a:prstGeom prst="rect">
+              <a:avLst/>
+            </a:prstGeom>
+            <a:noFill/>
+          </p:spPr>
+          <p:txBody>
+            <a:bodyPr wrap="square" lIns="0" tIns="0" rIns="0" bIns="0" rtlCol="0">
+              <a:noAutofit/>
+            </a:bodyPr>
+            <a:lstStyle/>
+            <a:p>
+              <a:pPr algn="l">
+                <a:lnSpc>
+                  <a:spcPct val="90000"/>
+                </a:lnSpc>
+              </a:pPr>
+              <a:r>
+                <a:rPr lang="en-US" dirty="0"/>
+                <a:t>OCP</a:t>
+              </a:r>
+              <a:endParaRPr lang="en-GB" dirty="0"/>
+            </a:p>
+          </p:txBody>
+        </p:sp>
+      </p:grpSp>
+      <p:sp>
+        <p:nvSpPr>
+          <p:cNvPr id="69" name="TextBox 68">
+            <a:extLst>
+              <a:ext uri="{FF2B5EF4-FFF2-40B4-BE49-F238E27FC236}">
+                <a16:creationId xmlns:a16="http://schemas.microsoft.com/office/drawing/2014/main" id="{D55544B8-DC83-94AE-6521-1FC273D4EECE}"/>
+              </a:ext>
+            </a:extLst>
+          </p:cNvPr>
+          <p:cNvSpPr txBox="1"/>
+          <p:nvPr/>
+        </p:nvSpPr>
+        <p:spPr>
+          <a:xfrm>
+            <a:off x="7878594" y="22502538"/>
+            <a:ext cx="374143" cy="750187"/>
           </a:xfrm>
           <a:prstGeom prst="rect">
             <a:avLst/>
@@ -3446,228 +7240,572 @@
               </a:lnSpc>
             </a:pPr>
             <a:r>
-              <a:rPr lang="en-US" sz="4000" dirty="0"/>
-              <a:t>High Level Block Diagram of Simulation (on how the user would use it/ overlayed with code structure if possible)</a:t>
-            </a:r>
-            <a:endParaRPr lang="en-GB" sz="4000" dirty="0"/>
+              <a:rPr lang="en-US" sz="1700" dirty="0"/>
+              <a:t>(1)</a:t>
+            </a:r>
+            <a:endParaRPr lang="en-GB" sz="1700" dirty="0"/>
           </a:p>
         </p:txBody>
       </p:sp>
-      <p:sp>
-        <p:nvSpPr>
-          <p:cNvPr id="17" name="TextBox 16">
+      <mc:AlternateContent xmlns:mc="http://schemas.openxmlformats.org/markup-compatibility/2006">
+        <mc:Choice xmlns:a14="http://schemas.microsoft.com/office/drawing/2010/main" Requires="a14">
+          <p:sp>
+            <p:nvSpPr>
+              <p:cNvPr id="70" name="TextBox 69">
+                <a:extLst>
+                  <a:ext uri="{FF2B5EF4-FFF2-40B4-BE49-F238E27FC236}">
+                    <a16:creationId xmlns:a16="http://schemas.microsoft.com/office/drawing/2014/main" id="{EE41779E-8DFD-09D6-72AE-F688CBA67656}"/>
+                  </a:ext>
+                </a:extLst>
+              </p:cNvPr>
+              <p:cNvSpPr txBox="1"/>
+              <p:nvPr/>
+            </p:nvSpPr>
+            <p:spPr>
+              <a:xfrm>
+                <a:off x="572269" y="23880363"/>
+                <a:ext cx="4346250" cy="914400"/>
+              </a:xfrm>
+              <a:prstGeom prst="rect">
+                <a:avLst/>
+              </a:prstGeom>
+              <a:noFill/>
+            </p:spPr>
+            <p:txBody>
+              <a:bodyPr wrap="none" lIns="0" tIns="0" rIns="0" bIns="0" rtlCol="0">
+                <a:noAutofit/>
+              </a:bodyPr>
+              <a:lstStyle/>
+              <a:p>
+                <a:pPr>
+                  <a:lnSpc>
+                    <a:spcPct val="90000"/>
+                  </a:lnSpc>
+                </a:pPr>
+                <a14:m>
+                  <m:oMath xmlns:m="http://schemas.openxmlformats.org/officeDocument/2006/math">
+                    <m:sSub>
+                      <m:sSubPr>
+                        <m:ctrlPr>
+                          <a:rPr lang="en-US" sz="1700" i="1">
+                            <a:latin typeface="Cambria Math" panose="02040503050406030204" pitchFamily="18" charset="0"/>
+                          </a:rPr>
+                        </m:ctrlPr>
+                      </m:sSubPr>
+                      <m:e>
+                        <m:r>
+                          <a:rPr lang="en-US" sz="1700" i="1">
+                            <a:latin typeface="Cambria Math" panose="02040503050406030204" pitchFamily="18" charset="0"/>
+                          </a:rPr>
+                          <m:t>𝜋</m:t>
+                        </m:r>
+                      </m:e>
+                      <m:sub>
+                        <m:r>
+                          <a:rPr lang="en-US" sz="1700" i="1">
+                            <a:latin typeface="Cambria Math" panose="02040503050406030204" pitchFamily="18" charset="0"/>
+                          </a:rPr>
+                          <m:t>𝜏</m:t>
+                        </m:r>
+                      </m:sub>
+                    </m:sSub>
+                  </m:oMath>
+                </a14:m>
+                <a:r>
+                  <a:rPr lang="en-GB" sz="1700" dirty="0"/>
+                  <a:t>: Portfolio distribution at time </a:t>
+                </a:r>
+                <a14:m>
+                  <m:oMath xmlns:m="http://schemas.openxmlformats.org/officeDocument/2006/math">
+                    <m:r>
+                      <a:rPr lang="en-US" sz="1700" i="1">
+                        <a:latin typeface="Cambria Math" panose="02040503050406030204" pitchFamily="18" charset="0"/>
+                      </a:rPr>
+                      <m:t>𝜏</m:t>
+                    </m:r>
+                  </m:oMath>
+                </a14:m>
+                <a:endParaRPr lang="en-US" sz="1700" dirty="0"/>
+              </a:p>
+              <a:p>
+                <a:pPr>
+                  <a:lnSpc>
+                    <a:spcPct val="90000"/>
+                  </a:lnSpc>
+                </a:pPr>
+                <a14:m>
+                  <m:oMath xmlns:m="http://schemas.openxmlformats.org/officeDocument/2006/math">
+                    <m:sSub>
+                      <m:sSubPr>
+                        <m:ctrlPr>
+                          <a:rPr lang="en-US" sz="1700" i="1">
+                            <a:latin typeface="Cambria Math" panose="02040503050406030204" pitchFamily="18" charset="0"/>
+                          </a:rPr>
+                        </m:ctrlPr>
+                      </m:sSubPr>
+                      <m:e>
+                        <m:acc>
+                          <m:accPr>
+                            <m:chr m:val="̂"/>
+                            <m:ctrlPr>
+                              <a:rPr lang="en-US" sz="1700" i="1">
+                                <a:latin typeface="Cambria Math" panose="02040503050406030204" pitchFamily="18" charset="0"/>
+                              </a:rPr>
+                            </m:ctrlPr>
+                          </m:accPr>
+                          <m:e>
+                            <m:r>
+                              <a:rPr lang="en-US" sz="1700" i="1">
+                                <a:latin typeface="Cambria Math" panose="02040503050406030204" pitchFamily="18" charset="0"/>
+                              </a:rPr>
+                              <m:t>𝑟</m:t>
+                            </m:r>
+                          </m:e>
+                        </m:acc>
+                      </m:e>
+                      <m:sub>
+                        <m:r>
+                          <a:rPr lang="en-US" sz="1700" i="1">
+                            <a:latin typeface="Cambria Math" panose="02040503050406030204" pitchFamily="18" charset="0"/>
+                          </a:rPr>
+                          <m:t>𝜏</m:t>
+                        </m:r>
+                        <m:r>
+                          <a:rPr lang="en-US" sz="1700" i="1">
+                            <a:latin typeface="Cambria Math" panose="02040503050406030204" pitchFamily="18" charset="0"/>
+                          </a:rPr>
+                          <m:t>|</m:t>
+                        </m:r>
+                        <m:r>
+                          <a:rPr lang="en-US" sz="1700" i="1">
+                            <a:latin typeface="Cambria Math" panose="02040503050406030204" pitchFamily="18" charset="0"/>
+                          </a:rPr>
+                          <m:t>𝑡</m:t>
+                        </m:r>
+                      </m:sub>
+                    </m:sSub>
+                  </m:oMath>
+                </a14:m>
+                <a:r>
+                  <a:rPr lang="en-GB" sz="1700" dirty="0"/>
+                  <a:t>: Expected return at time </a:t>
+                </a:r>
+                <a14:m>
+                  <m:oMath xmlns:m="http://schemas.openxmlformats.org/officeDocument/2006/math">
+                    <m:r>
+                      <a:rPr lang="en-US" sz="1700" i="1">
+                        <a:latin typeface="Cambria Math" panose="02040503050406030204" pitchFamily="18" charset="0"/>
+                      </a:rPr>
+                      <m:t>𝜏</m:t>
+                    </m:r>
+                  </m:oMath>
+                </a14:m>
+                <a:r>
+                  <a:rPr lang="en-GB" sz="1700" dirty="0"/>
+                  <a:t> as of time t</a:t>
+                </a:r>
+              </a:p>
+              <a:p>
+                <a:pPr>
+                  <a:lnSpc>
+                    <a:spcPct val="90000"/>
+                  </a:lnSpc>
+                </a:pPr>
+                <a14:m>
+                  <m:oMath xmlns:m="http://schemas.openxmlformats.org/officeDocument/2006/math">
+                    <m:sSub>
+                      <m:sSubPr>
+                        <m:ctrlPr>
+                          <a:rPr lang="en-US" sz="1700" i="1">
+                            <a:latin typeface="Cambria Math" panose="02040503050406030204" pitchFamily="18" charset="0"/>
+                          </a:rPr>
+                        </m:ctrlPr>
+                      </m:sSubPr>
+                      <m:e>
+                        <m:acc>
+                          <m:accPr>
+                            <m:chr m:val="̂"/>
+                            <m:ctrlPr>
+                              <a:rPr lang="en-US" sz="1700" i="1">
+                                <a:latin typeface="Cambria Math" panose="02040503050406030204" pitchFamily="18" charset="0"/>
+                              </a:rPr>
+                            </m:ctrlPr>
+                          </m:accPr>
+                          <m:e>
+                            <m:r>
+                              <m:rPr>
+                                <m:sty m:val="p"/>
+                              </m:rPr>
+                              <a:rPr lang="en-US" sz="1700">
+                                <a:latin typeface="Cambria Math" panose="02040503050406030204" pitchFamily="18" charset="0"/>
+                              </a:rPr>
+                              <m:t>Σ</m:t>
+                            </m:r>
+                          </m:e>
+                        </m:acc>
+                      </m:e>
+                      <m:sub>
+                        <m:r>
+                          <a:rPr lang="en-US" sz="1700" i="1">
+                            <a:latin typeface="Cambria Math" panose="02040503050406030204" pitchFamily="18" charset="0"/>
+                          </a:rPr>
+                          <m:t>𝜏</m:t>
+                        </m:r>
+                        <m:r>
+                          <a:rPr lang="en-US" sz="1700" i="1">
+                            <a:latin typeface="Cambria Math" panose="02040503050406030204" pitchFamily="18" charset="0"/>
+                          </a:rPr>
+                          <m:t>|</m:t>
+                        </m:r>
+                        <m:r>
+                          <a:rPr lang="en-US" sz="1700" i="1">
+                            <a:latin typeface="Cambria Math" panose="02040503050406030204" pitchFamily="18" charset="0"/>
+                          </a:rPr>
+                          <m:t>𝑡</m:t>
+                        </m:r>
+                      </m:sub>
+                    </m:sSub>
+                  </m:oMath>
+                </a14:m>
+                <a:r>
+                  <a:rPr lang="en-GB" sz="1700" dirty="0"/>
+                  <a:t>: Covariance matrix at time </a:t>
+                </a:r>
+                <a14:m>
+                  <m:oMath xmlns:m="http://schemas.openxmlformats.org/officeDocument/2006/math">
+                    <m:r>
+                      <a:rPr lang="en-US" sz="1700" i="1">
+                        <a:latin typeface="Cambria Math" panose="02040503050406030204" pitchFamily="18" charset="0"/>
+                      </a:rPr>
+                      <m:t>𝜏</m:t>
+                    </m:r>
+                    <m:r>
+                      <a:rPr lang="en-US" sz="1700" i="1">
+                        <a:latin typeface="Cambria Math" panose="02040503050406030204" pitchFamily="18" charset="0"/>
+                      </a:rPr>
+                      <m:t> </m:t>
+                    </m:r>
+                  </m:oMath>
+                </a14:m>
+                <a:r>
+                  <a:rPr lang="en-GB" sz="1700" dirty="0"/>
+                  <a:t>as of time t</a:t>
+                </a:r>
+              </a:p>
+              <a:p>
+                <a:pPr>
+                  <a:lnSpc>
+                    <a:spcPct val="90000"/>
+                  </a:lnSpc>
+                </a:pPr>
+                <a:endParaRPr lang="en-US" sz="1700" dirty="0"/>
+              </a:p>
+              <a:p>
+                <a:pPr>
+                  <a:lnSpc>
+                    <a:spcPct val="90000"/>
+                  </a:lnSpc>
+                </a:pPr>
+                <a:endParaRPr lang="en-US" sz="1700" dirty="0"/>
+              </a:p>
+              <a:p>
+                <a:pPr>
+                  <a:lnSpc>
+                    <a:spcPct val="90000"/>
+                  </a:lnSpc>
+                </a:pPr>
+                <a:endParaRPr lang="en-GB" sz="1700" dirty="0"/>
+              </a:p>
+              <a:p>
+                <a:pPr>
+                  <a:lnSpc>
+                    <a:spcPct val="90000"/>
+                  </a:lnSpc>
+                </a:pPr>
+                <a:endParaRPr lang="en-GB" sz="1700" dirty="0"/>
+              </a:p>
+              <a:p>
+                <a:pPr>
+                  <a:lnSpc>
+                    <a:spcPct val="90000"/>
+                  </a:lnSpc>
+                </a:pPr>
+                <a:endParaRPr lang="en-GB" sz="1700" dirty="0"/>
+              </a:p>
+            </p:txBody>
+          </p:sp>
+        </mc:Choice>
+        <mc:Fallback>
+          <p:sp>
+            <p:nvSpPr>
+              <p:cNvPr id="70" name="TextBox 69">
+                <a:extLst>
+                  <a:ext uri="{FF2B5EF4-FFF2-40B4-BE49-F238E27FC236}">
+                    <a16:creationId xmlns:a16="http://schemas.microsoft.com/office/drawing/2014/main" id="{EE41779E-8DFD-09D6-72AE-F688CBA67656}"/>
+                  </a:ext>
+                </a:extLst>
+              </p:cNvPr>
+              <p:cNvSpPr txBox="1">
+                <a:spLocks noRot="1" noChangeAspect="1" noMove="1" noResize="1" noEditPoints="1" noAdjustHandles="1" noChangeArrowheads="1" noChangeShapeType="1" noTextEdit="1"/>
+              </p:cNvSpPr>
+              <p:nvPr/>
+            </p:nvSpPr>
+            <p:spPr>
+              <a:xfrm>
+                <a:off x="572269" y="23880363"/>
+                <a:ext cx="4346250" cy="914400"/>
+              </a:xfrm>
+              <a:prstGeom prst="rect">
+                <a:avLst/>
+              </a:prstGeom>
+              <a:blipFill>
+                <a:blip r:embed="rId13"/>
+                <a:stretch>
+                  <a:fillRect l="-1823" t="-10000"/>
+                </a:stretch>
+              </a:blipFill>
+            </p:spPr>
+            <p:txBody>
+              <a:bodyPr/>
+              <a:lstStyle/>
+              <a:p>
+                <a:r>
+                  <a:rPr lang="en-GB">
+                    <a:noFill/>
+                  </a:rPr>
+                  <a:t> </a:t>
+                </a:r>
+              </a:p>
+            </p:txBody>
+          </p:sp>
+        </mc:Fallback>
+      </mc:AlternateContent>
+      <mc:AlternateContent xmlns:mc="http://schemas.openxmlformats.org/markup-compatibility/2006">
+        <mc:Choice xmlns:a14="http://schemas.microsoft.com/office/drawing/2010/main" Requires="a14">
+          <p:sp>
+            <p:nvSpPr>
+              <p:cNvPr id="72" name="TextBox 71">
+                <a:extLst>
+                  <a:ext uri="{FF2B5EF4-FFF2-40B4-BE49-F238E27FC236}">
+                    <a16:creationId xmlns:a16="http://schemas.microsoft.com/office/drawing/2014/main" id="{DA689300-C4DE-4441-23FF-942156BBCCF5}"/>
+                  </a:ext>
+                </a:extLst>
+              </p:cNvPr>
+              <p:cNvSpPr txBox="1"/>
+              <p:nvPr/>
+            </p:nvSpPr>
+            <p:spPr>
+              <a:xfrm>
+                <a:off x="4910932" y="23880363"/>
+                <a:ext cx="2813182" cy="810478"/>
+              </a:xfrm>
+              <a:prstGeom prst="rect">
+                <a:avLst/>
+              </a:prstGeom>
+              <a:noFill/>
+            </p:spPr>
+            <p:txBody>
+              <a:bodyPr wrap="square">
+                <a:spAutoFit/>
+              </a:bodyPr>
+              <a:lstStyle/>
+              <a:p>
+                <a:pPr>
+                  <a:lnSpc>
+                    <a:spcPct val="90000"/>
+                  </a:lnSpc>
+                </a:pPr>
+                <a14:m>
+                  <m:oMath xmlns:m="http://schemas.openxmlformats.org/officeDocument/2006/math">
+                    <m:r>
+                      <a:rPr lang="en-US" sz="1700" i="1">
+                        <a:latin typeface="Cambria Math" panose="02040503050406030204" pitchFamily="18" charset="0"/>
+                      </a:rPr>
+                      <m:t>𝐻</m:t>
+                    </m:r>
+                  </m:oMath>
+                </a14:m>
+                <a:r>
+                  <a:rPr lang="en-GB" sz="1700" dirty="0"/>
+                  <a:t>: </a:t>
+                </a:r>
+                <a:r>
+                  <a:rPr lang="en-US" sz="1700" dirty="0"/>
+                  <a:t>Horizon</a:t>
+                </a:r>
+              </a:p>
+              <a:p>
+                <a:pPr>
+                  <a:lnSpc>
+                    <a:spcPct val="90000"/>
+                  </a:lnSpc>
+                </a:pPr>
+                <a14:m>
+                  <m:oMath xmlns:m="http://schemas.openxmlformats.org/officeDocument/2006/math">
+                    <m:sSup>
+                      <m:sSupPr>
+                        <m:ctrlPr>
+                          <a:rPr lang="en-US" sz="1700" i="1">
+                            <a:latin typeface="Cambria Math" panose="02040503050406030204" pitchFamily="18" charset="0"/>
+                          </a:rPr>
+                        </m:ctrlPr>
+                      </m:sSupPr>
+                      <m:e>
+                        <m:r>
+                          <a:rPr lang="en-US" sz="1700" i="1">
+                            <a:latin typeface="Cambria Math" panose="02040503050406030204" pitchFamily="18" charset="0"/>
+                          </a:rPr>
+                          <m:t>𝛾</m:t>
+                        </m:r>
+                      </m:e>
+                      <m:sup>
+                        <m:r>
+                          <a:rPr lang="en-US" sz="1700" i="1">
+                            <a:latin typeface="Cambria Math" panose="02040503050406030204" pitchFamily="18" charset="0"/>
+                          </a:rPr>
+                          <m:t>𝑟𝑖𝑠𝑘</m:t>
+                        </m:r>
+                      </m:sup>
+                    </m:sSup>
+                  </m:oMath>
+                </a14:m>
+                <a:r>
+                  <a:rPr lang="en-GB" sz="1700" dirty="0"/>
+                  <a:t>: </a:t>
+                </a:r>
+                <a:r>
+                  <a:rPr lang="en-US" sz="1700" dirty="0"/>
+                  <a:t>Risk weight factor</a:t>
+                </a:r>
+              </a:p>
+              <a:p>
+                <a:pPr>
+                  <a:lnSpc>
+                    <a:spcPct val="90000"/>
+                  </a:lnSpc>
+                </a:pPr>
+                <a14:m>
+                  <m:oMath xmlns:m="http://schemas.openxmlformats.org/officeDocument/2006/math">
+                    <m:sSup>
+                      <m:sSupPr>
+                        <m:ctrlPr>
+                          <a:rPr lang="en-US" sz="1700" i="1">
+                            <a:latin typeface="Cambria Math" panose="02040503050406030204" pitchFamily="18" charset="0"/>
+                          </a:rPr>
+                        </m:ctrlPr>
+                      </m:sSupPr>
+                      <m:e>
+                        <m:r>
+                          <a:rPr lang="en-US" sz="1700" i="1">
+                            <a:latin typeface="Cambria Math" panose="02040503050406030204" pitchFamily="18" charset="0"/>
+                          </a:rPr>
+                          <m:t>𝛾</m:t>
+                        </m:r>
+                      </m:e>
+                      <m:sup>
+                        <m:r>
+                          <a:rPr lang="en-US" sz="1700" i="1">
+                            <a:latin typeface="Cambria Math" panose="02040503050406030204" pitchFamily="18" charset="0"/>
+                          </a:rPr>
+                          <m:t>𝑡𝑟𝑎𝑑𝑒</m:t>
+                        </m:r>
+                      </m:sup>
+                    </m:sSup>
+                  </m:oMath>
+                </a14:m>
+                <a:r>
+                  <a:rPr lang="en-GB" sz="1700" dirty="0"/>
+                  <a:t>: </a:t>
+                </a:r>
+                <a:r>
+                  <a:rPr lang="en-US" sz="1700" dirty="0"/>
+                  <a:t>Sell/buy cost</a:t>
+                </a:r>
+              </a:p>
+            </p:txBody>
+          </p:sp>
+        </mc:Choice>
+        <mc:Fallback>
+          <p:sp>
+            <p:nvSpPr>
+              <p:cNvPr id="72" name="TextBox 71">
+                <a:extLst>
+                  <a:ext uri="{FF2B5EF4-FFF2-40B4-BE49-F238E27FC236}">
+                    <a16:creationId xmlns:a16="http://schemas.microsoft.com/office/drawing/2014/main" id="{DA689300-C4DE-4441-23FF-942156BBCCF5}"/>
+                  </a:ext>
+                </a:extLst>
+              </p:cNvPr>
+              <p:cNvSpPr txBox="1">
+                <a:spLocks noRot="1" noChangeAspect="1" noMove="1" noResize="1" noEditPoints="1" noAdjustHandles="1" noChangeArrowheads="1" noChangeShapeType="1" noTextEdit="1"/>
+              </p:cNvSpPr>
+              <p:nvPr/>
+            </p:nvSpPr>
+            <p:spPr>
+              <a:xfrm>
+                <a:off x="4910932" y="23880363"/>
+                <a:ext cx="2813182" cy="810478"/>
+              </a:xfrm>
+              <a:prstGeom prst="rect">
+                <a:avLst/>
+              </a:prstGeom>
+              <a:blipFill>
+                <a:blip r:embed="rId14"/>
+                <a:stretch>
+                  <a:fillRect t="-5263" b="-9774"/>
+                </a:stretch>
+              </a:blipFill>
+            </p:spPr>
+            <p:txBody>
+              <a:bodyPr/>
+              <a:lstStyle/>
+              <a:p>
+                <a:r>
+                  <a:rPr lang="en-GB">
+                    <a:noFill/>
+                  </a:rPr>
+                  <a:t> </a:t>
+                </a:r>
+              </a:p>
+            </p:txBody>
+          </p:sp>
+        </mc:Fallback>
+      </mc:AlternateContent>
+      <p:pic>
+        <p:nvPicPr>
+          <p:cNvPr id="76" name="Picture 75" descr="A qr code with a graph and candlestick chart&#10;&#10;Description automatically generated">
             <a:extLst>
               <a:ext uri="{FF2B5EF4-FFF2-40B4-BE49-F238E27FC236}">
-                <a16:creationId xmlns:a16="http://schemas.microsoft.com/office/drawing/2014/main" id="{75C8A733-108F-1C27-1053-BB4389FB45B8}"/>
+                <a16:creationId xmlns:a16="http://schemas.microsoft.com/office/drawing/2014/main" id="{03CA65C1-F594-993D-D80A-545219561D06}"/>
               </a:ext>
             </a:extLst>
           </p:cNvPr>
-          <p:cNvSpPr txBox="1"/>
+          <p:cNvPicPr>
+            <a:picLocks noChangeAspect="1"/>
+          </p:cNvPicPr>
           <p:nvPr/>
-        </p:nvSpPr>
+        </p:nvPicPr>
+        <p:blipFill>
+          <a:blip r:embed="rId15">
+            <a:extLst>
+              <a:ext uri="{28A0092B-C50C-407E-A947-70E740481C1C}">
+                <a14:useLocalDpi xmlns:a14="http://schemas.microsoft.com/office/drawing/2010/main" val="0"/>
+              </a:ext>
+            </a:extLst>
+          </a:blip>
+          <a:stretch>
+            <a:fillRect/>
+          </a:stretch>
+        </p:blipFill>
         <p:spPr>
           <a:xfrm>
-            <a:off x="8129057" y="15930374"/>
-            <a:ext cx="5121969" cy="2092692"/>
+            <a:off x="6500427" y="6264480"/>
+            <a:ext cx="1300904" cy="1300904"/>
           </a:xfrm>
           <a:prstGeom prst="rect">
             <a:avLst/>
           </a:prstGeom>
-          <a:noFill/>
         </p:spPr>
-        <p:txBody>
-          <a:bodyPr wrap="square" lIns="0" tIns="0" rIns="0" bIns="0" rtlCol="0">
-            <a:noAutofit/>
-          </a:bodyPr>
-          <a:lstStyle/>
-          <a:p>
-            <a:pPr algn="l">
-              <a:lnSpc>
-                <a:spcPct val="90000"/>
-              </a:lnSpc>
-            </a:pPr>
-            <a:r>
-              <a:rPr lang="en-US" sz="4000" dirty="0"/>
-              <a:t>Comparison of Perfect MPC, LR MPC, Behavioral MPC, Markowitz, SMA, strategies. Over a year (2019?)</a:t>
-            </a:r>
-            <a:endParaRPr lang="en-GB" sz="4000" dirty="0"/>
-          </a:p>
-        </p:txBody>
-      </p:sp>
-      <p:sp>
-        <p:nvSpPr>
-          <p:cNvPr id="18" name="TextBox 17">
-            <a:extLst>
-              <a:ext uri="{FF2B5EF4-FFF2-40B4-BE49-F238E27FC236}">
-                <a16:creationId xmlns:a16="http://schemas.microsoft.com/office/drawing/2014/main" id="{F159C5C1-1ED6-43E4-97F8-2CA7F308AB0C}"/>
-              </a:ext>
-            </a:extLst>
-          </p:cNvPr>
-          <p:cNvSpPr txBox="1"/>
-          <p:nvPr/>
-        </p:nvSpPr>
-        <p:spPr>
-          <a:xfrm>
-            <a:off x="14671717" y="15895506"/>
-            <a:ext cx="5121969" cy="2092692"/>
-          </a:xfrm>
-          <a:prstGeom prst="rect">
-            <a:avLst/>
-          </a:prstGeom>
-          <a:noFill/>
-        </p:spPr>
-        <p:txBody>
-          <a:bodyPr wrap="square" lIns="0" tIns="0" rIns="0" bIns="0" rtlCol="0">
-            <a:noAutofit/>
-          </a:bodyPr>
-          <a:lstStyle/>
-          <a:p>
-            <a:pPr algn="l">
-              <a:lnSpc>
-                <a:spcPct val="90000"/>
-              </a:lnSpc>
-            </a:pPr>
-            <a:r>
-              <a:rPr lang="en-US" sz="4000" dirty="0"/>
-              <a:t>Comparison of Forecasting methods used to feed MPC, </a:t>
-            </a:r>
-            <a:r>
-              <a:rPr lang="en-US" sz="4000" dirty="0" err="1"/>
-              <a:t>Behavioural</a:t>
-            </a:r>
-            <a:r>
-              <a:rPr lang="en-US" sz="4000" dirty="0"/>
-              <a:t>, Linear Regression, last value.</a:t>
-            </a:r>
-            <a:endParaRPr lang="en-GB" sz="4000" dirty="0"/>
-          </a:p>
-        </p:txBody>
-      </p:sp>
-      <p:sp>
-        <p:nvSpPr>
-          <p:cNvPr id="20" name="TextBox 19">
-            <a:extLst>
-              <a:ext uri="{FF2B5EF4-FFF2-40B4-BE49-F238E27FC236}">
-                <a16:creationId xmlns:a16="http://schemas.microsoft.com/office/drawing/2014/main" id="{14A2A90C-37C9-263B-18E5-093114DE1E0D}"/>
-              </a:ext>
-            </a:extLst>
-          </p:cNvPr>
-          <p:cNvSpPr txBox="1"/>
-          <p:nvPr/>
-        </p:nvSpPr>
-        <p:spPr>
-          <a:xfrm>
-            <a:off x="1000728" y="19123241"/>
-            <a:ext cx="5121969" cy="2092692"/>
-          </a:xfrm>
-          <a:prstGeom prst="rect">
-            <a:avLst/>
-          </a:prstGeom>
-          <a:noFill/>
-        </p:spPr>
-        <p:txBody>
-          <a:bodyPr wrap="square" lIns="0" tIns="0" rIns="0" bIns="0" rtlCol="0">
-            <a:noAutofit/>
-          </a:bodyPr>
-          <a:lstStyle/>
-          <a:p>
-            <a:pPr algn="l">
-              <a:lnSpc>
-                <a:spcPct val="90000"/>
-              </a:lnSpc>
-            </a:pPr>
-            <a:r>
-              <a:rPr lang="en-US" sz="4000" dirty="0"/>
-              <a:t>Code Example and Results</a:t>
-            </a:r>
-          </a:p>
-        </p:txBody>
-      </p:sp>
-      <p:sp>
-        <p:nvSpPr>
-          <p:cNvPr id="22" name="TextBox 21">
-            <a:extLst>
-              <a:ext uri="{FF2B5EF4-FFF2-40B4-BE49-F238E27FC236}">
-                <a16:creationId xmlns:a16="http://schemas.microsoft.com/office/drawing/2014/main" id="{929900E8-AAFD-EEC1-3516-40A761C83036}"/>
-              </a:ext>
-            </a:extLst>
-          </p:cNvPr>
-          <p:cNvSpPr txBox="1"/>
-          <p:nvPr/>
-        </p:nvSpPr>
-        <p:spPr>
-          <a:xfrm>
-            <a:off x="758217" y="29201351"/>
-            <a:ext cx="10728960" cy="288092"/>
-          </a:xfrm>
-          <a:prstGeom prst="rect">
-            <a:avLst/>
-          </a:prstGeom>
-          <a:noFill/>
-        </p:spPr>
-        <p:txBody>
-          <a:bodyPr wrap="square">
-            <a:spAutoFit/>
-          </a:bodyPr>
-          <a:lstStyle/>
-          <a:p>
-            <a:r>
-              <a:rPr lang="en-GB" dirty="0">
-                <a:solidFill>
-                  <a:srgbClr val="FF0000"/>
-                </a:solidFill>
-              </a:rPr>
-              <a:t>References!</a:t>
-            </a:r>
-            <a:endParaRPr lang="en-GB" dirty="0"/>
-          </a:p>
-        </p:txBody>
-      </p:sp>
-      <p:sp>
-        <p:nvSpPr>
-          <p:cNvPr id="23" name="TextBox 22">
-            <a:extLst>
-              <a:ext uri="{FF2B5EF4-FFF2-40B4-BE49-F238E27FC236}">
-                <a16:creationId xmlns:a16="http://schemas.microsoft.com/office/drawing/2014/main" id="{D013BEB0-7DD2-BA2D-0E15-51308375A9F8}"/>
-              </a:ext>
-            </a:extLst>
-          </p:cNvPr>
-          <p:cNvSpPr txBox="1"/>
-          <p:nvPr/>
-        </p:nvSpPr>
-        <p:spPr>
-          <a:xfrm>
-            <a:off x="7899886" y="27027309"/>
-            <a:ext cx="6958542" cy="2092692"/>
-          </a:xfrm>
-          <a:prstGeom prst="rect">
-            <a:avLst/>
-          </a:prstGeom>
-          <a:noFill/>
-        </p:spPr>
-        <p:txBody>
-          <a:bodyPr wrap="square" lIns="0" tIns="0" rIns="0" bIns="0" rtlCol="0">
-            <a:noAutofit/>
-          </a:bodyPr>
-          <a:lstStyle/>
-          <a:p>
-            <a:pPr algn="l">
-              <a:lnSpc>
-                <a:spcPct val="90000"/>
-              </a:lnSpc>
-            </a:pPr>
-            <a:r>
-              <a:rPr lang="en-US" sz="4000" dirty="0"/>
-              <a:t>Nice Logo and Link to </a:t>
-            </a:r>
-            <a:r>
-              <a:rPr lang="en-US" sz="4000" dirty="0" err="1"/>
-              <a:t>Github</a:t>
-            </a:r>
-            <a:endParaRPr lang="en-US" sz="4000" dirty="0"/>
-          </a:p>
-        </p:txBody>
-      </p:sp>
+      </p:pic>
     </p:spTree>
     <p:extLst>
       <p:ext uri="{BB962C8B-B14F-4D97-AF65-F5344CB8AC3E}">
@@ -3963,4 +8101,319 @@
     </a:ext>
   </a:extLst>
 </a:theme>
+</file>
+
+<file path=ppt/theme/theme2.xml><?xml version="1.0" encoding="utf-8"?>
+<a:theme xmlns:a="http://schemas.openxmlformats.org/drawingml/2006/main" name="Office Theme">
+  <a:themeElements>
+    <a:clrScheme name="Office">
+      <a:dk1>
+        <a:sysClr val="windowText" lastClr="000000"/>
+      </a:dk1>
+      <a:lt1>
+        <a:sysClr val="window" lastClr="FFFFFF"/>
+      </a:lt1>
+      <a:dk2>
+        <a:srgbClr val="44546A"/>
+      </a:dk2>
+      <a:lt2>
+        <a:srgbClr val="E7E6E6"/>
+      </a:lt2>
+      <a:accent1>
+        <a:srgbClr val="4472C4"/>
+      </a:accent1>
+      <a:accent2>
+        <a:srgbClr val="ED7D31"/>
+      </a:accent2>
+      <a:accent3>
+        <a:srgbClr val="A5A5A5"/>
+      </a:accent3>
+      <a:accent4>
+        <a:srgbClr val="FFC000"/>
+      </a:accent4>
+      <a:accent5>
+        <a:srgbClr val="5B9BD5"/>
+      </a:accent5>
+      <a:accent6>
+        <a:srgbClr val="70AD47"/>
+      </a:accent6>
+      <a:hlink>
+        <a:srgbClr val="0563C1"/>
+      </a:hlink>
+      <a:folHlink>
+        <a:srgbClr val="954F72"/>
+      </a:folHlink>
+    </a:clrScheme>
+    <a:fontScheme name="Office">
+      <a:majorFont>
+        <a:latin typeface="Calibri Light" panose="020F0302020204030204"/>
+        <a:ea typeface=""/>
+        <a:cs typeface=""/>
+        <a:font script="Jpan" typeface="游ゴシック Light"/>
+        <a:font script="Hang" typeface="맑은 고딕"/>
+        <a:font script="Hans" typeface="等线 Light"/>
+        <a:font script="Hant" typeface="新細明體"/>
+        <a:font script="Arab" typeface="Times New Roman"/>
+        <a:font script="Hebr" typeface="Times New Roman"/>
+        <a:font script="Thai" typeface="Angsana New"/>
+        <a:font script="Ethi" typeface="Nyala"/>
+        <a:font script="Beng" typeface="Vrinda"/>
+        <a:font script="Gujr" typeface="Shruti"/>
+        <a:font script="Khmr" typeface="MoolBoran"/>
+        <a:font script="Knda" typeface="Tunga"/>
+        <a:font script="Guru" typeface="Raavi"/>
+        <a:font script="Cans" typeface="Euphemia"/>
+        <a:font script="Cher" typeface="Plantagenet Cherokee"/>
+        <a:font script="Yiii" typeface="Microsoft Yi Baiti"/>
+        <a:font script="Tibt" typeface="Microsoft Himalaya"/>
+        <a:font script="Thaa" typeface="MV Boli"/>
+        <a:font script="Deva" typeface="Mangal"/>
+        <a:font script="Telu" typeface="Gautami"/>
+        <a:font script="Taml" typeface="Latha"/>
+        <a:font script="Syrc" typeface="Estrangelo Edessa"/>
+        <a:font script="Orya" typeface="Kalinga"/>
+        <a:font script="Mlym" typeface="Kartika"/>
+        <a:font script="Laoo" typeface="DokChampa"/>
+        <a:font script="Sinh" typeface="Iskoola Pota"/>
+        <a:font script="Mong" typeface="Mongolian Baiti"/>
+        <a:font script="Viet" typeface="Times New Roman"/>
+        <a:font script="Uigh" typeface="Microsoft Uighur"/>
+        <a:font script="Geor" typeface="Sylfaen"/>
+        <a:font script="Armn" typeface="Arial"/>
+        <a:font script="Bugi" typeface="Leelawadee UI"/>
+        <a:font script="Bopo" typeface="Microsoft JhengHei"/>
+        <a:font script="Java" typeface="Javanese Text"/>
+        <a:font script="Lisu" typeface="Segoe UI"/>
+        <a:font script="Mymr" typeface="Myanmar Text"/>
+        <a:font script="Nkoo" typeface="Ebrima"/>
+        <a:font script="Olck" typeface="Nirmala UI"/>
+        <a:font script="Osma" typeface="Ebrima"/>
+        <a:font script="Phag" typeface="Phagspa"/>
+        <a:font script="Syrn" typeface="Estrangelo Edessa"/>
+        <a:font script="Syrj" typeface="Estrangelo Edessa"/>
+        <a:font script="Syre" typeface="Estrangelo Edessa"/>
+        <a:font script="Sora" typeface="Nirmala UI"/>
+        <a:font script="Tale" typeface="Microsoft Tai Le"/>
+        <a:font script="Talu" typeface="Microsoft New Tai Lue"/>
+        <a:font script="Tfng" typeface="Ebrima"/>
+      </a:majorFont>
+      <a:minorFont>
+        <a:latin typeface="Calibri" panose="020F0502020204030204"/>
+        <a:ea typeface=""/>
+        <a:cs typeface=""/>
+        <a:font script="Jpan" typeface="游ゴシック"/>
+        <a:font script="Hang" typeface="맑은 고딕"/>
+        <a:font script="Hans" typeface="等线"/>
+        <a:font script="Hant" typeface="新細明體"/>
+        <a:font script="Arab" typeface="Arial"/>
+        <a:font script="Hebr" typeface="Arial"/>
+        <a:font script="Thai" typeface="Cordia New"/>
+        <a:font script="Ethi" typeface="Nyala"/>
+        <a:font script="Beng" typeface="Vrinda"/>
+        <a:font script="Gujr" typeface="Shruti"/>
+        <a:font script="Khmr" typeface="DaunPenh"/>
+        <a:font script="Knda" typeface="Tunga"/>
+        <a:font script="Guru" typeface="Raavi"/>
+        <a:font script="Cans" typeface="Euphemia"/>
+        <a:font script="Cher" typeface="Plantagenet Cherokee"/>
+        <a:font script="Yiii" typeface="Microsoft Yi Baiti"/>
+        <a:font script="Tibt" typeface="Microsoft Himalaya"/>
+        <a:font script="Thaa" typeface="MV Boli"/>
+        <a:font script="Deva" typeface="Mangal"/>
+        <a:font script="Telu" typeface="Gautami"/>
+        <a:font script="Taml" typeface="Latha"/>
+        <a:font script="Syrc" typeface="Estrangelo Edessa"/>
+        <a:font script="Orya" typeface="Kalinga"/>
+        <a:font script="Mlym" typeface="Kartika"/>
+        <a:font script="Laoo" typeface="DokChampa"/>
+        <a:font script="Sinh" typeface="Iskoola Pota"/>
+        <a:font script="Mong" typeface="Mongolian Baiti"/>
+        <a:font script="Viet" typeface="Arial"/>
+        <a:font script="Uigh" typeface="Microsoft Uighur"/>
+        <a:font script="Geor" typeface="Sylfaen"/>
+        <a:font script="Armn" typeface="Arial"/>
+        <a:font script="Bugi" typeface="Leelawadee UI"/>
+        <a:font script="Bopo" typeface="Microsoft JhengHei"/>
+        <a:font script="Java" typeface="Javanese Text"/>
+        <a:font script="Lisu" typeface="Segoe UI"/>
+        <a:font script="Mymr" typeface="Myanmar Text"/>
+        <a:font script="Nkoo" typeface="Ebrima"/>
+        <a:font script="Olck" typeface="Nirmala UI"/>
+        <a:font script="Osma" typeface="Ebrima"/>
+        <a:font script="Phag" typeface="Phagspa"/>
+        <a:font script="Syrn" typeface="Estrangelo Edessa"/>
+        <a:font script="Syrj" typeface="Estrangelo Edessa"/>
+        <a:font script="Syre" typeface="Estrangelo Edessa"/>
+        <a:font script="Sora" typeface="Nirmala UI"/>
+        <a:font script="Tale" typeface="Microsoft Tai Le"/>
+        <a:font script="Talu" typeface="Microsoft New Tai Lue"/>
+        <a:font script="Tfng" typeface="Ebrima"/>
+      </a:minorFont>
+    </a:fontScheme>
+    <a:fmtScheme name="Office">
+      <a:fillStyleLst>
+        <a:solidFill>
+          <a:schemeClr val="phClr"/>
+        </a:solidFill>
+        <a:gradFill rotWithShape="1">
+          <a:gsLst>
+            <a:gs pos="0">
+              <a:schemeClr val="phClr">
+                <a:lumMod val="110000"/>
+                <a:satMod val="105000"/>
+                <a:tint val="67000"/>
+              </a:schemeClr>
+            </a:gs>
+            <a:gs pos="50000">
+              <a:schemeClr val="phClr">
+                <a:lumMod val="105000"/>
+                <a:satMod val="103000"/>
+                <a:tint val="73000"/>
+              </a:schemeClr>
+            </a:gs>
+            <a:gs pos="100000">
+              <a:schemeClr val="phClr">
+                <a:lumMod val="105000"/>
+                <a:satMod val="109000"/>
+                <a:tint val="81000"/>
+              </a:schemeClr>
+            </a:gs>
+          </a:gsLst>
+          <a:lin ang="5400000" scaled="0"/>
+        </a:gradFill>
+        <a:gradFill rotWithShape="1">
+          <a:gsLst>
+            <a:gs pos="0">
+              <a:schemeClr val="phClr">
+                <a:satMod val="103000"/>
+                <a:lumMod val="102000"/>
+                <a:tint val="94000"/>
+              </a:schemeClr>
+            </a:gs>
+            <a:gs pos="50000">
+              <a:schemeClr val="phClr">
+                <a:satMod val="110000"/>
+                <a:lumMod val="100000"/>
+                <a:shade val="100000"/>
+              </a:schemeClr>
+            </a:gs>
+            <a:gs pos="100000">
+              <a:schemeClr val="phClr">
+                <a:lumMod val="99000"/>
+                <a:satMod val="120000"/>
+                <a:shade val="78000"/>
+              </a:schemeClr>
+            </a:gs>
+          </a:gsLst>
+          <a:lin ang="5400000" scaled="0"/>
+        </a:gradFill>
+      </a:fillStyleLst>
+      <a:lnStyleLst>
+        <a:ln w="6350" cap="flat" cmpd="sng" algn="ctr">
+          <a:solidFill>
+            <a:schemeClr val="phClr"/>
+          </a:solidFill>
+          <a:prstDash val="solid"/>
+          <a:miter lim="800000"/>
+        </a:ln>
+        <a:ln w="12700" cap="flat" cmpd="sng" algn="ctr">
+          <a:solidFill>
+            <a:schemeClr val="phClr"/>
+          </a:solidFill>
+          <a:prstDash val="solid"/>
+          <a:miter lim="800000"/>
+        </a:ln>
+        <a:ln w="19050" cap="flat" cmpd="sng" algn="ctr">
+          <a:solidFill>
+            <a:schemeClr val="phClr"/>
+          </a:solidFill>
+          <a:prstDash val="solid"/>
+          <a:miter lim="800000"/>
+        </a:ln>
+      </a:lnStyleLst>
+      <a:effectStyleLst>
+        <a:effectStyle>
+          <a:effectLst/>
+        </a:effectStyle>
+        <a:effectStyle>
+          <a:effectLst/>
+        </a:effectStyle>
+        <a:effectStyle>
+          <a:effectLst>
+            <a:outerShdw blurRad="57150" dist="19050" dir="5400000" algn="ctr" rotWithShape="0">
+              <a:srgbClr val="000000">
+                <a:alpha val="63000"/>
+              </a:srgbClr>
+            </a:outerShdw>
+          </a:effectLst>
+        </a:effectStyle>
+      </a:effectStyleLst>
+      <a:bgFillStyleLst>
+        <a:solidFill>
+          <a:schemeClr val="phClr"/>
+        </a:solidFill>
+        <a:solidFill>
+          <a:schemeClr val="phClr">
+            <a:tint val="95000"/>
+            <a:satMod val="170000"/>
+          </a:schemeClr>
+        </a:solidFill>
+        <a:gradFill rotWithShape="1">
+          <a:gsLst>
+            <a:gs pos="0">
+              <a:schemeClr val="phClr">
+                <a:tint val="93000"/>
+                <a:satMod val="150000"/>
+                <a:shade val="98000"/>
+                <a:lumMod val="102000"/>
+              </a:schemeClr>
+            </a:gs>
+            <a:gs pos="50000">
+              <a:schemeClr val="phClr">
+                <a:tint val="98000"/>
+                <a:satMod val="130000"/>
+                <a:shade val="90000"/>
+                <a:lumMod val="103000"/>
+              </a:schemeClr>
+            </a:gs>
+            <a:gs pos="100000">
+              <a:schemeClr val="phClr">
+                <a:shade val="63000"/>
+                <a:satMod val="120000"/>
+              </a:schemeClr>
+            </a:gs>
+          </a:gsLst>
+          <a:lin ang="5400000" scaled="0"/>
+        </a:gradFill>
+      </a:bgFillStyleLst>
+    </a:fmtScheme>
+  </a:themeElements>
+  <a:objectDefaults/>
+  <a:extraClrSchemeLst/>
+  <a:extLst>
+    <a:ext uri="{05A4C25C-085E-4340-85A3-A5531E510DB2}">
+      <thm15:themeFamily xmlns:thm15="http://schemas.microsoft.com/office/thememl/2012/main" name="Office Theme" id="{62F939B6-93AF-4DB8-9C6B-D6C7DFDC589F}" vid="{4A3C46E8-61CC-4603-A589-7422A47A8E4A}"/>
+    </a:ext>
+  </a:extLst>
+</a:theme>
+</file>
+
+<file path=ppt/webextensions/taskpanes.xml><?xml version="1.0" encoding="utf-8"?>
+<wetp:taskpanes xmlns:wetp="http://schemas.microsoft.com/office/webextensions/taskpanes/2010/11">
+  <wetp:taskpane dockstate="right" visibility="0" width="438" row="0">
+    <wetp:webextensionref xmlns:r="http://schemas.openxmlformats.org/officeDocument/2006/relationships" r:id="rId1"/>
+  </wetp:taskpane>
+</wetp:taskpanes>
+</file>
+
+<file path=ppt/webextensions/webextension1.xml><?xml version="1.0" encoding="utf-8"?>
+<we:webextension xmlns:we="http://schemas.microsoft.com/office/webextensions/webextension/2010/11" id="{5321567A-61F4-4D56-9BB4-821C42A94B3A}">
+  <we:reference id="wa200004052" version="1.0.0.2" store="en-US" storeType="OMEX"/>
+  <we:alternateReferences>
+    <we:reference id="WA200004052" version="1.0.0.2" store="WA200004052" storeType="OMEX"/>
+  </we:alternateReferences>
+  <we:properties/>
+  <we:bindings/>
+  <we:snapshot xmlns:r="http://schemas.openxmlformats.org/officeDocument/2006/relationships"/>
+</we:webextension>
 </file>
--- a/Poster.pptx
+++ b/Poster.pptx
@@ -208,7 +208,7 @@
           <a:p>
             <a:fld id="{FA277F2B-B98C-40E6-B7F5-7E6E5F4E44D9}" type="datetimeFigureOut">
               <a:rPr lang="en-GB" smtClean="0"/>
-              <a:t>05/09/2023</a:t>
+              <a:t>06/09/2023</a:t>
             </a:fld>
             <a:endParaRPr lang="en-GB"/>
           </a:p>
@@ -634,7 +634,7 @@
             <a:fld id="{182230BD-888B-4299-A805-2BFBAB3CFA3E}" type="datetimeFigureOut">
               <a:rPr lang="en-GB" smtClean="0"/>
               <a:pPr/>
-              <a:t>04/09/2023</a:t>
+              <a:t>06/09/2023</a:t>
             </a:fld>
             <a:endParaRPr lang="en-GB"/>
           </a:p>
@@ -1247,7 +1247,7 @@
             <a:fld id="{182230BD-888B-4299-A805-2BFBAB3CFA3E}" type="datetimeFigureOut">
               <a:rPr lang="en-GB" smtClean="0"/>
               <a:pPr/>
-              <a:t>04/09/2023</a:t>
+              <a:t>06/09/2023</a:t>
             </a:fld>
             <a:endParaRPr lang="en-GB"/>
           </a:p>
@@ -2152,7 +2152,7 @@
             <a:fld id="{182230BD-888B-4299-A805-2BFBAB3CFA3E}" type="datetimeFigureOut">
               <a:rPr lang="en-GB" smtClean="0"/>
               <a:pPr/>
-              <a:t>04/09/2023</a:t>
+              <a:t>06/09/2023</a:t>
             </a:fld>
             <a:endParaRPr lang="en-GB"/>
           </a:p>
@@ -2825,7 +2825,7 @@
         </p:blipFill>
         <p:spPr>
           <a:xfrm>
-            <a:off x="13173776" y="9368598"/>
+            <a:off x="13173776" y="9252486"/>
             <a:ext cx="7800673" cy="6202755"/>
           </a:xfrm>
           <a:prstGeom prst="rect">
@@ -3071,7 +3071,7 @@
         </p:nvSpPr>
         <p:spPr>
           <a:xfrm>
-            <a:off x="442201" y="24809998"/>
+            <a:off x="442201" y="24635829"/>
             <a:ext cx="7933707" cy="4009459"/>
           </a:xfrm>
         </p:spPr>
@@ -3172,7 +3172,7 @@
         </p:nvSpPr>
         <p:spPr>
           <a:xfrm>
-            <a:off x="7915089" y="15652703"/>
+            <a:off x="7915089" y="15536591"/>
             <a:ext cx="5121970" cy="597733"/>
           </a:xfrm>
         </p:spPr>
@@ -3327,7 +3327,7 @@
         </p:nvCxnSpPr>
         <p:spPr>
           <a:xfrm>
-            <a:off x="424241" y="25497513"/>
+            <a:off x="424241" y="25323344"/>
             <a:ext cx="7416253" cy="0"/>
           </a:xfrm>
           <a:prstGeom prst="line">
@@ -3368,7 +3368,7 @@
         </p:nvGrpSpPr>
         <p:grpSpPr>
           <a:xfrm>
-            <a:off x="7915088" y="8796630"/>
+            <a:off x="7915088" y="8680518"/>
             <a:ext cx="5152571" cy="6748021"/>
             <a:chOff x="7658964" y="7124200"/>
             <a:chExt cx="5152571" cy="6748021"/>
@@ -5320,7 +5320,7 @@
         </p:nvSpPr>
         <p:spPr>
           <a:xfrm>
-            <a:off x="15234349" y="15659491"/>
+            <a:off x="15234349" y="15543379"/>
             <a:ext cx="4287365" cy="243037"/>
           </a:xfrm>
           <a:prstGeom prst="rect">
@@ -6003,7 +6003,7 @@
           <a:p>
             <a:r>
               <a:rPr lang="en-GB" dirty="0"/>
-              <a:t>In its first iteration AirBorne the data layer and back testing framework, but its design allows the placement of a Live Trading feature to seamlessly transfer strategies from idealized simulations to the real thing. Figures 1 and 2 display the internal distribution of features in the package and the flow of data when using it.</a:t>
+              <a:t>In its first iteration AirBorne counts with its data layer and back testing framework, but its design allows the placement of a Live Trading feature to seamlessly transfer strategies from idealized simulations to the real thing. Figures 1 and 2 display the internal distribution of features in the package and the flow of data when using it.</a:t>
             </a:r>
           </a:p>
           <a:p>
@@ -6054,441 +6054,300 @@
           </a:fontRef>
         </p:style>
       </p:cxnSp>
-      <p:grpSp>
-        <p:nvGrpSpPr>
-          <p:cNvPr id="21" name="Group 20">
+      <p:sp>
+        <p:nvSpPr>
+          <p:cNvPr id="125" name="Text Placeholder 8">
             <a:extLst>
               <a:ext uri="{FF2B5EF4-FFF2-40B4-BE49-F238E27FC236}">
-                <a16:creationId xmlns:a16="http://schemas.microsoft.com/office/drawing/2014/main" id="{92C793B2-B11A-9039-E188-867AA669E9A0}"/>
+                <a16:creationId xmlns:a16="http://schemas.microsoft.com/office/drawing/2014/main" id="{428E7C72-FD1A-8007-3F33-11EAA72D62C3}"/>
               </a:ext>
             </a:extLst>
           </p:cNvPr>
-          <p:cNvGrpSpPr/>
+          <p:cNvSpPr txBox="1">
+            <a:spLocks/>
+          </p:cNvSpPr>
           <p:nvPr/>
-        </p:nvGrpSpPr>
-        <p:grpSpPr>
+        </p:nvSpPr>
+        <p:spPr>
           <a:xfrm>
-            <a:off x="9475252" y="24256391"/>
-            <a:ext cx="11278249" cy="4542069"/>
-            <a:chOff x="9555775" y="18336704"/>
-            <a:chExt cx="11278249" cy="4542069"/>
+            <a:off x="8913157" y="28067717"/>
+            <a:ext cx="6165724" cy="597733"/>
           </a:xfrm>
-        </p:grpSpPr>
-        <p:grpSp>
-          <p:nvGrpSpPr>
-            <p:cNvPr id="13" name="Group 12">
-              <a:extLst>
-                <a:ext uri="{FF2B5EF4-FFF2-40B4-BE49-F238E27FC236}">
-                  <a16:creationId xmlns:a16="http://schemas.microsoft.com/office/drawing/2014/main" id="{56972F0A-D7EC-4EEA-D198-2D30C6E77A88}"/>
-                </a:ext>
-              </a:extLst>
-            </p:cNvPr>
-            <p:cNvGrpSpPr/>
-            <p:nvPr/>
-          </p:nvGrpSpPr>
-          <p:grpSpPr>
-            <a:xfrm>
-              <a:off x="9555775" y="18336704"/>
-              <a:ext cx="11278249" cy="4542069"/>
-              <a:chOff x="9555775" y="18028184"/>
-              <a:chExt cx="11278249" cy="4542069"/>
-            </a:xfrm>
-          </p:grpSpPr>
-          <p:sp>
-            <p:nvSpPr>
-              <p:cNvPr id="125" name="Text Placeholder 8">
-                <a:extLst>
-                  <a:ext uri="{FF2B5EF4-FFF2-40B4-BE49-F238E27FC236}">
-                    <a16:creationId xmlns:a16="http://schemas.microsoft.com/office/drawing/2014/main" id="{428E7C72-FD1A-8007-3F33-11EAA72D62C3}"/>
-                  </a:ext>
-                </a:extLst>
-              </p:cNvPr>
-              <p:cNvSpPr txBox="1">
-                <a:spLocks/>
-              </p:cNvSpPr>
-              <p:nvPr/>
-            </p:nvSpPr>
-            <p:spPr>
-              <a:xfrm>
-                <a:off x="9624014" y="21972520"/>
-                <a:ext cx="11091865" cy="597733"/>
-              </a:xfrm>
-              <a:prstGeom prst="rect">
-                <a:avLst/>
-              </a:prstGeom>
-            </p:spPr>
-            <p:txBody>
-              <a:bodyPr vert="horz" lIns="0" tIns="0" rIns="0" bIns="0" rtlCol="0">
-                <a:noAutofit/>
-              </a:bodyPr>
-              <a:lstStyle>
-                <a:lvl1pPr marL="0" indent="0" algn="l" defTabSz="2138314" rtl="0" eaLnBrk="1" latinLnBrk="0" hangingPunct="1">
-                  <a:lnSpc>
-                    <a:spcPct val="90000"/>
-                  </a:lnSpc>
-                  <a:spcBef>
-                    <a:spcPts val="0"/>
-                  </a:spcBef>
-                  <a:spcAft>
-                    <a:spcPts val="0"/>
-                  </a:spcAft>
-                  <a:buFont typeface="Arial" panose="020B0604020202020204" pitchFamily="34" charset="0"/>
-                  <a:buNone/>
-                  <a:defRPr sz="1200" i="1" kern="1200">
-                    <a:solidFill>
-                      <a:schemeClr val="tx1"/>
-                    </a:solidFill>
-                    <a:latin typeface="+mn-lt"/>
-                    <a:ea typeface="+mn-ea"/>
-                    <a:cs typeface="+mn-cs"/>
-                  </a:defRPr>
-                </a:lvl1pPr>
-                <a:lvl2pPr marL="0" indent="0" algn="l" defTabSz="2138314" rtl="0" eaLnBrk="1" latinLnBrk="0" hangingPunct="1">
-                  <a:lnSpc>
-                    <a:spcPct val="83000"/>
-                  </a:lnSpc>
-                  <a:spcBef>
-                    <a:spcPts val="0"/>
-                  </a:spcBef>
-                  <a:spcAft>
-                    <a:spcPts val="2684"/>
-                  </a:spcAft>
-                  <a:buFont typeface="Arial" panose="020B0604020202020204" pitchFamily="34" charset="0"/>
-                  <a:buNone/>
-                  <a:defRPr sz="5000" kern="1200">
-                    <a:solidFill>
-                      <a:schemeClr val="tx1"/>
-                    </a:solidFill>
-                    <a:latin typeface="+mn-lt"/>
-                    <a:ea typeface="+mn-ea"/>
-                    <a:cs typeface="+mn-cs"/>
-                  </a:defRPr>
-                </a:lvl2pPr>
-                <a:lvl3pPr marL="0" indent="0" algn="l" defTabSz="2138314" rtl="0" eaLnBrk="1" latinLnBrk="0" hangingPunct="1">
-                  <a:lnSpc>
-                    <a:spcPct val="90000"/>
-                  </a:lnSpc>
-                  <a:spcBef>
-                    <a:spcPts val="0"/>
-                  </a:spcBef>
-                  <a:spcAft>
-                    <a:spcPts val="3320"/>
-                  </a:spcAft>
-                  <a:buFont typeface="Arial" panose="020B0604020202020204" pitchFamily="34" charset="0"/>
-                  <a:buNone/>
-                  <a:defRPr sz="3200" kern="1200">
-                    <a:solidFill>
-                      <a:schemeClr val="tx1"/>
-                    </a:solidFill>
-                    <a:latin typeface="+mn-lt"/>
-                    <a:ea typeface="+mn-ea"/>
-                    <a:cs typeface="+mn-cs"/>
-                  </a:defRPr>
-                </a:lvl3pPr>
-                <a:lvl4pPr marL="0" indent="0" algn="l" defTabSz="2138314" rtl="0" eaLnBrk="1" latinLnBrk="0" hangingPunct="1">
-                  <a:lnSpc>
-                    <a:spcPct val="90000"/>
-                  </a:lnSpc>
-                  <a:spcBef>
-                    <a:spcPts val="0"/>
-                  </a:spcBef>
-                  <a:buFont typeface="Arial" panose="020B0604020202020204" pitchFamily="34" charset="0"/>
-                  <a:buNone/>
-                  <a:defRPr sz="2684" b="1" kern="1200">
-                    <a:solidFill>
-                      <a:schemeClr val="accent3"/>
-                    </a:solidFill>
-                    <a:latin typeface="+mn-lt"/>
-                    <a:ea typeface="+mn-ea"/>
-                    <a:cs typeface="+mn-cs"/>
-                  </a:defRPr>
-                </a:lvl4pPr>
-                <a:lvl5pPr marL="0" indent="0" algn="l" defTabSz="2138314" rtl="0" eaLnBrk="1" latinLnBrk="0" hangingPunct="1">
-                  <a:lnSpc>
-                    <a:spcPct val="90000"/>
-                  </a:lnSpc>
-                  <a:spcBef>
-                    <a:spcPts val="0"/>
-                  </a:spcBef>
-                  <a:buFont typeface="Arial" panose="020B0604020202020204" pitchFamily="34" charset="0"/>
-                  <a:buNone/>
-                  <a:defRPr sz="2100" b="1" kern="1200">
-                    <a:solidFill>
-                      <a:schemeClr val="tx1"/>
-                    </a:solidFill>
-                    <a:latin typeface="+mn-lt"/>
-                    <a:ea typeface="+mn-ea"/>
-                    <a:cs typeface="+mn-cs"/>
-                  </a:defRPr>
-                </a:lvl5pPr>
-                <a:lvl6pPr marL="0" indent="0" algn="l" defTabSz="2138314" rtl="0" eaLnBrk="1" latinLnBrk="0" hangingPunct="1">
-                  <a:lnSpc>
-                    <a:spcPct val="90000"/>
-                  </a:lnSpc>
-                  <a:spcBef>
-                    <a:spcPts val="0"/>
-                  </a:spcBef>
-                  <a:buFont typeface="Arial" panose="020B0604020202020204" pitchFamily="34" charset="0"/>
-                  <a:buNone/>
-                  <a:defRPr sz="2100" kern="1200">
-                    <a:solidFill>
-                      <a:schemeClr val="tx1"/>
-                    </a:solidFill>
-                    <a:latin typeface="+mn-lt"/>
-                    <a:ea typeface="+mn-ea"/>
-                    <a:cs typeface="+mn-cs"/>
-                  </a:defRPr>
-                </a:lvl6pPr>
-                <a:lvl7pPr marL="0" indent="0" algn="l" defTabSz="2138314" rtl="0" eaLnBrk="1" latinLnBrk="0" hangingPunct="1">
-                  <a:lnSpc>
-                    <a:spcPct val="90000"/>
-                  </a:lnSpc>
-                  <a:spcBef>
-                    <a:spcPts val="0"/>
-                  </a:spcBef>
-                  <a:spcAft>
-                    <a:spcPts val="3673"/>
-                  </a:spcAft>
-                  <a:buFont typeface="Arial" panose="020B0604020202020204" pitchFamily="34" charset="0"/>
-                  <a:buNone/>
-                  <a:defRPr sz="1130" kern="1200" cap="all" baseline="0">
-                    <a:solidFill>
-                      <a:schemeClr val="tx1"/>
-                    </a:solidFill>
-                    <a:latin typeface="+mn-lt"/>
-                    <a:ea typeface="+mn-ea"/>
-                    <a:cs typeface="+mn-cs"/>
-                  </a:defRPr>
-                </a:lvl7pPr>
-                <a:lvl8pPr marL="177988" indent="-177988" algn="l" defTabSz="2138314" rtl="0" eaLnBrk="1" latinLnBrk="0" hangingPunct="1">
-                  <a:lnSpc>
-                    <a:spcPct val="90000"/>
-                  </a:lnSpc>
-                  <a:spcBef>
-                    <a:spcPts val="0"/>
-                  </a:spcBef>
-                  <a:buClr>
-                    <a:schemeClr val="accent3"/>
-                  </a:buClr>
-                  <a:buFont typeface="Arial" panose="020B0604020202020204" pitchFamily="34" charset="0"/>
-                  <a:buChar char="•"/>
-                  <a:defRPr sz="1695" kern="1200">
-                    <a:solidFill>
-                      <a:schemeClr val="tx1"/>
-                    </a:solidFill>
-                    <a:latin typeface="+mn-lt"/>
-                    <a:ea typeface="+mn-ea"/>
-                    <a:cs typeface="+mn-cs"/>
-                  </a:defRPr>
-                </a:lvl8pPr>
-                <a:lvl9pPr marL="355975" indent="-355975" algn="l" defTabSz="2138314" rtl="0" eaLnBrk="1" latinLnBrk="0" hangingPunct="1">
-                  <a:lnSpc>
-                    <a:spcPct val="90000"/>
-                  </a:lnSpc>
-                  <a:spcBef>
-                    <a:spcPts val="0"/>
-                  </a:spcBef>
-                  <a:buClr>
-                    <a:schemeClr val="accent3"/>
-                  </a:buClr>
-                  <a:buFont typeface="Arial" panose="020B0604020202020204" pitchFamily="34" charset="0"/>
-                  <a:buChar char="•"/>
-                  <a:defRPr sz="1695" kern="1200">
-                    <a:solidFill>
-                      <a:schemeClr val="tx1"/>
-                    </a:solidFill>
-                    <a:latin typeface="+mn-lt"/>
-                    <a:ea typeface="+mn-ea"/>
-                    <a:cs typeface="+mn-cs"/>
-                  </a:defRPr>
-                </a:lvl9pPr>
-              </a:lstStyle>
-              <a:p>
-                <a:r>
-                  <a:rPr lang="en-GB" dirty="0"/>
-                  <a:t>Figure 4: Comparison of Mean Relative Absolute Error (</a:t>
-                </a:r>
-                <a:r>
-                  <a:rPr lang="en-GB" dirty="0" err="1"/>
-                  <a:t>MRAEf</a:t>
-                </a:r>
-                <a:r>
-                  <a:rPr lang="en-GB" dirty="0"/>
-                  <a:t>) of different forecasting methods predicting the returns of 22 US stocks through 2020 per forecast distance.</a:t>
-                </a:r>
-              </a:p>
-            </p:txBody>
-          </p:sp>
-          <p:pic>
-            <p:nvPicPr>
-              <p:cNvPr id="11" name="Picture 10">
-                <a:extLst>
-                  <a:ext uri="{FF2B5EF4-FFF2-40B4-BE49-F238E27FC236}">
-                    <a16:creationId xmlns:a16="http://schemas.microsoft.com/office/drawing/2014/main" id="{A3E044D5-A9A3-0EC8-A2A1-547DE7DFACE3}"/>
-                  </a:ext>
-                </a:extLst>
-              </p:cNvPr>
-              <p:cNvPicPr>
-                <a:picLocks noChangeAspect="1"/>
-              </p:cNvPicPr>
-              <p:nvPr/>
-            </p:nvPicPr>
-            <p:blipFill>
-              <a:blip r:embed="rId6"/>
-              <a:stretch>
-                <a:fillRect/>
-              </a:stretch>
-            </p:blipFill>
-            <p:spPr>
-              <a:xfrm>
-                <a:off x="9555775" y="18028184"/>
-                <a:ext cx="5486612" cy="3777045"/>
-              </a:xfrm>
-              <a:prstGeom prst="rect">
-                <a:avLst/>
-              </a:prstGeom>
-            </p:spPr>
-          </p:pic>
-          <p:pic>
-            <p:nvPicPr>
-              <p:cNvPr id="123" name="Picture 122">
-                <a:extLst>
-                  <a:ext uri="{FF2B5EF4-FFF2-40B4-BE49-F238E27FC236}">
-                    <a16:creationId xmlns:a16="http://schemas.microsoft.com/office/drawing/2014/main" id="{F35699CC-FAFB-C22D-9D59-0CA9EC895F21}"/>
-                  </a:ext>
-                </a:extLst>
-              </p:cNvPr>
-              <p:cNvPicPr>
-                <a:picLocks noChangeAspect="1"/>
-              </p:cNvPicPr>
-              <p:nvPr/>
-            </p:nvPicPr>
-            <p:blipFill>
-              <a:blip r:embed="rId7">
-                <a:clrChange>
-                  <a:clrFrom>
-                    <a:srgbClr val="FFFFFF"/>
-                  </a:clrFrom>
-                  <a:clrTo>
-                    <a:srgbClr val="FFFFFF">
-                      <a:alpha val="0"/>
-                    </a:srgbClr>
-                  </a:clrTo>
-                </a:clrChange>
-              </a:blip>
-              <a:stretch>
-                <a:fillRect/>
-              </a:stretch>
-            </p:blipFill>
-            <p:spPr>
-              <a:xfrm>
-                <a:off x="15149100" y="18150965"/>
-                <a:ext cx="5684924" cy="3531485"/>
-              </a:xfrm>
-              <a:prstGeom prst="rect">
-                <a:avLst/>
-              </a:prstGeom>
-            </p:spPr>
-          </p:pic>
-        </p:grpSp>
-        <p:sp>
-          <p:nvSpPr>
-            <p:cNvPr id="17" name="Left Brace 16">
-              <a:extLst>
-                <a:ext uri="{FF2B5EF4-FFF2-40B4-BE49-F238E27FC236}">
-                  <a16:creationId xmlns:a16="http://schemas.microsoft.com/office/drawing/2014/main" id="{DC4EAB39-2389-C5FE-D726-A2182F2A7086}"/>
-                </a:ext>
-              </a:extLst>
-            </p:cNvPr>
-            <p:cNvSpPr/>
-            <p:nvPr/>
-          </p:nvSpPr>
-          <p:spPr>
-            <a:xfrm>
-              <a:off x="14926199" y="18392745"/>
-              <a:ext cx="339090" cy="3127055"/>
-            </a:xfrm>
-            <a:prstGeom prst="leftBrace">
-              <a:avLst>
-                <a:gd name="adj1" fmla="val 27080"/>
-                <a:gd name="adj2" fmla="val 94777"/>
-              </a:avLst>
-            </a:prstGeom>
-            <a:ln w="12700">
-              <a:solidFill>
+          <a:prstGeom prst="rect">
+            <a:avLst/>
+          </a:prstGeom>
+        </p:spPr>
+        <p:txBody>
+          <a:bodyPr vert="horz" lIns="0" tIns="0" rIns="0" bIns="0" rtlCol="0">
+            <a:noAutofit/>
+          </a:bodyPr>
+          <a:lstStyle>
+            <a:lvl1pPr marL="0" indent="0" algn="l" defTabSz="2138314" rtl="0" eaLnBrk="1" latinLnBrk="0" hangingPunct="1">
+              <a:lnSpc>
+                <a:spcPct val="90000"/>
+              </a:lnSpc>
+              <a:spcBef>
+                <a:spcPts val="0"/>
+              </a:spcBef>
+              <a:spcAft>
+                <a:spcPts val="0"/>
+              </a:spcAft>
+              <a:buFont typeface="Arial" panose="020B0604020202020204" pitchFamily="34" charset="0"/>
+              <a:buNone/>
+              <a:defRPr sz="1200" i="1" kern="1200">
+                <a:solidFill>
+                  <a:schemeClr val="tx1"/>
+                </a:solidFill>
+                <a:latin typeface="+mn-lt"/>
+                <a:ea typeface="+mn-ea"/>
+                <a:cs typeface="+mn-cs"/>
+              </a:defRPr>
+            </a:lvl1pPr>
+            <a:lvl2pPr marL="0" indent="0" algn="l" defTabSz="2138314" rtl="0" eaLnBrk="1" latinLnBrk="0" hangingPunct="1">
+              <a:lnSpc>
+                <a:spcPct val="83000"/>
+              </a:lnSpc>
+              <a:spcBef>
+                <a:spcPts val="0"/>
+              </a:spcBef>
+              <a:spcAft>
+                <a:spcPts val="2684"/>
+              </a:spcAft>
+              <a:buFont typeface="Arial" panose="020B0604020202020204" pitchFamily="34" charset="0"/>
+              <a:buNone/>
+              <a:defRPr sz="5000" kern="1200">
+                <a:solidFill>
+                  <a:schemeClr val="tx1"/>
+                </a:solidFill>
+                <a:latin typeface="+mn-lt"/>
+                <a:ea typeface="+mn-ea"/>
+                <a:cs typeface="+mn-cs"/>
+              </a:defRPr>
+            </a:lvl2pPr>
+            <a:lvl3pPr marL="0" indent="0" algn="l" defTabSz="2138314" rtl="0" eaLnBrk="1" latinLnBrk="0" hangingPunct="1">
+              <a:lnSpc>
+                <a:spcPct val="90000"/>
+              </a:lnSpc>
+              <a:spcBef>
+                <a:spcPts val="0"/>
+              </a:spcBef>
+              <a:spcAft>
+                <a:spcPts val="3320"/>
+              </a:spcAft>
+              <a:buFont typeface="Arial" panose="020B0604020202020204" pitchFamily="34" charset="0"/>
+              <a:buNone/>
+              <a:defRPr sz="3200" kern="1200">
+                <a:solidFill>
+                  <a:schemeClr val="tx1"/>
+                </a:solidFill>
+                <a:latin typeface="+mn-lt"/>
+                <a:ea typeface="+mn-ea"/>
+                <a:cs typeface="+mn-cs"/>
+              </a:defRPr>
+            </a:lvl3pPr>
+            <a:lvl4pPr marL="0" indent="0" algn="l" defTabSz="2138314" rtl="0" eaLnBrk="1" latinLnBrk="0" hangingPunct="1">
+              <a:lnSpc>
+                <a:spcPct val="90000"/>
+              </a:lnSpc>
+              <a:spcBef>
+                <a:spcPts val="0"/>
+              </a:spcBef>
+              <a:buFont typeface="Arial" panose="020B0604020202020204" pitchFamily="34" charset="0"/>
+              <a:buNone/>
+              <a:defRPr sz="2684" b="1" kern="1200">
+                <a:solidFill>
+                  <a:schemeClr val="accent3"/>
+                </a:solidFill>
+                <a:latin typeface="+mn-lt"/>
+                <a:ea typeface="+mn-ea"/>
+                <a:cs typeface="+mn-cs"/>
+              </a:defRPr>
+            </a:lvl4pPr>
+            <a:lvl5pPr marL="0" indent="0" algn="l" defTabSz="2138314" rtl="0" eaLnBrk="1" latinLnBrk="0" hangingPunct="1">
+              <a:lnSpc>
+                <a:spcPct val="90000"/>
+              </a:lnSpc>
+              <a:spcBef>
+                <a:spcPts val="0"/>
+              </a:spcBef>
+              <a:buFont typeface="Arial" panose="020B0604020202020204" pitchFamily="34" charset="0"/>
+              <a:buNone/>
+              <a:defRPr sz="2100" b="1" kern="1200">
+                <a:solidFill>
+                  <a:schemeClr val="tx1"/>
+                </a:solidFill>
+                <a:latin typeface="+mn-lt"/>
+                <a:ea typeface="+mn-ea"/>
+                <a:cs typeface="+mn-cs"/>
+              </a:defRPr>
+            </a:lvl5pPr>
+            <a:lvl6pPr marL="0" indent="0" algn="l" defTabSz="2138314" rtl="0" eaLnBrk="1" latinLnBrk="0" hangingPunct="1">
+              <a:lnSpc>
+                <a:spcPct val="90000"/>
+              </a:lnSpc>
+              <a:spcBef>
+                <a:spcPts val="0"/>
+              </a:spcBef>
+              <a:buFont typeface="Arial" panose="020B0604020202020204" pitchFamily="34" charset="0"/>
+              <a:buNone/>
+              <a:defRPr sz="2100" kern="1200">
+                <a:solidFill>
+                  <a:schemeClr val="tx1"/>
+                </a:solidFill>
+                <a:latin typeface="+mn-lt"/>
+                <a:ea typeface="+mn-ea"/>
+                <a:cs typeface="+mn-cs"/>
+              </a:defRPr>
+            </a:lvl6pPr>
+            <a:lvl7pPr marL="0" indent="0" algn="l" defTabSz="2138314" rtl="0" eaLnBrk="1" latinLnBrk="0" hangingPunct="1">
+              <a:lnSpc>
+                <a:spcPct val="90000"/>
+              </a:lnSpc>
+              <a:spcBef>
+                <a:spcPts val="0"/>
+              </a:spcBef>
+              <a:spcAft>
+                <a:spcPts val="3673"/>
+              </a:spcAft>
+              <a:buFont typeface="Arial" panose="020B0604020202020204" pitchFamily="34" charset="0"/>
+              <a:buNone/>
+              <a:defRPr sz="1130" kern="1200" cap="all" baseline="0">
+                <a:solidFill>
+                  <a:schemeClr val="tx1"/>
+                </a:solidFill>
+                <a:latin typeface="+mn-lt"/>
+                <a:ea typeface="+mn-ea"/>
+                <a:cs typeface="+mn-cs"/>
+              </a:defRPr>
+            </a:lvl7pPr>
+            <a:lvl8pPr marL="177988" indent="-177988" algn="l" defTabSz="2138314" rtl="0" eaLnBrk="1" latinLnBrk="0" hangingPunct="1">
+              <a:lnSpc>
+                <a:spcPct val="90000"/>
+              </a:lnSpc>
+              <a:spcBef>
+                <a:spcPts val="0"/>
+              </a:spcBef>
+              <a:buClr>
                 <a:schemeClr val="accent3"/>
-              </a:solidFill>
-            </a:ln>
-          </p:spPr>
-          <p:style>
-            <a:lnRef idx="1">
-              <a:schemeClr val="accent1"/>
-            </a:lnRef>
-            <a:fillRef idx="0">
-              <a:schemeClr val="accent1"/>
-            </a:fillRef>
-            <a:effectRef idx="0">
-              <a:schemeClr val="accent1"/>
-            </a:effectRef>
-            <a:fontRef idx="minor">
-              <a:schemeClr val="tx1"/>
-            </a:fontRef>
-          </p:style>
-          <p:txBody>
-            <a:bodyPr rtlCol="0" anchor="ctr"/>
-            <a:lstStyle/>
-            <a:p>
-              <a:pPr algn="ctr"/>
-              <a:endParaRPr lang="en-GB"/>
-            </a:p>
-          </p:txBody>
-        </p:sp>
-        <p:cxnSp>
-          <p:nvCxnSpPr>
-            <p:cNvPr id="19" name="Connector: Curved 18">
-              <a:extLst>
-                <a:ext uri="{FF2B5EF4-FFF2-40B4-BE49-F238E27FC236}">
-                  <a16:creationId xmlns:a16="http://schemas.microsoft.com/office/drawing/2014/main" id="{FDA7B239-7EA3-CA1E-C9A3-4525D2C3CF1C}"/>
-                </a:ext>
-              </a:extLst>
-            </p:cNvPr>
-            <p:cNvCxnSpPr>
-              <a:cxnSpLocks/>
-              <a:endCxn id="17" idx="1"/>
-            </p:cNvCxnSpPr>
-            <p:nvPr/>
-          </p:nvCxnSpPr>
-          <p:spPr>
-            <a:xfrm flipV="1">
-              <a:off x="14747240" y="21356474"/>
-              <a:ext cx="178959" cy="91286"/>
-            </a:xfrm>
-            <a:prstGeom prst="curvedConnector3">
-              <a:avLst/>
-            </a:prstGeom>
-            <a:ln w="19050">
-              <a:solidFill>
+              </a:buClr>
+              <a:buFont typeface="Arial" panose="020B0604020202020204" pitchFamily="34" charset="0"/>
+              <a:buChar char="•"/>
+              <a:defRPr sz="1695" kern="1200">
+                <a:solidFill>
+                  <a:schemeClr val="tx1"/>
+                </a:solidFill>
+                <a:latin typeface="+mn-lt"/>
+                <a:ea typeface="+mn-ea"/>
+                <a:cs typeface="+mn-cs"/>
+              </a:defRPr>
+            </a:lvl8pPr>
+            <a:lvl9pPr marL="355975" indent="-355975" algn="l" defTabSz="2138314" rtl="0" eaLnBrk="1" latinLnBrk="0" hangingPunct="1">
+              <a:lnSpc>
+                <a:spcPct val="90000"/>
+              </a:lnSpc>
+              <a:spcBef>
+                <a:spcPts val="0"/>
+              </a:spcBef>
+              <a:buClr>
                 <a:schemeClr val="accent3"/>
-              </a:solidFill>
-              <a:tailEnd type="triangle"/>
-            </a:ln>
-          </p:spPr>
-          <p:style>
-            <a:lnRef idx="1">
-              <a:schemeClr val="accent1"/>
-            </a:lnRef>
-            <a:fillRef idx="0">
-              <a:schemeClr val="accent1"/>
-            </a:fillRef>
-            <a:effectRef idx="0">
-              <a:schemeClr val="accent1"/>
-            </a:effectRef>
-            <a:fontRef idx="minor">
-              <a:schemeClr val="tx1"/>
-            </a:fontRef>
-          </p:style>
-        </p:cxnSp>
-      </p:grpSp>
+              </a:buClr>
+              <a:buFont typeface="Arial" panose="020B0604020202020204" pitchFamily="34" charset="0"/>
+              <a:buChar char="•"/>
+              <a:defRPr sz="1695" kern="1200">
+                <a:solidFill>
+                  <a:schemeClr val="tx1"/>
+                </a:solidFill>
+                <a:latin typeface="+mn-lt"/>
+                <a:ea typeface="+mn-ea"/>
+                <a:cs typeface="+mn-cs"/>
+              </a:defRPr>
+            </a:lvl9pPr>
+          </a:lstStyle>
+          <a:p>
+            <a:r>
+              <a:rPr lang="en-GB" dirty="0"/>
+              <a:t>Figure 4: Comparison of Mean Relative Absolute Error (</a:t>
+            </a:r>
+            <a:r>
+              <a:rPr lang="en-GB" dirty="0" err="1"/>
+              <a:t>MRAEf</a:t>
+            </a:r>
+            <a:r>
+              <a:rPr lang="en-GB" dirty="0"/>
+              <a:t>) of different forecasting methods predicting the returns of 22 US stocks through 2020 per forecast distance.</a:t>
+            </a:r>
+          </a:p>
+        </p:txBody>
+      </p:sp>
+      <p:pic>
+        <p:nvPicPr>
+          <p:cNvPr id="11" name="Picture 10">
+            <a:extLst>
+              <a:ext uri="{FF2B5EF4-FFF2-40B4-BE49-F238E27FC236}">
+                <a16:creationId xmlns:a16="http://schemas.microsoft.com/office/drawing/2014/main" id="{A3E044D5-A9A3-0EC8-A2A1-547DE7DFACE3}"/>
+              </a:ext>
+            </a:extLst>
+          </p:cNvPr>
+          <p:cNvPicPr>
+            <a:picLocks noChangeAspect="1"/>
+          </p:cNvPicPr>
+          <p:nvPr/>
+        </p:nvPicPr>
+        <p:blipFill rotWithShape="1">
+          <a:blip r:embed="rId6"/>
+          <a:srcRect b="8993"/>
+          <a:stretch/>
+        </p:blipFill>
+        <p:spPr>
+          <a:xfrm>
+            <a:off x="8831481" y="21110663"/>
+            <a:ext cx="5486612" cy="3437383"/>
+          </a:xfrm>
+          <a:prstGeom prst="rect">
+            <a:avLst/>
+          </a:prstGeom>
+        </p:spPr>
+      </p:pic>
+      <p:pic>
+        <p:nvPicPr>
+          <p:cNvPr id="123" name="Picture 122">
+            <a:extLst>
+              <a:ext uri="{FF2B5EF4-FFF2-40B4-BE49-F238E27FC236}">
+                <a16:creationId xmlns:a16="http://schemas.microsoft.com/office/drawing/2014/main" id="{F35699CC-FAFB-C22D-9D59-0CA9EC895F21}"/>
+              </a:ext>
+            </a:extLst>
+          </p:cNvPr>
+          <p:cNvPicPr>
+            <a:picLocks noChangeAspect="1"/>
+          </p:cNvPicPr>
+          <p:nvPr/>
+        </p:nvPicPr>
+        <p:blipFill rotWithShape="1">
+          <a:blip r:embed="rId7">
+            <a:clrChange>
+              <a:clrFrom>
+                <a:srgbClr val="FFFFFF"/>
+              </a:clrFrom>
+              <a:clrTo>
+                <a:srgbClr val="FFFFFF">
+                  <a:alpha val="0"/>
+                </a:srgbClr>
+              </a:clrTo>
+            </a:clrChange>
+          </a:blip>
+          <a:srcRect t="2381"/>
+          <a:stretch/>
+        </p:blipFill>
+        <p:spPr>
+          <a:xfrm>
+            <a:off x="8729259" y="24552601"/>
+            <a:ext cx="5576134" cy="3381401"/>
+          </a:xfrm>
+          <a:prstGeom prst="rect">
+            <a:avLst/>
+          </a:prstGeom>
+        </p:spPr>
+      </p:pic>
       <p:sp>
         <p:nvSpPr>
           <p:cNvPr id="39" name="TextBox 38">
@@ -6603,10 +6462,10 @@
       </p:sp>
       <p:grpSp>
         <p:nvGrpSpPr>
-          <p:cNvPr id="68" name="Group 67">
+          <p:cNvPr id="85" name="Group 84">
             <a:extLst>
               <a:ext uri="{FF2B5EF4-FFF2-40B4-BE49-F238E27FC236}">
-                <a16:creationId xmlns:a16="http://schemas.microsoft.com/office/drawing/2014/main" id="{3BD11261-1C39-BEBC-1EF8-E17D03B75342}"/>
+                <a16:creationId xmlns:a16="http://schemas.microsoft.com/office/drawing/2014/main" id="{8B91B649-CA0A-3FDD-D6A5-2F3D936A224D}"/>
               </a:ext>
             </a:extLst>
           </p:cNvPr>
@@ -6615,7 +6474,973 @@
         </p:nvGrpSpPr>
         <p:grpSpPr>
           <a:xfrm>
-            <a:off x="8382078" y="16789902"/>
+            <a:off x="409941" y="21341509"/>
+            <a:ext cx="7842796" cy="3090402"/>
+            <a:chOff x="409941" y="21704361"/>
+            <a:chExt cx="7842796" cy="3090402"/>
+          </a:xfrm>
+        </p:grpSpPr>
+        <p:grpSp>
+          <p:nvGrpSpPr>
+            <p:cNvPr id="34" name="Group 33">
+              <a:extLst>
+                <a:ext uri="{FF2B5EF4-FFF2-40B4-BE49-F238E27FC236}">
+                  <a16:creationId xmlns:a16="http://schemas.microsoft.com/office/drawing/2014/main" id="{29B25EBF-B3CC-699B-AC72-8F0D82AA1CE8}"/>
+                </a:ext>
+              </a:extLst>
+            </p:cNvPr>
+            <p:cNvGrpSpPr/>
+            <p:nvPr/>
+          </p:nvGrpSpPr>
+          <p:grpSpPr>
+            <a:xfrm>
+              <a:off x="409941" y="21704361"/>
+              <a:ext cx="7458403" cy="2111323"/>
+              <a:chOff x="620807" y="19901782"/>
+              <a:chExt cx="7458403" cy="2111323"/>
+            </a:xfrm>
+          </p:grpSpPr>
+          <p:sp>
+            <p:nvSpPr>
+              <p:cNvPr id="33" name="Rectangle 32">
+                <a:extLst>
+                  <a:ext uri="{FF2B5EF4-FFF2-40B4-BE49-F238E27FC236}">
+                    <a16:creationId xmlns:a16="http://schemas.microsoft.com/office/drawing/2014/main" id="{2475048E-BF44-09BC-01B5-2930C12A0103}"/>
+                  </a:ext>
+                </a:extLst>
+              </p:cNvPr>
+              <p:cNvSpPr/>
+              <p:nvPr/>
+            </p:nvSpPr>
+            <p:spPr>
+              <a:xfrm>
+                <a:off x="620807" y="19901782"/>
+                <a:ext cx="7458403" cy="2111323"/>
+              </a:xfrm>
+              <a:prstGeom prst="rect">
+                <a:avLst/>
+              </a:prstGeom>
+              <a:noFill/>
+              <a:ln>
+                <a:noFill/>
+              </a:ln>
+            </p:spPr>
+            <p:style>
+              <a:lnRef idx="2">
+                <a:schemeClr val="accent1">
+                  <a:shade val="50000"/>
+                </a:schemeClr>
+              </a:lnRef>
+              <a:fillRef idx="1">
+                <a:schemeClr val="accent1"/>
+              </a:fillRef>
+              <a:effectRef idx="0">
+                <a:schemeClr val="accent1"/>
+              </a:effectRef>
+              <a:fontRef idx="minor">
+                <a:schemeClr val="lt1"/>
+              </a:fontRef>
+            </p:style>
+            <p:txBody>
+              <a:bodyPr rot="0" spcFirstLastPara="0" vertOverflow="overflow" horzOverflow="overflow" vert="horz" wrap="square" lIns="91440" tIns="45720" rIns="91440" bIns="45720" numCol="1" spcCol="0" rtlCol="0" fromWordArt="0" anchor="ctr" anchorCtr="0" forceAA="0" compatLnSpc="1">
+                <a:prstTxWarp prst="textNoShape">
+                  <a:avLst/>
+                </a:prstTxWarp>
+                <a:noAutofit/>
+              </a:bodyPr>
+              <a:lstStyle/>
+              <a:p>
+                <a:pPr algn="ctr"/>
+                <a:endParaRPr lang="en-GB" dirty="0"/>
+              </a:p>
+            </p:txBody>
+          </p:sp>
+          <p:pic>
+            <p:nvPicPr>
+              <p:cNvPr id="24" name="Picture 23">
+                <a:extLst>
+                  <a:ext uri="{FF2B5EF4-FFF2-40B4-BE49-F238E27FC236}">
+                    <a16:creationId xmlns:a16="http://schemas.microsoft.com/office/drawing/2014/main" id="{A5B5A3B3-A848-15EA-BD16-E03F737A302C}"/>
+                  </a:ext>
+                </a:extLst>
+              </p:cNvPr>
+              <p:cNvPicPr>
+                <a:picLocks noChangeAspect="1"/>
+              </p:cNvPicPr>
+              <p:nvPr/>
+            </p:nvPicPr>
+            <p:blipFill>
+              <a:blip r:embed="rId8">
+                <a:clrChange>
+                  <a:clrFrom>
+                    <a:srgbClr val="FFFFFF"/>
+                  </a:clrFrom>
+                  <a:clrTo>
+                    <a:srgbClr val="FFFFFF">
+                      <a:alpha val="0"/>
+                    </a:srgbClr>
+                  </a:clrTo>
+                </a:clrChange>
+              </a:blip>
+              <a:stretch>
+                <a:fillRect/>
+              </a:stretch>
+            </p:blipFill>
+            <p:spPr>
+              <a:xfrm>
+                <a:off x="649785" y="20003099"/>
+                <a:ext cx="7381816" cy="861493"/>
+              </a:xfrm>
+              <a:prstGeom prst="rect">
+                <a:avLst/>
+              </a:prstGeom>
+            </p:spPr>
+          </p:pic>
+          <p:pic>
+            <p:nvPicPr>
+              <p:cNvPr id="26" name="Picture 25">
+                <a:extLst>
+                  <a:ext uri="{FF2B5EF4-FFF2-40B4-BE49-F238E27FC236}">
+                    <a16:creationId xmlns:a16="http://schemas.microsoft.com/office/drawing/2014/main" id="{97A214E6-646F-3E83-D1C7-E099A5066A09}"/>
+                  </a:ext>
+                </a:extLst>
+              </p:cNvPr>
+              <p:cNvPicPr>
+                <a:picLocks noChangeAspect="1"/>
+              </p:cNvPicPr>
+              <p:nvPr/>
+            </p:nvPicPr>
+            <p:blipFill>
+              <a:blip r:embed="rId9">
+                <a:clrChange>
+                  <a:clrFrom>
+                    <a:srgbClr val="FFFFFF"/>
+                  </a:clrFrom>
+                  <a:clrTo>
+                    <a:srgbClr val="FFFFFF">
+                      <a:alpha val="0"/>
+                    </a:srgbClr>
+                  </a:clrTo>
+                </a:clrChange>
+              </a:blip>
+              <a:stretch>
+                <a:fillRect/>
+              </a:stretch>
+            </p:blipFill>
+            <p:spPr>
+              <a:xfrm>
+                <a:off x="1322735" y="20843948"/>
+                <a:ext cx="3916204" cy="569549"/>
+              </a:xfrm>
+              <a:prstGeom prst="rect">
+                <a:avLst/>
+              </a:prstGeom>
+            </p:spPr>
+          </p:pic>
+          <p:pic>
+            <p:nvPicPr>
+              <p:cNvPr id="28" name="Picture 27">
+                <a:extLst>
+                  <a:ext uri="{FF2B5EF4-FFF2-40B4-BE49-F238E27FC236}">
+                    <a16:creationId xmlns:a16="http://schemas.microsoft.com/office/drawing/2014/main" id="{4088B72F-7EEB-6771-A39F-AA73D6A2649E}"/>
+                  </a:ext>
+                </a:extLst>
+              </p:cNvPr>
+              <p:cNvPicPr>
+                <a:picLocks noChangeAspect="1"/>
+              </p:cNvPicPr>
+              <p:nvPr/>
+            </p:nvPicPr>
+            <p:blipFill>
+              <a:blip r:embed="rId10">
+                <a:clrChange>
+                  <a:clrFrom>
+                    <a:srgbClr val="FFFFFF"/>
+                  </a:clrFrom>
+                  <a:clrTo>
+                    <a:srgbClr val="FFFFFF">
+                      <a:alpha val="0"/>
+                    </a:srgbClr>
+                  </a:clrTo>
+                </a:clrChange>
+              </a:blip>
+              <a:stretch>
+                <a:fillRect/>
+              </a:stretch>
+            </p:blipFill>
+            <p:spPr>
+              <a:xfrm>
+                <a:off x="1514028" y="21452840"/>
+                <a:ext cx="3588720" cy="491365"/>
+              </a:xfrm>
+              <a:prstGeom prst="rect">
+                <a:avLst/>
+              </a:prstGeom>
+            </p:spPr>
+          </p:pic>
+          <p:sp>
+            <p:nvSpPr>
+              <p:cNvPr id="31" name="TextBox 30">
+                <a:extLst>
+                  <a:ext uri="{FF2B5EF4-FFF2-40B4-BE49-F238E27FC236}">
+                    <a16:creationId xmlns:a16="http://schemas.microsoft.com/office/drawing/2014/main" id="{E166E783-E372-4B6D-2C61-D7114711BC3D}"/>
+                  </a:ext>
+                </a:extLst>
+              </p:cNvPr>
+              <p:cNvSpPr txBox="1"/>
+              <p:nvPr/>
+            </p:nvSpPr>
+            <p:spPr>
+              <a:xfrm>
+                <a:off x="1034935" y="21075053"/>
+                <a:ext cx="362173" cy="307776"/>
+              </a:xfrm>
+              <a:prstGeom prst="rect">
+                <a:avLst/>
+              </a:prstGeom>
+              <a:noFill/>
+            </p:spPr>
+            <p:txBody>
+              <a:bodyPr wrap="square" lIns="0" tIns="0" rIns="0" bIns="0" rtlCol="0">
+                <a:noAutofit/>
+              </a:bodyPr>
+              <a:lstStyle/>
+              <a:p>
+                <a:pPr algn="l">
+                  <a:lnSpc>
+                    <a:spcPct val="90000"/>
+                  </a:lnSpc>
+                </a:pPr>
+                <a:r>
+                  <a:rPr lang="en-US" dirty="0" err="1"/>
+                  <a:t>s.t.</a:t>
+                </a:r>
+                <a:r>
+                  <a:rPr lang="en-US" dirty="0"/>
+                  <a:t>,</a:t>
+                </a:r>
+                <a:endParaRPr lang="en-GB" dirty="0"/>
+              </a:p>
+            </p:txBody>
+          </p:sp>
+          <p:sp>
+            <p:nvSpPr>
+              <p:cNvPr id="32" name="TextBox 31">
+                <a:extLst>
+                  <a:ext uri="{FF2B5EF4-FFF2-40B4-BE49-F238E27FC236}">
+                    <a16:creationId xmlns:a16="http://schemas.microsoft.com/office/drawing/2014/main" id="{3596F0E7-04A0-06B2-E1C8-32532047092A}"/>
+                  </a:ext>
+                </a:extLst>
+              </p:cNvPr>
+              <p:cNvSpPr txBox="1"/>
+              <p:nvPr/>
+            </p:nvSpPr>
+            <p:spPr>
+              <a:xfrm>
+                <a:off x="683063" y="19901782"/>
+                <a:ext cx="517087" cy="307776"/>
+              </a:xfrm>
+              <a:prstGeom prst="rect">
+                <a:avLst/>
+              </a:prstGeom>
+              <a:noFill/>
+            </p:spPr>
+            <p:txBody>
+              <a:bodyPr wrap="square" lIns="0" tIns="0" rIns="0" bIns="0" rtlCol="0">
+                <a:noAutofit/>
+              </a:bodyPr>
+              <a:lstStyle/>
+              <a:p>
+                <a:pPr algn="l">
+                  <a:lnSpc>
+                    <a:spcPct val="90000"/>
+                  </a:lnSpc>
+                </a:pPr>
+                <a:r>
+                  <a:rPr lang="en-US" dirty="0"/>
+                  <a:t>OCP</a:t>
+                </a:r>
+                <a:endParaRPr lang="en-GB" dirty="0"/>
+              </a:p>
+            </p:txBody>
+          </p:sp>
+        </p:grpSp>
+        <p:sp>
+          <p:nvSpPr>
+            <p:cNvPr id="69" name="TextBox 68">
+              <a:extLst>
+                <a:ext uri="{FF2B5EF4-FFF2-40B4-BE49-F238E27FC236}">
+                  <a16:creationId xmlns:a16="http://schemas.microsoft.com/office/drawing/2014/main" id="{D55544B8-DC83-94AE-6521-1FC273D4EECE}"/>
+                </a:ext>
+              </a:extLst>
+            </p:cNvPr>
+            <p:cNvSpPr txBox="1"/>
+            <p:nvPr/>
+          </p:nvSpPr>
+          <p:spPr>
+            <a:xfrm>
+              <a:off x="7878594" y="22502538"/>
+              <a:ext cx="374143" cy="750187"/>
+            </a:xfrm>
+            <a:prstGeom prst="rect">
+              <a:avLst/>
+            </a:prstGeom>
+            <a:noFill/>
+          </p:spPr>
+          <p:txBody>
+            <a:bodyPr wrap="square" lIns="0" tIns="0" rIns="0" bIns="0" rtlCol="0">
+              <a:noAutofit/>
+            </a:bodyPr>
+            <a:lstStyle/>
+            <a:p>
+              <a:pPr algn="l">
+                <a:lnSpc>
+                  <a:spcPct val="90000"/>
+                </a:lnSpc>
+              </a:pPr>
+              <a:r>
+                <a:rPr lang="en-US" sz="1700" dirty="0"/>
+                <a:t>(1)</a:t>
+              </a:r>
+              <a:endParaRPr lang="en-GB" sz="1700" dirty="0"/>
+            </a:p>
+          </p:txBody>
+        </p:sp>
+        <mc:AlternateContent xmlns:mc="http://schemas.openxmlformats.org/markup-compatibility/2006">
+          <mc:Choice xmlns:a14="http://schemas.microsoft.com/office/drawing/2010/main" Requires="a14">
+            <p:sp>
+              <p:nvSpPr>
+                <p:cNvPr id="70" name="TextBox 69">
+                  <a:extLst>
+                    <a:ext uri="{FF2B5EF4-FFF2-40B4-BE49-F238E27FC236}">
+                      <a16:creationId xmlns:a16="http://schemas.microsoft.com/office/drawing/2014/main" id="{EE41779E-8DFD-09D6-72AE-F688CBA67656}"/>
+                    </a:ext>
+                  </a:extLst>
+                </p:cNvPr>
+                <p:cNvSpPr txBox="1"/>
+                <p:nvPr/>
+              </p:nvSpPr>
+              <p:spPr>
+                <a:xfrm>
+                  <a:off x="572269" y="23880363"/>
+                  <a:ext cx="4346250" cy="914400"/>
+                </a:xfrm>
+                <a:prstGeom prst="rect">
+                  <a:avLst/>
+                </a:prstGeom>
+                <a:noFill/>
+              </p:spPr>
+              <p:txBody>
+                <a:bodyPr wrap="none" lIns="0" tIns="0" rIns="0" bIns="0" rtlCol="0">
+                  <a:noAutofit/>
+                </a:bodyPr>
+                <a:lstStyle/>
+                <a:p>
+                  <a:pPr>
+                    <a:lnSpc>
+                      <a:spcPct val="90000"/>
+                    </a:lnSpc>
+                  </a:pPr>
+                  <a14:m>
+                    <m:oMath xmlns:m="http://schemas.openxmlformats.org/officeDocument/2006/math">
+                      <m:sSub>
+                        <m:sSubPr>
+                          <m:ctrlPr>
+                            <a:rPr lang="en-US" sz="1700" i="1">
+                              <a:latin typeface="Cambria Math" panose="02040503050406030204" pitchFamily="18" charset="0"/>
+                            </a:rPr>
+                          </m:ctrlPr>
+                        </m:sSubPr>
+                        <m:e>
+                          <m:r>
+                            <a:rPr lang="en-US" sz="1700" i="1">
+                              <a:latin typeface="Cambria Math" panose="02040503050406030204" pitchFamily="18" charset="0"/>
+                            </a:rPr>
+                            <m:t>𝜋</m:t>
+                          </m:r>
+                        </m:e>
+                        <m:sub>
+                          <m:r>
+                            <a:rPr lang="en-US" sz="1700" i="1">
+                              <a:latin typeface="Cambria Math" panose="02040503050406030204" pitchFamily="18" charset="0"/>
+                            </a:rPr>
+                            <m:t>𝜏</m:t>
+                          </m:r>
+                        </m:sub>
+                      </m:sSub>
+                    </m:oMath>
+                  </a14:m>
+                  <a:r>
+                    <a:rPr lang="en-GB" sz="1700" dirty="0"/>
+                    <a:t>: Portfolio distribution at time </a:t>
+                  </a:r>
+                  <a14:m>
+                    <m:oMath xmlns:m="http://schemas.openxmlformats.org/officeDocument/2006/math">
+                      <m:r>
+                        <a:rPr lang="en-US" sz="1700" i="1">
+                          <a:latin typeface="Cambria Math" panose="02040503050406030204" pitchFamily="18" charset="0"/>
+                        </a:rPr>
+                        <m:t>𝜏</m:t>
+                      </m:r>
+                    </m:oMath>
+                  </a14:m>
+                  <a:endParaRPr lang="en-US" sz="1700" dirty="0"/>
+                </a:p>
+                <a:p>
+                  <a:pPr>
+                    <a:lnSpc>
+                      <a:spcPct val="90000"/>
+                    </a:lnSpc>
+                  </a:pPr>
+                  <a14:m>
+                    <m:oMath xmlns:m="http://schemas.openxmlformats.org/officeDocument/2006/math">
+                      <m:sSub>
+                        <m:sSubPr>
+                          <m:ctrlPr>
+                            <a:rPr lang="en-US" sz="1700" i="1">
+                              <a:latin typeface="Cambria Math" panose="02040503050406030204" pitchFamily="18" charset="0"/>
+                            </a:rPr>
+                          </m:ctrlPr>
+                        </m:sSubPr>
+                        <m:e>
+                          <m:acc>
+                            <m:accPr>
+                              <m:chr m:val="̂"/>
+                              <m:ctrlPr>
+                                <a:rPr lang="en-US" sz="1700" i="1">
+                                  <a:latin typeface="Cambria Math" panose="02040503050406030204" pitchFamily="18" charset="0"/>
+                                </a:rPr>
+                              </m:ctrlPr>
+                            </m:accPr>
+                            <m:e>
+                              <m:r>
+                                <a:rPr lang="en-US" sz="1700" i="1">
+                                  <a:latin typeface="Cambria Math" panose="02040503050406030204" pitchFamily="18" charset="0"/>
+                                </a:rPr>
+                                <m:t>𝑟</m:t>
+                              </m:r>
+                            </m:e>
+                          </m:acc>
+                        </m:e>
+                        <m:sub>
+                          <m:r>
+                            <a:rPr lang="en-US" sz="1700" i="1">
+                              <a:latin typeface="Cambria Math" panose="02040503050406030204" pitchFamily="18" charset="0"/>
+                            </a:rPr>
+                            <m:t>𝜏</m:t>
+                          </m:r>
+                          <m:r>
+                            <a:rPr lang="en-US" sz="1700" i="1">
+                              <a:latin typeface="Cambria Math" panose="02040503050406030204" pitchFamily="18" charset="0"/>
+                            </a:rPr>
+                            <m:t>|</m:t>
+                          </m:r>
+                          <m:r>
+                            <a:rPr lang="en-US" sz="1700" i="1">
+                              <a:latin typeface="Cambria Math" panose="02040503050406030204" pitchFamily="18" charset="0"/>
+                            </a:rPr>
+                            <m:t>𝑡</m:t>
+                          </m:r>
+                        </m:sub>
+                      </m:sSub>
+                    </m:oMath>
+                  </a14:m>
+                  <a:r>
+                    <a:rPr lang="en-GB" sz="1700" dirty="0"/>
+                    <a:t>: Expected return at time </a:t>
+                  </a:r>
+                  <a14:m>
+                    <m:oMath xmlns:m="http://schemas.openxmlformats.org/officeDocument/2006/math">
+                      <m:r>
+                        <a:rPr lang="en-US" sz="1700" i="1">
+                          <a:latin typeface="Cambria Math" panose="02040503050406030204" pitchFamily="18" charset="0"/>
+                        </a:rPr>
+                        <m:t>𝜏</m:t>
+                      </m:r>
+                    </m:oMath>
+                  </a14:m>
+                  <a:r>
+                    <a:rPr lang="en-GB" sz="1700" dirty="0"/>
+                    <a:t> as of time t</a:t>
+                  </a:r>
+                </a:p>
+                <a:p>
+                  <a:pPr>
+                    <a:lnSpc>
+                      <a:spcPct val="90000"/>
+                    </a:lnSpc>
+                  </a:pPr>
+                  <a14:m>
+                    <m:oMath xmlns:m="http://schemas.openxmlformats.org/officeDocument/2006/math">
+                      <m:sSub>
+                        <m:sSubPr>
+                          <m:ctrlPr>
+                            <a:rPr lang="en-US" sz="1700" i="1">
+                              <a:latin typeface="Cambria Math" panose="02040503050406030204" pitchFamily="18" charset="0"/>
+                            </a:rPr>
+                          </m:ctrlPr>
+                        </m:sSubPr>
+                        <m:e>
+                          <m:acc>
+                            <m:accPr>
+                              <m:chr m:val="̂"/>
+                              <m:ctrlPr>
+                                <a:rPr lang="en-US" sz="1700" i="1">
+                                  <a:latin typeface="Cambria Math" panose="02040503050406030204" pitchFamily="18" charset="0"/>
+                                </a:rPr>
+                              </m:ctrlPr>
+                            </m:accPr>
+                            <m:e>
+                              <m:r>
+                                <m:rPr>
+                                  <m:sty m:val="p"/>
+                                </m:rPr>
+                                <a:rPr lang="en-US" sz="1700">
+                                  <a:latin typeface="Cambria Math" panose="02040503050406030204" pitchFamily="18" charset="0"/>
+                                </a:rPr>
+                                <m:t>Σ</m:t>
+                              </m:r>
+                            </m:e>
+                          </m:acc>
+                        </m:e>
+                        <m:sub>
+                          <m:r>
+                            <a:rPr lang="en-US" sz="1700" i="1">
+                              <a:latin typeface="Cambria Math" panose="02040503050406030204" pitchFamily="18" charset="0"/>
+                            </a:rPr>
+                            <m:t>𝜏</m:t>
+                          </m:r>
+                          <m:r>
+                            <a:rPr lang="en-US" sz="1700" i="1">
+                              <a:latin typeface="Cambria Math" panose="02040503050406030204" pitchFamily="18" charset="0"/>
+                            </a:rPr>
+                            <m:t>|</m:t>
+                          </m:r>
+                          <m:r>
+                            <a:rPr lang="en-US" sz="1700" i="1">
+                              <a:latin typeface="Cambria Math" panose="02040503050406030204" pitchFamily="18" charset="0"/>
+                            </a:rPr>
+                            <m:t>𝑡</m:t>
+                          </m:r>
+                        </m:sub>
+                      </m:sSub>
+                    </m:oMath>
+                  </a14:m>
+                  <a:r>
+                    <a:rPr lang="en-GB" sz="1700" dirty="0"/>
+                    <a:t>: Covariance matrix at time </a:t>
+                  </a:r>
+                  <a14:m>
+                    <m:oMath xmlns:m="http://schemas.openxmlformats.org/officeDocument/2006/math">
+                      <m:r>
+                        <a:rPr lang="en-US" sz="1700" i="1">
+                          <a:latin typeface="Cambria Math" panose="02040503050406030204" pitchFamily="18" charset="0"/>
+                        </a:rPr>
+                        <m:t>𝜏</m:t>
+                      </m:r>
+                      <m:r>
+                        <a:rPr lang="en-US" sz="1700" i="1">
+                          <a:latin typeface="Cambria Math" panose="02040503050406030204" pitchFamily="18" charset="0"/>
+                        </a:rPr>
+                        <m:t> </m:t>
+                      </m:r>
+                    </m:oMath>
+                  </a14:m>
+                  <a:r>
+                    <a:rPr lang="en-GB" sz="1700" dirty="0"/>
+                    <a:t>as of time t</a:t>
+                  </a:r>
+                </a:p>
+                <a:p>
+                  <a:pPr>
+                    <a:lnSpc>
+                      <a:spcPct val="90000"/>
+                    </a:lnSpc>
+                  </a:pPr>
+                  <a:endParaRPr lang="en-US" sz="1700" dirty="0"/>
+                </a:p>
+                <a:p>
+                  <a:pPr>
+                    <a:lnSpc>
+                      <a:spcPct val="90000"/>
+                    </a:lnSpc>
+                  </a:pPr>
+                  <a:endParaRPr lang="en-US" sz="1700" dirty="0"/>
+                </a:p>
+                <a:p>
+                  <a:pPr>
+                    <a:lnSpc>
+                      <a:spcPct val="90000"/>
+                    </a:lnSpc>
+                  </a:pPr>
+                  <a:endParaRPr lang="en-GB" sz="1700" dirty="0"/>
+                </a:p>
+                <a:p>
+                  <a:pPr>
+                    <a:lnSpc>
+                      <a:spcPct val="90000"/>
+                    </a:lnSpc>
+                  </a:pPr>
+                  <a:endParaRPr lang="en-GB" sz="1700" dirty="0"/>
+                </a:p>
+                <a:p>
+                  <a:pPr>
+                    <a:lnSpc>
+                      <a:spcPct val="90000"/>
+                    </a:lnSpc>
+                  </a:pPr>
+                  <a:endParaRPr lang="en-GB" sz="1700" dirty="0"/>
+                </a:p>
+              </p:txBody>
+            </p:sp>
+          </mc:Choice>
+          <mc:Fallback>
+            <p:sp>
+              <p:nvSpPr>
+                <p:cNvPr id="70" name="TextBox 69">
+                  <a:extLst>
+                    <a:ext uri="{FF2B5EF4-FFF2-40B4-BE49-F238E27FC236}">
+                      <a16:creationId xmlns:a16="http://schemas.microsoft.com/office/drawing/2014/main" id="{EE41779E-8DFD-09D6-72AE-F688CBA67656}"/>
+                    </a:ext>
+                  </a:extLst>
+                </p:cNvPr>
+                <p:cNvSpPr txBox="1">
+                  <a:spLocks noRot="1" noChangeAspect="1" noMove="1" noResize="1" noEditPoints="1" noAdjustHandles="1" noChangeArrowheads="1" noChangeShapeType="1" noTextEdit="1"/>
+                </p:cNvSpPr>
+                <p:nvPr/>
+              </p:nvSpPr>
+              <p:spPr>
+                <a:xfrm>
+                  <a:off x="572269" y="23880363"/>
+                  <a:ext cx="4346250" cy="914400"/>
+                </a:xfrm>
+                <a:prstGeom prst="rect">
+                  <a:avLst/>
+                </a:prstGeom>
+                <a:blipFill>
+                  <a:blip r:embed="rId11"/>
+                  <a:stretch>
+                    <a:fillRect l="-1823" t="-10000"/>
+                  </a:stretch>
+                </a:blipFill>
+              </p:spPr>
+              <p:txBody>
+                <a:bodyPr/>
+                <a:lstStyle/>
+                <a:p>
+                  <a:r>
+                    <a:rPr lang="en-GB">
+                      <a:noFill/>
+                    </a:rPr>
+                    <a:t> </a:t>
+                  </a:r>
+                </a:p>
+              </p:txBody>
+            </p:sp>
+          </mc:Fallback>
+        </mc:AlternateContent>
+        <mc:AlternateContent xmlns:mc="http://schemas.openxmlformats.org/markup-compatibility/2006">
+          <mc:Choice xmlns:a14="http://schemas.microsoft.com/office/drawing/2010/main" Requires="a14">
+            <p:sp>
+              <p:nvSpPr>
+                <p:cNvPr id="72" name="TextBox 71">
+                  <a:extLst>
+                    <a:ext uri="{FF2B5EF4-FFF2-40B4-BE49-F238E27FC236}">
+                      <a16:creationId xmlns:a16="http://schemas.microsoft.com/office/drawing/2014/main" id="{DA689300-C4DE-4441-23FF-942156BBCCF5}"/>
+                    </a:ext>
+                  </a:extLst>
+                </p:cNvPr>
+                <p:cNvSpPr txBox="1"/>
+                <p:nvPr/>
+              </p:nvSpPr>
+              <p:spPr>
+                <a:xfrm>
+                  <a:off x="4910932" y="23880363"/>
+                  <a:ext cx="2813182" cy="810478"/>
+                </a:xfrm>
+                <a:prstGeom prst="rect">
+                  <a:avLst/>
+                </a:prstGeom>
+                <a:noFill/>
+              </p:spPr>
+              <p:txBody>
+                <a:bodyPr wrap="square">
+                  <a:spAutoFit/>
+                </a:bodyPr>
+                <a:lstStyle/>
+                <a:p>
+                  <a:pPr>
+                    <a:lnSpc>
+                      <a:spcPct val="90000"/>
+                    </a:lnSpc>
+                  </a:pPr>
+                  <a14:m>
+                    <m:oMath xmlns:m="http://schemas.openxmlformats.org/officeDocument/2006/math">
+                      <m:r>
+                        <a:rPr lang="en-US" sz="1700" i="1">
+                          <a:latin typeface="Cambria Math" panose="02040503050406030204" pitchFamily="18" charset="0"/>
+                        </a:rPr>
+                        <m:t>𝐻</m:t>
+                      </m:r>
+                    </m:oMath>
+                  </a14:m>
+                  <a:r>
+                    <a:rPr lang="en-GB" sz="1700" dirty="0"/>
+                    <a:t>: </a:t>
+                  </a:r>
+                  <a:r>
+                    <a:rPr lang="en-US" sz="1700" dirty="0"/>
+                    <a:t>Horizon</a:t>
+                  </a:r>
+                </a:p>
+                <a:p>
+                  <a:pPr>
+                    <a:lnSpc>
+                      <a:spcPct val="90000"/>
+                    </a:lnSpc>
+                  </a:pPr>
+                  <a14:m>
+                    <m:oMath xmlns:m="http://schemas.openxmlformats.org/officeDocument/2006/math">
+                      <m:sSup>
+                        <m:sSupPr>
+                          <m:ctrlPr>
+                            <a:rPr lang="en-US" sz="1700" i="1">
+                              <a:latin typeface="Cambria Math" panose="02040503050406030204" pitchFamily="18" charset="0"/>
+                            </a:rPr>
+                          </m:ctrlPr>
+                        </m:sSupPr>
+                        <m:e>
+                          <m:r>
+                            <a:rPr lang="en-US" sz="1700" i="1">
+                              <a:latin typeface="Cambria Math" panose="02040503050406030204" pitchFamily="18" charset="0"/>
+                            </a:rPr>
+                            <m:t>𝛾</m:t>
+                          </m:r>
+                        </m:e>
+                        <m:sup>
+                          <m:r>
+                            <a:rPr lang="en-US" sz="1700" i="1">
+                              <a:latin typeface="Cambria Math" panose="02040503050406030204" pitchFamily="18" charset="0"/>
+                            </a:rPr>
+                            <m:t>𝑟𝑖𝑠𝑘</m:t>
+                          </m:r>
+                        </m:sup>
+                      </m:sSup>
+                    </m:oMath>
+                  </a14:m>
+                  <a:r>
+                    <a:rPr lang="en-GB" sz="1700" dirty="0"/>
+                    <a:t>: </a:t>
+                  </a:r>
+                  <a:r>
+                    <a:rPr lang="en-US" sz="1700" dirty="0"/>
+                    <a:t>Risk weight factor</a:t>
+                  </a:r>
+                </a:p>
+                <a:p>
+                  <a:pPr>
+                    <a:lnSpc>
+                      <a:spcPct val="90000"/>
+                    </a:lnSpc>
+                  </a:pPr>
+                  <a14:m>
+                    <m:oMath xmlns:m="http://schemas.openxmlformats.org/officeDocument/2006/math">
+                      <m:sSup>
+                        <m:sSupPr>
+                          <m:ctrlPr>
+                            <a:rPr lang="en-US" sz="1700" i="1">
+                              <a:latin typeface="Cambria Math" panose="02040503050406030204" pitchFamily="18" charset="0"/>
+                            </a:rPr>
+                          </m:ctrlPr>
+                        </m:sSupPr>
+                        <m:e>
+                          <m:r>
+                            <a:rPr lang="en-US" sz="1700" i="1">
+                              <a:latin typeface="Cambria Math" panose="02040503050406030204" pitchFamily="18" charset="0"/>
+                            </a:rPr>
+                            <m:t>𝛾</m:t>
+                          </m:r>
+                        </m:e>
+                        <m:sup>
+                          <m:r>
+                            <a:rPr lang="en-US" sz="1700" i="1">
+                              <a:latin typeface="Cambria Math" panose="02040503050406030204" pitchFamily="18" charset="0"/>
+                            </a:rPr>
+                            <m:t>𝑡𝑟𝑎𝑑𝑒</m:t>
+                          </m:r>
+                        </m:sup>
+                      </m:sSup>
+                    </m:oMath>
+                  </a14:m>
+                  <a:r>
+                    <a:rPr lang="en-GB" sz="1700" dirty="0"/>
+                    <a:t>: </a:t>
+                  </a:r>
+                  <a:r>
+                    <a:rPr lang="en-US" sz="1700" dirty="0"/>
+                    <a:t>Sell/buy cost</a:t>
+                  </a:r>
+                </a:p>
+              </p:txBody>
+            </p:sp>
+          </mc:Choice>
+          <mc:Fallback>
+            <p:sp>
+              <p:nvSpPr>
+                <p:cNvPr id="72" name="TextBox 71">
+                  <a:extLst>
+                    <a:ext uri="{FF2B5EF4-FFF2-40B4-BE49-F238E27FC236}">
+                      <a16:creationId xmlns:a16="http://schemas.microsoft.com/office/drawing/2014/main" id="{DA689300-C4DE-4441-23FF-942156BBCCF5}"/>
+                    </a:ext>
+                  </a:extLst>
+                </p:cNvPr>
+                <p:cNvSpPr txBox="1">
+                  <a:spLocks noRot="1" noChangeAspect="1" noMove="1" noResize="1" noEditPoints="1" noAdjustHandles="1" noChangeArrowheads="1" noChangeShapeType="1" noTextEdit="1"/>
+                </p:cNvSpPr>
+                <p:nvPr/>
+              </p:nvSpPr>
+              <p:spPr>
+                <a:xfrm>
+                  <a:off x="4910932" y="23880363"/>
+                  <a:ext cx="2813182" cy="810478"/>
+                </a:xfrm>
+                <a:prstGeom prst="rect">
+                  <a:avLst/>
+                </a:prstGeom>
+                <a:blipFill>
+                  <a:blip r:embed="rId12"/>
+                  <a:stretch>
+                    <a:fillRect t="-6015" b="-9774"/>
+                  </a:stretch>
+                </a:blipFill>
+              </p:spPr>
+              <p:txBody>
+                <a:bodyPr/>
+                <a:lstStyle/>
+                <a:p>
+                  <a:r>
+                    <a:rPr lang="en-GB">
+                      <a:noFill/>
+                    </a:rPr>
+                    <a:t> </a:t>
+                  </a:r>
+                </a:p>
+              </p:txBody>
+            </p:sp>
+          </mc:Fallback>
+        </mc:AlternateContent>
+      </p:grpSp>
+      <p:pic>
+        <p:nvPicPr>
+          <p:cNvPr id="76" name="Picture 75" descr="A qr code with a graph and candlestick chart&#10;&#10;Description automatically generated">
+            <a:extLst>
+              <a:ext uri="{FF2B5EF4-FFF2-40B4-BE49-F238E27FC236}">
+                <a16:creationId xmlns:a16="http://schemas.microsoft.com/office/drawing/2014/main" id="{03CA65C1-F594-993D-D80A-545219561D06}"/>
+              </a:ext>
+            </a:extLst>
+          </p:cNvPr>
+          <p:cNvPicPr>
+            <a:picLocks noChangeAspect="1"/>
+          </p:cNvPicPr>
+          <p:nvPr/>
+        </p:nvPicPr>
+        <p:blipFill>
+          <a:blip r:embed="rId13">
+            <a:extLst>
+              <a:ext uri="{28A0092B-C50C-407E-A947-70E740481C1C}">
+                <a14:useLocalDpi xmlns:a14="http://schemas.microsoft.com/office/drawing/2010/main" val="0"/>
+              </a:ext>
+            </a:extLst>
+          </a:blip>
+          <a:stretch>
+            <a:fillRect/>
+          </a:stretch>
+        </p:blipFill>
+        <p:spPr>
+          <a:xfrm>
+            <a:off x="6500427" y="6264480"/>
+            <a:ext cx="1300904" cy="1300904"/>
+          </a:xfrm>
+          <a:prstGeom prst="rect">
+            <a:avLst/>
+          </a:prstGeom>
+        </p:spPr>
+      </p:pic>
+      <p:pic>
+        <p:nvPicPr>
+          <p:cNvPr id="7" name="Picture 6">
+            <a:extLst>
+              <a:ext uri="{FF2B5EF4-FFF2-40B4-BE49-F238E27FC236}">
+                <a16:creationId xmlns:a16="http://schemas.microsoft.com/office/drawing/2014/main" id="{46F2FBCE-0647-9B49-39D2-82A07FEF3A4A}"/>
+              </a:ext>
+            </a:extLst>
+          </p:cNvPr>
+          <p:cNvPicPr>
+            <a:picLocks noChangeAspect="1"/>
+          </p:cNvPicPr>
+          <p:nvPr/>
+        </p:nvPicPr>
+        <p:blipFill>
+          <a:blip r:embed="rId14"/>
+          <a:stretch>
+            <a:fillRect/>
+          </a:stretch>
+        </p:blipFill>
+        <p:spPr>
+          <a:xfrm>
+            <a:off x="24930636" y="14717603"/>
+            <a:ext cx="6269756" cy="3521370"/>
+          </a:xfrm>
+          <a:prstGeom prst="rect">
+            <a:avLst/>
+          </a:prstGeom>
+        </p:spPr>
+      </p:pic>
+      <p:pic>
+        <p:nvPicPr>
+          <p:cNvPr id="10" name="Picture 9">
+            <a:extLst>
+              <a:ext uri="{FF2B5EF4-FFF2-40B4-BE49-F238E27FC236}">
+                <a16:creationId xmlns:a16="http://schemas.microsoft.com/office/drawing/2014/main" id="{092280C1-9962-C322-6810-0DEE264796CE}"/>
+              </a:ext>
+            </a:extLst>
+          </p:cNvPr>
+          <p:cNvPicPr>
+            <a:picLocks noChangeAspect="1"/>
+          </p:cNvPicPr>
+          <p:nvPr/>
+        </p:nvPicPr>
+        <p:blipFill>
+          <a:blip r:embed="rId15"/>
+          <a:stretch>
+            <a:fillRect/>
+          </a:stretch>
+        </p:blipFill>
+        <p:spPr>
+          <a:xfrm>
+            <a:off x="24029575" y="19630449"/>
+            <a:ext cx="5578979" cy="3397764"/>
+          </a:xfrm>
+          <a:prstGeom prst="rect">
+            <a:avLst/>
+          </a:prstGeom>
+        </p:spPr>
+      </p:pic>
+      <p:grpSp>
+        <p:nvGrpSpPr>
+          <p:cNvPr id="18" name="Group 17">
+            <a:extLst>
+              <a:ext uri="{FF2B5EF4-FFF2-40B4-BE49-F238E27FC236}">
+                <a16:creationId xmlns:a16="http://schemas.microsoft.com/office/drawing/2014/main" id="{0D5C0E2D-E8A3-5D2C-5DB1-4F28FC3AFD8D}"/>
+              </a:ext>
+            </a:extLst>
+          </p:cNvPr>
+          <p:cNvGrpSpPr/>
+          <p:nvPr/>
+        </p:nvGrpSpPr>
+        <p:grpSpPr>
+          <a:xfrm>
+            <a:off x="-14663455" y="17457097"/>
             <a:ext cx="12253278" cy="6447075"/>
             <a:chOff x="8382078" y="16088862"/>
             <a:chExt cx="12253278" cy="6447075"/>
@@ -6623,10 +7448,10 @@
         </p:grpSpPr>
         <p:pic>
           <p:nvPicPr>
-            <p:cNvPr id="121" name="Picture 120">
+            <p:cNvPr id="20" name="Picture 19">
               <a:extLst>
                 <a:ext uri="{FF2B5EF4-FFF2-40B4-BE49-F238E27FC236}">
-                  <a16:creationId xmlns:a16="http://schemas.microsoft.com/office/drawing/2014/main" id="{8B366E01-E0D8-A42D-9AB2-59AAE0A9D3AC}"/>
+                  <a16:creationId xmlns:a16="http://schemas.microsoft.com/office/drawing/2014/main" id="{E7C43849-5558-859E-2A1D-E629ECC31A1A}"/>
                 </a:ext>
               </a:extLst>
             </p:cNvPr>
@@ -6636,7 +7461,7 @@
             <p:nvPr/>
           </p:nvPicPr>
           <p:blipFill>
-            <a:blip r:embed="rId8">
+            <a:blip r:embed="rId16">
               <a:clrChange>
                 <a:clrFrom>
                   <a:srgbClr val="FFFFFF"/>
@@ -6664,10 +7489,10 @@
         </p:pic>
         <p:sp>
           <p:nvSpPr>
-            <p:cNvPr id="124" name="Text Placeholder 8">
+            <p:cNvPr id="22" name="Text Placeholder 8">
               <a:extLst>
                 <a:ext uri="{FF2B5EF4-FFF2-40B4-BE49-F238E27FC236}">
-                  <a16:creationId xmlns:a16="http://schemas.microsoft.com/office/drawing/2014/main" id="{1D8E5475-A8D0-D336-0332-5A7FA9F3118B}"/>
+                  <a16:creationId xmlns:a16="http://schemas.microsoft.com/office/drawing/2014/main" id="{6023309D-52DC-E2AE-B064-ECDBBD1572A8}"/>
                 </a:ext>
               </a:extLst>
             </p:cNvPr>
@@ -6881,10 +7706,10 @@
         </p:sp>
         <p:pic>
           <p:nvPicPr>
-            <p:cNvPr id="45" name="Picture 44">
+            <p:cNvPr id="23" name="Picture 22">
               <a:extLst>
                 <a:ext uri="{FF2B5EF4-FFF2-40B4-BE49-F238E27FC236}">
-                  <a16:creationId xmlns:a16="http://schemas.microsoft.com/office/drawing/2014/main" id="{AD8626C8-CDB3-1315-E7F4-7C5656433BDD}"/>
+                  <a16:creationId xmlns:a16="http://schemas.microsoft.com/office/drawing/2014/main" id="{6F6173AD-8AF4-23C9-7077-68117A7BAC55}"/>
                 </a:ext>
               </a:extLst>
             </p:cNvPr>
@@ -6894,7 +7719,7 @@
             <p:nvPr/>
           </p:nvPicPr>
           <p:blipFill>
-            <a:blip r:embed="rId9">
+            <a:blip r:embed="rId17">
               <a:clrChange>
                 <a:clrFrom>
                   <a:srgbClr val="FFFFFF"/>
@@ -6921,12 +7746,270 @@
           </p:spPr>
         </p:pic>
       </p:grpSp>
+      <p:pic>
+        <p:nvPicPr>
+          <p:cNvPr id="25" name="Picture 24">
+            <a:extLst>
+              <a:ext uri="{FF2B5EF4-FFF2-40B4-BE49-F238E27FC236}">
+                <a16:creationId xmlns:a16="http://schemas.microsoft.com/office/drawing/2014/main" id="{F32A2575-B141-4F9B-7F47-291DD4BB0442}"/>
+              </a:ext>
+            </a:extLst>
+          </p:cNvPr>
+          <p:cNvPicPr>
+            <a:picLocks noChangeAspect="1"/>
+          </p:cNvPicPr>
+          <p:nvPr/>
+        </p:nvPicPr>
+        <p:blipFill>
+          <a:blip r:embed="rId16">
+            <a:clrChange>
+              <a:clrFrom>
+                <a:srgbClr val="FFFFFF"/>
+              </a:clrFrom>
+              <a:clrTo>
+                <a:srgbClr val="FFFFFF">
+                  <a:alpha val="0"/>
+                </a:srgbClr>
+              </a:clrTo>
+            </a:clrChange>
+          </a:blip>
+          <a:stretch>
+            <a:fillRect/>
+          </a:stretch>
+        </p:blipFill>
+        <p:spPr>
+          <a:xfrm>
+            <a:off x="8284072" y="16050409"/>
+            <a:ext cx="6269756" cy="4676621"/>
+          </a:xfrm>
+          <a:prstGeom prst="rect">
+            <a:avLst/>
+          </a:prstGeom>
+        </p:spPr>
+      </p:pic>
+      <p:sp>
+        <p:nvSpPr>
+          <p:cNvPr id="124" name="Text Placeholder 8">
+            <a:extLst>
+              <a:ext uri="{FF2B5EF4-FFF2-40B4-BE49-F238E27FC236}">
+                <a16:creationId xmlns:a16="http://schemas.microsoft.com/office/drawing/2014/main" id="{1D8E5475-A8D0-D336-0332-5A7FA9F3118B}"/>
+              </a:ext>
+            </a:extLst>
+          </p:cNvPr>
+          <p:cNvSpPr txBox="1">
+            <a:spLocks/>
+          </p:cNvSpPr>
+          <p:nvPr/>
+        </p:nvSpPr>
+        <p:spPr>
+          <a:xfrm>
+            <a:off x="8443226" y="20648069"/>
+            <a:ext cx="6165723" cy="642403"/>
+          </a:xfrm>
+          <a:prstGeom prst="rect">
+            <a:avLst/>
+          </a:prstGeom>
+        </p:spPr>
+        <p:txBody>
+          <a:bodyPr vert="horz" lIns="0" tIns="0" rIns="0" bIns="0" rtlCol="0">
+            <a:noAutofit/>
+          </a:bodyPr>
+          <a:lstStyle>
+            <a:lvl1pPr marL="0" indent="0" algn="l" defTabSz="2138314" rtl="0" eaLnBrk="1" latinLnBrk="0" hangingPunct="1">
+              <a:lnSpc>
+                <a:spcPct val="90000"/>
+              </a:lnSpc>
+              <a:spcBef>
+                <a:spcPts val="0"/>
+              </a:spcBef>
+              <a:spcAft>
+                <a:spcPts val="0"/>
+              </a:spcAft>
+              <a:buFont typeface="Arial" panose="020B0604020202020204" pitchFamily="34" charset="0"/>
+              <a:buNone/>
+              <a:defRPr sz="1200" i="1" kern="1200">
+                <a:solidFill>
+                  <a:schemeClr val="tx1"/>
+                </a:solidFill>
+                <a:latin typeface="+mn-lt"/>
+                <a:ea typeface="+mn-ea"/>
+                <a:cs typeface="+mn-cs"/>
+              </a:defRPr>
+            </a:lvl1pPr>
+            <a:lvl2pPr marL="0" indent="0" algn="l" defTabSz="2138314" rtl="0" eaLnBrk="1" latinLnBrk="0" hangingPunct="1">
+              <a:lnSpc>
+                <a:spcPct val="83000"/>
+              </a:lnSpc>
+              <a:spcBef>
+                <a:spcPts val="0"/>
+              </a:spcBef>
+              <a:spcAft>
+                <a:spcPts val="2684"/>
+              </a:spcAft>
+              <a:buFont typeface="Arial" panose="020B0604020202020204" pitchFamily="34" charset="0"/>
+              <a:buNone/>
+              <a:defRPr sz="5000" kern="1200">
+                <a:solidFill>
+                  <a:schemeClr val="tx1"/>
+                </a:solidFill>
+                <a:latin typeface="+mn-lt"/>
+                <a:ea typeface="+mn-ea"/>
+                <a:cs typeface="+mn-cs"/>
+              </a:defRPr>
+            </a:lvl2pPr>
+            <a:lvl3pPr marL="0" indent="0" algn="l" defTabSz="2138314" rtl="0" eaLnBrk="1" latinLnBrk="0" hangingPunct="1">
+              <a:lnSpc>
+                <a:spcPct val="90000"/>
+              </a:lnSpc>
+              <a:spcBef>
+                <a:spcPts val="0"/>
+              </a:spcBef>
+              <a:spcAft>
+                <a:spcPts val="3320"/>
+              </a:spcAft>
+              <a:buFont typeface="Arial" panose="020B0604020202020204" pitchFamily="34" charset="0"/>
+              <a:buNone/>
+              <a:defRPr sz="3200" kern="1200">
+                <a:solidFill>
+                  <a:schemeClr val="tx1"/>
+                </a:solidFill>
+                <a:latin typeface="+mn-lt"/>
+                <a:ea typeface="+mn-ea"/>
+                <a:cs typeface="+mn-cs"/>
+              </a:defRPr>
+            </a:lvl3pPr>
+            <a:lvl4pPr marL="0" indent="0" algn="l" defTabSz="2138314" rtl="0" eaLnBrk="1" latinLnBrk="0" hangingPunct="1">
+              <a:lnSpc>
+                <a:spcPct val="90000"/>
+              </a:lnSpc>
+              <a:spcBef>
+                <a:spcPts val="0"/>
+              </a:spcBef>
+              <a:buFont typeface="Arial" panose="020B0604020202020204" pitchFamily="34" charset="0"/>
+              <a:buNone/>
+              <a:defRPr sz="2684" b="1" kern="1200">
+                <a:solidFill>
+                  <a:schemeClr val="accent3"/>
+                </a:solidFill>
+                <a:latin typeface="+mn-lt"/>
+                <a:ea typeface="+mn-ea"/>
+                <a:cs typeface="+mn-cs"/>
+              </a:defRPr>
+            </a:lvl4pPr>
+            <a:lvl5pPr marL="0" indent="0" algn="l" defTabSz="2138314" rtl="0" eaLnBrk="1" latinLnBrk="0" hangingPunct="1">
+              <a:lnSpc>
+                <a:spcPct val="90000"/>
+              </a:lnSpc>
+              <a:spcBef>
+                <a:spcPts val="0"/>
+              </a:spcBef>
+              <a:buFont typeface="Arial" panose="020B0604020202020204" pitchFamily="34" charset="0"/>
+              <a:buNone/>
+              <a:defRPr sz="2100" b="1" kern="1200">
+                <a:solidFill>
+                  <a:schemeClr val="tx1"/>
+                </a:solidFill>
+                <a:latin typeface="+mn-lt"/>
+                <a:ea typeface="+mn-ea"/>
+                <a:cs typeface="+mn-cs"/>
+              </a:defRPr>
+            </a:lvl5pPr>
+            <a:lvl6pPr marL="0" indent="0" algn="l" defTabSz="2138314" rtl="0" eaLnBrk="1" latinLnBrk="0" hangingPunct="1">
+              <a:lnSpc>
+                <a:spcPct val="90000"/>
+              </a:lnSpc>
+              <a:spcBef>
+                <a:spcPts val="0"/>
+              </a:spcBef>
+              <a:buFont typeface="Arial" panose="020B0604020202020204" pitchFamily="34" charset="0"/>
+              <a:buNone/>
+              <a:defRPr sz="2100" kern="1200">
+                <a:solidFill>
+                  <a:schemeClr val="tx1"/>
+                </a:solidFill>
+                <a:latin typeface="+mn-lt"/>
+                <a:ea typeface="+mn-ea"/>
+                <a:cs typeface="+mn-cs"/>
+              </a:defRPr>
+            </a:lvl6pPr>
+            <a:lvl7pPr marL="0" indent="0" algn="l" defTabSz="2138314" rtl="0" eaLnBrk="1" latinLnBrk="0" hangingPunct="1">
+              <a:lnSpc>
+                <a:spcPct val="90000"/>
+              </a:lnSpc>
+              <a:spcBef>
+                <a:spcPts val="0"/>
+              </a:spcBef>
+              <a:spcAft>
+                <a:spcPts val="3673"/>
+              </a:spcAft>
+              <a:buFont typeface="Arial" panose="020B0604020202020204" pitchFamily="34" charset="0"/>
+              <a:buNone/>
+              <a:defRPr sz="1130" kern="1200" cap="all" baseline="0">
+                <a:solidFill>
+                  <a:schemeClr val="tx1"/>
+                </a:solidFill>
+                <a:latin typeface="+mn-lt"/>
+                <a:ea typeface="+mn-ea"/>
+                <a:cs typeface="+mn-cs"/>
+              </a:defRPr>
+            </a:lvl7pPr>
+            <a:lvl8pPr marL="177988" indent="-177988" algn="l" defTabSz="2138314" rtl="0" eaLnBrk="1" latinLnBrk="0" hangingPunct="1">
+              <a:lnSpc>
+                <a:spcPct val="90000"/>
+              </a:lnSpc>
+              <a:spcBef>
+                <a:spcPts val="0"/>
+              </a:spcBef>
+              <a:buClr>
+                <a:schemeClr val="accent3"/>
+              </a:buClr>
+              <a:buFont typeface="Arial" panose="020B0604020202020204" pitchFamily="34" charset="0"/>
+              <a:buChar char="•"/>
+              <a:defRPr sz="1695" kern="1200">
+                <a:solidFill>
+                  <a:schemeClr val="tx1"/>
+                </a:solidFill>
+                <a:latin typeface="+mn-lt"/>
+                <a:ea typeface="+mn-ea"/>
+                <a:cs typeface="+mn-cs"/>
+              </a:defRPr>
+            </a:lvl8pPr>
+            <a:lvl9pPr marL="355975" indent="-355975" algn="l" defTabSz="2138314" rtl="0" eaLnBrk="1" latinLnBrk="0" hangingPunct="1">
+              <a:lnSpc>
+                <a:spcPct val="90000"/>
+              </a:lnSpc>
+              <a:spcBef>
+                <a:spcPts val="0"/>
+              </a:spcBef>
+              <a:buClr>
+                <a:schemeClr val="accent3"/>
+              </a:buClr>
+              <a:buFont typeface="Arial" panose="020B0604020202020204" pitchFamily="34" charset="0"/>
+              <a:buChar char="•"/>
+              <a:defRPr sz="1695" kern="1200">
+                <a:solidFill>
+                  <a:schemeClr val="tx1"/>
+                </a:solidFill>
+                <a:latin typeface="+mn-lt"/>
+                <a:ea typeface="+mn-ea"/>
+                <a:cs typeface="+mn-cs"/>
+              </a:defRPr>
+            </a:lvl9pPr>
+          </a:lstStyle>
+          <a:p>
+            <a:r>
+              <a:rPr lang="en-GB" dirty="0"/>
+              <a:t>Figure 3: Comparison on accumulated returns (acc. return) on backtesting experiment on 22 liquid US stocks during 2021</a:t>
+            </a:r>
+          </a:p>
+        </p:txBody>
+      </p:sp>
       <p:grpSp>
         <p:nvGrpSpPr>
-          <p:cNvPr id="34" name="Group 33">
+          <p:cNvPr id="30" name="Group 29">
             <a:extLst>
               <a:ext uri="{FF2B5EF4-FFF2-40B4-BE49-F238E27FC236}">
-                <a16:creationId xmlns:a16="http://schemas.microsoft.com/office/drawing/2014/main" id="{29B25EBF-B3CC-699B-AC72-8F0D82AA1CE8}"/>
+                <a16:creationId xmlns:a16="http://schemas.microsoft.com/office/drawing/2014/main" id="{AD956C7D-D000-E562-DB54-69620F4C3FCC}"/>
               </a:ext>
             </a:extLst>
           </p:cNvPr>
@@ -6935,18 +8018,336 @@
         </p:nvGrpSpPr>
         <p:grpSpPr>
           <a:xfrm>
-            <a:off x="409941" y="21704361"/>
-            <a:ext cx="7458403" cy="2111323"/>
-            <a:chOff x="620807" y="19901782"/>
-            <a:chExt cx="7458403" cy="2111323"/>
+            <a:off x="-13795710" y="11783024"/>
+            <a:ext cx="11278249" cy="4542069"/>
+            <a:chOff x="9555775" y="18336704"/>
+            <a:chExt cx="11278249" cy="4542069"/>
           </a:xfrm>
         </p:grpSpPr>
+        <p:grpSp>
+          <p:nvGrpSpPr>
+            <p:cNvPr id="36" name="Group 35">
+              <a:extLst>
+                <a:ext uri="{FF2B5EF4-FFF2-40B4-BE49-F238E27FC236}">
+                  <a16:creationId xmlns:a16="http://schemas.microsoft.com/office/drawing/2014/main" id="{EB311453-0D9C-4BB5-310E-B6A129280B48}"/>
+                </a:ext>
+              </a:extLst>
+            </p:cNvPr>
+            <p:cNvGrpSpPr/>
+            <p:nvPr/>
+          </p:nvGrpSpPr>
+          <p:grpSpPr>
+            <a:xfrm>
+              <a:off x="9555775" y="18336704"/>
+              <a:ext cx="11278249" cy="4542069"/>
+              <a:chOff x="9555775" y="18028184"/>
+              <a:chExt cx="11278249" cy="4542069"/>
+            </a:xfrm>
+          </p:grpSpPr>
+          <p:sp>
+            <p:nvSpPr>
+              <p:cNvPr id="40" name="Text Placeholder 8">
+                <a:extLst>
+                  <a:ext uri="{FF2B5EF4-FFF2-40B4-BE49-F238E27FC236}">
+                    <a16:creationId xmlns:a16="http://schemas.microsoft.com/office/drawing/2014/main" id="{E065404D-DC46-7A9F-22CD-27AC3B73F5F7}"/>
+                  </a:ext>
+                </a:extLst>
+              </p:cNvPr>
+              <p:cNvSpPr txBox="1">
+                <a:spLocks/>
+              </p:cNvSpPr>
+              <p:nvPr/>
+            </p:nvSpPr>
+            <p:spPr>
+              <a:xfrm>
+                <a:off x="9624014" y="21972520"/>
+                <a:ext cx="11091865" cy="597733"/>
+              </a:xfrm>
+              <a:prstGeom prst="rect">
+                <a:avLst/>
+              </a:prstGeom>
+            </p:spPr>
+            <p:txBody>
+              <a:bodyPr vert="horz" lIns="0" tIns="0" rIns="0" bIns="0" rtlCol="0">
+                <a:noAutofit/>
+              </a:bodyPr>
+              <a:lstStyle>
+                <a:lvl1pPr marL="0" indent="0" algn="l" defTabSz="2138314" rtl="0" eaLnBrk="1" latinLnBrk="0" hangingPunct="1">
+                  <a:lnSpc>
+                    <a:spcPct val="90000"/>
+                  </a:lnSpc>
+                  <a:spcBef>
+                    <a:spcPts val="0"/>
+                  </a:spcBef>
+                  <a:spcAft>
+                    <a:spcPts val="0"/>
+                  </a:spcAft>
+                  <a:buFont typeface="Arial" panose="020B0604020202020204" pitchFamily="34" charset="0"/>
+                  <a:buNone/>
+                  <a:defRPr sz="1200" i="1" kern="1200">
+                    <a:solidFill>
+                      <a:schemeClr val="tx1"/>
+                    </a:solidFill>
+                    <a:latin typeface="+mn-lt"/>
+                    <a:ea typeface="+mn-ea"/>
+                    <a:cs typeface="+mn-cs"/>
+                  </a:defRPr>
+                </a:lvl1pPr>
+                <a:lvl2pPr marL="0" indent="0" algn="l" defTabSz="2138314" rtl="0" eaLnBrk="1" latinLnBrk="0" hangingPunct="1">
+                  <a:lnSpc>
+                    <a:spcPct val="83000"/>
+                  </a:lnSpc>
+                  <a:spcBef>
+                    <a:spcPts val="0"/>
+                  </a:spcBef>
+                  <a:spcAft>
+                    <a:spcPts val="2684"/>
+                  </a:spcAft>
+                  <a:buFont typeface="Arial" panose="020B0604020202020204" pitchFamily="34" charset="0"/>
+                  <a:buNone/>
+                  <a:defRPr sz="5000" kern="1200">
+                    <a:solidFill>
+                      <a:schemeClr val="tx1"/>
+                    </a:solidFill>
+                    <a:latin typeface="+mn-lt"/>
+                    <a:ea typeface="+mn-ea"/>
+                    <a:cs typeface="+mn-cs"/>
+                  </a:defRPr>
+                </a:lvl2pPr>
+                <a:lvl3pPr marL="0" indent="0" algn="l" defTabSz="2138314" rtl="0" eaLnBrk="1" latinLnBrk="0" hangingPunct="1">
+                  <a:lnSpc>
+                    <a:spcPct val="90000"/>
+                  </a:lnSpc>
+                  <a:spcBef>
+                    <a:spcPts val="0"/>
+                  </a:spcBef>
+                  <a:spcAft>
+                    <a:spcPts val="3320"/>
+                  </a:spcAft>
+                  <a:buFont typeface="Arial" panose="020B0604020202020204" pitchFamily="34" charset="0"/>
+                  <a:buNone/>
+                  <a:defRPr sz="3200" kern="1200">
+                    <a:solidFill>
+                      <a:schemeClr val="tx1"/>
+                    </a:solidFill>
+                    <a:latin typeface="+mn-lt"/>
+                    <a:ea typeface="+mn-ea"/>
+                    <a:cs typeface="+mn-cs"/>
+                  </a:defRPr>
+                </a:lvl3pPr>
+                <a:lvl4pPr marL="0" indent="0" algn="l" defTabSz="2138314" rtl="0" eaLnBrk="1" latinLnBrk="0" hangingPunct="1">
+                  <a:lnSpc>
+                    <a:spcPct val="90000"/>
+                  </a:lnSpc>
+                  <a:spcBef>
+                    <a:spcPts val="0"/>
+                  </a:spcBef>
+                  <a:buFont typeface="Arial" panose="020B0604020202020204" pitchFamily="34" charset="0"/>
+                  <a:buNone/>
+                  <a:defRPr sz="2684" b="1" kern="1200">
+                    <a:solidFill>
+                      <a:schemeClr val="accent3"/>
+                    </a:solidFill>
+                    <a:latin typeface="+mn-lt"/>
+                    <a:ea typeface="+mn-ea"/>
+                    <a:cs typeface="+mn-cs"/>
+                  </a:defRPr>
+                </a:lvl4pPr>
+                <a:lvl5pPr marL="0" indent="0" algn="l" defTabSz="2138314" rtl="0" eaLnBrk="1" latinLnBrk="0" hangingPunct="1">
+                  <a:lnSpc>
+                    <a:spcPct val="90000"/>
+                  </a:lnSpc>
+                  <a:spcBef>
+                    <a:spcPts val="0"/>
+                  </a:spcBef>
+                  <a:buFont typeface="Arial" panose="020B0604020202020204" pitchFamily="34" charset="0"/>
+                  <a:buNone/>
+                  <a:defRPr sz="2100" b="1" kern="1200">
+                    <a:solidFill>
+                      <a:schemeClr val="tx1"/>
+                    </a:solidFill>
+                    <a:latin typeface="+mn-lt"/>
+                    <a:ea typeface="+mn-ea"/>
+                    <a:cs typeface="+mn-cs"/>
+                  </a:defRPr>
+                </a:lvl5pPr>
+                <a:lvl6pPr marL="0" indent="0" algn="l" defTabSz="2138314" rtl="0" eaLnBrk="1" latinLnBrk="0" hangingPunct="1">
+                  <a:lnSpc>
+                    <a:spcPct val="90000"/>
+                  </a:lnSpc>
+                  <a:spcBef>
+                    <a:spcPts val="0"/>
+                  </a:spcBef>
+                  <a:buFont typeface="Arial" panose="020B0604020202020204" pitchFamily="34" charset="0"/>
+                  <a:buNone/>
+                  <a:defRPr sz="2100" kern="1200">
+                    <a:solidFill>
+                      <a:schemeClr val="tx1"/>
+                    </a:solidFill>
+                    <a:latin typeface="+mn-lt"/>
+                    <a:ea typeface="+mn-ea"/>
+                    <a:cs typeface="+mn-cs"/>
+                  </a:defRPr>
+                </a:lvl6pPr>
+                <a:lvl7pPr marL="0" indent="0" algn="l" defTabSz="2138314" rtl="0" eaLnBrk="1" latinLnBrk="0" hangingPunct="1">
+                  <a:lnSpc>
+                    <a:spcPct val="90000"/>
+                  </a:lnSpc>
+                  <a:spcBef>
+                    <a:spcPts val="0"/>
+                  </a:spcBef>
+                  <a:spcAft>
+                    <a:spcPts val="3673"/>
+                  </a:spcAft>
+                  <a:buFont typeface="Arial" panose="020B0604020202020204" pitchFamily="34" charset="0"/>
+                  <a:buNone/>
+                  <a:defRPr sz="1130" kern="1200" cap="all" baseline="0">
+                    <a:solidFill>
+                      <a:schemeClr val="tx1"/>
+                    </a:solidFill>
+                    <a:latin typeface="+mn-lt"/>
+                    <a:ea typeface="+mn-ea"/>
+                    <a:cs typeface="+mn-cs"/>
+                  </a:defRPr>
+                </a:lvl7pPr>
+                <a:lvl8pPr marL="177988" indent="-177988" algn="l" defTabSz="2138314" rtl="0" eaLnBrk="1" latinLnBrk="0" hangingPunct="1">
+                  <a:lnSpc>
+                    <a:spcPct val="90000"/>
+                  </a:lnSpc>
+                  <a:spcBef>
+                    <a:spcPts val="0"/>
+                  </a:spcBef>
+                  <a:buClr>
+                    <a:schemeClr val="accent3"/>
+                  </a:buClr>
+                  <a:buFont typeface="Arial" panose="020B0604020202020204" pitchFamily="34" charset="0"/>
+                  <a:buChar char="•"/>
+                  <a:defRPr sz="1695" kern="1200">
+                    <a:solidFill>
+                      <a:schemeClr val="tx1"/>
+                    </a:solidFill>
+                    <a:latin typeface="+mn-lt"/>
+                    <a:ea typeface="+mn-ea"/>
+                    <a:cs typeface="+mn-cs"/>
+                  </a:defRPr>
+                </a:lvl8pPr>
+                <a:lvl9pPr marL="355975" indent="-355975" algn="l" defTabSz="2138314" rtl="0" eaLnBrk="1" latinLnBrk="0" hangingPunct="1">
+                  <a:lnSpc>
+                    <a:spcPct val="90000"/>
+                  </a:lnSpc>
+                  <a:spcBef>
+                    <a:spcPts val="0"/>
+                  </a:spcBef>
+                  <a:buClr>
+                    <a:schemeClr val="accent3"/>
+                  </a:buClr>
+                  <a:buFont typeface="Arial" panose="020B0604020202020204" pitchFamily="34" charset="0"/>
+                  <a:buChar char="•"/>
+                  <a:defRPr sz="1695" kern="1200">
+                    <a:solidFill>
+                      <a:schemeClr val="tx1"/>
+                    </a:solidFill>
+                    <a:latin typeface="+mn-lt"/>
+                    <a:ea typeface="+mn-ea"/>
+                    <a:cs typeface="+mn-cs"/>
+                  </a:defRPr>
+                </a:lvl9pPr>
+              </a:lstStyle>
+              <a:p>
+                <a:pPr algn="ctr"/>
+                <a:r>
+                  <a:rPr lang="en-GB" dirty="0"/>
+                  <a:t>Figure 4: Comparison of Mean Relative Absolute Error (</a:t>
+                </a:r>
+                <a:r>
+                  <a:rPr lang="en-GB" dirty="0" err="1"/>
+                  <a:t>MRAEf</a:t>
+                </a:r>
+                <a:r>
+                  <a:rPr lang="en-GB" dirty="0"/>
+                  <a:t>) of different forecasting methods predicting the returns of 22 US stocks through 2020 per forecast distance.</a:t>
+                </a:r>
+              </a:p>
+            </p:txBody>
+          </p:sp>
+          <p:pic>
+            <p:nvPicPr>
+              <p:cNvPr id="49" name="Picture 48">
+                <a:extLst>
+                  <a:ext uri="{FF2B5EF4-FFF2-40B4-BE49-F238E27FC236}">
+                    <a16:creationId xmlns:a16="http://schemas.microsoft.com/office/drawing/2014/main" id="{8FD43165-50DC-B0FF-B1B9-BBDF3D644407}"/>
+                  </a:ext>
+                </a:extLst>
+              </p:cNvPr>
+              <p:cNvPicPr>
+                <a:picLocks noChangeAspect="1"/>
+              </p:cNvPicPr>
+              <p:nvPr/>
+            </p:nvPicPr>
+            <p:blipFill>
+              <a:blip r:embed="rId6"/>
+              <a:stretch>
+                <a:fillRect/>
+              </a:stretch>
+            </p:blipFill>
+            <p:spPr>
+              <a:xfrm>
+                <a:off x="9555775" y="18028184"/>
+                <a:ext cx="5486612" cy="3777045"/>
+              </a:xfrm>
+              <a:prstGeom prst="rect">
+                <a:avLst/>
+              </a:prstGeom>
+            </p:spPr>
+          </p:pic>
+          <p:pic>
+            <p:nvPicPr>
+              <p:cNvPr id="50" name="Picture 49">
+                <a:extLst>
+                  <a:ext uri="{FF2B5EF4-FFF2-40B4-BE49-F238E27FC236}">
+                    <a16:creationId xmlns:a16="http://schemas.microsoft.com/office/drawing/2014/main" id="{C7BE37E5-2441-091B-18CD-594E5785EFEE}"/>
+                  </a:ext>
+                </a:extLst>
+              </p:cNvPr>
+              <p:cNvPicPr>
+                <a:picLocks noChangeAspect="1"/>
+              </p:cNvPicPr>
+              <p:nvPr/>
+            </p:nvPicPr>
+            <p:blipFill>
+              <a:blip r:embed="rId7">
+                <a:clrChange>
+                  <a:clrFrom>
+                    <a:srgbClr val="FFFFFF"/>
+                  </a:clrFrom>
+                  <a:clrTo>
+                    <a:srgbClr val="FFFFFF">
+                      <a:alpha val="0"/>
+                    </a:srgbClr>
+                  </a:clrTo>
+                </a:clrChange>
+              </a:blip>
+              <a:stretch>
+                <a:fillRect/>
+              </a:stretch>
+            </p:blipFill>
+            <p:spPr>
+              <a:xfrm>
+                <a:off x="15149100" y="18150965"/>
+                <a:ext cx="5684924" cy="3531485"/>
+              </a:xfrm>
+              <a:prstGeom prst="rect">
+                <a:avLst/>
+              </a:prstGeom>
+            </p:spPr>
+          </p:pic>
+        </p:grpSp>
         <p:sp>
           <p:nvSpPr>
-            <p:cNvPr id="33" name="Rectangle 32">
+            <p:cNvPr id="37" name="Left Brace 36">
               <a:extLst>
                 <a:ext uri="{FF2B5EF4-FFF2-40B4-BE49-F238E27FC236}">
-                  <a16:creationId xmlns:a16="http://schemas.microsoft.com/office/drawing/2014/main" id="{2475048E-BF44-09BC-01B5-2930C12A0103}"/>
+                  <a16:creationId xmlns:a16="http://schemas.microsoft.com/office/drawing/2014/main" id="{29BEDAF5-CF84-C0A6-549B-C9605D599FFC}"/>
                 </a:ext>
               </a:extLst>
             </p:cNvPr>
@@ -6955,53 +8356,333 @@
           </p:nvSpPr>
           <p:spPr>
             <a:xfrm>
-              <a:off x="620807" y="19901782"/>
-              <a:ext cx="7458403" cy="2111323"/>
+              <a:off x="14926199" y="18392745"/>
+              <a:ext cx="339090" cy="3127055"/>
             </a:xfrm>
-            <a:prstGeom prst="rect">
-              <a:avLst/>
+            <a:prstGeom prst="leftBrace">
+              <a:avLst>
+                <a:gd name="adj1" fmla="val 27080"/>
+                <a:gd name="adj2" fmla="val 94777"/>
+              </a:avLst>
             </a:prstGeom>
-            <a:noFill/>
-            <a:ln>
-              <a:noFill/>
+            <a:ln w="12700">
+              <a:solidFill>
+                <a:schemeClr val="accent3"/>
+              </a:solidFill>
             </a:ln>
           </p:spPr>
           <p:style>
-            <a:lnRef idx="2">
-              <a:schemeClr val="accent1">
-                <a:shade val="50000"/>
-              </a:schemeClr>
+            <a:lnRef idx="1">
+              <a:schemeClr val="accent1"/>
             </a:lnRef>
-            <a:fillRef idx="1">
+            <a:fillRef idx="0">
               <a:schemeClr val="accent1"/>
             </a:fillRef>
             <a:effectRef idx="0">
               <a:schemeClr val="accent1"/>
             </a:effectRef>
             <a:fontRef idx="minor">
-              <a:schemeClr val="lt1"/>
+              <a:schemeClr val="tx1"/>
             </a:fontRef>
           </p:style>
           <p:txBody>
-            <a:bodyPr rot="0" spcFirstLastPara="0" vertOverflow="overflow" horzOverflow="overflow" vert="horz" wrap="square" lIns="91440" tIns="45720" rIns="91440" bIns="45720" numCol="1" spcCol="0" rtlCol="0" fromWordArt="0" anchor="ctr" anchorCtr="0" forceAA="0" compatLnSpc="1">
-              <a:prstTxWarp prst="textNoShape">
-                <a:avLst/>
-              </a:prstTxWarp>
-              <a:noAutofit/>
-            </a:bodyPr>
+            <a:bodyPr rtlCol="0" anchor="ctr"/>
             <a:lstStyle/>
             <a:p>
               <a:pPr algn="ctr"/>
-              <a:endParaRPr lang="en-GB" dirty="0"/>
+              <a:endParaRPr lang="en-GB"/>
             </a:p>
           </p:txBody>
         </p:sp>
+        <p:cxnSp>
+          <p:nvCxnSpPr>
+            <p:cNvPr id="38" name="Connector: Curved 37">
+              <a:extLst>
+                <a:ext uri="{FF2B5EF4-FFF2-40B4-BE49-F238E27FC236}">
+                  <a16:creationId xmlns:a16="http://schemas.microsoft.com/office/drawing/2014/main" id="{89D2DE62-9C3F-3038-E9E3-8140679B72EF}"/>
+                </a:ext>
+              </a:extLst>
+            </p:cNvPr>
+            <p:cNvCxnSpPr>
+              <a:cxnSpLocks/>
+              <a:endCxn id="37" idx="1"/>
+            </p:cNvCxnSpPr>
+            <p:nvPr/>
+          </p:nvCxnSpPr>
+          <p:spPr>
+            <a:xfrm flipV="1">
+              <a:off x="14747240" y="21356474"/>
+              <a:ext cx="178959" cy="91286"/>
+            </a:xfrm>
+            <a:prstGeom prst="curvedConnector3">
+              <a:avLst/>
+            </a:prstGeom>
+            <a:ln w="19050">
+              <a:solidFill>
+                <a:schemeClr val="accent3"/>
+              </a:solidFill>
+              <a:tailEnd type="triangle"/>
+            </a:ln>
+          </p:spPr>
+          <p:style>
+            <a:lnRef idx="1">
+              <a:schemeClr val="accent1"/>
+            </a:lnRef>
+            <a:fillRef idx="0">
+              <a:schemeClr val="accent1"/>
+            </a:fillRef>
+            <a:effectRef idx="0">
+              <a:schemeClr val="accent1"/>
+            </a:effectRef>
+            <a:fontRef idx="minor">
+              <a:schemeClr val="tx1"/>
+            </a:fontRef>
+          </p:style>
+        </p:cxnSp>
+      </p:grpSp>
+      <p:sp>
+        <p:nvSpPr>
+          <p:cNvPr id="75" name="Text Placeholder 8">
+            <a:extLst>
+              <a:ext uri="{FF2B5EF4-FFF2-40B4-BE49-F238E27FC236}">
+                <a16:creationId xmlns:a16="http://schemas.microsoft.com/office/drawing/2014/main" id="{025F3AEB-91E9-BE32-3C11-0AB20AD2516E}"/>
+              </a:ext>
+            </a:extLst>
+          </p:cNvPr>
+          <p:cNvSpPr txBox="1">
+            <a:spLocks/>
+          </p:cNvSpPr>
+          <p:nvPr/>
+        </p:nvSpPr>
+        <p:spPr>
+          <a:xfrm>
+            <a:off x="14769439" y="27228594"/>
+            <a:ext cx="6165724" cy="597733"/>
+          </a:xfrm>
+          <a:prstGeom prst="rect">
+            <a:avLst/>
+          </a:prstGeom>
+        </p:spPr>
+        <p:txBody>
+          <a:bodyPr vert="horz" lIns="0" tIns="0" rIns="0" bIns="0" rtlCol="0">
+            <a:noAutofit/>
+          </a:bodyPr>
+          <a:lstStyle>
+            <a:lvl1pPr marL="0" indent="0" algn="l" defTabSz="2138314" rtl="0" eaLnBrk="1" latinLnBrk="0" hangingPunct="1">
+              <a:lnSpc>
+                <a:spcPct val="90000"/>
+              </a:lnSpc>
+              <a:spcBef>
+                <a:spcPts val="0"/>
+              </a:spcBef>
+              <a:spcAft>
+                <a:spcPts val="0"/>
+              </a:spcAft>
+              <a:buFont typeface="Arial" panose="020B0604020202020204" pitchFamily="34" charset="0"/>
+              <a:buNone/>
+              <a:defRPr sz="1200" i="1" kern="1200">
+                <a:solidFill>
+                  <a:schemeClr val="tx1"/>
+                </a:solidFill>
+                <a:latin typeface="+mn-lt"/>
+                <a:ea typeface="+mn-ea"/>
+                <a:cs typeface="+mn-cs"/>
+              </a:defRPr>
+            </a:lvl1pPr>
+            <a:lvl2pPr marL="0" indent="0" algn="l" defTabSz="2138314" rtl="0" eaLnBrk="1" latinLnBrk="0" hangingPunct="1">
+              <a:lnSpc>
+                <a:spcPct val="83000"/>
+              </a:lnSpc>
+              <a:spcBef>
+                <a:spcPts val="0"/>
+              </a:spcBef>
+              <a:spcAft>
+                <a:spcPts val="2684"/>
+              </a:spcAft>
+              <a:buFont typeface="Arial" panose="020B0604020202020204" pitchFamily="34" charset="0"/>
+              <a:buNone/>
+              <a:defRPr sz="5000" kern="1200">
+                <a:solidFill>
+                  <a:schemeClr val="tx1"/>
+                </a:solidFill>
+                <a:latin typeface="+mn-lt"/>
+                <a:ea typeface="+mn-ea"/>
+                <a:cs typeface="+mn-cs"/>
+              </a:defRPr>
+            </a:lvl2pPr>
+            <a:lvl3pPr marL="0" indent="0" algn="l" defTabSz="2138314" rtl="0" eaLnBrk="1" latinLnBrk="0" hangingPunct="1">
+              <a:lnSpc>
+                <a:spcPct val="90000"/>
+              </a:lnSpc>
+              <a:spcBef>
+                <a:spcPts val="0"/>
+              </a:spcBef>
+              <a:spcAft>
+                <a:spcPts val="3320"/>
+              </a:spcAft>
+              <a:buFont typeface="Arial" panose="020B0604020202020204" pitchFamily="34" charset="0"/>
+              <a:buNone/>
+              <a:defRPr sz="3200" kern="1200">
+                <a:solidFill>
+                  <a:schemeClr val="tx1"/>
+                </a:solidFill>
+                <a:latin typeface="+mn-lt"/>
+                <a:ea typeface="+mn-ea"/>
+                <a:cs typeface="+mn-cs"/>
+              </a:defRPr>
+            </a:lvl3pPr>
+            <a:lvl4pPr marL="0" indent="0" algn="l" defTabSz="2138314" rtl="0" eaLnBrk="1" latinLnBrk="0" hangingPunct="1">
+              <a:lnSpc>
+                <a:spcPct val="90000"/>
+              </a:lnSpc>
+              <a:spcBef>
+                <a:spcPts val="0"/>
+              </a:spcBef>
+              <a:buFont typeface="Arial" panose="020B0604020202020204" pitchFamily="34" charset="0"/>
+              <a:buNone/>
+              <a:defRPr sz="2684" b="1" kern="1200">
+                <a:solidFill>
+                  <a:schemeClr val="accent3"/>
+                </a:solidFill>
+                <a:latin typeface="+mn-lt"/>
+                <a:ea typeface="+mn-ea"/>
+                <a:cs typeface="+mn-cs"/>
+              </a:defRPr>
+            </a:lvl4pPr>
+            <a:lvl5pPr marL="0" indent="0" algn="l" defTabSz="2138314" rtl="0" eaLnBrk="1" latinLnBrk="0" hangingPunct="1">
+              <a:lnSpc>
+                <a:spcPct val="90000"/>
+              </a:lnSpc>
+              <a:spcBef>
+                <a:spcPts val="0"/>
+              </a:spcBef>
+              <a:buFont typeface="Arial" panose="020B0604020202020204" pitchFamily="34" charset="0"/>
+              <a:buNone/>
+              <a:defRPr sz="2100" b="1" kern="1200">
+                <a:solidFill>
+                  <a:schemeClr val="tx1"/>
+                </a:solidFill>
+                <a:latin typeface="+mn-lt"/>
+                <a:ea typeface="+mn-ea"/>
+                <a:cs typeface="+mn-cs"/>
+              </a:defRPr>
+            </a:lvl5pPr>
+            <a:lvl6pPr marL="0" indent="0" algn="l" defTabSz="2138314" rtl="0" eaLnBrk="1" latinLnBrk="0" hangingPunct="1">
+              <a:lnSpc>
+                <a:spcPct val="90000"/>
+              </a:lnSpc>
+              <a:spcBef>
+                <a:spcPts val="0"/>
+              </a:spcBef>
+              <a:buFont typeface="Arial" panose="020B0604020202020204" pitchFamily="34" charset="0"/>
+              <a:buNone/>
+              <a:defRPr sz="2100" kern="1200">
+                <a:solidFill>
+                  <a:schemeClr val="tx1"/>
+                </a:solidFill>
+                <a:latin typeface="+mn-lt"/>
+                <a:ea typeface="+mn-ea"/>
+                <a:cs typeface="+mn-cs"/>
+              </a:defRPr>
+            </a:lvl6pPr>
+            <a:lvl7pPr marL="0" indent="0" algn="l" defTabSz="2138314" rtl="0" eaLnBrk="1" latinLnBrk="0" hangingPunct="1">
+              <a:lnSpc>
+                <a:spcPct val="90000"/>
+              </a:lnSpc>
+              <a:spcBef>
+                <a:spcPts val="0"/>
+              </a:spcBef>
+              <a:spcAft>
+                <a:spcPts val="3673"/>
+              </a:spcAft>
+              <a:buFont typeface="Arial" panose="020B0604020202020204" pitchFamily="34" charset="0"/>
+              <a:buNone/>
+              <a:defRPr sz="1130" kern="1200" cap="all" baseline="0">
+                <a:solidFill>
+                  <a:schemeClr val="tx1"/>
+                </a:solidFill>
+                <a:latin typeface="+mn-lt"/>
+                <a:ea typeface="+mn-ea"/>
+                <a:cs typeface="+mn-cs"/>
+              </a:defRPr>
+            </a:lvl7pPr>
+            <a:lvl8pPr marL="177988" indent="-177988" algn="l" defTabSz="2138314" rtl="0" eaLnBrk="1" latinLnBrk="0" hangingPunct="1">
+              <a:lnSpc>
+                <a:spcPct val="90000"/>
+              </a:lnSpc>
+              <a:spcBef>
+                <a:spcPts val="0"/>
+              </a:spcBef>
+              <a:buClr>
+                <a:schemeClr val="accent3"/>
+              </a:buClr>
+              <a:buFont typeface="Arial" panose="020B0604020202020204" pitchFamily="34" charset="0"/>
+              <a:buChar char="•"/>
+              <a:defRPr sz="1695" kern="1200">
+                <a:solidFill>
+                  <a:schemeClr val="tx1"/>
+                </a:solidFill>
+                <a:latin typeface="+mn-lt"/>
+                <a:ea typeface="+mn-ea"/>
+                <a:cs typeface="+mn-cs"/>
+              </a:defRPr>
+            </a:lvl8pPr>
+            <a:lvl9pPr marL="355975" indent="-355975" algn="l" defTabSz="2138314" rtl="0" eaLnBrk="1" latinLnBrk="0" hangingPunct="1">
+              <a:lnSpc>
+                <a:spcPct val="90000"/>
+              </a:lnSpc>
+              <a:spcBef>
+                <a:spcPts val="0"/>
+              </a:spcBef>
+              <a:buClr>
+                <a:schemeClr val="accent3"/>
+              </a:buClr>
+              <a:buFont typeface="Arial" panose="020B0604020202020204" pitchFamily="34" charset="0"/>
+              <a:buChar char="•"/>
+              <a:defRPr sz="1695" kern="1200">
+                <a:solidFill>
+                  <a:schemeClr val="tx1"/>
+                </a:solidFill>
+                <a:latin typeface="+mn-lt"/>
+                <a:ea typeface="+mn-ea"/>
+                <a:cs typeface="+mn-cs"/>
+              </a:defRPr>
+            </a:lvl9pPr>
+          </a:lstStyle>
+          <a:p>
+            <a:r>
+              <a:rPr lang="en-GB" dirty="0"/>
+              <a:t>Figure 5:  Code and results for self-contained MV-MPC example using AirBorne in Julia, trading in Google and Apple through 2017 with a 2% transaction fee and perfect information forecast. </a:t>
+            </a:r>
+          </a:p>
+        </p:txBody>
+      </p:sp>
+      <p:grpSp>
+        <p:nvGrpSpPr>
+          <p:cNvPr id="86" name="Group 85">
+            <a:extLst>
+              <a:ext uri="{FF2B5EF4-FFF2-40B4-BE49-F238E27FC236}">
+                <a16:creationId xmlns:a16="http://schemas.microsoft.com/office/drawing/2014/main" id="{32D46B47-19C5-4049-5033-4F71D6F1D6FB}"/>
+              </a:ext>
+            </a:extLst>
+          </p:cNvPr>
+          <p:cNvGrpSpPr/>
+          <p:nvPr/>
+        </p:nvGrpSpPr>
+        <p:grpSpPr>
+          <a:xfrm>
+            <a:off x="14747536" y="16250435"/>
+            <a:ext cx="6271981" cy="10835442"/>
+            <a:chOff x="14747536" y="16250435"/>
+            <a:chExt cx="6271981" cy="10835442"/>
+          </a:xfrm>
+        </p:grpSpPr>
         <p:pic>
           <p:nvPicPr>
-            <p:cNvPr id="24" name="Picture 23">
+            <p:cNvPr id="80" name="Picture 79">
               <a:extLst>
                 <a:ext uri="{FF2B5EF4-FFF2-40B4-BE49-F238E27FC236}">
-                  <a16:creationId xmlns:a16="http://schemas.microsoft.com/office/drawing/2014/main" id="{A5B5A3B3-A848-15EA-BD16-E03F737A302C}"/>
+                  <a16:creationId xmlns:a16="http://schemas.microsoft.com/office/drawing/2014/main" id="{D8DFF931-2036-0CCE-61A6-AF04B5EE616B}"/>
                 </a:ext>
               </a:extLst>
             </p:cNvPr>
@@ -7011,13 +8692,13 @@
             <p:nvPr/>
           </p:nvPicPr>
           <p:blipFill>
-            <a:blip r:embed="rId10">
+            <a:blip r:embed="rId18">
               <a:clrChange>
                 <a:clrFrom>
-                  <a:srgbClr val="FFFFFF"/>
+                  <a:srgbClr val="F5F5F5"/>
                 </a:clrFrom>
                 <a:clrTo>
-                  <a:srgbClr val="FFFFFF">
+                  <a:srgbClr val="F5F5F5">
                     <a:alpha val="0"/>
                   </a:srgbClr>
                 </a:clrTo>
@@ -7029,8 +8710,8 @@
           </p:blipFill>
           <p:spPr>
             <a:xfrm>
-              <a:off x="649785" y="20003099"/>
-              <a:ext cx="7381816" cy="861493"/>
+              <a:off x="14755507" y="16250435"/>
+              <a:ext cx="6264010" cy="6777777"/>
             </a:xfrm>
             <a:prstGeom prst="rect">
               <a:avLst/>
@@ -7039,10 +8720,10 @@
         </p:pic>
         <p:pic>
           <p:nvPicPr>
-            <p:cNvPr id="26" name="Picture 25">
+            <p:cNvPr id="84" name="Picture 83">
               <a:extLst>
                 <a:ext uri="{FF2B5EF4-FFF2-40B4-BE49-F238E27FC236}">
-                  <a16:creationId xmlns:a16="http://schemas.microsoft.com/office/drawing/2014/main" id="{97A214E6-646F-3E83-D1C7-E099A5066A09}"/>
+                  <a16:creationId xmlns:a16="http://schemas.microsoft.com/office/drawing/2014/main" id="{D85549DA-BB50-1743-918E-EB2F3A97BD67}"/>
                 </a:ext>
               </a:extLst>
             </p:cNvPr>
@@ -7052,760 +8733,22 @@
             <p:nvPr/>
           </p:nvPicPr>
           <p:blipFill>
-            <a:blip r:embed="rId11">
-              <a:clrChange>
-                <a:clrFrom>
-                  <a:srgbClr val="FFFFFF"/>
-                </a:clrFrom>
-                <a:clrTo>
-                  <a:srgbClr val="FFFFFF">
-                    <a:alpha val="0"/>
-                  </a:srgbClr>
-                </a:clrTo>
-              </a:clrChange>
-            </a:blip>
+            <a:blip r:embed="rId19"/>
             <a:stretch>
               <a:fillRect/>
             </a:stretch>
           </p:blipFill>
           <p:spPr>
             <a:xfrm>
-              <a:off x="1322735" y="20843948"/>
-              <a:ext cx="3916204" cy="569549"/>
+              <a:off x="14747536" y="23437112"/>
+              <a:ext cx="5824735" cy="3648765"/>
             </a:xfrm>
             <a:prstGeom prst="rect">
               <a:avLst/>
             </a:prstGeom>
           </p:spPr>
         </p:pic>
-        <p:pic>
-          <p:nvPicPr>
-            <p:cNvPr id="28" name="Picture 27">
-              <a:extLst>
-                <a:ext uri="{FF2B5EF4-FFF2-40B4-BE49-F238E27FC236}">
-                  <a16:creationId xmlns:a16="http://schemas.microsoft.com/office/drawing/2014/main" id="{4088B72F-7EEB-6771-A39F-AA73D6A2649E}"/>
-                </a:ext>
-              </a:extLst>
-            </p:cNvPr>
-            <p:cNvPicPr>
-              <a:picLocks noChangeAspect="1"/>
-            </p:cNvPicPr>
-            <p:nvPr/>
-          </p:nvPicPr>
-          <p:blipFill>
-            <a:blip r:embed="rId12">
-              <a:clrChange>
-                <a:clrFrom>
-                  <a:srgbClr val="FFFFFF"/>
-                </a:clrFrom>
-                <a:clrTo>
-                  <a:srgbClr val="FFFFFF">
-                    <a:alpha val="0"/>
-                  </a:srgbClr>
-                </a:clrTo>
-              </a:clrChange>
-            </a:blip>
-            <a:stretch>
-              <a:fillRect/>
-            </a:stretch>
-          </p:blipFill>
-          <p:spPr>
-            <a:xfrm>
-              <a:off x="1514028" y="21452840"/>
-              <a:ext cx="3588720" cy="491365"/>
-            </a:xfrm>
-            <a:prstGeom prst="rect">
-              <a:avLst/>
-            </a:prstGeom>
-          </p:spPr>
-        </p:pic>
-        <p:sp>
-          <p:nvSpPr>
-            <p:cNvPr id="31" name="TextBox 30">
-              <a:extLst>
-                <a:ext uri="{FF2B5EF4-FFF2-40B4-BE49-F238E27FC236}">
-                  <a16:creationId xmlns:a16="http://schemas.microsoft.com/office/drawing/2014/main" id="{E166E783-E372-4B6D-2C61-D7114711BC3D}"/>
-                </a:ext>
-              </a:extLst>
-            </p:cNvPr>
-            <p:cNvSpPr txBox="1"/>
-            <p:nvPr/>
-          </p:nvSpPr>
-          <p:spPr>
-            <a:xfrm>
-              <a:off x="1034935" y="21075053"/>
-              <a:ext cx="362173" cy="307776"/>
-            </a:xfrm>
-            <a:prstGeom prst="rect">
-              <a:avLst/>
-            </a:prstGeom>
-            <a:noFill/>
-          </p:spPr>
-          <p:txBody>
-            <a:bodyPr wrap="square" lIns="0" tIns="0" rIns="0" bIns="0" rtlCol="0">
-              <a:noAutofit/>
-            </a:bodyPr>
-            <a:lstStyle/>
-            <a:p>
-              <a:pPr algn="l">
-                <a:lnSpc>
-                  <a:spcPct val="90000"/>
-                </a:lnSpc>
-              </a:pPr>
-              <a:r>
-                <a:rPr lang="en-US" dirty="0" err="1"/>
-                <a:t>s.t.</a:t>
-              </a:r>
-              <a:r>
-                <a:rPr lang="en-US" dirty="0"/>
-                <a:t>,</a:t>
-              </a:r>
-              <a:endParaRPr lang="en-GB" dirty="0"/>
-            </a:p>
-          </p:txBody>
-        </p:sp>
-        <p:sp>
-          <p:nvSpPr>
-            <p:cNvPr id="32" name="TextBox 31">
-              <a:extLst>
-                <a:ext uri="{FF2B5EF4-FFF2-40B4-BE49-F238E27FC236}">
-                  <a16:creationId xmlns:a16="http://schemas.microsoft.com/office/drawing/2014/main" id="{3596F0E7-04A0-06B2-E1C8-32532047092A}"/>
-                </a:ext>
-              </a:extLst>
-            </p:cNvPr>
-            <p:cNvSpPr txBox="1"/>
-            <p:nvPr/>
-          </p:nvSpPr>
-          <p:spPr>
-            <a:xfrm>
-              <a:off x="683063" y="19901782"/>
-              <a:ext cx="517087" cy="307776"/>
-            </a:xfrm>
-            <a:prstGeom prst="rect">
-              <a:avLst/>
-            </a:prstGeom>
-            <a:noFill/>
-          </p:spPr>
-          <p:txBody>
-            <a:bodyPr wrap="square" lIns="0" tIns="0" rIns="0" bIns="0" rtlCol="0">
-              <a:noAutofit/>
-            </a:bodyPr>
-            <a:lstStyle/>
-            <a:p>
-              <a:pPr algn="l">
-                <a:lnSpc>
-                  <a:spcPct val="90000"/>
-                </a:lnSpc>
-              </a:pPr>
-              <a:r>
-                <a:rPr lang="en-US" dirty="0"/>
-                <a:t>OCP</a:t>
-              </a:r>
-              <a:endParaRPr lang="en-GB" dirty="0"/>
-            </a:p>
-          </p:txBody>
-        </p:sp>
       </p:grpSp>
-      <p:sp>
-        <p:nvSpPr>
-          <p:cNvPr id="69" name="TextBox 68">
-            <a:extLst>
-              <a:ext uri="{FF2B5EF4-FFF2-40B4-BE49-F238E27FC236}">
-                <a16:creationId xmlns:a16="http://schemas.microsoft.com/office/drawing/2014/main" id="{D55544B8-DC83-94AE-6521-1FC273D4EECE}"/>
-              </a:ext>
-            </a:extLst>
-          </p:cNvPr>
-          <p:cNvSpPr txBox="1"/>
-          <p:nvPr/>
-        </p:nvSpPr>
-        <p:spPr>
-          <a:xfrm>
-            <a:off x="7878594" y="22502538"/>
-            <a:ext cx="374143" cy="750187"/>
-          </a:xfrm>
-          <a:prstGeom prst="rect">
-            <a:avLst/>
-          </a:prstGeom>
-          <a:noFill/>
-        </p:spPr>
-        <p:txBody>
-          <a:bodyPr wrap="square" lIns="0" tIns="0" rIns="0" bIns="0" rtlCol="0">
-            <a:noAutofit/>
-          </a:bodyPr>
-          <a:lstStyle/>
-          <a:p>
-            <a:pPr algn="l">
-              <a:lnSpc>
-                <a:spcPct val="90000"/>
-              </a:lnSpc>
-            </a:pPr>
-            <a:r>
-              <a:rPr lang="en-US" sz="1700" dirty="0"/>
-              <a:t>(1)</a:t>
-            </a:r>
-            <a:endParaRPr lang="en-GB" sz="1700" dirty="0"/>
-          </a:p>
-        </p:txBody>
-      </p:sp>
-      <mc:AlternateContent xmlns:mc="http://schemas.openxmlformats.org/markup-compatibility/2006">
-        <mc:Choice xmlns:a14="http://schemas.microsoft.com/office/drawing/2010/main" Requires="a14">
-          <p:sp>
-            <p:nvSpPr>
-              <p:cNvPr id="70" name="TextBox 69">
-                <a:extLst>
-                  <a:ext uri="{FF2B5EF4-FFF2-40B4-BE49-F238E27FC236}">
-                    <a16:creationId xmlns:a16="http://schemas.microsoft.com/office/drawing/2014/main" id="{EE41779E-8DFD-09D6-72AE-F688CBA67656}"/>
-                  </a:ext>
-                </a:extLst>
-              </p:cNvPr>
-              <p:cNvSpPr txBox="1"/>
-              <p:nvPr/>
-            </p:nvSpPr>
-            <p:spPr>
-              <a:xfrm>
-                <a:off x="572269" y="23880363"/>
-                <a:ext cx="4346250" cy="914400"/>
-              </a:xfrm>
-              <a:prstGeom prst="rect">
-                <a:avLst/>
-              </a:prstGeom>
-              <a:noFill/>
-            </p:spPr>
-            <p:txBody>
-              <a:bodyPr wrap="none" lIns="0" tIns="0" rIns="0" bIns="0" rtlCol="0">
-                <a:noAutofit/>
-              </a:bodyPr>
-              <a:lstStyle/>
-              <a:p>
-                <a:pPr>
-                  <a:lnSpc>
-                    <a:spcPct val="90000"/>
-                  </a:lnSpc>
-                </a:pPr>
-                <a14:m>
-                  <m:oMath xmlns:m="http://schemas.openxmlformats.org/officeDocument/2006/math">
-                    <m:sSub>
-                      <m:sSubPr>
-                        <m:ctrlPr>
-                          <a:rPr lang="en-US" sz="1700" i="1">
-                            <a:latin typeface="Cambria Math" panose="02040503050406030204" pitchFamily="18" charset="0"/>
-                          </a:rPr>
-                        </m:ctrlPr>
-                      </m:sSubPr>
-                      <m:e>
-                        <m:r>
-                          <a:rPr lang="en-US" sz="1700" i="1">
-                            <a:latin typeface="Cambria Math" panose="02040503050406030204" pitchFamily="18" charset="0"/>
-                          </a:rPr>
-                          <m:t>𝜋</m:t>
-                        </m:r>
-                      </m:e>
-                      <m:sub>
-                        <m:r>
-                          <a:rPr lang="en-US" sz="1700" i="1">
-                            <a:latin typeface="Cambria Math" panose="02040503050406030204" pitchFamily="18" charset="0"/>
-                          </a:rPr>
-                          <m:t>𝜏</m:t>
-                        </m:r>
-                      </m:sub>
-                    </m:sSub>
-                  </m:oMath>
-                </a14:m>
-                <a:r>
-                  <a:rPr lang="en-GB" sz="1700" dirty="0"/>
-                  <a:t>: Portfolio distribution at time </a:t>
-                </a:r>
-                <a14:m>
-                  <m:oMath xmlns:m="http://schemas.openxmlformats.org/officeDocument/2006/math">
-                    <m:r>
-                      <a:rPr lang="en-US" sz="1700" i="1">
-                        <a:latin typeface="Cambria Math" panose="02040503050406030204" pitchFamily="18" charset="0"/>
-                      </a:rPr>
-                      <m:t>𝜏</m:t>
-                    </m:r>
-                  </m:oMath>
-                </a14:m>
-                <a:endParaRPr lang="en-US" sz="1700" dirty="0"/>
-              </a:p>
-              <a:p>
-                <a:pPr>
-                  <a:lnSpc>
-                    <a:spcPct val="90000"/>
-                  </a:lnSpc>
-                </a:pPr>
-                <a14:m>
-                  <m:oMath xmlns:m="http://schemas.openxmlformats.org/officeDocument/2006/math">
-                    <m:sSub>
-                      <m:sSubPr>
-                        <m:ctrlPr>
-                          <a:rPr lang="en-US" sz="1700" i="1">
-                            <a:latin typeface="Cambria Math" panose="02040503050406030204" pitchFamily="18" charset="0"/>
-                          </a:rPr>
-                        </m:ctrlPr>
-                      </m:sSubPr>
-                      <m:e>
-                        <m:acc>
-                          <m:accPr>
-                            <m:chr m:val="̂"/>
-                            <m:ctrlPr>
-                              <a:rPr lang="en-US" sz="1700" i="1">
-                                <a:latin typeface="Cambria Math" panose="02040503050406030204" pitchFamily="18" charset="0"/>
-                              </a:rPr>
-                            </m:ctrlPr>
-                          </m:accPr>
-                          <m:e>
-                            <m:r>
-                              <a:rPr lang="en-US" sz="1700" i="1">
-                                <a:latin typeface="Cambria Math" panose="02040503050406030204" pitchFamily="18" charset="0"/>
-                              </a:rPr>
-                              <m:t>𝑟</m:t>
-                            </m:r>
-                          </m:e>
-                        </m:acc>
-                      </m:e>
-                      <m:sub>
-                        <m:r>
-                          <a:rPr lang="en-US" sz="1700" i="1">
-                            <a:latin typeface="Cambria Math" panose="02040503050406030204" pitchFamily="18" charset="0"/>
-                          </a:rPr>
-                          <m:t>𝜏</m:t>
-                        </m:r>
-                        <m:r>
-                          <a:rPr lang="en-US" sz="1700" i="1">
-                            <a:latin typeface="Cambria Math" panose="02040503050406030204" pitchFamily="18" charset="0"/>
-                          </a:rPr>
-                          <m:t>|</m:t>
-                        </m:r>
-                        <m:r>
-                          <a:rPr lang="en-US" sz="1700" i="1">
-                            <a:latin typeface="Cambria Math" panose="02040503050406030204" pitchFamily="18" charset="0"/>
-                          </a:rPr>
-                          <m:t>𝑡</m:t>
-                        </m:r>
-                      </m:sub>
-                    </m:sSub>
-                  </m:oMath>
-                </a14:m>
-                <a:r>
-                  <a:rPr lang="en-GB" sz="1700" dirty="0"/>
-                  <a:t>: Expected return at time </a:t>
-                </a:r>
-                <a14:m>
-                  <m:oMath xmlns:m="http://schemas.openxmlformats.org/officeDocument/2006/math">
-                    <m:r>
-                      <a:rPr lang="en-US" sz="1700" i="1">
-                        <a:latin typeface="Cambria Math" panose="02040503050406030204" pitchFamily="18" charset="0"/>
-                      </a:rPr>
-                      <m:t>𝜏</m:t>
-                    </m:r>
-                  </m:oMath>
-                </a14:m>
-                <a:r>
-                  <a:rPr lang="en-GB" sz="1700" dirty="0"/>
-                  <a:t> as of time t</a:t>
-                </a:r>
-              </a:p>
-              <a:p>
-                <a:pPr>
-                  <a:lnSpc>
-                    <a:spcPct val="90000"/>
-                  </a:lnSpc>
-                </a:pPr>
-                <a14:m>
-                  <m:oMath xmlns:m="http://schemas.openxmlformats.org/officeDocument/2006/math">
-                    <m:sSub>
-                      <m:sSubPr>
-                        <m:ctrlPr>
-                          <a:rPr lang="en-US" sz="1700" i="1">
-                            <a:latin typeface="Cambria Math" panose="02040503050406030204" pitchFamily="18" charset="0"/>
-                          </a:rPr>
-                        </m:ctrlPr>
-                      </m:sSubPr>
-                      <m:e>
-                        <m:acc>
-                          <m:accPr>
-                            <m:chr m:val="̂"/>
-                            <m:ctrlPr>
-                              <a:rPr lang="en-US" sz="1700" i="1">
-                                <a:latin typeface="Cambria Math" panose="02040503050406030204" pitchFamily="18" charset="0"/>
-                              </a:rPr>
-                            </m:ctrlPr>
-                          </m:accPr>
-                          <m:e>
-                            <m:r>
-                              <m:rPr>
-                                <m:sty m:val="p"/>
-                              </m:rPr>
-                              <a:rPr lang="en-US" sz="1700">
-                                <a:latin typeface="Cambria Math" panose="02040503050406030204" pitchFamily="18" charset="0"/>
-                              </a:rPr>
-                              <m:t>Σ</m:t>
-                            </m:r>
-                          </m:e>
-                        </m:acc>
-                      </m:e>
-                      <m:sub>
-                        <m:r>
-                          <a:rPr lang="en-US" sz="1700" i="1">
-                            <a:latin typeface="Cambria Math" panose="02040503050406030204" pitchFamily="18" charset="0"/>
-                          </a:rPr>
-                          <m:t>𝜏</m:t>
-                        </m:r>
-                        <m:r>
-                          <a:rPr lang="en-US" sz="1700" i="1">
-                            <a:latin typeface="Cambria Math" panose="02040503050406030204" pitchFamily="18" charset="0"/>
-                          </a:rPr>
-                          <m:t>|</m:t>
-                        </m:r>
-                        <m:r>
-                          <a:rPr lang="en-US" sz="1700" i="1">
-                            <a:latin typeface="Cambria Math" panose="02040503050406030204" pitchFamily="18" charset="0"/>
-                          </a:rPr>
-                          <m:t>𝑡</m:t>
-                        </m:r>
-                      </m:sub>
-                    </m:sSub>
-                  </m:oMath>
-                </a14:m>
-                <a:r>
-                  <a:rPr lang="en-GB" sz="1700" dirty="0"/>
-                  <a:t>: Covariance matrix at time </a:t>
-                </a:r>
-                <a14:m>
-                  <m:oMath xmlns:m="http://schemas.openxmlformats.org/officeDocument/2006/math">
-                    <m:r>
-                      <a:rPr lang="en-US" sz="1700" i="1">
-                        <a:latin typeface="Cambria Math" panose="02040503050406030204" pitchFamily="18" charset="0"/>
-                      </a:rPr>
-                      <m:t>𝜏</m:t>
-                    </m:r>
-                    <m:r>
-                      <a:rPr lang="en-US" sz="1700" i="1">
-                        <a:latin typeface="Cambria Math" panose="02040503050406030204" pitchFamily="18" charset="0"/>
-                      </a:rPr>
-                      <m:t> </m:t>
-                    </m:r>
-                  </m:oMath>
-                </a14:m>
-                <a:r>
-                  <a:rPr lang="en-GB" sz="1700" dirty="0"/>
-                  <a:t>as of time t</a:t>
-                </a:r>
-              </a:p>
-              <a:p>
-                <a:pPr>
-                  <a:lnSpc>
-                    <a:spcPct val="90000"/>
-                  </a:lnSpc>
-                </a:pPr>
-                <a:endParaRPr lang="en-US" sz="1700" dirty="0"/>
-              </a:p>
-              <a:p>
-                <a:pPr>
-                  <a:lnSpc>
-                    <a:spcPct val="90000"/>
-                  </a:lnSpc>
-                </a:pPr>
-                <a:endParaRPr lang="en-US" sz="1700" dirty="0"/>
-              </a:p>
-              <a:p>
-                <a:pPr>
-                  <a:lnSpc>
-                    <a:spcPct val="90000"/>
-                  </a:lnSpc>
-                </a:pPr>
-                <a:endParaRPr lang="en-GB" sz="1700" dirty="0"/>
-              </a:p>
-              <a:p>
-                <a:pPr>
-                  <a:lnSpc>
-                    <a:spcPct val="90000"/>
-                  </a:lnSpc>
-                </a:pPr>
-                <a:endParaRPr lang="en-GB" sz="1700" dirty="0"/>
-              </a:p>
-              <a:p>
-                <a:pPr>
-                  <a:lnSpc>
-                    <a:spcPct val="90000"/>
-                  </a:lnSpc>
-                </a:pPr>
-                <a:endParaRPr lang="en-GB" sz="1700" dirty="0"/>
-              </a:p>
-            </p:txBody>
-          </p:sp>
-        </mc:Choice>
-        <mc:Fallback>
-          <p:sp>
-            <p:nvSpPr>
-              <p:cNvPr id="70" name="TextBox 69">
-                <a:extLst>
-                  <a:ext uri="{FF2B5EF4-FFF2-40B4-BE49-F238E27FC236}">
-                    <a16:creationId xmlns:a16="http://schemas.microsoft.com/office/drawing/2014/main" id="{EE41779E-8DFD-09D6-72AE-F688CBA67656}"/>
-                  </a:ext>
-                </a:extLst>
-              </p:cNvPr>
-              <p:cNvSpPr txBox="1">
-                <a:spLocks noRot="1" noChangeAspect="1" noMove="1" noResize="1" noEditPoints="1" noAdjustHandles="1" noChangeArrowheads="1" noChangeShapeType="1" noTextEdit="1"/>
-              </p:cNvSpPr>
-              <p:nvPr/>
-            </p:nvSpPr>
-            <p:spPr>
-              <a:xfrm>
-                <a:off x="572269" y="23880363"/>
-                <a:ext cx="4346250" cy="914400"/>
-              </a:xfrm>
-              <a:prstGeom prst="rect">
-                <a:avLst/>
-              </a:prstGeom>
-              <a:blipFill>
-                <a:blip r:embed="rId13"/>
-                <a:stretch>
-                  <a:fillRect l="-1823" t="-10000"/>
-                </a:stretch>
-              </a:blipFill>
-            </p:spPr>
-            <p:txBody>
-              <a:bodyPr/>
-              <a:lstStyle/>
-              <a:p>
-                <a:r>
-                  <a:rPr lang="en-GB">
-                    <a:noFill/>
-                  </a:rPr>
-                  <a:t> </a:t>
-                </a:r>
-              </a:p>
-            </p:txBody>
-          </p:sp>
-        </mc:Fallback>
-      </mc:AlternateContent>
-      <mc:AlternateContent xmlns:mc="http://schemas.openxmlformats.org/markup-compatibility/2006">
-        <mc:Choice xmlns:a14="http://schemas.microsoft.com/office/drawing/2010/main" Requires="a14">
-          <p:sp>
-            <p:nvSpPr>
-              <p:cNvPr id="72" name="TextBox 71">
-                <a:extLst>
-                  <a:ext uri="{FF2B5EF4-FFF2-40B4-BE49-F238E27FC236}">
-                    <a16:creationId xmlns:a16="http://schemas.microsoft.com/office/drawing/2014/main" id="{DA689300-C4DE-4441-23FF-942156BBCCF5}"/>
-                  </a:ext>
-                </a:extLst>
-              </p:cNvPr>
-              <p:cNvSpPr txBox="1"/>
-              <p:nvPr/>
-            </p:nvSpPr>
-            <p:spPr>
-              <a:xfrm>
-                <a:off x="4910932" y="23880363"/>
-                <a:ext cx="2813182" cy="810478"/>
-              </a:xfrm>
-              <a:prstGeom prst="rect">
-                <a:avLst/>
-              </a:prstGeom>
-              <a:noFill/>
-            </p:spPr>
-            <p:txBody>
-              <a:bodyPr wrap="square">
-                <a:spAutoFit/>
-              </a:bodyPr>
-              <a:lstStyle/>
-              <a:p>
-                <a:pPr>
-                  <a:lnSpc>
-                    <a:spcPct val="90000"/>
-                  </a:lnSpc>
-                </a:pPr>
-                <a14:m>
-                  <m:oMath xmlns:m="http://schemas.openxmlformats.org/officeDocument/2006/math">
-                    <m:r>
-                      <a:rPr lang="en-US" sz="1700" i="1">
-                        <a:latin typeface="Cambria Math" panose="02040503050406030204" pitchFamily="18" charset="0"/>
-                      </a:rPr>
-                      <m:t>𝐻</m:t>
-                    </m:r>
-                  </m:oMath>
-                </a14:m>
-                <a:r>
-                  <a:rPr lang="en-GB" sz="1700" dirty="0"/>
-                  <a:t>: </a:t>
-                </a:r>
-                <a:r>
-                  <a:rPr lang="en-US" sz="1700" dirty="0"/>
-                  <a:t>Horizon</a:t>
-                </a:r>
-              </a:p>
-              <a:p>
-                <a:pPr>
-                  <a:lnSpc>
-                    <a:spcPct val="90000"/>
-                  </a:lnSpc>
-                </a:pPr>
-                <a14:m>
-                  <m:oMath xmlns:m="http://schemas.openxmlformats.org/officeDocument/2006/math">
-                    <m:sSup>
-                      <m:sSupPr>
-                        <m:ctrlPr>
-                          <a:rPr lang="en-US" sz="1700" i="1">
-                            <a:latin typeface="Cambria Math" panose="02040503050406030204" pitchFamily="18" charset="0"/>
-                          </a:rPr>
-                        </m:ctrlPr>
-                      </m:sSupPr>
-                      <m:e>
-                        <m:r>
-                          <a:rPr lang="en-US" sz="1700" i="1">
-                            <a:latin typeface="Cambria Math" panose="02040503050406030204" pitchFamily="18" charset="0"/>
-                          </a:rPr>
-                          <m:t>𝛾</m:t>
-                        </m:r>
-                      </m:e>
-                      <m:sup>
-                        <m:r>
-                          <a:rPr lang="en-US" sz="1700" i="1">
-                            <a:latin typeface="Cambria Math" panose="02040503050406030204" pitchFamily="18" charset="0"/>
-                          </a:rPr>
-                          <m:t>𝑟𝑖𝑠𝑘</m:t>
-                        </m:r>
-                      </m:sup>
-                    </m:sSup>
-                  </m:oMath>
-                </a14:m>
-                <a:r>
-                  <a:rPr lang="en-GB" sz="1700" dirty="0"/>
-                  <a:t>: </a:t>
-                </a:r>
-                <a:r>
-                  <a:rPr lang="en-US" sz="1700" dirty="0"/>
-                  <a:t>Risk weight factor</a:t>
-                </a:r>
-              </a:p>
-              <a:p>
-                <a:pPr>
-                  <a:lnSpc>
-                    <a:spcPct val="90000"/>
-                  </a:lnSpc>
-                </a:pPr>
-                <a14:m>
-                  <m:oMath xmlns:m="http://schemas.openxmlformats.org/officeDocument/2006/math">
-                    <m:sSup>
-                      <m:sSupPr>
-                        <m:ctrlPr>
-                          <a:rPr lang="en-US" sz="1700" i="1">
-                            <a:latin typeface="Cambria Math" panose="02040503050406030204" pitchFamily="18" charset="0"/>
-                          </a:rPr>
-                        </m:ctrlPr>
-                      </m:sSupPr>
-                      <m:e>
-                        <m:r>
-                          <a:rPr lang="en-US" sz="1700" i="1">
-                            <a:latin typeface="Cambria Math" panose="02040503050406030204" pitchFamily="18" charset="0"/>
-                          </a:rPr>
-                          <m:t>𝛾</m:t>
-                        </m:r>
-                      </m:e>
-                      <m:sup>
-                        <m:r>
-                          <a:rPr lang="en-US" sz="1700" i="1">
-                            <a:latin typeface="Cambria Math" panose="02040503050406030204" pitchFamily="18" charset="0"/>
-                          </a:rPr>
-                          <m:t>𝑡𝑟𝑎𝑑𝑒</m:t>
-                        </m:r>
-                      </m:sup>
-                    </m:sSup>
-                  </m:oMath>
-                </a14:m>
-                <a:r>
-                  <a:rPr lang="en-GB" sz="1700" dirty="0"/>
-                  <a:t>: </a:t>
-                </a:r>
-                <a:r>
-                  <a:rPr lang="en-US" sz="1700" dirty="0"/>
-                  <a:t>Sell/buy cost</a:t>
-                </a:r>
-              </a:p>
-            </p:txBody>
-          </p:sp>
-        </mc:Choice>
-        <mc:Fallback>
-          <p:sp>
-            <p:nvSpPr>
-              <p:cNvPr id="72" name="TextBox 71">
-                <a:extLst>
-                  <a:ext uri="{FF2B5EF4-FFF2-40B4-BE49-F238E27FC236}">
-                    <a16:creationId xmlns:a16="http://schemas.microsoft.com/office/drawing/2014/main" id="{DA689300-C4DE-4441-23FF-942156BBCCF5}"/>
-                  </a:ext>
-                </a:extLst>
-              </p:cNvPr>
-              <p:cNvSpPr txBox="1">
-                <a:spLocks noRot="1" noChangeAspect="1" noMove="1" noResize="1" noEditPoints="1" noAdjustHandles="1" noChangeArrowheads="1" noChangeShapeType="1" noTextEdit="1"/>
-              </p:cNvSpPr>
-              <p:nvPr/>
-            </p:nvSpPr>
-            <p:spPr>
-              <a:xfrm>
-                <a:off x="4910932" y="23880363"/>
-                <a:ext cx="2813182" cy="810478"/>
-              </a:xfrm>
-              <a:prstGeom prst="rect">
-                <a:avLst/>
-              </a:prstGeom>
-              <a:blipFill>
-                <a:blip r:embed="rId14"/>
-                <a:stretch>
-                  <a:fillRect t="-5263" b="-9774"/>
-                </a:stretch>
-              </a:blipFill>
-            </p:spPr>
-            <p:txBody>
-              <a:bodyPr/>
-              <a:lstStyle/>
-              <a:p>
-                <a:r>
-                  <a:rPr lang="en-GB">
-                    <a:noFill/>
-                  </a:rPr>
-                  <a:t> </a:t>
-                </a:r>
-              </a:p>
-            </p:txBody>
-          </p:sp>
-        </mc:Fallback>
-      </mc:AlternateContent>
-      <p:pic>
-        <p:nvPicPr>
-          <p:cNvPr id="76" name="Picture 75" descr="A qr code with a graph and candlestick chart&#10;&#10;Description automatically generated">
-            <a:extLst>
-              <a:ext uri="{FF2B5EF4-FFF2-40B4-BE49-F238E27FC236}">
-                <a16:creationId xmlns:a16="http://schemas.microsoft.com/office/drawing/2014/main" id="{03CA65C1-F594-993D-D80A-545219561D06}"/>
-              </a:ext>
-            </a:extLst>
-          </p:cNvPr>
-          <p:cNvPicPr>
-            <a:picLocks noChangeAspect="1"/>
-          </p:cNvPicPr>
-          <p:nvPr/>
-        </p:nvPicPr>
-        <p:blipFill>
-          <a:blip r:embed="rId15">
-            <a:extLst>
-              <a:ext uri="{28A0092B-C50C-407E-A947-70E740481C1C}">
-                <a14:useLocalDpi xmlns:a14="http://schemas.microsoft.com/office/drawing/2010/main" val="0"/>
-              </a:ext>
-            </a:extLst>
-          </a:blip>
-          <a:stretch>
-            <a:fillRect/>
-          </a:stretch>
-        </p:blipFill>
-        <p:spPr>
-          <a:xfrm>
-            <a:off x="6500427" y="6264480"/>
-            <a:ext cx="1300904" cy="1300904"/>
-          </a:xfrm>
-          <a:prstGeom prst="rect">
-            <a:avLst/>
-          </a:prstGeom>
-        </p:spPr>
-      </p:pic>
     </p:spTree>
     <p:extLst>
       <p:ext uri="{BB962C8B-B14F-4D97-AF65-F5344CB8AC3E}">
